--- a/timeline.pptx
+++ b/timeline.pptx
@@ -8,6 +8,10 @@
     <p:sldId id="256" r:id="rId2"/>
     <p:sldId id="257" r:id="rId3"/>
     <p:sldId id="258" r:id="rId4"/>
+    <p:sldId id="260" r:id="rId5"/>
+    <p:sldId id="259" r:id="rId6"/>
+    <p:sldId id="261" r:id="rId7"/>
+    <p:sldId id="262" r:id="rId8"/>
   </p:sldIdLst>
   <p:sldSz cx="9144000" cy="6858000" type="screen4x3"/>
   <p:notesSz cx="6858000" cy="9144000"/>
@@ -290,7 +294,8 @@
           <a:p>
             <a:fld id="{A1D45BB3-0D69-448F-9C27-A48A4C388CFE}" type="datetimeFigureOut">
               <a:rPr lang="pt-BR" smtClean="0"/>
-              <a:t>22/05/2018</a:t>
+              <a:pPr/>
+              <a:t>25/05/2018</a:t>
             </a:fld>
             <a:endParaRPr lang="pt-BR"/>
           </a:p>
@@ -332,6 +337,7 @@
           <a:p>
             <a:fld id="{CAC7E197-10B9-4071-A718-9C3936304CDC}" type="slidenum">
               <a:rPr lang="pt-BR" smtClean="0"/>
+              <a:pPr/>
               <a:t>‹nº›</a:t>
             </a:fld>
             <a:endParaRPr lang="pt-BR"/>
@@ -455,7 +461,8 @@
           <a:p>
             <a:fld id="{A1D45BB3-0D69-448F-9C27-A48A4C388CFE}" type="datetimeFigureOut">
               <a:rPr lang="pt-BR" smtClean="0"/>
-              <a:t>22/05/2018</a:t>
+              <a:pPr/>
+              <a:t>25/05/2018</a:t>
             </a:fld>
             <a:endParaRPr lang="pt-BR"/>
           </a:p>
@@ -497,6 +504,7 @@
           <a:p>
             <a:fld id="{CAC7E197-10B9-4071-A718-9C3936304CDC}" type="slidenum">
               <a:rPr lang="pt-BR" smtClean="0"/>
+              <a:pPr/>
               <a:t>‹nº›</a:t>
             </a:fld>
             <a:endParaRPr lang="pt-BR"/>
@@ -630,7 +638,8 @@
           <a:p>
             <a:fld id="{A1D45BB3-0D69-448F-9C27-A48A4C388CFE}" type="datetimeFigureOut">
               <a:rPr lang="pt-BR" smtClean="0"/>
-              <a:t>22/05/2018</a:t>
+              <a:pPr/>
+              <a:t>25/05/2018</a:t>
             </a:fld>
             <a:endParaRPr lang="pt-BR"/>
           </a:p>
@@ -672,6 +681,7 @@
           <a:p>
             <a:fld id="{CAC7E197-10B9-4071-A718-9C3936304CDC}" type="slidenum">
               <a:rPr lang="pt-BR" smtClean="0"/>
+              <a:pPr/>
               <a:t>‹nº›</a:t>
             </a:fld>
             <a:endParaRPr lang="pt-BR"/>
@@ -795,7 +805,8 @@
           <a:p>
             <a:fld id="{A1D45BB3-0D69-448F-9C27-A48A4C388CFE}" type="datetimeFigureOut">
               <a:rPr lang="pt-BR" smtClean="0"/>
-              <a:t>22/05/2018</a:t>
+              <a:pPr/>
+              <a:t>25/05/2018</a:t>
             </a:fld>
             <a:endParaRPr lang="pt-BR"/>
           </a:p>
@@ -837,6 +848,7 @@
           <a:p>
             <a:fld id="{CAC7E197-10B9-4071-A718-9C3936304CDC}" type="slidenum">
               <a:rPr lang="pt-BR" smtClean="0"/>
+              <a:pPr/>
               <a:t>‹nº›</a:t>
             </a:fld>
             <a:endParaRPr lang="pt-BR"/>
@@ -1036,7 +1048,8 @@
           <a:p>
             <a:fld id="{A1D45BB3-0D69-448F-9C27-A48A4C388CFE}" type="datetimeFigureOut">
               <a:rPr lang="pt-BR" smtClean="0"/>
-              <a:t>22/05/2018</a:t>
+              <a:pPr/>
+              <a:t>25/05/2018</a:t>
             </a:fld>
             <a:endParaRPr lang="pt-BR"/>
           </a:p>
@@ -1078,6 +1091,7 @@
           <a:p>
             <a:fld id="{CAC7E197-10B9-4071-A718-9C3936304CDC}" type="slidenum">
               <a:rPr lang="pt-BR" smtClean="0"/>
+              <a:pPr/>
               <a:t>‹nº›</a:t>
             </a:fld>
             <a:endParaRPr lang="pt-BR"/>
@@ -1319,7 +1333,8 @@
           <a:p>
             <a:fld id="{A1D45BB3-0D69-448F-9C27-A48A4C388CFE}" type="datetimeFigureOut">
               <a:rPr lang="pt-BR" smtClean="0"/>
-              <a:t>22/05/2018</a:t>
+              <a:pPr/>
+              <a:t>25/05/2018</a:t>
             </a:fld>
             <a:endParaRPr lang="pt-BR"/>
           </a:p>
@@ -1361,6 +1376,7 @@
           <a:p>
             <a:fld id="{CAC7E197-10B9-4071-A718-9C3936304CDC}" type="slidenum">
               <a:rPr lang="pt-BR" smtClean="0"/>
+              <a:pPr/>
               <a:t>‹nº›</a:t>
             </a:fld>
             <a:endParaRPr lang="pt-BR"/>
@@ -1736,7 +1752,8 @@
           <a:p>
             <a:fld id="{A1D45BB3-0D69-448F-9C27-A48A4C388CFE}" type="datetimeFigureOut">
               <a:rPr lang="pt-BR" smtClean="0"/>
-              <a:t>22/05/2018</a:t>
+              <a:pPr/>
+              <a:t>25/05/2018</a:t>
             </a:fld>
             <a:endParaRPr lang="pt-BR"/>
           </a:p>
@@ -1778,6 +1795,7 @@
           <a:p>
             <a:fld id="{CAC7E197-10B9-4071-A718-9C3936304CDC}" type="slidenum">
               <a:rPr lang="pt-BR" smtClean="0"/>
+              <a:pPr/>
               <a:t>‹nº›</a:t>
             </a:fld>
             <a:endParaRPr lang="pt-BR"/>
@@ -1849,7 +1867,8 @@
           <a:p>
             <a:fld id="{A1D45BB3-0D69-448F-9C27-A48A4C388CFE}" type="datetimeFigureOut">
               <a:rPr lang="pt-BR" smtClean="0"/>
-              <a:t>22/05/2018</a:t>
+              <a:pPr/>
+              <a:t>25/05/2018</a:t>
             </a:fld>
             <a:endParaRPr lang="pt-BR"/>
           </a:p>
@@ -1891,6 +1910,7 @@
           <a:p>
             <a:fld id="{CAC7E197-10B9-4071-A718-9C3936304CDC}" type="slidenum">
               <a:rPr lang="pt-BR" smtClean="0"/>
+              <a:pPr/>
               <a:t>‹nº›</a:t>
             </a:fld>
             <a:endParaRPr lang="pt-BR"/>
@@ -1939,7 +1959,8 @@
           <a:p>
             <a:fld id="{A1D45BB3-0D69-448F-9C27-A48A4C388CFE}" type="datetimeFigureOut">
               <a:rPr lang="pt-BR" smtClean="0"/>
-              <a:t>22/05/2018</a:t>
+              <a:pPr/>
+              <a:t>25/05/2018</a:t>
             </a:fld>
             <a:endParaRPr lang="pt-BR"/>
           </a:p>
@@ -1981,6 +2002,7 @@
           <a:p>
             <a:fld id="{CAC7E197-10B9-4071-A718-9C3936304CDC}" type="slidenum">
               <a:rPr lang="pt-BR" smtClean="0"/>
+              <a:pPr/>
               <a:t>‹nº›</a:t>
             </a:fld>
             <a:endParaRPr lang="pt-BR"/>
@@ -2211,7 +2233,8 @@
           <a:p>
             <a:fld id="{A1D45BB3-0D69-448F-9C27-A48A4C388CFE}" type="datetimeFigureOut">
               <a:rPr lang="pt-BR" smtClean="0"/>
-              <a:t>22/05/2018</a:t>
+              <a:pPr/>
+              <a:t>25/05/2018</a:t>
             </a:fld>
             <a:endParaRPr lang="pt-BR"/>
           </a:p>
@@ -2253,6 +2276,7 @@
           <a:p>
             <a:fld id="{CAC7E197-10B9-4071-A718-9C3936304CDC}" type="slidenum">
               <a:rPr lang="pt-BR" smtClean="0"/>
+              <a:pPr/>
               <a:t>‹nº›</a:t>
             </a:fld>
             <a:endParaRPr lang="pt-BR"/>
@@ -2459,7 +2483,8 @@
           <a:p>
             <a:fld id="{A1D45BB3-0D69-448F-9C27-A48A4C388CFE}" type="datetimeFigureOut">
               <a:rPr lang="pt-BR" smtClean="0"/>
-              <a:t>22/05/2018</a:t>
+              <a:pPr/>
+              <a:t>25/05/2018</a:t>
             </a:fld>
             <a:endParaRPr lang="pt-BR"/>
           </a:p>
@@ -2501,6 +2526,7 @@
           <a:p>
             <a:fld id="{CAC7E197-10B9-4071-A718-9C3936304CDC}" type="slidenum">
               <a:rPr lang="pt-BR" smtClean="0"/>
+              <a:pPr/>
               <a:t>‹nº›</a:t>
             </a:fld>
             <a:endParaRPr lang="pt-BR"/>
@@ -2667,7 +2693,8 @@
           <a:p>
             <a:fld id="{A1D45BB3-0D69-448F-9C27-A48A4C388CFE}" type="datetimeFigureOut">
               <a:rPr lang="pt-BR" smtClean="0"/>
-              <a:t>22/05/2018</a:t>
+              <a:pPr/>
+              <a:t>25/05/2018</a:t>
             </a:fld>
             <a:endParaRPr lang="pt-BR"/>
           </a:p>
@@ -2745,6 +2772,7 @@
           <a:p>
             <a:fld id="{CAC7E197-10B9-4071-A718-9C3936304CDC}" type="slidenum">
               <a:rPr lang="pt-BR" smtClean="0"/>
+              <a:pPr/>
               <a:t>‹nº›</a:t>
             </a:fld>
             <a:endParaRPr lang="pt-BR"/>
@@ -10048,6 +10076,5911 @@
 </p:sld>
 </file>
 
+<file path=ppt/slides/slide4.xml><?xml version="1.0" encoding="utf-8"?>
+<p:sld xmlns:a="http://schemas.openxmlformats.org/drawingml/2006/main" xmlns:r="http://schemas.openxmlformats.org/officeDocument/2006/relationships" xmlns:p="http://schemas.openxmlformats.org/presentationml/2006/main">
+  <p:cSld>
+    <p:spTree>
+      <p:nvGrpSpPr>
+        <p:cNvPr id="1" name=""/>
+        <p:cNvGrpSpPr/>
+        <p:nvPr/>
+      </p:nvGrpSpPr>
+      <p:grpSpPr>
+        <a:xfrm>
+          <a:off x="0" y="0"/>
+          <a:ext cx="0" cy="0"/>
+          <a:chOff x="0" y="0"/>
+          <a:chExt cx="0" cy="0"/>
+        </a:xfrm>
+      </p:grpSpPr>
+      <p:sp>
+        <p:nvSpPr>
+          <p:cNvPr id="2" name="Título 1"/>
+          <p:cNvSpPr>
+            <a:spLocks noGrp="1"/>
+          </p:cNvSpPr>
+          <p:nvPr>
+            <p:ph type="title"/>
+          </p:nvPr>
+        </p:nvSpPr>
+        <p:spPr/>
+        <p:txBody>
+          <a:bodyPr/>
+          <a:lstStyle/>
+          <a:p>
+            <a:endParaRPr lang="pt-BR"/>
+          </a:p>
+        </p:txBody>
+      </p:sp>
+      <p:sp>
+        <p:nvSpPr>
+          <p:cNvPr id="3" name="Espaço Reservado para Conteúdo 2"/>
+          <p:cNvSpPr>
+            <a:spLocks noGrp="1"/>
+          </p:cNvSpPr>
+          <p:nvPr>
+            <p:ph idx="1"/>
+          </p:nvPr>
+        </p:nvSpPr>
+        <p:spPr/>
+        <p:txBody>
+          <a:bodyPr/>
+          <a:lstStyle/>
+          <a:p>
+            <a:endParaRPr lang="pt-BR"/>
+          </a:p>
+        </p:txBody>
+      </p:sp>
+    </p:spTree>
+  </p:cSld>
+  <p:clrMapOvr>
+    <a:masterClrMapping/>
+  </p:clrMapOvr>
+</p:sld>
+</file>
+
+<file path=ppt/slides/slide5.xml><?xml version="1.0" encoding="utf-8"?>
+<p:sld xmlns:a="http://schemas.openxmlformats.org/drawingml/2006/main" xmlns:r="http://schemas.openxmlformats.org/officeDocument/2006/relationships" xmlns:p="http://schemas.openxmlformats.org/presentationml/2006/main">
+  <p:cSld>
+    <p:spTree>
+      <p:nvGrpSpPr>
+        <p:cNvPr id="1" name=""/>
+        <p:cNvGrpSpPr/>
+        <p:nvPr/>
+      </p:nvGrpSpPr>
+      <p:grpSpPr>
+        <a:xfrm>
+          <a:off x="0" y="0"/>
+          <a:ext cx="0" cy="0"/>
+          <a:chOff x="0" y="0"/>
+          <a:chExt cx="0" cy="0"/>
+        </a:xfrm>
+      </p:grpSpPr>
+      <p:cxnSp>
+        <p:nvCxnSpPr>
+          <p:cNvPr id="29" name="Conector reto 28"/>
+          <p:cNvCxnSpPr/>
+          <p:nvPr/>
+        </p:nvCxnSpPr>
+        <p:spPr>
+          <a:xfrm rot="5400000" flipH="1" flipV="1">
+            <a:off x="4608513" y="3864415"/>
+            <a:ext cx="642942" cy="1588"/>
+          </a:xfrm>
+          <a:prstGeom prst="line">
+            <a:avLst/>
+          </a:prstGeom>
+          <a:ln w="76200">
+            <a:solidFill>
+              <a:srgbClr val="FF0000"/>
+            </a:solidFill>
+          </a:ln>
+        </p:spPr>
+        <p:style>
+          <a:lnRef idx="1">
+            <a:schemeClr val="accent1"/>
+          </a:lnRef>
+          <a:fillRef idx="0">
+            <a:schemeClr val="accent1"/>
+          </a:fillRef>
+          <a:effectRef idx="0">
+            <a:schemeClr val="accent1"/>
+          </a:effectRef>
+          <a:fontRef idx="minor">
+            <a:schemeClr val="tx1"/>
+          </a:fontRef>
+        </p:style>
+      </p:cxnSp>
+      <p:cxnSp>
+        <p:nvCxnSpPr>
+          <p:cNvPr id="27" name="Conector reto 26"/>
+          <p:cNvCxnSpPr/>
+          <p:nvPr/>
+        </p:nvCxnSpPr>
+        <p:spPr>
+          <a:xfrm rot="5400000" flipH="1" flipV="1">
+            <a:off x="4608513" y="4678370"/>
+            <a:ext cx="642942" cy="1588"/>
+          </a:xfrm>
+          <a:prstGeom prst="line">
+            <a:avLst/>
+          </a:prstGeom>
+          <a:ln w="76200"/>
+        </p:spPr>
+        <p:style>
+          <a:lnRef idx="1">
+            <a:schemeClr val="accent1"/>
+          </a:lnRef>
+          <a:fillRef idx="0">
+            <a:schemeClr val="accent1"/>
+          </a:fillRef>
+          <a:effectRef idx="0">
+            <a:schemeClr val="accent1"/>
+          </a:effectRef>
+          <a:fontRef idx="minor">
+            <a:schemeClr val="tx1"/>
+          </a:fontRef>
+        </p:style>
+      </p:cxnSp>
+      <p:cxnSp>
+        <p:nvCxnSpPr>
+          <p:cNvPr id="35" name="Conector reto 34"/>
+          <p:cNvCxnSpPr/>
+          <p:nvPr/>
+        </p:nvCxnSpPr>
+        <p:spPr>
+          <a:xfrm rot="5400000" flipH="1" flipV="1">
+            <a:off x="3793461" y="4606932"/>
+            <a:ext cx="642942" cy="1588"/>
+          </a:xfrm>
+          <a:prstGeom prst="line">
+            <a:avLst/>
+          </a:prstGeom>
+          <a:ln w="76200">
+            <a:solidFill>
+              <a:schemeClr val="bg1">
+                <a:lumMod val="75000"/>
+              </a:schemeClr>
+            </a:solidFill>
+            <a:prstDash val="sysDot"/>
+          </a:ln>
+        </p:spPr>
+        <p:style>
+          <a:lnRef idx="1">
+            <a:schemeClr val="accent1"/>
+          </a:lnRef>
+          <a:fillRef idx="0">
+            <a:schemeClr val="accent1"/>
+          </a:fillRef>
+          <a:effectRef idx="0">
+            <a:schemeClr val="accent1"/>
+          </a:effectRef>
+          <a:fontRef idx="minor">
+            <a:schemeClr val="tx1"/>
+          </a:fontRef>
+        </p:style>
+      </p:cxnSp>
+      <p:cxnSp>
+        <p:nvCxnSpPr>
+          <p:cNvPr id="37" name="Conector reto 36"/>
+          <p:cNvCxnSpPr/>
+          <p:nvPr/>
+        </p:nvCxnSpPr>
+        <p:spPr>
+          <a:xfrm rot="5400000" flipH="1" flipV="1">
+            <a:off x="3793461" y="3864415"/>
+            <a:ext cx="642942" cy="1588"/>
+          </a:xfrm>
+          <a:prstGeom prst="line">
+            <a:avLst/>
+          </a:prstGeom>
+          <a:ln w="76200">
+            <a:solidFill>
+              <a:srgbClr val="FFC000"/>
+            </a:solidFill>
+          </a:ln>
+        </p:spPr>
+        <p:style>
+          <a:lnRef idx="1">
+            <a:schemeClr val="accent1"/>
+          </a:lnRef>
+          <a:fillRef idx="0">
+            <a:schemeClr val="accent1"/>
+          </a:fillRef>
+          <a:effectRef idx="0">
+            <a:schemeClr val="accent1"/>
+          </a:effectRef>
+          <a:fontRef idx="minor">
+            <a:schemeClr val="tx1"/>
+          </a:fontRef>
+        </p:style>
+      </p:cxnSp>
+      <p:cxnSp>
+        <p:nvCxnSpPr>
+          <p:cNvPr id="33" name="Conector reto 32"/>
+          <p:cNvCxnSpPr/>
+          <p:nvPr/>
+        </p:nvCxnSpPr>
+        <p:spPr>
+          <a:xfrm rot="5400000" flipH="1" flipV="1">
+            <a:off x="4608513" y="2649969"/>
+            <a:ext cx="642942" cy="1588"/>
+          </a:xfrm>
+          <a:prstGeom prst="line">
+            <a:avLst/>
+          </a:prstGeom>
+          <a:ln w="76200">
+            <a:solidFill>
+              <a:schemeClr val="accent3">
+                <a:lumMod val="75000"/>
+              </a:schemeClr>
+            </a:solidFill>
+          </a:ln>
+        </p:spPr>
+        <p:style>
+          <a:lnRef idx="1">
+            <a:schemeClr val="accent1"/>
+          </a:lnRef>
+          <a:fillRef idx="0">
+            <a:schemeClr val="accent1"/>
+          </a:fillRef>
+          <a:effectRef idx="0">
+            <a:schemeClr val="accent1"/>
+          </a:effectRef>
+          <a:fontRef idx="minor">
+            <a:schemeClr val="tx1"/>
+          </a:fontRef>
+        </p:style>
+      </p:cxnSp>
+      <p:cxnSp>
+        <p:nvCxnSpPr>
+          <p:cNvPr id="31" name="Conector reto 30"/>
+          <p:cNvCxnSpPr/>
+          <p:nvPr/>
+        </p:nvCxnSpPr>
+        <p:spPr>
+          <a:xfrm rot="5400000" flipH="1" flipV="1">
+            <a:off x="4608513" y="3221473"/>
+            <a:ext cx="642942" cy="1588"/>
+          </a:xfrm>
+          <a:prstGeom prst="line">
+            <a:avLst/>
+          </a:prstGeom>
+          <a:ln w="76200">
+            <a:solidFill>
+              <a:schemeClr val="bg1">
+                <a:lumMod val="75000"/>
+              </a:schemeClr>
+            </a:solidFill>
+            <a:prstDash val="sysDot"/>
+          </a:ln>
+        </p:spPr>
+        <p:style>
+          <a:lnRef idx="1">
+            <a:schemeClr val="accent1"/>
+          </a:lnRef>
+          <a:fillRef idx="0">
+            <a:schemeClr val="accent1"/>
+          </a:fillRef>
+          <a:effectRef idx="0">
+            <a:schemeClr val="accent1"/>
+          </a:effectRef>
+          <a:fontRef idx="minor">
+            <a:schemeClr val="tx1"/>
+          </a:fontRef>
+        </p:style>
+      </p:cxnSp>
+      <p:cxnSp>
+        <p:nvCxnSpPr>
+          <p:cNvPr id="26" name="Conector reto 25"/>
+          <p:cNvCxnSpPr/>
+          <p:nvPr/>
+        </p:nvCxnSpPr>
+        <p:spPr>
+          <a:xfrm rot="5400000" flipH="1" flipV="1">
+            <a:off x="3793461" y="5321312"/>
+            <a:ext cx="642942" cy="1588"/>
+          </a:xfrm>
+          <a:prstGeom prst="line">
+            <a:avLst/>
+          </a:prstGeom>
+          <a:ln w="76200">
+            <a:solidFill>
+              <a:srgbClr val="92D050"/>
+            </a:solidFill>
+          </a:ln>
+        </p:spPr>
+        <p:style>
+          <a:lnRef idx="1">
+            <a:schemeClr val="accent1"/>
+          </a:lnRef>
+          <a:fillRef idx="0">
+            <a:schemeClr val="accent1"/>
+          </a:fillRef>
+          <a:effectRef idx="0">
+            <a:schemeClr val="accent1"/>
+          </a:effectRef>
+          <a:fontRef idx="minor">
+            <a:schemeClr val="tx1"/>
+          </a:fontRef>
+        </p:style>
+      </p:cxnSp>
+      <p:cxnSp>
+        <p:nvCxnSpPr>
+          <p:cNvPr id="9" name="Conector reto 8"/>
+          <p:cNvCxnSpPr/>
+          <p:nvPr/>
+        </p:nvCxnSpPr>
+        <p:spPr>
+          <a:xfrm rot="5400000" flipH="1" flipV="1">
+            <a:off x="3856826" y="6143643"/>
+            <a:ext cx="2143934" cy="794"/>
+          </a:xfrm>
+          <a:prstGeom prst="line">
+            <a:avLst/>
+          </a:prstGeom>
+          <a:ln w="76200">
+            <a:solidFill>
+              <a:srgbClr val="FF0000"/>
+            </a:solidFill>
+          </a:ln>
+        </p:spPr>
+        <p:style>
+          <a:lnRef idx="1">
+            <a:schemeClr val="accent1"/>
+          </a:lnRef>
+          <a:fillRef idx="0">
+            <a:schemeClr val="accent1"/>
+          </a:fillRef>
+          <a:effectRef idx="0">
+            <a:schemeClr val="accent1"/>
+          </a:effectRef>
+          <a:fontRef idx="minor">
+            <a:schemeClr val="tx1"/>
+          </a:fontRef>
+        </p:style>
+      </p:cxnSp>
+      <p:cxnSp>
+        <p:nvCxnSpPr>
+          <p:cNvPr id="11" name="Conector reto 10"/>
+          <p:cNvCxnSpPr>
+            <a:endCxn id="17" idx="4"/>
+          </p:cNvCxnSpPr>
+          <p:nvPr/>
+        </p:nvCxnSpPr>
+        <p:spPr>
+          <a:xfrm rot="5400000" flipH="1" flipV="1">
+            <a:off x="3439269" y="7175704"/>
+            <a:ext cx="1357322" cy="7581"/>
+          </a:xfrm>
+          <a:prstGeom prst="line">
+            <a:avLst/>
+          </a:prstGeom>
+          <a:ln w="76200">
+            <a:solidFill>
+              <a:schemeClr val="bg1">
+                <a:lumMod val="75000"/>
+              </a:schemeClr>
+            </a:solidFill>
+            <a:prstDash val="sysDot"/>
+          </a:ln>
+        </p:spPr>
+        <p:style>
+          <a:lnRef idx="1">
+            <a:schemeClr val="accent1"/>
+          </a:lnRef>
+          <a:fillRef idx="0">
+            <a:schemeClr val="accent1"/>
+          </a:fillRef>
+          <a:effectRef idx="0">
+            <a:schemeClr val="accent1"/>
+          </a:effectRef>
+          <a:fontRef idx="minor">
+            <a:schemeClr val="tx1"/>
+          </a:fontRef>
+        </p:style>
+      </p:cxnSp>
+      <p:cxnSp>
+        <p:nvCxnSpPr>
+          <p:cNvPr id="14" name="Conector reto 13"/>
+          <p:cNvCxnSpPr/>
+          <p:nvPr/>
+        </p:nvCxnSpPr>
+        <p:spPr>
+          <a:xfrm rot="5400000" flipH="1" flipV="1">
+            <a:off x="4608513" y="7535890"/>
+            <a:ext cx="642942" cy="1588"/>
+          </a:xfrm>
+          <a:prstGeom prst="line">
+            <a:avLst/>
+          </a:prstGeom>
+          <a:ln w="76200">
+            <a:solidFill>
+              <a:schemeClr val="bg1">
+                <a:lumMod val="75000"/>
+              </a:schemeClr>
+            </a:solidFill>
+            <a:prstDash val="sysDot"/>
+          </a:ln>
+        </p:spPr>
+        <p:style>
+          <a:lnRef idx="1">
+            <a:schemeClr val="accent1"/>
+          </a:lnRef>
+          <a:fillRef idx="0">
+            <a:schemeClr val="accent1"/>
+          </a:fillRef>
+          <a:effectRef idx="0">
+            <a:schemeClr val="accent1"/>
+          </a:effectRef>
+          <a:fontRef idx="minor">
+            <a:schemeClr val="tx1"/>
+          </a:fontRef>
+        </p:style>
+      </p:cxnSp>
+      <p:sp>
+        <p:nvSpPr>
+          <p:cNvPr id="16" name="Elipse 15"/>
+          <p:cNvSpPr/>
+          <p:nvPr/>
+        </p:nvSpPr>
+        <p:spPr>
+          <a:xfrm>
+            <a:off x="4815548" y="7143775"/>
+            <a:ext cx="214314" cy="214314"/>
+          </a:xfrm>
+          <a:prstGeom prst="ellipse">
+            <a:avLst/>
+          </a:prstGeom>
+          <a:solidFill>
+            <a:schemeClr val="bg1">
+              <a:lumMod val="75000"/>
+            </a:schemeClr>
+          </a:solidFill>
+          <a:ln>
+            <a:solidFill>
+              <a:schemeClr val="bg1">
+                <a:lumMod val="75000"/>
+              </a:schemeClr>
+            </a:solidFill>
+          </a:ln>
+        </p:spPr>
+        <p:style>
+          <a:lnRef idx="2">
+            <a:schemeClr val="accent1">
+              <a:shade val="50000"/>
+            </a:schemeClr>
+          </a:lnRef>
+          <a:fillRef idx="1">
+            <a:schemeClr val="accent1"/>
+          </a:fillRef>
+          <a:effectRef idx="0">
+            <a:schemeClr val="accent1"/>
+          </a:effectRef>
+          <a:fontRef idx="minor">
+            <a:schemeClr val="lt1"/>
+          </a:fontRef>
+        </p:style>
+        <p:txBody>
+          <a:bodyPr rtlCol="0" anchor="ctr"/>
+          <a:lstStyle/>
+          <a:p>
+            <a:pPr algn="ctr"/>
+            <a:endParaRPr lang="pt-BR"/>
+          </a:p>
+        </p:txBody>
+      </p:sp>
+      <p:sp>
+        <p:nvSpPr>
+          <p:cNvPr id="17" name="Elipse 16"/>
+          <p:cNvSpPr/>
+          <p:nvPr/>
+        </p:nvSpPr>
+        <p:spPr>
+          <a:xfrm>
+            <a:off x="4014564" y="6286519"/>
+            <a:ext cx="214314" cy="214314"/>
+          </a:xfrm>
+          <a:prstGeom prst="ellipse">
+            <a:avLst/>
+          </a:prstGeom>
+          <a:solidFill>
+            <a:schemeClr val="bg1">
+              <a:lumMod val="75000"/>
+            </a:schemeClr>
+          </a:solidFill>
+          <a:ln>
+            <a:solidFill>
+              <a:schemeClr val="bg1">
+                <a:lumMod val="75000"/>
+              </a:schemeClr>
+            </a:solidFill>
+          </a:ln>
+        </p:spPr>
+        <p:style>
+          <a:lnRef idx="2">
+            <a:schemeClr val="accent1">
+              <a:shade val="50000"/>
+            </a:schemeClr>
+          </a:lnRef>
+          <a:fillRef idx="1">
+            <a:schemeClr val="accent1"/>
+          </a:fillRef>
+          <a:effectRef idx="0">
+            <a:schemeClr val="accent1"/>
+          </a:effectRef>
+          <a:fontRef idx="minor">
+            <a:schemeClr val="lt1"/>
+          </a:fontRef>
+        </p:style>
+        <p:txBody>
+          <a:bodyPr rtlCol="0" anchor="ctr"/>
+          <a:lstStyle/>
+          <a:p>
+            <a:pPr algn="ctr"/>
+            <a:endParaRPr lang="pt-BR"/>
+          </a:p>
+        </p:txBody>
+      </p:sp>
+      <p:sp>
+        <p:nvSpPr>
+          <p:cNvPr id="20" name="Elipse 19"/>
+          <p:cNvSpPr/>
+          <p:nvPr/>
+        </p:nvSpPr>
+        <p:spPr>
+          <a:xfrm>
+            <a:off x="4013466" y="5500701"/>
+            <a:ext cx="214314" cy="214314"/>
+          </a:xfrm>
+          <a:prstGeom prst="ellipse">
+            <a:avLst/>
+          </a:prstGeom>
+          <a:solidFill>
+            <a:srgbClr val="FFFF00"/>
+          </a:solidFill>
+          <a:ln>
+            <a:solidFill>
+              <a:srgbClr val="FFFF00"/>
+            </a:solidFill>
+          </a:ln>
+        </p:spPr>
+        <p:style>
+          <a:lnRef idx="2">
+            <a:schemeClr val="accent1">
+              <a:shade val="50000"/>
+            </a:schemeClr>
+          </a:lnRef>
+          <a:fillRef idx="1">
+            <a:schemeClr val="accent1"/>
+          </a:fillRef>
+          <a:effectRef idx="0">
+            <a:schemeClr val="accent1"/>
+          </a:effectRef>
+          <a:fontRef idx="minor">
+            <a:schemeClr val="lt1"/>
+          </a:fontRef>
+        </p:style>
+        <p:txBody>
+          <a:bodyPr rtlCol="0" anchor="ctr"/>
+          <a:lstStyle/>
+          <a:p>
+            <a:pPr algn="ctr"/>
+            <a:endParaRPr lang="pt-BR"/>
+          </a:p>
+        </p:txBody>
+      </p:sp>
+      <p:sp>
+        <p:nvSpPr>
+          <p:cNvPr id="21" name="Elipse 20"/>
+          <p:cNvSpPr/>
+          <p:nvPr/>
+        </p:nvSpPr>
+        <p:spPr>
+          <a:xfrm>
+            <a:off x="4000496" y="4857759"/>
+            <a:ext cx="214314" cy="214314"/>
+          </a:xfrm>
+          <a:prstGeom prst="ellipse">
+            <a:avLst/>
+          </a:prstGeom>
+          <a:solidFill>
+            <a:srgbClr val="92D050"/>
+          </a:solidFill>
+          <a:ln>
+            <a:solidFill>
+              <a:srgbClr val="92D050"/>
+            </a:solidFill>
+          </a:ln>
+        </p:spPr>
+        <p:style>
+          <a:lnRef idx="2">
+            <a:schemeClr val="accent1">
+              <a:shade val="50000"/>
+            </a:schemeClr>
+          </a:lnRef>
+          <a:fillRef idx="1">
+            <a:schemeClr val="accent1"/>
+          </a:fillRef>
+          <a:effectRef idx="0">
+            <a:schemeClr val="accent1"/>
+          </a:effectRef>
+          <a:fontRef idx="minor">
+            <a:schemeClr val="lt1"/>
+          </a:fontRef>
+        </p:style>
+        <p:txBody>
+          <a:bodyPr rtlCol="0" anchor="ctr"/>
+          <a:lstStyle/>
+          <a:p>
+            <a:pPr algn="ctr"/>
+            <a:endParaRPr lang="pt-BR"/>
+          </a:p>
+        </p:txBody>
+      </p:sp>
+      <p:sp>
+        <p:nvSpPr>
+          <p:cNvPr id="22" name="Elipse 21"/>
+          <p:cNvSpPr/>
+          <p:nvPr/>
+        </p:nvSpPr>
+        <p:spPr>
+          <a:xfrm>
+            <a:off x="4815548" y="4857759"/>
+            <a:ext cx="214314" cy="214314"/>
+          </a:xfrm>
+          <a:prstGeom prst="ellipse">
+            <a:avLst/>
+          </a:prstGeom>
+          <a:solidFill>
+            <a:srgbClr val="FF0000"/>
+          </a:solidFill>
+          <a:ln>
+            <a:solidFill>
+              <a:srgbClr val="FF0000"/>
+            </a:solidFill>
+          </a:ln>
+        </p:spPr>
+        <p:style>
+          <a:lnRef idx="2">
+            <a:schemeClr val="accent1">
+              <a:shade val="50000"/>
+            </a:schemeClr>
+          </a:lnRef>
+          <a:fillRef idx="1">
+            <a:schemeClr val="accent1"/>
+          </a:fillRef>
+          <a:effectRef idx="0">
+            <a:schemeClr val="accent1"/>
+          </a:effectRef>
+          <a:fontRef idx="minor">
+            <a:schemeClr val="lt1"/>
+          </a:fontRef>
+        </p:style>
+        <p:txBody>
+          <a:bodyPr rtlCol="0" anchor="ctr"/>
+          <a:lstStyle/>
+          <a:p>
+            <a:pPr algn="ctr"/>
+            <a:endParaRPr lang="pt-BR"/>
+          </a:p>
+        </p:txBody>
+      </p:sp>
+      <p:cxnSp>
+        <p:nvCxnSpPr>
+          <p:cNvPr id="25" name="Conector reto 24"/>
+          <p:cNvCxnSpPr/>
+          <p:nvPr/>
+        </p:nvCxnSpPr>
+        <p:spPr>
+          <a:xfrm rot="5400000" flipH="1" flipV="1">
+            <a:off x="3793461" y="5964254"/>
+            <a:ext cx="642942" cy="1588"/>
+          </a:xfrm>
+          <a:prstGeom prst="line">
+            <a:avLst/>
+          </a:prstGeom>
+          <a:ln w="76200">
+            <a:solidFill>
+              <a:srgbClr val="FFFF00"/>
+            </a:solidFill>
+          </a:ln>
+        </p:spPr>
+        <p:style>
+          <a:lnRef idx="1">
+            <a:schemeClr val="accent1"/>
+          </a:lnRef>
+          <a:fillRef idx="0">
+            <a:schemeClr val="accent1"/>
+          </a:fillRef>
+          <a:effectRef idx="0">
+            <a:schemeClr val="accent1"/>
+          </a:effectRef>
+          <a:fontRef idx="minor">
+            <a:schemeClr val="tx1"/>
+          </a:fontRef>
+        </p:style>
+      </p:cxnSp>
+      <p:sp>
+        <p:nvSpPr>
+          <p:cNvPr id="28" name="Elipse 27"/>
+          <p:cNvSpPr/>
+          <p:nvPr/>
+        </p:nvSpPr>
+        <p:spPr>
+          <a:xfrm>
+            <a:off x="4815548" y="4214817"/>
+            <a:ext cx="214314" cy="214314"/>
+          </a:xfrm>
+          <a:prstGeom prst="ellipse">
+            <a:avLst/>
+          </a:prstGeom>
+          <a:solidFill>
+            <a:schemeClr val="accent1"/>
+          </a:solidFill>
+          <a:ln>
+            <a:solidFill>
+              <a:schemeClr val="accent1"/>
+            </a:solidFill>
+          </a:ln>
+        </p:spPr>
+        <p:style>
+          <a:lnRef idx="2">
+            <a:schemeClr val="accent1">
+              <a:shade val="50000"/>
+            </a:schemeClr>
+          </a:lnRef>
+          <a:fillRef idx="1">
+            <a:schemeClr val="accent1"/>
+          </a:fillRef>
+          <a:effectRef idx="0">
+            <a:schemeClr val="accent1"/>
+          </a:effectRef>
+          <a:fontRef idx="minor">
+            <a:schemeClr val="lt1"/>
+          </a:fontRef>
+        </p:style>
+        <p:txBody>
+          <a:bodyPr rtlCol="0" anchor="ctr"/>
+          <a:lstStyle/>
+          <a:p>
+            <a:pPr algn="ctr"/>
+            <a:endParaRPr lang="pt-BR"/>
+          </a:p>
+        </p:txBody>
+      </p:sp>
+      <p:sp>
+        <p:nvSpPr>
+          <p:cNvPr id="30" name="Elipse 29"/>
+          <p:cNvSpPr/>
+          <p:nvPr/>
+        </p:nvSpPr>
+        <p:spPr>
+          <a:xfrm>
+            <a:off x="4815548" y="3400862"/>
+            <a:ext cx="214314" cy="214314"/>
+          </a:xfrm>
+          <a:prstGeom prst="ellipse">
+            <a:avLst/>
+          </a:prstGeom>
+          <a:solidFill>
+            <a:srgbClr val="FF0000"/>
+          </a:solidFill>
+          <a:ln>
+            <a:solidFill>
+              <a:srgbClr val="FF0000"/>
+            </a:solidFill>
+          </a:ln>
+        </p:spPr>
+        <p:style>
+          <a:lnRef idx="2">
+            <a:schemeClr val="accent1">
+              <a:shade val="50000"/>
+            </a:schemeClr>
+          </a:lnRef>
+          <a:fillRef idx="1">
+            <a:schemeClr val="accent1"/>
+          </a:fillRef>
+          <a:effectRef idx="0">
+            <a:schemeClr val="accent1"/>
+          </a:effectRef>
+          <a:fontRef idx="minor">
+            <a:schemeClr val="lt1"/>
+          </a:fontRef>
+        </p:style>
+        <p:txBody>
+          <a:bodyPr rtlCol="0" anchor="ctr"/>
+          <a:lstStyle/>
+          <a:p>
+            <a:pPr algn="ctr"/>
+            <a:endParaRPr lang="pt-BR"/>
+          </a:p>
+        </p:txBody>
+      </p:sp>
+      <p:sp>
+        <p:nvSpPr>
+          <p:cNvPr id="32" name="Elipse 31"/>
+          <p:cNvSpPr/>
+          <p:nvPr/>
+        </p:nvSpPr>
+        <p:spPr>
+          <a:xfrm>
+            <a:off x="4815548" y="2829358"/>
+            <a:ext cx="214314" cy="214314"/>
+          </a:xfrm>
+          <a:prstGeom prst="ellipse">
+            <a:avLst/>
+          </a:prstGeom>
+          <a:solidFill>
+            <a:schemeClr val="bg1">
+              <a:lumMod val="75000"/>
+            </a:schemeClr>
+          </a:solidFill>
+          <a:ln>
+            <a:solidFill>
+              <a:schemeClr val="bg1">
+                <a:lumMod val="75000"/>
+              </a:schemeClr>
+            </a:solidFill>
+          </a:ln>
+        </p:spPr>
+        <p:style>
+          <a:lnRef idx="2">
+            <a:schemeClr val="accent1">
+              <a:shade val="50000"/>
+            </a:schemeClr>
+          </a:lnRef>
+          <a:fillRef idx="1">
+            <a:schemeClr val="accent1"/>
+          </a:fillRef>
+          <a:effectRef idx="0">
+            <a:schemeClr val="accent1"/>
+          </a:effectRef>
+          <a:fontRef idx="minor">
+            <a:schemeClr val="lt1"/>
+          </a:fontRef>
+        </p:style>
+        <p:txBody>
+          <a:bodyPr rtlCol="0" anchor="ctr"/>
+          <a:lstStyle/>
+          <a:p>
+            <a:pPr algn="ctr"/>
+            <a:endParaRPr lang="pt-BR"/>
+          </a:p>
+        </p:txBody>
+      </p:sp>
+      <p:sp>
+        <p:nvSpPr>
+          <p:cNvPr id="34" name="Elipse 33"/>
+          <p:cNvSpPr/>
+          <p:nvPr/>
+        </p:nvSpPr>
+        <p:spPr>
+          <a:xfrm>
+            <a:off x="4815548" y="2186416"/>
+            <a:ext cx="214314" cy="214314"/>
+          </a:xfrm>
+          <a:prstGeom prst="ellipse">
+            <a:avLst/>
+          </a:prstGeom>
+          <a:solidFill>
+            <a:schemeClr val="accent3">
+              <a:lumMod val="75000"/>
+            </a:schemeClr>
+          </a:solidFill>
+          <a:ln>
+            <a:solidFill>
+              <a:schemeClr val="accent3">
+                <a:lumMod val="75000"/>
+              </a:schemeClr>
+            </a:solidFill>
+          </a:ln>
+        </p:spPr>
+        <p:style>
+          <a:lnRef idx="2">
+            <a:schemeClr val="accent1">
+              <a:shade val="50000"/>
+            </a:schemeClr>
+          </a:lnRef>
+          <a:fillRef idx="1">
+            <a:schemeClr val="accent1"/>
+          </a:fillRef>
+          <a:effectRef idx="0">
+            <a:schemeClr val="accent1"/>
+          </a:effectRef>
+          <a:fontRef idx="minor">
+            <a:schemeClr val="lt1"/>
+          </a:fontRef>
+        </p:style>
+        <p:txBody>
+          <a:bodyPr rtlCol="0" anchor="ctr"/>
+          <a:lstStyle/>
+          <a:p>
+            <a:pPr algn="ctr"/>
+            <a:endParaRPr lang="pt-BR"/>
+          </a:p>
+        </p:txBody>
+      </p:sp>
+      <p:sp>
+        <p:nvSpPr>
+          <p:cNvPr id="36" name="Elipse 35"/>
+          <p:cNvSpPr/>
+          <p:nvPr/>
+        </p:nvSpPr>
+        <p:spPr>
+          <a:xfrm>
+            <a:off x="4000496" y="4214817"/>
+            <a:ext cx="214314" cy="214314"/>
+          </a:xfrm>
+          <a:prstGeom prst="ellipse">
+            <a:avLst/>
+          </a:prstGeom>
+          <a:solidFill>
+            <a:schemeClr val="bg1">
+              <a:lumMod val="75000"/>
+            </a:schemeClr>
+          </a:solidFill>
+          <a:ln>
+            <a:solidFill>
+              <a:schemeClr val="bg1">
+                <a:lumMod val="75000"/>
+              </a:schemeClr>
+            </a:solidFill>
+          </a:ln>
+        </p:spPr>
+        <p:style>
+          <a:lnRef idx="2">
+            <a:schemeClr val="accent1">
+              <a:shade val="50000"/>
+            </a:schemeClr>
+          </a:lnRef>
+          <a:fillRef idx="1">
+            <a:schemeClr val="accent1"/>
+          </a:fillRef>
+          <a:effectRef idx="0">
+            <a:schemeClr val="accent1"/>
+          </a:effectRef>
+          <a:fontRef idx="minor">
+            <a:schemeClr val="lt1"/>
+          </a:fontRef>
+        </p:style>
+        <p:txBody>
+          <a:bodyPr rtlCol="0" anchor="ctr"/>
+          <a:lstStyle/>
+          <a:p>
+            <a:pPr algn="ctr"/>
+            <a:endParaRPr lang="pt-BR"/>
+          </a:p>
+        </p:txBody>
+      </p:sp>
+      <p:sp>
+        <p:nvSpPr>
+          <p:cNvPr id="38" name="Elipse 37"/>
+          <p:cNvSpPr/>
+          <p:nvPr/>
+        </p:nvSpPr>
+        <p:spPr>
+          <a:xfrm>
+            <a:off x="4000496" y="3400862"/>
+            <a:ext cx="214314" cy="214314"/>
+          </a:xfrm>
+          <a:prstGeom prst="ellipse">
+            <a:avLst/>
+          </a:prstGeom>
+          <a:solidFill>
+            <a:srgbClr val="FFC000"/>
+          </a:solidFill>
+          <a:ln>
+            <a:solidFill>
+              <a:srgbClr val="FFC000"/>
+            </a:solidFill>
+          </a:ln>
+        </p:spPr>
+        <p:style>
+          <a:lnRef idx="2">
+            <a:schemeClr val="accent1">
+              <a:shade val="50000"/>
+            </a:schemeClr>
+          </a:lnRef>
+          <a:fillRef idx="1">
+            <a:schemeClr val="accent1"/>
+          </a:fillRef>
+          <a:effectRef idx="0">
+            <a:schemeClr val="accent1"/>
+          </a:effectRef>
+          <a:fontRef idx="minor">
+            <a:schemeClr val="lt1"/>
+          </a:fontRef>
+        </p:style>
+        <p:txBody>
+          <a:bodyPr rtlCol="0" anchor="ctr"/>
+          <a:lstStyle/>
+          <a:p>
+            <a:pPr algn="ctr"/>
+            <a:endParaRPr lang="pt-BR"/>
+          </a:p>
+        </p:txBody>
+      </p:sp>
+      <p:cxnSp>
+        <p:nvCxnSpPr>
+          <p:cNvPr id="39" name="Conector reto 38"/>
+          <p:cNvCxnSpPr>
+            <a:endCxn id="40" idx="4"/>
+          </p:cNvCxnSpPr>
+          <p:nvPr/>
+        </p:nvCxnSpPr>
+        <p:spPr>
+          <a:xfrm rot="16200000" flipV="1">
+            <a:off x="3575111" y="2933272"/>
+            <a:ext cx="1071570" cy="6485"/>
+          </a:xfrm>
+          <a:prstGeom prst="line">
+            <a:avLst/>
+          </a:prstGeom>
+          <a:ln w="76200">
+            <a:solidFill>
+              <a:srgbClr val="FFC000"/>
+            </a:solidFill>
+          </a:ln>
+        </p:spPr>
+        <p:style>
+          <a:lnRef idx="1">
+            <a:schemeClr val="accent1"/>
+          </a:lnRef>
+          <a:fillRef idx="0">
+            <a:schemeClr val="accent1"/>
+          </a:fillRef>
+          <a:effectRef idx="0">
+            <a:schemeClr val="accent1"/>
+          </a:effectRef>
+          <a:fontRef idx="minor">
+            <a:schemeClr val="tx1"/>
+          </a:fontRef>
+        </p:style>
+      </p:cxnSp>
+      <p:sp>
+        <p:nvSpPr>
+          <p:cNvPr id="40" name="Elipse 39"/>
+          <p:cNvSpPr/>
+          <p:nvPr/>
+        </p:nvSpPr>
+        <p:spPr>
+          <a:xfrm>
+            <a:off x="4000496" y="2186416"/>
+            <a:ext cx="214314" cy="214314"/>
+          </a:xfrm>
+          <a:prstGeom prst="ellipse">
+            <a:avLst/>
+          </a:prstGeom>
+          <a:solidFill>
+            <a:srgbClr val="FFC000"/>
+          </a:solidFill>
+          <a:ln>
+            <a:solidFill>
+              <a:srgbClr val="FFC000"/>
+            </a:solidFill>
+          </a:ln>
+        </p:spPr>
+        <p:style>
+          <a:lnRef idx="2">
+            <a:schemeClr val="accent1">
+              <a:shade val="50000"/>
+            </a:schemeClr>
+          </a:lnRef>
+          <a:fillRef idx="1">
+            <a:schemeClr val="accent1"/>
+          </a:fillRef>
+          <a:effectRef idx="0">
+            <a:schemeClr val="accent1"/>
+          </a:effectRef>
+          <a:fontRef idx="minor">
+            <a:schemeClr val="lt1"/>
+          </a:fontRef>
+        </p:style>
+        <p:txBody>
+          <a:bodyPr rtlCol="0" anchor="ctr"/>
+          <a:lstStyle/>
+          <a:p>
+            <a:pPr algn="ctr"/>
+            <a:endParaRPr lang="pt-BR"/>
+          </a:p>
+        </p:txBody>
+      </p:sp>
+      <p:sp>
+        <p:nvSpPr>
+          <p:cNvPr id="44" name="Texto Explicativo 1 43"/>
+          <p:cNvSpPr/>
+          <p:nvPr/>
+        </p:nvSpPr>
+        <p:spPr>
+          <a:xfrm>
+            <a:off x="5786446" y="2114978"/>
+            <a:ext cx="2286016" cy="928694"/>
+          </a:xfrm>
+          <a:prstGeom prst="borderCallout1">
+            <a:avLst>
+              <a:gd name="adj1" fmla="val 20063"/>
+              <a:gd name="adj2" fmla="val -675"/>
+              <a:gd name="adj3" fmla="val 19291"/>
+              <a:gd name="adj4" fmla="val -29893"/>
+            </a:avLst>
+          </a:prstGeom>
+          <a:noFill/>
+          <a:ln>
+            <a:solidFill>
+              <a:schemeClr val="accent3">
+                <a:lumMod val="75000"/>
+              </a:schemeClr>
+            </a:solidFill>
+          </a:ln>
+        </p:spPr>
+        <p:style>
+          <a:lnRef idx="2">
+            <a:schemeClr val="accent1">
+              <a:shade val="50000"/>
+            </a:schemeClr>
+          </a:lnRef>
+          <a:fillRef idx="1">
+            <a:schemeClr val="accent1"/>
+          </a:fillRef>
+          <a:effectRef idx="0">
+            <a:schemeClr val="accent1"/>
+          </a:effectRef>
+          <a:fontRef idx="minor">
+            <a:schemeClr val="lt1"/>
+          </a:fontRef>
+        </p:style>
+        <p:txBody>
+          <a:bodyPr rtlCol="0" anchor="ctr"/>
+          <a:lstStyle/>
+          <a:p>
+            <a:pPr algn="ctr"/>
+            <a:r>
+              <a:rPr lang="pt-BR" sz="1200" dirty="0" smtClean="0">
+                <a:solidFill>
+                  <a:schemeClr val="tx1"/>
+                </a:solidFill>
+              </a:rPr>
+              <a:t>2016-2018</a:t>
+            </a:r>
+          </a:p>
+          <a:p>
+            <a:pPr algn="ctr"/>
+            <a:r>
+              <a:rPr lang="pt-BR" sz="1200" dirty="0" smtClean="0">
+                <a:solidFill>
+                  <a:schemeClr val="tx1"/>
+                </a:solidFill>
+              </a:rPr>
+              <a:t>PUC-MG – Lato </a:t>
+            </a:r>
+            <a:r>
+              <a:rPr lang="pt-BR" sz="1200" dirty="0" err="1" smtClean="0">
+                <a:solidFill>
+                  <a:schemeClr val="tx1"/>
+                </a:solidFill>
+              </a:rPr>
+              <a:t>Sensu</a:t>
+            </a:r>
+            <a:r>
+              <a:rPr lang="pt-BR" sz="1200" dirty="0" smtClean="0">
+                <a:solidFill>
+                  <a:schemeClr val="tx1"/>
+                </a:solidFill>
+              </a:rPr>
+              <a:t> </a:t>
+            </a:r>
+            <a:r>
+              <a:rPr lang="pt-BR" sz="1200" dirty="0" err="1" smtClean="0">
+                <a:solidFill>
+                  <a:schemeClr val="tx1"/>
+                </a:solidFill>
+              </a:rPr>
+              <a:t>Postgraduate</a:t>
+            </a:r>
+            <a:r>
+              <a:rPr lang="pt-BR" sz="1200" dirty="0" smtClean="0">
+                <a:solidFill>
+                  <a:schemeClr val="tx1"/>
+                </a:solidFill>
+              </a:rPr>
+              <a:t> </a:t>
+            </a:r>
+            <a:r>
+              <a:rPr lang="pt-BR" sz="1200" dirty="0" err="1" smtClean="0">
+                <a:solidFill>
+                  <a:schemeClr val="tx1"/>
+                </a:solidFill>
+              </a:rPr>
+              <a:t>course</a:t>
+            </a:r>
+            <a:r>
+              <a:rPr lang="pt-BR" sz="1200" dirty="0" smtClean="0">
+                <a:solidFill>
+                  <a:schemeClr val="tx1"/>
+                </a:solidFill>
+              </a:rPr>
+              <a:t> in Web Applications </a:t>
+            </a:r>
+            <a:r>
+              <a:rPr lang="pt-BR" sz="1200" dirty="0" err="1" smtClean="0">
+                <a:solidFill>
+                  <a:schemeClr val="tx1"/>
+                </a:solidFill>
+              </a:rPr>
+              <a:t>Development</a:t>
+            </a:r>
+            <a:endParaRPr lang="pt-BR" sz="1200" dirty="0">
+              <a:solidFill>
+                <a:schemeClr val="tx1"/>
+              </a:solidFill>
+            </a:endParaRPr>
+          </a:p>
+        </p:txBody>
+      </p:sp>
+      <p:sp>
+        <p:nvSpPr>
+          <p:cNvPr id="46" name="Texto Explicativo 1 45"/>
+          <p:cNvSpPr/>
+          <p:nvPr/>
+        </p:nvSpPr>
+        <p:spPr>
+          <a:xfrm>
+            <a:off x="5786446" y="3186549"/>
+            <a:ext cx="2286016" cy="857256"/>
+          </a:xfrm>
+          <a:prstGeom prst="borderCallout1">
+            <a:avLst>
+              <a:gd name="adj1" fmla="val 36473"/>
+              <a:gd name="adj2" fmla="val -60"/>
+              <a:gd name="adj3" fmla="val 37342"/>
+              <a:gd name="adj4" fmla="val -33585"/>
+            </a:avLst>
+          </a:prstGeom>
+          <a:noFill/>
+          <a:ln>
+            <a:solidFill>
+              <a:srgbClr val="FF0000"/>
+            </a:solidFill>
+          </a:ln>
+        </p:spPr>
+        <p:style>
+          <a:lnRef idx="2">
+            <a:schemeClr val="accent1">
+              <a:shade val="50000"/>
+            </a:schemeClr>
+          </a:lnRef>
+          <a:fillRef idx="1">
+            <a:schemeClr val="accent1"/>
+          </a:fillRef>
+          <a:effectRef idx="0">
+            <a:schemeClr val="accent1"/>
+          </a:effectRef>
+          <a:fontRef idx="minor">
+            <a:schemeClr val="lt1"/>
+          </a:fontRef>
+        </p:style>
+        <p:txBody>
+          <a:bodyPr rtlCol="0" anchor="ctr"/>
+          <a:lstStyle/>
+          <a:p>
+            <a:pPr algn="ctr"/>
+            <a:r>
+              <a:rPr lang="pt-BR" sz="1200" dirty="0" smtClean="0">
+                <a:solidFill>
+                  <a:schemeClr val="tx1"/>
+                </a:solidFill>
+              </a:rPr>
+              <a:t>2009-2015</a:t>
+            </a:r>
+          </a:p>
+          <a:p>
+            <a:pPr algn="ctr"/>
+            <a:r>
+              <a:rPr lang="pt-BR" sz="1200" dirty="0" smtClean="0">
+                <a:solidFill>
+                  <a:schemeClr val="tx1"/>
+                </a:solidFill>
+              </a:rPr>
+              <a:t>UFMG – </a:t>
+            </a:r>
+            <a:r>
+              <a:rPr lang="pt-BR" sz="1200" dirty="0" err="1" smtClean="0">
+                <a:solidFill>
+                  <a:schemeClr val="tx1"/>
+                </a:solidFill>
+              </a:rPr>
+              <a:t>Control</a:t>
+            </a:r>
+            <a:r>
+              <a:rPr lang="pt-BR" sz="1200" dirty="0" smtClean="0">
+                <a:solidFill>
+                  <a:schemeClr val="tx1"/>
+                </a:solidFill>
+              </a:rPr>
+              <a:t> </a:t>
+            </a:r>
+            <a:r>
+              <a:rPr lang="pt-BR" sz="1200" dirty="0" err="1" smtClean="0">
+                <a:solidFill>
+                  <a:schemeClr val="tx1"/>
+                </a:solidFill>
+              </a:rPr>
+              <a:t>and</a:t>
+            </a:r>
+            <a:r>
+              <a:rPr lang="pt-BR" sz="1200" dirty="0" smtClean="0">
+                <a:solidFill>
+                  <a:schemeClr val="tx1"/>
+                </a:solidFill>
+              </a:rPr>
+              <a:t> </a:t>
+            </a:r>
+            <a:r>
+              <a:rPr lang="pt-BR" sz="1200" dirty="0" err="1" smtClean="0">
+                <a:solidFill>
+                  <a:schemeClr val="tx1"/>
+                </a:solidFill>
+              </a:rPr>
+              <a:t>Automation</a:t>
+            </a:r>
+            <a:r>
+              <a:rPr lang="pt-BR" sz="1200" dirty="0" smtClean="0">
+                <a:solidFill>
+                  <a:schemeClr val="tx1"/>
+                </a:solidFill>
+              </a:rPr>
+              <a:t> </a:t>
+            </a:r>
+            <a:r>
+              <a:rPr lang="pt-BR" sz="1200" dirty="0" err="1" smtClean="0">
+                <a:solidFill>
+                  <a:schemeClr val="tx1"/>
+                </a:solidFill>
+              </a:rPr>
+              <a:t>Engineering</a:t>
+            </a:r>
+            <a:r>
+              <a:rPr lang="pt-BR" sz="1200" dirty="0" smtClean="0">
+                <a:solidFill>
+                  <a:schemeClr val="tx1"/>
+                </a:solidFill>
+              </a:rPr>
+              <a:t> </a:t>
+            </a:r>
+            <a:r>
+              <a:rPr lang="pt-BR" sz="1200" dirty="0" err="1" smtClean="0">
+                <a:solidFill>
+                  <a:schemeClr val="tx1"/>
+                </a:solidFill>
+              </a:rPr>
+              <a:t>BSc</a:t>
+            </a:r>
+            <a:endParaRPr lang="pt-BR" sz="1200" dirty="0">
+              <a:solidFill>
+                <a:schemeClr val="tx1"/>
+              </a:solidFill>
+            </a:endParaRPr>
+          </a:p>
+        </p:txBody>
+      </p:sp>
+      <p:sp>
+        <p:nvSpPr>
+          <p:cNvPr id="47" name="Texto Explicativo 1 46"/>
+          <p:cNvSpPr/>
+          <p:nvPr/>
+        </p:nvSpPr>
+        <p:spPr>
+          <a:xfrm>
+            <a:off x="5786446" y="4186681"/>
+            <a:ext cx="2286016" cy="857256"/>
+          </a:xfrm>
+          <a:prstGeom prst="borderCallout1">
+            <a:avLst>
+              <a:gd name="adj1" fmla="val 18422"/>
+              <a:gd name="adj2" fmla="val -1906"/>
+              <a:gd name="adj3" fmla="val 17650"/>
+              <a:gd name="adj4" fmla="val -34201"/>
+            </a:avLst>
+          </a:prstGeom>
+          <a:noFill/>
+          <a:ln>
+            <a:solidFill>
+              <a:schemeClr val="accent1"/>
+            </a:solidFill>
+          </a:ln>
+        </p:spPr>
+        <p:style>
+          <a:lnRef idx="2">
+            <a:schemeClr val="accent1">
+              <a:shade val="50000"/>
+            </a:schemeClr>
+          </a:lnRef>
+          <a:fillRef idx="1">
+            <a:schemeClr val="accent1"/>
+          </a:fillRef>
+          <a:effectRef idx="0">
+            <a:schemeClr val="accent1"/>
+          </a:effectRef>
+          <a:fontRef idx="minor">
+            <a:schemeClr val="lt1"/>
+          </a:fontRef>
+        </p:style>
+        <p:txBody>
+          <a:bodyPr rtlCol="0" anchor="ctr"/>
+          <a:lstStyle/>
+          <a:p>
+            <a:pPr algn="ctr"/>
+            <a:r>
+              <a:rPr lang="pt-BR" sz="1200" dirty="0" smtClean="0">
+                <a:solidFill>
+                  <a:schemeClr val="tx1"/>
+                </a:solidFill>
+              </a:rPr>
+              <a:t>2013-2014</a:t>
+            </a:r>
+          </a:p>
+          <a:p>
+            <a:pPr algn="ctr"/>
+            <a:r>
+              <a:rPr lang="pt-BR" sz="1200" dirty="0" err="1" smtClean="0">
+                <a:solidFill>
+                  <a:schemeClr val="tx1"/>
+                </a:solidFill>
+              </a:rPr>
+              <a:t>Óbuda</a:t>
+            </a:r>
+            <a:r>
+              <a:rPr lang="pt-BR" sz="1200" dirty="0" smtClean="0">
+                <a:solidFill>
+                  <a:schemeClr val="tx1"/>
+                </a:solidFill>
+              </a:rPr>
+              <a:t> </a:t>
+            </a:r>
+            <a:r>
+              <a:rPr lang="pt-BR" sz="1200" dirty="0" err="1" smtClean="0">
+                <a:solidFill>
+                  <a:schemeClr val="tx1"/>
+                </a:solidFill>
+              </a:rPr>
+              <a:t>University</a:t>
+            </a:r>
+            <a:r>
+              <a:rPr lang="pt-BR" sz="1200" dirty="0" smtClean="0">
+                <a:solidFill>
+                  <a:schemeClr val="tx1"/>
+                </a:solidFill>
+              </a:rPr>
+              <a:t> – </a:t>
+            </a:r>
+            <a:r>
+              <a:rPr lang="pt-BR" sz="1200" dirty="0" err="1" smtClean="0">
+                <a:solidFill>
+                  <a:schemeClr val="tx1"/>
+                </a:solidFill>
+              </a:rPr>
+              <a:t>Student</a:t>
+            </a:r>
+            <a:r>
+              <a:rPr lang="pt-BR" sz="1200" dirty="0" smtClean="0">
+                <a:solidFill>
+                  <a:schemeClr val="tx1"/>
+                </a:solidFill>
+              </a:rPr>
+              <a:t> Exchange </a:t>
+            </a:r>
+            <a:r>
+              <a:rPr lang="pt-BR" sz="1200" dirty="0" err="1" smtClean="0">
+                <a:solidFill>
+                  <a:schemeClr val="tx1"/>
+                </a:solidFill>
+              </a:rPr>
+              <a:t>Program</a:t>
+            </a:r>
+            <a:endParaRPr lang="pt-BR" sz="1200" dirty="0">
+              <a:solidFill>
+                <a:schemeClr val="tx1"/>
+              </a:solidFill>
+            </a:endParaRPr>
+          </a:p>
+        </p:txBody>
+      </p:sp>
+      <p:sp>
+        <p:nvSpPr>
+          <p:cNvPr id="48" name="CaixaDeTexto 47"/>
+          <p:cNvSpPr txBox="1"/>
+          <p:nvPr/>
+        </p:nvSpPr>
+        <p:spPr>
+          <a:xfrm>
+            <a:off x="4214810" y="7044201"/>
+            <a:ext cx="571504" cy="430887"/>
+          </a:xfrm>
+          <a:prstGeom prst="rect">
+            <a:avLst/>
+          </a:prstGeom>
+          <a:noFill/>
+        </p:spPr>
+        <p:txBody>
+          <a:bodyPr wrap="square" rtlCol="0">
+            <a:spAutoFit/>
+          </a:bodyPr>
+          <a:lstStyle/>
+          <a:p>
+            <a:pPr algn="ctr"/>
+            <a:r>
+              <a:rPr lang="pt-BR" sz="1100" dirty="0" smtClean="0"/>
+              <a:t>Mar</a:t>
+            </a:r>
+          </a:p>
+          <a:p>
+            <a:pPr algn="ctr"/>
+            <a:r>
+              <a:rPr lang="pt-BR" sz="1100" dirty="0" smtClean="0"/>
+              <a:t>2009</a:t>
+            </a:r>
+            <a:endParaRPr lang="pt-BR" sz="1100" dirty="0"/>
+          </a:p>
+        </p:txBody>
+      </p:sp>
+      <p:sp>
+        <p:nvSpPr>
+          <p:cNvPr id="49" name="CaixaDeTexto 48"/>
+          <p:cNvSpPr txBox="1"/>
+          <p:nvPr/>
+        </p:nvSpPr>
+        <p:spPr>
+          <a:xfrm>
+            <a:off x="4214810" y="6186945"/>
+            <a:ext cx="571504" cy="430887"/>
+          </a:xfrm>
+          <a:prstGeom prst="rect">
+            <a:avLst/>
+          </a:prstGeom>
+          <a:noFill/>
+        </p:spPr>
+        <p:txBody>
+          <a:bodyPr wrap="square" rtlCol="0">
+            <a:spAutoFit/>
+          </a:bodyPr>
+          <a:lstStyle/>
+          <a:p>
+            <a:pPr algn="ctr"/>
+            <a:r>
+              <a:rPr lang="pt-BR" sz="1100" dirty="0" smtClean="0"/>
+              <a:t>Jan</a:t>
+            </a:r>
+          </a:p>
+          <a:p>
+            <a:pPr algn="ctr"/>
+            <a:r>
+              <a:rPr lang="pt-BR" sz="1100" dirty="0" smtClean="0"/>
+              <a:t>2012</a:t>
+            </a:r>
+            <a:endParaRPr lang="pt-BR" sz="1100" dirty="0"/>
+          </a:p>
+        </p:txBody>
+      </p:sp>
+      <p:sp>
+        <p:nvSpPr>
+          <p:cNvPr id="50" name="CaixaDeTexto 49"/>
+          <p:cNvSpPr txBox="1"/>
+          <p:nvPr/>
+        </p:nvSpPr>
+        <p:spPr>
+          <a:xfrm>
+            <a:off x="4214810" y="5401127"/>
+            <a:ext cx="571504" cy="430887"/>
+          </a:xfrm>
+          <a:prstGeom prst="rect">
+            <a:avLst/>
+          </a:prstGeom>
+          <a:noFill/>
+        </p:spPr>
+        <p:txBody>
+          <a:bodyPr wrap="square" rtlCol="0">
+            <a:spAutoFit/>
+          </a:bodyPr>
+          <a:lstStyle/>
+          <a:p>
+            <a:pPr algn="ctr"/>
+            <a:r>
+              <a:rPr lang="pt-BR" sz="1100" dirty="0" smtClean="0"/>
+              <a:t>Jan</a:t>
+            </a:r>
+          </a:p>
+          <a:p>
+            <a:pPr algn="ctr"/>
+            <a:r>
+              <a:rPr lang="pt-BR" sz="1100" dirty="0" smtClean="0"/>
+              <a:t>2013</a:t>
+            </a:r>
+            <a:endParaRPr lang="pt-BR" sz="1100" dirty="0"/>
+          </a:p>
+        </p:txBody>
+      </p:sp>
+      <p:sp>
+        <p:nvSpPr>
+          <p:cNvPr id="51" name="CaixaDeTexto 50"/>
+          <p:cNvSpPr txBox="1"/>
+          <p:nvPr/>
+        </p:nvSpPr>
+        <p:spPr>
+          <a:xfrm>
+            <a:off x="4214810" y="4755926"/>
+            <a:ext cx="571504" cy="430887"/>
+          </a:xfrm>
+          <a:prstGeom prst="rect">
+            <a:avLst/>
+          </a:prstGeom>
+          <a:noFill/>
+        </p:spPr>
+        <p:txBody>
+          <a:bodyPr wrap="square" rtlCol="0">
+            <a:spAutoFit/>
+          </a:bodyPr>
+          <a:lstStyle/>
+          <a:p>
+            <a:pPr algn="ctr"/>
+            <a:r>
+              <a:rPr lang="pt-BR" sz="1100" dirty="0" err="1" smtClean="0"/>
+              <a:t>Aug</a:t>
+            </a:r>
+            <a:endParaRPr lang="pt-BR" sz="1100" dirty="0" smtClean="0"/>
+          </a:p>
+          <a:p>
+            <a:pPr algn="ctr"/>
+            <a:r>
+              <a:rPr lang="pt-BR" sz="1100" dirty="0" smtClean="0"/>
+              <a:t>2013</a:t>
+            </a:r>
+            <a:endParaRPr lang="pt-BR" sz="1100" dirty="0"/>
+          </a:p>
+        </p:txBody>
+      </p:sp>
+      <p:sp>
+        <p:nvSpPr>
+          <p:cNvPr id="52" name="CaixaDeTexto 51"/>
+          <p:cNvSpPr txBox="1"/>
+          <p:nvPr/>
+        </p:nvSpPr>
+        <p:spPr>
+          <a:xfrm>
+            <a:off x="4214810" y="4115243"/>
+            <a:ext cx="571504" cy="430887"/>
+          </a:xfrm>
+          <a:prstGeom prst="rect">
+            <a:avLst/>
+          </a:prstGeom>
+          <a:noFill/>
+        </p:spPr>
+        <p:txBody>
+          <a:bodyPr wrap="square" rtlCol="0">
+            <a:spAutoFit/>
+          </a:bodyPr>
+          <a:lstStyle/>
+          <a:p>
+            <a:pPr algn="ctr"/>
+            <a:r>
+              <a:rPr lang="pt-BR" sz="1100" dirty="0" smtClean="0"/>
+              <a:t>Set</a:t>
+            </a:r>
+          </a:p>
+          <a:p>
+            <a:pPr algn="ctr"/>
+            <a:r>
+              <a:rPr lang="pt-BR" sz="1100" dirty="0" smtClean="0"/>
+              <a:t>2014</a:t>
+            </a:r>
+            <a:endParaRPr lang="pt-BR" sz="1100" dirty="0"/>
+          </a:p>
+        </p:txBody>
+      </p:sp>
+      <p:sp>
+        <p:nvSpPr>
+          <p:cNvPr id="53" name="CaixaDeTexto 52"/>
+          <p:cNvSpPr txBox="1"/>
+          <p:nvPr/>
+        </p:nvSpPr>
+        <p:spPr>
+          <a:xfrm>
+            <a:off x="4214810" y="3327166"/>
+            <a:ext cx="571504" cy="430887"/>
+          </a:xfrm>
+          <a:prstGeom prst="rect">
+            <a:avLst/>
+          </a:prstGeom>
+          <a:noFill/>
+        </p:spPr>
+        <p:txBody>
+          <a:bodyPr wrap="square" rtlCol="0">
+            <a:spAutoFit/>
+          </a:bodyPr>
+          <a:lstStyle/>
+          <a:p>
+            <a:pPr algn="ctr"/>
+            <a:r>
+              <a:rPr lang="pt-BR" sz="1100" dirty="0" err="1" smtClean="0"/>
+              <a:t>Aug</a:t>
+            </a:r>
+            <a:endParaRPr lang="pt-BR" sz="1100" dirty="0" smtClean="0"/>
+          </a:p>
+          <a:p>
+            <a:pPr algn="ctr"/>
+            <a:r>
+              <a:rPr lang="pt-BR" sz="1100" dirty="0" smtClean="0"/>
+              <a:t>2015</a:t>
+            </a:r>
+            <a:endParaRPr lang="pt-BR" sz="1100" dirty="0"/>
+          </a:p>
+        </p:txBody>
+      </p:sp>
+      <p:sp>
+        <p:nvSpPr>
+          <p:cNvPr id="54" name="CaixaDeTexto 53"/>
+          <p:cNvSpPr txBox="1"/>
+          <p:nvPr/>
+        </p:nvSpPr>
+        <p:spPr>
+          <a:xfrm>
+            <a:off x="4214810" y="2686483"/>
+            <a:ext cx="571504" cy="430887"/>
+          </a:xfrm>
+          <a:prstGeom prst="rect">
+            <a:avLst/>
+          </a:prstGeom>
+          <a:noFill/>
+        </p:spPr>
+        <p:txBody>
+          <a:bodyPr wrap="square" rtlCol="0">
+            <a:spAutoFit/>
+          </a:bodyPr>
+          <a:lstStyle/>
+          <a:p>
+            <a:pPr algn="ctr"/>
+            <a:r>
+              <a:rPr lang="pt-BR" sz="1100" dirty="0" smtClean="0"/>
+              <a:t>Mar</a:t>
+            </a:r>
+          </a:p>
+          <a:p>
+            <a:pPr algn="ctr"/>
+            <a:r>
+              <a:rPr lang="pt-BR" sz="1100" dirty="0" smtClean="0"/>
+              <a:t>2016</a:t>
+            </a:r>
+            <a:endParaRPr lang="pt-BR" sz="1100" dirty="0"/>
+          </a:p>
+        </p:txBody>
+      </p:sp>
+      <p:sp>
+        <p:nvSpPr>
+          <p:cNvPr id="55" name="CaixaDeTexto 54"/>
+          <p:cNvSpPr txBox="1"/>
+          <p:nvPr/>
+        </p:nvSpPr>
+        <p:spPr>
+          <a:xfrm>
+            <a:off x="4214810" y="2071678"/>
+            <a:ext cx="571504" cy="430887"/>
+          </a:xfrm>
+          <a:prstGeom prst="rect">
+            <a:avLst/>
+          </a:prstGeom>
+          <a:noFill/>
+        </p:spPr>
+        <p:txBody>
+          <a:bodyPr wrap="square" rtlCol="0">
+            <a:spAutoFit/>
+          </a:bodyPr>
+          <a:lstStyle/>
+          <a:p>
+            <a:pPr algn="ctr"/>
+            <a:r>
+              <a:rPr lang="pt-BR" sz="1100" dirty="0" err="1" smtClean="0"/>
+              <a:t>May</a:t>
+            </a:r>
+            <a:endParaRPr lang="pt-BR" sz="1100" dirty="0" smtClean="0"/>
+          </a:p>
+          <a:p>
+            <a:pPr algn="ctr"/>
+            <a:r>
+              <a:rPr lang="pt-BR" sz="1100" dirty="0" smtClean="0"/>
+              <a:t>2018</a:t>
+            </a:r>
+            <a:endParaRPr lang="pt-BR" sz="1100" dirty="0"/>
+          </a:p>
+        </p:txBody>
+      </p:sp>
+      <p:sp>
+        <p:nvSpPr>
+          <p:cNvPr id="58" name="Texto Explicativo 1 57"/>
+          <p:cNvSpPr/>
+          <p:nvPr/>
+        </p:nvSpPr>
+        <p:spPr>
+          <a:xfrm>
+            <a:off x="1643042" y="5500702"/>
+            <a:ext cx="1857388" cy="714380"/>
+          </a:xfrm>
+          <a:prstGeom prst="borderCallout1">
+            <a:avLst>
+              <a:gd name="adj1" fmla="val 15140"/>
+              <a:gd name="adj2" fmla="val 100863"/>
+              <a:gd name="adj3" fmla="val 14368"/>
+              <a:gd name="adj4" fmla="val 123952"/>
+            </a:avLst>
+          </a:prstGeom>
+          <a:noFill/>
+          <a:ln>
+            <a:solidFill>
+              <a:srgbClr val="FFFF00"/>
+            </a:solidFill>
+          </a:ln>
+        </p:spPr>
+        <p:style>
+          <a:lnRef idx="2">
+            <a:schemeClr val="accent1">
+              <a:shade val="50000"/>
+            </a:schemeClr>
+          </a:lnRef>
+          <a:fillRef idx="1">
+            <a:schemeClr val="accent1"/>
+          </a:fillRef>
+          <a:effectRef idx="0">
+            <a:schemeClr val="accent1"/>
+          </a:effectRef>
+          <a:fontRef idx="minor">
+            <a:schemeClr val="lt1"/>
+          </a:fontRef>
+        </p:style>
+        <p:txBody>
+          <a:bodyPr rtlCol="0" anchor="ctr"/>
+          <a:lstStyle/>
+          <a:p>
+            <a:pPr algn="ctr"/>
+            <a:r>
+              <a:rPr lang="pt-BR" sz="1200" dirty="0" smtClean="0">
+                <a:solidFill>
+                  <a:schemeClr val="tx1"/>
+                </a:solidFill>
+              </a:rPr>
+              <a:t>2012</a:t>
+            </a:r>
+          </a:p>
+          <a:p>
+            <a:pPr algn="ctr"/>
+            <a:r>
+              <a:rPr lang="pt-BR" sz="1200" dirty="0" smtClean="0">
+                <a:solidFill>
+                  <a:schemeClr val="tx1"/>
+                </a:solidFill>
+              </a:rPr>
+              <a:t>CPE Jr – Project </a:t>
+            </a:r>
+            <a:r>
+              <a:rPr lang="pt-BR" sz="1200" dirty="0" err="1" smtClean="0">
+                <a:solidFill>
+                  <a:schemeClr val="tx1"/>
+                </a:solidFill>
+              </a:rPr>
+              <a:t>Assistant</a:t>
+            </a:r>
+            <a:endParaRPr lang="pt-BR" sz="1200" dirty="0">
+              <a:solidFill>
+                <a:schemeClr val="tx1"/>
+              </a:solidFill>
+            </a:endParaRPr>
+          </a:p>
+        </p:txBody>
+      </p:sp>
+      <p:sp>
+        <p:nvSpPr>
+          <p:cNvPr id="59" name="Texto Explicativo 1 58"/>
+          <p:cNvSpPr/>
+          <p:nvPr/>
+        </p:nvSpPr>
+        <p:spPr>
+          <a:xfrm>
+            <a:off x="1643042" y="4714884"/>
+            <a:ext cx="1857388" cy="714380"/>
+          </a:xfrm>
+          <a:prstGeom prst="borderCallout1">
+            <a:avLst>
+              <a:gd name="adj1" fmla="val 36801"/>
+              <a:gd name="adj2" fmla="val 99348"/>
+              <a:gd name="adj3" fmla="val 37999"/>
+              <a:gd name="adj4" fmla="val 127739"/>
+            </a:avLst>
+          </a:prstGeom>
+          <a:noFill/>
+          <a:ln>
+            <a:solidFill>
+              <a:srgbClr val="92D050"/>
+            </a:solidFill>
+          </a:ln>
+        </p:spPr>
+        <p:style>
+          <a:lnRef idx="2">
+            <a:schemeClr val="accent1">
+              <a:shade val="50000"/>
+            </a:schemeClr>
+          </a:lnRef>
+          <a:fillRef idx="1">
+            <a:schemeClr val="accent1"/>
+          </a:fillRef>
+          <a:effectRef idx="0">
+            <a:schemeClr val="accent1"/>
+          </a:effectRef>
+          <a:fontRef idx="minor">
+            <a:schemeClr val="lt1"/>
+          </a:fontRef>
+        </p:style>
+        <p:txBody>
+          <a:bodyPr rtlCol="0" anchor="ctr"/>
+          <a:lstStyle/>
+          <a:p>
+            <a:pPr algn="ctr"/>
+            <a:r>
+              <a:rPr lang="pt-BR" sz="1200" dirty="0" smtClean="0">
+                <a:solidFill>
+                  <a:schemeClr val="tx1"/>
+                </a:solidFill>
+              </a:rPr>
+              <a:t>2013</a:t>
+            </a:r>
+          </a:p>
+          <a:p>
+            <a:pPr algn="ctr"/>
+            <a:r>
+              <a:rPr lang="pt-BR" sz="1200" dirty="0" smtClean="0">
+                <a:solidFill>
+                  <a:schemeClr val="tx1"/>
+                </a:solidFill>
+              </a:rPr>
+              <a:t>Siemens – Industrial IT </a:t>
+            </a:r>
+            <a:r>
+              <a:rPr lang="pt-BR" sz="1200" dirty="0" err="1" smtClean="0">
+                <a:solidFill>
+                  <a:schemeClr val="tx1"/>
+                </a:solidFill>
+              </a:rPr>
+              <a:t>Internship</a:t>
+            </a:r>
+            <a:endParaRPr lang="pt-BR" sz="1200" dirty="0">
+              <a:solidFill>
+                <a:schemeClr val="tx1"/>
+              </a:solidFill>
+            </a:endParaRPr>
+          </a:p>
+        </p:txBody>
+      </p:sp>
+      <p:sp>
+        <p:nvSpPr>
+          <p:cNvPr id="60" name="Texto Explicativo 1 59"/>
+          <p:cNvSpPr/>
+          <p:nvPr/>
+        </p:nvSpPr>
+        <p:spPr>
+          <a:xfrm>
+            <a:off x="1643042" y="3429000"/>
+            <a:ext cx="1857388" cy="714380"/>
+          </a:xfrm>
+          <a:prstGeom prst="borderCallout1">
+            <a:avLst>
+              <a:gd name="adj1" fmla="val 15140"/>
+              <a:gd name="adj2" fmla="val 100863"/>
+              <a:gd name="adj3" fmla="val 14368"/>
+              <a:gd name="adj4" fmla="val 123952"/>
+            </a:avLst>
+          </a:prstGeom>
+          <a:noFill/>
+          <a:ln>
+            <a:solidFill>
+              <a:srgbClr val="FFC000"/>
+            </a:solidFill>
+          </a:ln>
+        </p:spPr>
+        <p:style>
+          <a:lnRef idx="2">
+            <a:schemeClr val="accent1">
+              <a:shade val="50000"/>
+            </a:schemeClr>
+          </a:lnRef>
+          <a:fillRef idx="1">
+            <a:schemeClr val="accent1"/>
+          </a:fillRef>
+          <a:effectRef idx="0">
+            <a:schemeClr val="accent1"/>
+          </a:effectRef>
+          <a:fontRef idx="minor">
+            <a:schemeClr val="lt1"/>
+          </a:fontRef>
+        </p:style>
+        <p:txBody>
+          <a:bodyPr rtlCol="0" anchor="ctr"/>
+          <a:lstStyle/>
+          <a:p>
+            <a:pPr algn="ctr"/>
+            <a:r>
+              <a:rPr lang="pt-BR" sz="1200" dirty="0" smtClean="0">
+                <a:solidFill>
+                  <a:schemeClr val="tx1"/>
+                </a:solidFill>
+              </a:rPr>
+              <a:t>2014-2015</a:t>
+            </a:r>
+          </a:p>
+          <a:p>
+            <a:pPr algn="ctr"/>
+            <a:r>
+              <a:rPr lang="pt-BR" sz="1200" dirty="0" smtClean="0">
+                <a:solidFill>
+                  <a:schemeClr val="tx1"/>
+                </a:solidFill>
+              </a:rPr>
+              <a:t>Siemens/</a:t>
+            </a:r>
+            <a:r>
+              <a:rPr lang="pt-BR" sz="1200" dirty="0" err="1" smtClean="0">
+                <a:solidFill>
+                  <a:schemeClr val="tx1"/>
+                </a:solidFill>
+              </a:rPr>
+              <a:t>Primetals</a:t>
+            </a:r>
+            <a:r>
+              <a:rPr lang="pt-BR" sz="1200" dirty="0" smtClean="0">
+                <a:solidFill>
+                  <a:schemeClr val="tx1"/>
+                </a:solidFill>
+              </a:rPr>
+              <a:t> – Industrial IT </a:t>
+            </a:r>
+            <a:r>
+              <a:rPr lang="pt-BR" sz="1200" dirty="0" err="1" smtClean="0">
+                <a:solidFill>
+                  <a:schemeClr val="tx1"/>
+                </a:solidFill>
+              </a:rPr>
+              <a:t>Internship</a:t>
+            </a:r>
+            <a:endParaRPr lang="pt-BR" sz="1200" dirty="0">
+              <a:solidFill>
+                <a:schemeClr val="tx1"/>
+              </a:solidFill>
+            </a:endParaRPr>
+          </a:p>
+        </p:txBody>
+      </p:sp>
+      <p:sp>
+        <p:nvSpPr>
+          <p:cNvPr id="62" name="Texto Explicativo 1 61"/>
+          <p:cNvSpPr/>
+          <p:nvPr/>
+        </p:nvSpPr>
+        <p:spPr>
+          <a:xfrm>
+            <a:off x="1643042" y="2214554"/>
+            <a:ext cx="1857388" cy="714380"/>
+          </a:xfrm>
+          <a:prstGeom prst="borderCallout1">
+            <a:avLst>
+              <a:gd name="adj1" fmla="val 15140"/>
+              <a:gd name="adj2" fmla="val 100863"/>
+              <a:gd name="adj3" fmla="val 14368"/>
+              <a:gd name="adj4" fmla="val 123952"/>
+            </a:avLst>
+          </a:prstGeom>
+          <a:noFill/>
+          <a:ln>
+            <a:solidFill>
+              <a:srgbClr val="FFC000"/>
+            </a:solidFill>
+          </a:ln>
+        </p:spPr>
+        <p:style>
+          <a:lnRef idx="2">
+            <a:schemeClr val="accent1">
+              <a:shade val="50000"/>
+            </a:schemeClr>
+          </a:lnRef>
+          <a:fillRef idx="1">
+            <a:schemeClr val="accent1"/>
+          </a:fillRef>
+          <a:effectRef idx="0">
+            <a:schemeClr val="accent1"/>
+          </a:effectRef>
+          <a:fontRef idx="minor">
+            <a:schemeClr val="lt1"/>
+          </a:fontRef>
+        </p:style>
+        <p:txBody>
+          <a:bodyPr rtlCol="0" anchor="ctr"/>
+          <a:lstStyle/>
+          <a:p>
+            <a:pPr algn="ctr"/>
+            <a:r>
+              <a:rPr lang="pt-BR" sz="1200" dirty="0" smtClean="0">
+                <a:solidFill>
+                  <a:schemeClr val="tx1"/>
+                </a:solidFill>
+              </a:rPr>
+              <a:t>2015-2018</a:t>
+            </a:r>
+          </a:p>
+          <a:p>
+            <a:pPr algn="ctr"/>
+            <a:r>
+              <a:rPr lang="pt-BR" sz="1200" dirty="0" err="1" smtClean="0">
+                <a:solidFill>
+                  <a:schemeClr val="tx1"/>
+                </a:solidFill>
+              </a:rPr>
+              <a:t>Primetals</a:t>
+            </a:r>
+            <a:r>
+              <a:rPr lang="pt-BR" sz="1200" dirty="0" smtClean="0">
+                <a:solidFill>
+                  <a:schemeClr val="tx1"/>
+                </a:solidFill>
+              </a:rPr>
+              <a:t> – Software </a:t>
+            </a:r>
+            <a:r>
+              <a:rPr lang="pt-BR" sz="1200" dirty="0" err="1" smtClean="0">
+                <a:solidFill>
+                  <a:schemeClr val="tx1"/>
+                </a:solidFill>
+              </a:rPr>
+              <a:t>Development</a:t>
+            </a:r>
+            <a:r>
+              <a:rPr lang="pt-BR" sz="1200" dirty="0" smtClean="0">
+                <a:solidFill>
+                  <a:schemeClr val="tx1"/>
+                </a:solidFill>
+              </a:rPr>
+              <a:t> </a:t>
+            </a:r>
+            <a:r>
+              <a:rPr lang="pt-BR" sz="1200" dirty="0" err="1" smtClean="0">
+                <a:solidFill>
+                  <a:schemeClr val="tx1"/>
+                </a:solidFill>
+              </a:rPr>
+              <a:t>Engineer</a:t>
+            </a:r>
+            <a:endParaRPr lang="pt-BR" sz="1200" dirty="0">
+              <a:solidFill>
+                <a:schemeClr val="tx1"/>
+              </a:solidFill>
+            </a:endParaRPr>
+          </a:p>
+        </p:txBody>
+      </p:sp>
+      <p:cxnSp>
+        <p:nvCxnSpPr>
+          <p:cNvPr id="41" name="Conector reto 40"/>
+          <p:cNvCxnSpPr/>
+          <p:nvPr/>
+        </p:nvCxnSpPr>
+        <p:spPr>
+          <a:xfrm rot="5400000" flipH="1" flipV="1">
+            <a:off x="4608513" y="1134607"/>
+            <a:ext cx="642942" cy="1588"/>
+          </a:xfrm>
+          <a:prstGeom prst="line">
+            <a:avLst/>
+          </a:prstGeom>
+          <a:ln w="76200"/>
+        </p:spPr>
+        <p:style>
+          <a:lnRef idx="1">
+            <a:schemeClr val="accent1"/>
+          </a:lnRef>
+          <a:fillRef idx="0">
+            <a:schemeClr val="accent1"/>
+          </a:fillRef>
+          <a:effectRef idx="0">
+            <a:schemeClr val="accent1"/>
+          </a:effectRef>
+          <a:fontRef idx="minor">
+            <a:schemeClr val="tx1"/>
+          </a:fontRef>
+        </p:style>
+      </p:cxnSp>
+      <p:sp>
+        <p:nvSpPr>
+          <p:cNvPr id="43" name="Elipse 42"/>
+          <p:cNvSpPr/>
+          <p:nvPr/>
+        </p:nvSpPr>
+        <p:spPr>
+          <a:xfrm>
+            <a:off x="4815548" y="671054"/>
+            <a:ext cx="214314" cy="214314"/>
+          </a:xfrm>
+          <a:prstGeom prst="ellipse">
+            <a:avLst/>
+          </a:prstGeom>
+          <a:solidFill>
+            <a:schemeClr val="accent1"/>
+          </a:solidFill>
+          <a:ln>
+            <a:solidFill>
+              <a:schemeClr val="accent1"/>
+            </a:solidFill>
+          </a:ln>
+        </p:spPr>
+        <p:style>
+          <a:lnRef idx="2">
+            <a:schemeClr val="accent1">
+              <a:shade val="50000"/>
+            </a:schemeClr>
+          </a:lnRef>
+          <a:fillRef idx="1">
+            <a:schemeClr val="accent1"/>
+          </a:fillRef>
+          <a:effectRef idx="0">
+            <a:schemeClr val="accent1"/>
+          </a:effectRef>
+          <a:fontRef idx="minor">
+            <a:schemeClr val="lt1"/>
+          </a:fontRef>
+        </p:style>
+        <p:txBody>
+          <a:bodyPr rtlCol="0" anchor="ctr"/>
+          <a:lstStyle/>
+          <a:p>
+            <a:pPr algn="ctr"/>
+            <a:endParaRPr lang="pt-BR"/>
+          </a:p>
+        </p:txBody>
+      </p:sp>
+      <p:sp>
+        <p:nvSpPr>
+          <p:cNvPr id="45" name="Texto Explicativo 1 44"/>
+          <p:cNvSpPr/>
+          <p:nvPr/>
+        </p:nvSpPr>
+        <p:spPr>
+          <a:xfrm>
+            <a:off x="5786446" y="642918"/>
+            <a:ext cx="2286016" cy="857256"/>
+          </a:xfrm>
+          <a:prstGeom prst="borderCallout1">
+            <a:avLst>
+              <a:gd name="adj1" fmla="val 18422"/>
+              <a:gd name="adj2" fmla="val -1906"/>
+              <a:gd name="adj3" fmla="val 17650"/>
+              <a:gd name="adj4" fmla="val -34201"/>
+            </a:avLst>
+          </a:prstGeom>
+          <a:noFill/>
+          <a:ln>
+            <a:solidFill>
+              <a:schemeClr val="accent1"/>
+            </a:solidFill>
+          </a:ln>
+        </p:spPr>
+        <p:style>
+          <a:lnRef idx="2">
+            <a:schemeClr val="accent1">
+              <a:shade val="50000"/>
+            </a:schemeClr>
+          </a:lnRef>
+          <a:fillRef idx="1">
+            <a:schemeClr val="accent1"/>
+          </a:fillRef>
+          <a:effectRef idx="0">
+            <a:schemeClr val="accent1"/>
+          </a:effectRef>
+          <a:fontRef idx="minor">
+            <a:schemeClr val="lt1"/>
+          </a:fontRef>
+        </p:style>
+        <p:txBody>
+          <a:bodyPr rtlCol="0" anchor="ctr"/>
+          <a:lstStyle/>
+          <a:p>
+            <a:pPr algn="ctr"/>
+            <a:r>
+              <a:rPr lang="pt-BR" sz="1200" dirty="0" smtClean="0">
+                <a:solidFill>
+                  <a:schemeClr val="tx1"/>
+                </a:solidFill>
+              </a:rPr>
+              <a:t>2018 - </a:t>
+            </a:r>
+            <a:r>
+              <a:rPr lang="pt-BR" sz="1200" dirty="0" err="1" smtClean="0">
+                <a:solidFill>
+                  <a:schemeClr val="tx1"/>
+                </a:solidFill>
+              </a:rPr>
+              <a:t>ongoing</a:t>
+            </a:r>
+            <a:endParaRPr lang="pt-BR" sz="1200" dirty="0" smtClean="0">
+              <a:solidFill>
+                <a:schemeClr val="tx1"/>
+              </a:solidFill>
+            </a:endParaRPr>
+          </a:p>
+          <a:p>
+            <a:pPr algn="ctr"/>
+            <a:r>
+              <a:rPr lang="pt-BR" sz="1200" dirty="0" err="1" smtClean="0">
+                <a:solidFill>
+                  <a:schemeClr val="tx1"/>
+                </a:solidFill>
+              </a:rPr>
+              <a:t>Óbuda</a:t>
+            </a:r>
+            <a:r>
+              <a:rPr lang="pt-BR" sz="1200" dirty="0" smtClean="0">
+                <a:solidFill>
+                  <a:schemeClr val="tx1"/>
+                </a:solidFill>
+              </a:rPr>
+              <a:t> </a:t>
+            </a:r>
+            <a:r>
+              <a:rPr lang="pt-BR" sz="1200" dirty="0" err="1" smtClean="0">
+                <a:solidFill>
+                  <a:schemeClr val="tx1"/>
+                </a:solidFill>
+              </a:rPr>
+              <a:t>University</a:t>
+            </a:r>
+            <a:r>
+              <a:rPr lang="pt-BR" sz="1200" dirty="0" smtClean="0">
+                <a:solidFill>
+                  <a:schemeClr val="tx1"/>
+                </a:solidFill>
+              </a:rPr>
+              <a:t> – </a:t>
+            </a:r>
+            <a:r>
+              <a:rPr lang="pt-BR" sz="1200" dirty="0" err="1" smtClean="0">
+                <a:solidFill>
+                  <a:schemeClr val="tx1"/>
+                </a:solidFill>
+              </a:rPr>
+              <a:t>Computer</a:t>
+            </a:r>
+            <a:r>
+              <a:rPr lang="pt-BR" sz="1200" dirty="0" smtClean="0">
+                <a:solidFill>
+                  <a:schemeClr val="tx1"/>
+                </a:solidFill>
+              </a:rPr>
+              <a:t> </a:t>
+            </a:r>
+            <a:r>
+              <a:rPr lang="pt-BR" sz="1200" dirty="0" err="1" smtClean="0">
+                <a:solidFill>
+                  <a:schemeClr val="tx1"/>
+                </a:solidFill>
+              </a:rPr>
+              <a:t>Science</a:t>
+            </a:r>
+            <a:r>
+              <a:rPr lang="pt-BR" sz="1200" dirty="0" smtClean="0">
+                <a:solidFill>
+                  <a:schemeClr val="tx1"/>
+                </a:solidFill>
+              </a:rPr>
+              <a:t> </a:t>
+            </a:r>
+            <a:r>
+              <a:rPr lang="pt-BR" sz="1200" dirty="0" err="1" smtClean="0">
+                <a:solidFill>
+                  <a:schemeClr val="tx1"/>
+                </a:solidFill>
+              </a:rPr>
+              <a:t>Engineering</a:t>
+            </a:r>
+            <a:r>
+              <a:rPr lang="pt-BR" sz="1200" dirty="0" smtClean="0">
+                <a:solidFill>
+                  <a:schemeClr val="tx1"/>
+                </a:solidFill>
+              </a:rPr>
+              <a:t> </a:t>
+            </a:r>
+            <a:r>
+              <a:rPr lang="pt-BR" sz="1200" dirty="0" err="1" smtClean="0">
+                <a:solidFill>
+                  <a:schemeClr val="tx1"/>
+                </a:solidFill>
+              </a:rPr>
+              <a:t>MSc</a:t>
+            </a:r>
+            <a:endParaRPr lang="pt-BR" sz="1200" dirty="0">
+              <a:solidFill>
+                <a:schemeClr val="tx1"/>
+              </a:solidFill>
+            </a:endParaRPr>
+          </a:p>
+        </p:txBody>
+      </p:sp>
+      <p:cxnSp>
+        <p:nvCxnSpPr>
+          <p:cNvPr id="56" name="Conector reto 55"/>
+          <p:cNvCxnSpPr/>
+          <p:nvPr/>
+        </p:nvCxnSpPr>
+        <p:spPr>
+          <a:xfrm rot="5400000" flipH="1" flipV="1">
+            <a:off x="4608513" y="1820851"/>
+            <a:ext cx="642942" cy="1588"/>
+          </a:xfrm>
+          <a:prstGeom prst="line">
+            <a:avLst/>
+          </a:prstGeom>
+          <a:ln w="76200">
+            <a:solidFill>
+              <a:schemeClr val="bg1">
+                <a:lumMod val="75000"/>
+              </a:schemeClr>
+            </a:solidFill>
+            <a:prstDash val="sysDot"/>
+          </a:ln>
+        </p:spPr>
+        <p:style>
+          <a:lnRef idx="1">
+            <a:schemeClr val="accent1"/>
+          </a:lnRef>
+          <a:fillRef idx="0">
+            <a:schemeClr val="accent1"/>
+          </a:fillRef>
+          <a:effectRef idx="0">
+            <a:schemeClr val="accent1"/>
+          </a:effectRef>
+          <a:fontRef idx="minor">
+            <a:schemeClr val="tx1"/>
+          </a:fontRef>
+        </p:style>
+      </p:cxnSp>
+      <p:sp>
+        <p:nvSpPr>
+          <p:cNvPr id="57" name="Elipse 56"/>
+          <p:cNvSpPr/>
+          <p:nvPr/>
+        </p:nvSpPr>
+        <p:spPr>
+          <a:xfrm>
+            <a:off x="4815548" y="1428736"/>
+            <a:ext cx="214314" cy="214314"/>
+          </a:xfrm>
+          <a:prstGeom prst="ellipse">
+            <a:avLst/>
+          </a:prstGeom>
+          <a:solidFill>
+            <a:schemeClr val="bg1">
+              <a:lumMod val="75000"/>
+            </a:schemeClr>
+          </a:solidFill>
+          <a:ln>
+            <a:solidFill>
+              <a:schemeClr val="bg1">
+                <a:lumMod val="75000"/>
+              </a:schemeClr>
+            </a:solidFill>
+          </a:ln>
+        </p:spPr>
+        <p:style>
+          <a:lnRef idx="2">
+            <a:schemeClr val="accent1">
+              <a:shade val="50000"/>
+            </a:schemeClr>
+          </a:lnRef>
+          <a:fillRef idx="1">
+            <a:schemeClr val="accent1"/>
+          </a:fillRef>
+          <a:effectRef idx="0">
+            <a:schemeClr val="accent1"/>
+          </a:effectRef>
+          <a:fontRef idx="minor">
+            <a:schemeClr val="lt1"/>
+          </a:fontRef>
+        </p:style>
+        <p:txBody>
+          <a:bodyPr rtlCol="0" anchor="ctr"/>
+          <a:lstStyle/>
+          <a:p>
+            <a:pPr algn="ctr"/>
+            <a:endParaRPr lang="pt-BR"/>
+          </a:p>
+        </p:txBody>
+      </p:sp>
+      <p:cxnSp>
+        <p:nvCxnSpPr>
+          <p:cNvPr id="61" name="Conector reto 60"/>
+          <p:cNvCxnSpPr>
+            <a:endCxn id="63" idx="4"/>
+          </p:cNvCxnSpPr>
+          <p:nvPr/>
+        </p:nvCxnSpPr>
+        <p:spPr>
+          <a:xfrm rot="5400000" flipH="1" flipV="1">
+            <a:off x="3461468" y="1540234"/>
+            <a:ext cx="1285884" cy="6485"/>
+          </a:xfrm>
+          <a:prstGeom prst="line">
+            <a:avLst/>
+          </a:prstGeom>
+          <a:ln w="76200">
+            <a:solidFill>
+              <a:schemeClr val="bg1">
+                <a:lumMod val="75000"/>
+              </a:schemeClr>
+            </a:solidFill>
+            <a:prstDash val="sysDot"/>
+          </a:ln>
+        </p:spPr>
+        <p:style>
+          <a:lnRef idx="1">
+            <a:schemeClr val="accent1"/>
+          </a:lnRef>
+          <a:fillRef idx="0">
+            <a:schemeClr val="accent1"/>
+          </a:fillRef>
+          <a:effectRef idx="0">
+            <a:schemeClr val="accent1"/>
+          </a:effectRef>
+          <a:fontRef idx="minor">
+            <a:schemeClr val="tx1"/>
+          </a:fontRef>
+        </p:style>
+      </p:cxnSp>
+      <p:sp>
+        <p:nvSpPr>
+          <p:cNvPr id="63" name="Elipse 62"/>
+          <p:cNvSpPr/>
+          <p:nvPr/>
+        </p:nvSpPr>
+        <p:spPr>
+          <a:xfrm>
+            <a:off x="4000496" y="686220"/>
+            <a:ext cx="214314" cy="214314"/>
+          </a:xfrm>
+          <a:prstGeom prst="ellipse">
+            <a:avLst/>
+          </a:prstGeom>
+          <a:solidFill>
+            <a:schemeClr val="bg1">
+              <a:lumMod val="75000"/>
+            </a:schemeClr>
+          </a:solidFill>
+          <a:ln>
+            <a:solidFill>
+              <a:schemeClr val="bg1">
+                <a:lumMod val="75000"/>
+              </a:schemeClr>
+            </a:solidFill>
+          </a:ln>
+        </p:spPr>
+        <p:style>
+          <a:lnRef idx="2">
+            <a:schemeClr val="accent1">
+              <a:shade val="50000"/>
+            </a:schemeClr>
+          </a:lnRef>
+          <a:fillRef idx="1">
+            <a:schemeClr val="accent1"/>
+          </a:fillRef>
+          <a:effectRef idx="0">
+            <a:schemeClr val="accent1"/>
+          </a:effectRef>
+          <a:fontRef idx="minor">
+            <a:schemeClr val="lt1"/>
+          </a:fontRef>
+        </p:style>
+        <p:txBody>
+          <a:bodyPr rtlCol="0" anchor="ctr"/>
+          <a:lstStyle/>
+          <a:p>
+            <a:pPr algn="ctr"/>
+            <a:endParaRPr lang="pt-BR"/>
+          </a:p>
+        </p:txBody>
+      </p:sp>
+      <p:sp>
+        <p:nvSpPr>
+          <p:cNvPr id="66" name="CaixaDeTexto 65"/>
+          <p:cNvSpPr txBox="1"/>
+          <p:nvPr/>
+        </p:nvSpPr>
+        <p:spPr>
+          <a:xfrm>
+            <a:off x="4214810" y="1355039"/>
+            <a:ext cx="571504" cy="430887"/>
+          </a:xfrm>
+          <a:prstGeom prst="rect">
+            <a:avLst/>
+          </a:prstGeom>
+          <a:noFill/>
+        </p:spPr>
+        <p:txBody>
+          <a:bodyPr wrap="square" rtlCol="0">
+            <a:spAutoFit/>
+          </a:bodyPr>
+          <a:lstStyle/>
+          <a:p>
+            <a:pPr algn="ctr"/>
+            <a:r>
+              <a:rPr lang="pt-BR" sz="1100" dirty="0" err="1" smtClean="0"/>
+              <a:t>Sep</a:t>
+            </a:r>
+            <a:endParaRPr lang="pt-BR" sz="1100" dirty="0" smtClean="0"/>
+          </a:p>
+          <a:p>
+            <a:pPr algn="ctr"/>
+            <a:r>
+              <a:rPr lang="pt-BR" sz="1100" dirty="0" smtClean="0"/>
+              <a:t>2018</a:t>
+            </a:r>
+            <a:endParaRPr lang="pt-BR" sz="1100" dirty="0"/>
+          </a:p>
+        </p:txBody>
+      </p:sp>
+    </p:spTree>
+  </p:cSld>
+  <p:clrMapOvr>
+    <a:masterClrMapping/>
+  </p:clrMapOvr>
+  <p:timing>
+    <p:tnLst>
+      <p:par>
+        <p:cTn id="1" dur="indefinite" restart="never" nodeType="tmRoot"/>
+      </p:par>
+    </p:tnLst>
+  </p:timing>
+</p:sld>
+</file>
+
+<file path=ppt/slides/slide6.xml><?xml version="1.0" encoding="utf-8"?>
+<p:sld xmlns:a="http://schemas.openxmlformats.org/drawingml/2006/main" xmlns:r="http://schemas.openxmlformats.org/officeDocument/2006/relationships" xmlns:p="http://schemas.openxmlformats.org/presentationml/2006/main">
+  <p:cSld>
+    <p:spTree>
+      <p:nvGrpSpPr>
+        <p:cNvPr id="1" name=""/>
+        <p:cNvGrpSpPr/>
+        <p:nvPr/>
+      </p:nvGrpSpPr>
+      <p:grpSpPr>
+        <a:xfrm>
+          <a:off x="0" y="0"/>
+          <a:ext cx="0" cy="0"/>
+          <a:chOff x="0" y="0"/>
+          <a:chExt cx="0" cy="0"/>
+        </a:xfrm>
+      </p:grpSpPr>
+      <p:cxnSp>
+        <p:nvCxnSpPr>
+          <p:cNvPr id="4" name="Conector reto 3"/>
+          <p:cNvCxnSpPr/>
+          <p:nvPr/>
+        </p:nvCxnSpPr>
+        <p:spPr>
+          <a:xfrm rot="5400000" flipH="1" flipV="1">
+            <a:off x="4608513" y="2792845"/>
+            <a:ext cx="642942" cy="1588"/>
+          </a:xfrm>
+          <a:prstGeom prst="line">
+            <a:avLst/>
+          </a:prstGeom>
+          <a:ln w="57150">
+            <a:solidFill>
+              <a:srgbClr val="FF0000"/>
+            </a:solidFill>
+          </a:ln>
+        </p:spPr>
+        <p:style>
+          <a:lnRef idx="1">
+            <a:schemeClr val="accent1"/>
+          </a:lnRef>
+          <a:fillRef idx="0">
+            <a:schemeClr val="accent1"/>
+          </a:fillRef>
+          <a:effectRef idx="0">
+            <a:schemeClr val="accent1"/>
+          </a:effectRef>
+          <a:fontRef idx="minor">
+            <a:schemeClr val="tx1"/>
+          </a:fontRef>
+        </p:style>
+      </p:cxnSp>
+      <p:cxnSp>
+        <p:nvCxnSpPr>
+          <p:cNvPr id="5" name="Conector reto 4"/>
+          <p:cNvCxnSpPr/>
+          <p:nvPr/>
+        </p:nvCxnSpPr>
+        <p:spPr>
+          <a:xfrm rot="5400000" flipH="1" flipV="1">
+            <a:off x="4608513" y="3606800"/>
+            <a:ext cx="642942" cy="1588"/>
+          </a:xfrm>
+          <a:prstGeom prst="line">
+            <a:avLst/>
+          </a:prstGeom>
+          <a:ln w="57150"/>
+        </p:spPr>
+        <p:style>
+          <a:lnRef idx="1">
+            <a:schemeClr val="accent1"/>
+          </a:lnRef>
+          <a:fillRef idx="0">
+            <a:schemeClr val="accent1"/>
+          </a:fillRef>
+          <a:effectRef idx="0">
+            <a:schemeClr val="accent1"/>
+          </a:effectRef>
+          <a:fontRef idx="minor">
+            <a:schemeClr val="tx1"/>
+          </a:fontRef>
+        </p:style>
+      </p:cxnSp>
+      <p:cxnSp>
+        <p:nvCxnSpPr>
+          <p:cNvPr id="6" name="Conector reto 5"/>
+          <p:cNvCxnSpPr/>
+          <p:nvPr/>
+        </p:nvCxnSpPr>
+        <p:spPr>
+          <a:xfrm rot="5400000" flipH="1" flipV="1">
+            <a:off x="3793461" y="3535362"/>
+            <a:ext cx="642942" cy="1588"/>
+          </a:xfrm>
+          <a:prstGeom prst="line">
+            <a:avLst/>
+          </a:prstGeom>
+          <a:ln w="76200">
+            <a:solidFill>
+              <a:schemeClr val="bg1">
+                <a:lumMod val="75000"/>
+              </a:schemeClr>
+            </a:solidFill>
+            <a:prstDash val="sysDot"/>
+          </a:ln>
+        </p:spPr>
+        <p:style>
+          <a:lnRef idx="1">
+            <a:schemeClr val="accent1"/>
+          </a:lnRef>
+          <a:fillRef idx="0">
+            <a:schemeClr val="accent1"/>
+          </a:fillRef>
+          <a:effectRef idx="0">
+            <a:schemeClr val="accent1"/>
+          </a:effectRef>
+          <a:fontRef idx="minor">
+            <a:schemeClr val="tx1"/>
+          </a:fontRef>
+        </p:style>
+      </p:cxnSp>
+      <p:cxnSp>
+        <p:nvCxnSpPr>
+          <p:cNvPr id="7" name="Conector reto 6"/>
+          <p:cNvCxnSpPr/>
+          <p:nvPr/>
+        </p:nvCxnSpPr>
+        <p:spPr>
+          <a:xfrm rot="5400000" flipH="1" flipV="1">
+            <a:off x="3793461" y="2792845"/>
+            <a:ext cx="642942" cy="1588"/>
+          </a:xfrm>
+          <a:prstGeom prst="line">
+            <a:avLst/>
+          </a:prstGeom>
+          <a:ln w="76200">
+            <a:solidFill>
+              <a:srgbClr val="FFC000"/>
+            </a:solidFill>
+          </a:ln>
+        </p:spPr>
+        <p:style>
+          <a:lnRef idx="1">
+            <a:schemeClr val="accent1"/>
+          </a:lnRef>
+          <a:fillRef idx="0">
+            <a:schemeClr val="accent1"/>
+          </a:fillRef>
+          <a:effectRef idx="0">
+            <a:schemeClr val="accent1"/>
+          </a:effectRef>
+          <a:fontRef idx="minor">
+            <a:schemeClr val="tx1"/>
+          </a:fontRef>
+        </p:style>
+      </p:cxnSp>
+      <p:cxnSp>
+        <p:nvCxnSpPr>
+          <p:cNvPr id="8" name="Conector reto 7"/>
+          <p:cNvCxnSpPr/>
+          <p:nvPr/>
+        </p:nvCxnSpPr>
+        <p:spPr>
+          <a:xfrm rot="5400000" flipH="1" flipV="1">
+            <a:off x="4608513" y="1578399"/>
+            <a:ext cx="642942" cy="1588"/>
+          </a:xfrm>
+          <a:prstGeom prst="line">
+            <a:avLst/>
+          </a:prstGeom>
+          <a:ln w="76200">
+            <a:solidFill>
+              <a:schemeClr val="accent3">
+                <a:lumMod val="75000"/>
+              </a:schemeClr>
+            </a:solidFill>
+          </a:ln>
+        </p:spPr>
+        <p:style>
+          <a:lnRef idx="1">
+            <a:schemeClr val="accent1"/>
+          </a:lnRef>
+          <a:fillRef idx="0">
+            <a:schemeClr val="accent1"/>
+          </a:fillRef>
+          <a:effectRef idx="0">
+            <a:schemeClr val="accent1"/>
+          </a:effectRef>
+          <a:fontRef idx="minor">
+            <a:schemeClr val="tx1"/>
+          </a:fontRef>
+        </p:style>
+      </p:cxnSp>
+      <p:cxnSp>
+        <p:nvCxnSpPr>
+          <p:cNvPr id="9" name="Conector reto 8"/>
+          <p:cNvCxnSpPr/>
+          <p:nvPr/>
+        </p:nvCxnSpPr>
+        <p:spPr>
+          <a:xfrm rot="5400000" flipH="1" flipV="1">
+            <a:off x="4608513" y="2149903"/>
+            <a:ext cx="642942" cy="1588"/>
+          </a:xfrm>
+          <a:prstGeom prst="line">
+            <a:avLst/>
+          </a:prstGeom>
+          <a:ln w="76200">
+            <a:solidFill>
+              <a:schemeClr val="bg1">
+                <a:lumMod val="75000"/>
+              </a:schemeClr>
+            </a:solidFill>
+            <a:prstDash val="sysDot"/>
+          </a:ln>
+        </p:spPr>
+        <p:style>
+          <a:lnRef idx="1">
+            <a:schemeClr val="accent1"/>
+          </a:lnRef>
+          <a:fillRef idx="0">
+            <a:schemeClr val="accent1"/>
+          </a:fillRef>
+          <a:effectRef idx="0">
+            <a:schemeClr val="accent1"/>
+          </a:effectRef>
+          <a:fontRef idx="minor">
+            <a:schemeClr val="tx1"/>
+          </a:fontRef>
+        </p:style>
+      </p:cxnSp>
+      <p:cxnSp>
+        <p:nvCxnSpPr>
+          <p:cNvPr id="10" name="Conector reto 9"/>
+          <p:cNvCxnSpPr/>
+          <p:nvPr/>
+        </p:nvCxnSpPr>
+        <p:spPr>
+          <a:xfrm rot="5400000" flipH="1" flipV="1">
+            <a:off x="3793461" y="4249742"/>
+            <a:ext cx="642942" cy="1588"/>
+          </a:xfrm>
+          <a:prstGeom prst="line">
+            <a:avLst/>
+          </a:prstGeom>
+          <a:ln w="76200">
+            <a:solidFill>
+              <a:srgbClr val="92D050"/>
+            </a:solidFill>
+          </a:ln>
+        </p:spPr>
+        <p:style>
+          <a:lnRef idx="1">
+            <a:schemeClr val="accent1"/>
+          </a:lnRef>
+          <a:fillRef idx="0">
+            <a:schemeClr val="accent1"/>
+          </a:fillRef>
+          <a:effectRef idx="0">
+            <a:schemeClr val="accent1"/>
+          </a:effectRef>
+          <a:fontRef idx="minor">
+            <a:schemeClr val="tx1"/>
+          </a:fontRef>
+        </p:style>
+      </p:cxnSp>
+      <p:cxnSp>
+        <p:nvCxnSpPr>
+          <p:cNvPr id="11" name="Conector reto 10"/>
+          <p:cNvCxnSpPr/>
+          <p:nvPr/>
+        </p:nvCxnSpPr>
+        <p:spPr>
+          <a:xfrm rot="5400000" flipH="1" flipV="1">
+            <a:off x="3856826" y="5072073"/>
+            <a:ext cx="2143934" cy="794"/>
+          </a:xfrm>
+          <a:prstGeom prst="line">
+            <a:avLst/>
+          </a:prstGeom>
+          <a:ln w="76200">
+            <a:solidFill>
+              <a:srgbClr val="FF0000"/>
+            </a:solidFill>
+          </a:ln>
+        </p:spPr>
+        <p:style>
+          <a:lnRef idx="1">
+            <a:schemeClr val="accent1"/>
+          </a:lnRef>
+          <a:fillRef idx="0">
+            <a:schemeClr val="accent1"/>
+          </a:fillRef>
+          <a:effectRef idx="0">
+            <a:schemeClr val="accent1"/>
+          </a:effectRef>
+          <a:fontRef idx="minor">
+            <a:schemeClr val="tx1"/>
+          </a:fontRef>
+        </p:style>
+      </p:cxnSp>
+      <p:cxnSp>
+        <p:nvCxnSpPr>
+          <p:cNvPr id="12" name="Conector reto 11"/>
+          <p:cNvCxnSpPr>
+            <a:endCxn id="15" idx="4"/>
+          </p:cNvCxnSpPr>
+          <p:nvPr/>
+        </p:nvCxnSpPr>
+        <p:spPr>
+          <a:xfrm rot="5400000" flipH="1" flipV="1">
+            <a:off x="3439269" y="6104134"/>
+            <a:ext cx="1357322" cy="7581"/>
+          </a:xfrm>
+          <a:prstGeom prst="line">
+            <a:avLst/>
+          </a:prstGeom>
+          <a:ln w="76200">
+            <a:solidFill>
+              <a:schemeClr val="bg1">
+                <a:lumMod val="75000"/>
+              </a:schemeClr>
+            </a:solidFill>
+            <a:prstDash val="sysDot"/>
+          </a:ln>
+        </p:spPr>
+        <p:style>
+          <a:lnRef idx="1">
+            <a:schemeClr val="accent1"/>
+          </a:lnRef>
+          <a:fillRef idx="0">
+            <a:schemeClr val="accent1"/>
+          </a:fillRef>
+          <a:effectRef idx="0">
+            <a:schemeClr val="accent1"/>
+          </a:effectRef>
+          <a:fontRef idx="minor">
+            <a:schemeClr val="tx1"/>
+          </a:fontRef>
+        </p:style>
+      </p:cxnSp>
+      <p:cxnSp>
+        <p:nvCxnSpPr>
+          <p:cNvPr id="13" name="Conector reto 12"/>
+          <p:cNvCxnSpPr/>
+          <p:nvPr/>
+        </p:nvCxnSpPr>
+        <p:spPr>
+          <a:xfrm rot="5400000" flipH="1" flipV="1">
+            <a:off x="4608513" y="6464320"/>
+            <a:ext cx="642942" cy="1588"/>
+          </a:xfrm>
+          <a:prstGeom prst="line">
+            <a:avLst/>
+          </a:prstGeom>
+          <a:ln w="76200">
+            <a:solidFill>
+              <a:schemeClr val="bg1">
+                <a:lumMod val="75000"/>
+              </a:schemeClr>
+            </a:solidFill>
+            <a:prstDash val="sysDot"/>
+          </a:ln>
+        </p:spPr>
+        <p:style>
+          <a:lnRef idx="1">
+            <a:schemeClr val="accent1"/>
+          </a:lnRef>
+          <a:fillRef idx="0">
+            <a:schemeClr val="accent1"/>
+          </a:fillRef>
+          <a:effectRef idx="0">
+            <a:schemeClr val="accent1"/>
+          </a:effectRef>
+          <a:fontRef idx="minor">
+            <a:schemeClr val="tx1"/>
+          </a:fontRef>
+        </p:style>
+      </p:cxnSp>
+      <p:sp>
+        <p:nvSpPr>
+          <p:cNvPr id="14" name="Elipse 13"/>
+          <p:cNvSpPr/>
+          <p:nvPr/>
+        </p:nvSpPr>
+        <p:spPr>
+          <a:xfrm>
+            <a:off x="4214810" y="5643579"/>
+            <a:ext cx="613708" cy="571504"/>
+          </a:xfrm>
+          <a:prstGeom prst="ellipse">
+            <a:avLst/>
+          </a:prstGeom>
+          <a:noFill/>
+          <a:ln w="57150">
+            <a:solidFill>
+              <a:schemeClr val="bg1">
+                <a:lumMod val="75000"/>
+              </a:schemeClr>
+            </a:solidFill>
+            <a:prstDash val="sysDot"/>
+          </a:ln>
+        </p:spPr>
+        <p:style>
+          <a:lnRef idx="2">
+            <a:schemeClr val="accent1">
+              <a:shade val="50000"/>
+            </a:schemeClr>
+          </a:lnRef>
+          <a:fillRef idx="1">
+            <a:schemeClr val="accent1"/>
+          </a:fillRef>
+          <a:effectRef idx="0">
+            <a:schemeClr val="accent1"/>
+          </a:effectRef>
+          <a:fontRef idx="minor">
+            <a:schemeClr val="lt1"/>
+          </a:fontRef>
+        </p:style>
+        <p:txBody>
+          <a:bodyPr rtlCol="0" anchor="ctr"/>
+          <a:lstStyle/>
+          <a:p>
+            <a:pPr algn="ctr"/>
+            <a:r>
+              <a:rPr lang="pt-BR" sz="950" b="1" dirty="0" smtClean="0">
+                <a:solidFill>
+                  <a:schemeClr val="tx1"/>
+                </a:solidFill>
+              </a:rPr>
+              <a:t>Mar</a:t>
+            </a:r>
+          </a:p>
+          <a:p>
+            <a:pPr algn="ctr"/>
+            <a:r>
+              <a:rPr lang="pt-BR" sz="950" b="1" dirty="0" smtClean="0">
+                <a:solidFill>
+                  <a:schemeClr val="tx1"/>
+                </a:solidFill>
+              </a:rPr>
+              <a:t>2009</a:t>
+            </a:r>
+            <a:endParaRPr lang="pt-BR" sz="950" b="1" dirty="0">
+              <a:solidFill>
+                <a:schemeClr val="tx1"/>
+              </a:solidFill>
+            </a:endParaRPr>
+          </a:p>
+        </p:txBody>
+      </p:sp>
+      <p:sp>
+        <p:nvSpPr>
+          <p:cNvPr id="15" name="Elipse 14"/>
+          <p:cNvSpPr/>
+          <p:nvPr/>
+        </p:nvSpPr>
+        <p:spPr>
+          <a:xfrm>
+            <a:off x="4014564" y="5214949"/>
+            <a:ext cx="214314" cy="214314"/>
+          </a:xfrm>
+          <a:prstGeom prst="ellipse">
+            <a:avLst/>
+          </a:prstGeom>
+          <a:solidFill>
+            <a:schemeClr val="bg1">
+              <a:lumMod val="75000"/>
+            </a:schemeClr>
+          </a:solidFill>
+          <a:ln>
+            <a:solidFill>
+              <a:schemeClr val="bg1">
+                <a:lumMod val="75000"/>
+              </a:schemeClr>
+            </a:solidFill>
+          </a:ln>
+        </p:spPr>
+        <p:style>
+          <a:lnRef idx="2">
+            <a:schemeClr val="accent1">
+              <a:shade val="50000"/>
+            </a:schemeClr>
+          </a:lnRef>
+          <a:fillRef idx="1">
+            <a:schemeClr val="accent1"/>
+          </a:fillRef>
+          <a:effectRef idx="0">
+            <a:schemeClr val="accent1"/>
+          </a:effectRef>
+          <a:fontRef idx="minor">
+            <a:schemeClr val="lt1"/>
+          </a:fontRef>
+        </p:style>
+        <p:txBody>
+          <a:bodyPr rtlCol="0" anchor="ctr"/>
+          <a:lstStyle/>
+          <a:p>
+            <a:pPr algn="ctr"/>
+            <a:endParaRPr lang="pt-BR"/>
+          </a:p>
+        </p:txBody>
+      </p:sp>
+      <p:sp>
+        <p:nvSpPr>
+          <p:cNvPr id="16" name="Elipse 15"/>
+          <p:cNvSpPr/>
+          <p:nvPr/>
+        </p:nvSpPr>
+        <p:spPr>
+          <a:xfrm>
+            <a:off x="4013466" y="4429131"/>
+            <a:ext cx="214314" cy="214314"/>
+          </a:xfrm>
+          <a:prstGeom prst="ellipse">
+            <a:avLst/>
+          </a:prstGeom>
+          <a:solidFill>
+            <a:srgbClr val="FFFF00"/>
+          </a:solidFill>
+          <a:ln>
+            <a:solidFill>
+              <a:srgbClr val="FFFF00"/>
+            </a:solidFill>
+          </a:ln>
+        </p:spPr>
+        <p:style>
+          <a:lnRef idx="2">
+            <a:schemeClr val="accent1">
+              <a:shade val="50000"/>
+            </a:schemeClr>
+          </a:lnRef>
+          <a:fillRef idx="1">
+            <a:schemeClr val="accent1"/>
+          </a:fillRef>
+          <a:effectRef idx="0">
+            <a:schemeClr val="accent1"/>
+          </a:effectRef>
+          <a:fontRef idx="minor">
+            <a:schemeClr val="lt1"/>
+          </a:fontRef>
+        </p:style>
+        <p:txBody>
+          <a:bodyPr rtlCol="0" anchor="ctr"/>
+          <a:lstStyle/>
+          <a:p>
+            <a:pPr algn="ctr"/>
+            <a:endParaRPr lang="pt-BR"/>
+          </a:p>
+        </p:txBody>
+      </p:sp>
+      <p:sp>
+        <p:nvSpPr>
+          <p:cNvPr id="17" name="Elipse 16"/>
+          <p:cNvSpPr/>
+          <p:nvPr/>
+        </p:nvSpPr>
+        <p:spPr>
+          <a:xfrm>
+            <a:off x="4000496" y="3786189"/>
+            <a:ext cx="214314" cy="214314"/>
+          </a:xfrm>
+          <a:prstGeom prst="ellipse">
+            <a:avLst/>
+          </a:prstGeom>
+          <a:solidFill>
+            <a:srgbClr val="92D050"/>
+          </a:solidFill>
+          <a:ln>
+            <a:solidFill>
+              <a:srgbClr val="92D050"/>
+            </a:solidFill>
+          </a:ln>
+        </p:spPr>
+        <p:style>
+          <a:lnRef idx="2">
+            <a:schemeClr val="accent1">
+              <a:shade val="50000"/>
+            </a:schemeClr>
+          </a:lnRef>
+          <a:fillRef idx="1">
+            <a:schemeClr val="accent1"/>
+          </a:fillRef>
+          <a:effectRef idx="0">
+            <a:schemeClr val="accent1"/>
+          </a:effectRef>
+          <a:fontRef idx="minor">
+            <a:schemeClr val="lt1"/>
+          </a:fontRef>
+        </p:style>
+        <p:txBody>
+          <a:bodyPr rtlCol="0" anchor="ctr"/>
+          <a:lstStyle/>
+          <a:p>
+            <a:pPr algn="ctr"/>
+            <a:endParaRPr lang="pt-BR"/>
+          </a:p>
+        </p:txBody>
+      </p:sp>
+      <p:sp>
+        <p:nvSpPr>
+          <p:cNvPr id="18" name="Elipse 17"/>
+          <p:cNvSpPr/>
+          <p:nvPr/>
+        </p:nvSpPr>
+        <p:spPr>
+          <a:xfrm>
+            <a:off x="4815548" y="3786189"/>
+            <a:ext cx="214314" cy="214314"/>
+          </a:xfrm>
+          <a:prstGeom prst="ellipse">
+            <a:avLst/>
+          </a:prstGeom>
+          <a:solidFill>
+            <a:srgbClr val="FF0000"/>
+          </a:solidFill>
+          <a:ln>
+            <a:solidFill>
+              <a:srgbClr val="FF0000"/>
+            </a:solidFill>
+          </a:ln>
+        </p:spPr>
+        <p:style>
+          <a:lnRef idx="2">
+            <a:schemeClr val="accent1">
+              <a:shade val="50000"/>
+            </a:schemeClr>
+          </a:lnRef>
+          <a:fillRef idx="1">
+            <a:schemeClr val="accent1"/>
+          </a:fillRef>
+          <a:effectRef idx="0">
+            <a:schemeClr val="accent1"/>
+          </a:effectRef>
+          <a:fontRef idx="minor">
+            <a:schemeClr val="lt1"/>
+          </a:fontRef>
+        </p:style>
+        <p:txBody>
+          <a:bodyPr rtlCol="0" anchor="ctr"/>
+          <a:lstStyle/>
+          <a:p>
+            <a:pPr algn="ctr"/>
+            <a:endParaRPr lang="pt-BR"/>
+          </a:p>
+        </p:txBody>
+      </p:sp>
+      <p:cxnSp>
+        <p:nvCxnSpPr>
+          <p:cNvPr id="19" name="Conector reto 18"/>
+          <p:cNvCxnSpPr/>
+          <p:nvPr/>
+        </p:nvCxnSpPr>
+        <p:spPr>
+          <a:xfrm rot="5400000" flipH="1" flipV="1">
+            <a:off x="3793461" y="4892684"/>
+            <a:ext cx="642942" cy="1588"/>
+          </a:xfrm>
+          <a:prstGeom prst="line">
+            <a:avLst/>
+          </a:prstGeom>
+          <a:ln w="76200">
+            <a:solidFill>
+              <a:srgbClr val="FFFF00"/>
+            </a:solidFill>
+          </a:ln>
+        </p:spPr>
+        <p:style>
+          <a:lnRef idx="1">
+            <a:schemeClr val="accent1"/>
+          </a:lnRef>
+          <a:fillRef idx="0">
+            <a:schemeClr val="accent1"/>
+          </a:fillRef>
+          <a:effectRef idx="0">
+            <a:schemeClr val="accent1"/>
+          </a:effectRef>
+          <a:fontRef idx="minor">
+            <a:schemeClr val="tx1"/>
+          </a:fontRef>
+        </p:style>
+      </p:cxnSp>
+      <p:sp>
+        <p:nvSpPr>
+          <p:cNvPr id="20" name="Elipse 19"/>
+          <p:cNvSpPr/>
+          <p:nvPr/>
+        </p:nvSpPr>
+        <p:spPr>
+          <a:xfrm>
+            <a:off x="4815548" y="3143247"/>
+            <a:ext cx="214314" cy="214314"/>
+          </a:xfrm>
+          <a:prstGeom prst="ellipse">
+            <a:avLst/>
+          </a:prstGeom>
+          <a:solidFill>
+            <a:schemeClr val="accent1"/>
+          </a:solidFill>
+          <a:ln>
+            <a:solidFill>
+              <a:schemeClr val="accent1"/>
+            </a:solidFill>
+          </a:ln>
+        </p:spPr>
+        <p:style>
+          <a:lnRef idx="2">
+            <a:schemeClr val="accent1">
+              <a:shade val="50000"/>
+            </a:schemeClr>
+          </a:lnRef>
+          <a:fillRef idx="1">
+            <a:schemeClr val="accent1"/>
+          </a:fillRef>
+          <a:effectRef idx="0">
+            <a:schemeClr val="accent1"/>
+          </a:effectRef>
+          <a:fontRef idx="minor">
+            <a:schemeClr val="lt1"/>
+          </a:fontRef>
+        </p:style>
+        <p:txBody>
+          <a:bodyPr rtlCol="0" anchor="ctr"/>
+          <a:lstStyle/>
+          <a:p>
+            <a:pPr algn="ctr"/>
+            <a:endParaRPr lang="pt-BR"/>
+          </a:p>
+        </p:txBody>
+      </p:sp>
+      <p:sp>
+        <p:nvSpPr>
+          <p:cNvPr id="21" name="Elipse 20"/>
+          <p:cNvSpPr/>
+          <p:nvPr/>
+        </p:nvSpPr>
+        <p:spPr>
+          <a:xfrm>
+            <a:off x="4815548" y="2329292"/>
+            <a:ext cx="214314" cy="214314"/>
+          </a:xfrm>
+          <a:prstGeom prst="ellipse">
+            <a:avLst/>
+          </a:prstGeom>
+          <a:solidFill>
+            <a:srgbClr val="FF0000"/>
+          </a:solidFill>
+          <a:ln>
+            <a:solidFill>
+              <a:srgbClr val="FF0000"/>
+            </a:solidFill>
+          </a:ln>
+        </p:spPr>
+        <p:style>
+          <a:lnRef idx="2">
+            <a:schemeClr val="accent1">
+              <a:shade val="50000"/>
+            </a:schemeClr>
+          </a:lnRef>
+          <a:fillRef idx="1">
+            <a:schemeClr val="accent1"/>
+          </a:fillRef>
+          <a:effectRef idx="0">
+            <a:schemeClr val="accent1"/>
+          </a:effectRef>
+          <a:fontRef idx="minor">
+            <a:schemeClr val="lt1"/>
+          </a:fontRef>
+        </p:style>
+        <p:txBody>
+          <a:bodyPr rtlCol="0" anchor="ctr"/>
+          <a:lstStyle/>
+          <a:p>
+            <a:pPr algn="ctr"/>
+            <a:endParaRPr lang="pt-BR"/>
+          </a:p>
+        </p:txBody>
+      </p:sp>
+      <p:sp>
+        <p:nvSpPr>
+          <p:cNvPr id="22" name="Elipse 21"/>
+          <p:cNvSpPr/>
+          <p:nvPr/>
+        </p:nvSpPr>
+        <p:spPr>
+          <a:xfrm>
+            <a:off x="4815548" y="1757788"/>
+            <a:ext cx="214314" cy="214314"/>
+          </a:xfrm>
+          <a:prstGeom prst="ellipse">
+            <a:avLst/>
+          </a:prstGeom>
+          <a:solidFill>
+            <a:schemeClr val="bg1">
+              <a:lumMod val="75000"/>
+            </a:schemeClr>
+          </a:solidFill>
+          <a:ln>
+            <a:solidFill>
+              <a:schemeClr val="bg1">
+                <a:lumMod val="75000"/>
+              </a:schemeClr>
+            </a:solidFill>
+          </a:ln>
+        </p:spPr>
+        <p:style>
+          <a:lnRef idx="2">
+            <a:schemeClr val="accent1">
+              <a:shade val="50000"/>
+            </a:schemeClr>
+          </a:lnRef>
+          <a:fillRef idx="1">
+            <a:schemeClr val="accent1"/>
+          </a:fillRef>
+          <a:effectRef idx="0">
+            <a:schemeClr val="accent1"/>
+          </a:effectRef>
+          <a:fontRef idx="minor">
+            <a:schemeClr val="lt1"/>
+          </a:fontRef>
+        </p:style>
+        <p:txBody>
+          <a:bodyPr rtlCol="0" anchor="ctr"/>
+          <a:lstStyle/>
+          <a:p>
+            <a:pPr algn="ctr"/>
+            <a:endParaRPr lang="pt-BR"/>
+          </a:p>
+        </p:txBody>
+      </p:sp>
+      <p:sp>
+        <p:nvSpPr>
+          <p:cNvPr id="23" name="Elipse 22"/>
+          <p:cNvSpPr/>
+          <p:nvPr/>
+        </p:nvSpPr>
+        <p:spPr>
+          <a:xfrm>
+            <a:off x="4815548" y="1114846"/>
+            <a:ext cx="214314" cy="214314"/>
+          </a:xfrm>
+          <a:prstGeom prst="ellipse">
+            <a:avLst/>
+          </a:prstGeom>
+          <a:solidFill>
+            <a:schemeClr val="accent3">
+              <a:lumMod val="75000"/>
+            </a:schemeClr>
+          </a:solidFill>
+          <a:ln>
+            <a:solidFill>
+              <a:schemeClr val="accent3">
+                <a:lumMod val="75000"/>
+              </a:schemeClr>
+            </a:solidFill>
+          </a:ln>
+        </p:spPr>
+        <p:style>
+          <a:lnRef idx="2">
+            <a:schemeClr val="accent1">
+              <a:shade val="50000"/>
+            </a:schemeClr>
+          </a:lnRef>
+          <a:fillRef idx="1">
+            <a:schemeClr val="accent1"/>
+          </a:fillRef>
+          <a:effectRef idx="0">
+            <a:schemeClr val="accent1"/>
+          </a:effectRef>
+          <a:fontRef idx="minor">
+            <a:schemeClr val="lt1"/>
+          </a:fontRef>
+        </p:style>
+        <p:txBody>
+          <a:bodyPr rtlCol="0" anchor="ctr"/>
+          <a:lstStyle/>
+          <a:p>
+            <a:pPr algn="ctr"/>
+            <a:endParaRPr lang="pt-BR"/>
+          </a:p>
+        </p:txBody>
+      </p:sp>
+      <p:sp>
+        <p:nvSpPr>
+          <p:cNvPr id="24" name="Elipse 23"/>
+          <p:cNvSpPr/>
+          <p:nvPr/>
+        </p:nvSpPr>
+        <p:spPr>
+          <a:xfrm>
+            <a:off x="4000496" y="3143247"/>
+            <a:ext cx="214314" cy="214314"/>
+          </a:xfrm>
+          <a:prstGeom prst="ellipse">
+            <a:avLst/>
+          </a:prstGeom>
+          <a:solidFill>
+            <a:schemeClr val="bg1">
+              <a:lumMod val="75000"/>
+            </a:schemeClr>
+          </a:solidFill>
+          <a:ln>
+            <a:solidFill>
+              <a:schemeClr val="bg1">
+                <a:lumMod val="75000"/>
+              </a:schemeClr>
+            </a:solidFill>
+          </a:ln>
+        </p:spPr>
+        <p:style>
+          <a:lnRef idx="2">
+            <a:schemeClr val="accent1">
+              <a:shade val="50000"/>
+            </a:schemeClr>
+          </a:lnRef>
+          <a:fillRef idx="1">
+            <a:schemeClr val="accent1"/>
+          </a:fillRef>
+          <a:effectRef idx="0">
+            <a:schemeClr val="accent1"/>
+          </a:effectRef>
+          <a:fontRef idx="minor">
+            <a:schemeClr val="lt1"/>
+          </a:fontRef>
+        </p:style>
+        <p:txBody>
+          <a:bodyPr rtlCol="0" anchor="ctr"/>
+          <a:lstStyle/>
+          <a:p>
+            <a:pPr algn="ctr"/>
+            <a:endParaRPr lang="pt-BR"/>
+          </a:p>
+        </p:txBody>
+      </p:sp>
+      <p:sp>
+        <p:nvSpPr>
+          <p:cNvPr id="25" name="Elipse 24"/>
+          <p:cNvSpPr/>
+          <p:nvPr/>
+        </p:nvSpPr>
+        <p:spPr>
+          <a:xfrm>
+            <a:off x="4000496" y="2329292"/>
+            <a:ext cx="214314" cy="214314"/>
+          </a:xfrm>
+          <a:prstGeom prst="ellipse">
+            <a:avLst/>
+          </a:prstGeom>
+          <a:solidFill>
+            <a:srgbClr val="FFC000"/>
+          </a:solidFill>
+          <a:ln>
+            <a:solidFill>
+              <a:srgbClr val="FFC000"/>
+            </a:solidFill>
+          </a:ln>
+        </p:spPr>
+        <p:style>
+          <a:lnRef idx="2">
+            <a:schemeClr val="accent1">
+              <a:shade val="50000"/>
+            </a:schemeClr>
+          </a:lnRef>
+          <a:fillRef idx="1">
+            <a:schemeClr val="accent1"/>
+          </a:fillRef>
+          <a:effectRef idx="0">
+            <a:schemeClr val="accent1"/>
+          </a:effectRef>
+          <a:fontRef idx="minor">
+            <a:schemeClr val="lt1"/>
+          </a:fontRef>
+        </p:style>
+        <p:txBody>
+          <a:bodyPr rtlCol="0" anchor="ctr"/>
+          <a:lstStyle/>
+          <a:p>
+            <a:pPr algn="ctr"/>
+            <a:endParaRPr lang="pt-BR"/>
+          </a:p>
+        </p:txBody>
+      </p:sp>
+      <p:cxnSp>
+        <p:nvCxnSpPr>
+          <p:cNvPr id="26" name="Conector reto 25"/>
+          <p:cNvCxnSpPr>
+            <a:endCxn id="27" idx="4"/>
+          </p:cNvCxnSpPr>
+          <p:nvPr/>
+        </p:nvCxnSpPr>
+        <p:spPr>
+          <a:xfrm rot="16200000" flipV="1">
+            <a:off x="3575111" y="1861702"/>
+            <a:ext cx="1071570" cy="6485"/>
+          </a:xfrm>
+          <a:prstGeom prst="line">
+            <a:avLst/>
+          </a:prstGeom>
+          <a:ln w="76200">
+            <a:solidFill>
+              <a:srgbClr val="FFC000"/>
+            </a:solidFill>
+          </a:ln>
+        </p:spPr>
+        <p:style>
+          <a:lnRef idx="1">
+            <a:schemeClr val="accent1"/>
+          </a:lnRef>
+          <a:fillRef idx="0">
+            <a:schemeClr val="accent1"/>
+          </a:fillRef>
+          <a:effectRef idx="0">
+            <a:schemeClr val="accent1"/>
+          </a:effectRef>
+          <a:fontRef idx="minor">
+            <a:schemeClr val="tx1"/>
+          </a:fontRef>
+        </p:style>
+      </p:cxnSp>
+      <p:sp>
+        <p:nvSpPr>
+          <p:cNvPr id="27" name="Elipse 26"/>
+          <p:cNvSpPr/>
+          <p:nvPr/>
+        </p:nvSpPr>
+        <p:spPr>
+          <a:xfrm>
+            <a:off x="4000496" y="1114846"/>
+            <a:ext cx="214314" cy="214314"/>
+          </a:xfrm>
+          <a:prstGeom prst="ellipse">
+            <a:avLst/>
+          </a:prstGeom>
+          <a:solidFill>
+            <a:srgbClr val="FFC000"/>
+          </a:solidFill>
+          <a:ln>
+            <a:solidFill>
+              <a:srgbClr val="FFC000"/>
+            </a:solidFill>
+          </a:ln>
+        </p:spPr>
+        <p:style>
+          <a:lnRef idx="2">
+            <a:schemeClr val="accent1">
+              <a:shade val="50000"/>
+            </a:schemeClr>
+          </a:lnRef>
+          <a:fillRef idx="1">
+            <a:schemeClr val="accent1"/>
+          </a:fillRef>
+          <a:effectRef idx="0">
+            <a:schemeClr val="accent1"/>
+          </a:effectRef>
+          <a:fontRef idx="minor">
+            <a:schemeClr val="lt1"/>
+          </a:fontRef>
+        </p:style>
+        <p:txBody>
+          <a:bodyPr rtlCol="0" anchor="ctr"/>
+          <a:lstStyle/>
+          <a:p>
+            <a:pPr algn="ctr"/>
+            <a:endParaRPr lang="pt-BR"/>
+          </a:p>
+        </p:txBody>
+      </p:sp>
+      <p:sp>
+        <p:nvSpPr>
+          <p:cNvPr id="28" name="Texto Explicativo 1 27"/>
+          <p:cNvSpPr/>
+          <p:nvPr/>
+        </p:nvSpPr>
+        <p:spPr>
+          <a:xfrm>
+            <a:off x="5786446" y="1043408"/>
+            <a:ext cx="2286016" cy="928694"/>
+          </a:xfrm>
+          <a:prstGeom prst="borderCallout1">
+            <a:avLst>
+              <a:gd name="adj1" fmla="val 20063"/>
+              <a:gd name="adj2" fmla="val -675"/>
+              <a:gd name="adj3" fmla="val 19291"/>
+              <a:gd name="adj4" fmla="val -29893"/>
+            </a:avLst>
+          </a:prstGeom>
+          <a:noFill/>
+          <a:ln>
+            <a:solidFill>
+              <a:schemeClr val="accent3">
+                <a:lumMod val="75000"/>
+              </a:schemeClr>
+            </a:solidFill>
+          </a:ln>
+        </p:spPr>
+        <p:style>
+          <a:lnRef idx="2">
+            <a:schemeClr val="accent1">
+              <a:shade val="50000"/>
+            </a:schemeClr>
+          </a:lnRef>
+          <a:fillRef idx="1">
+            <a:schemeClr val="accent1"/>
+          </a:fillRef>
+          <a:effectRef idx="0">
+            <a:schemeClr val="accent1"/>
+          </a:effectRef>
+          <a:fontRef idx="minor">
+            <a:schemeClr val="lt1"/>
+          </a:fontRef>
+        </p:style>
+        <p:txBody>
+          <a:bodyPr rtlCol="0" anchor="ctr"/>
+          <a:lstStyle/>
+          <a:p>
+            <a:pPr algn="ctr"/>
+            <a:r>
+              <a:rPr lang="pt-BR" sz="1200" dirty="0" smtClean="0">
+                <a:solidFill>
+                  <a:schemeClr val="tx1"/>
+                </a:solidFill>
+              </a:rPr>
+              <a:t>2016-2018</a:t>
+            </a:r>
+          </a:p>
+          <a:p>
+            <a:pPr algn="ctr"/>
+            <a:r>
+              <a:rPr lang="pt-BR" sz="1200" dirty="0" smtClean="0">
+                <a:solidFill>
+                  <a:schemeClr val="tx1"/>
+                </a:solidFill>
+              </a:rPr>
+              <a:t>PUC-MG – Lato </a:t>
+            </a:r>
+            <a:r>
+              <a:rPr lang="pt-BR" sz="1200" dirty="0" err="1" smtClean="0">
+                <a:solidFill>
+                  <a:schemeClr val="tx1"/>
+                </a:solidFill>
+              </a:rPr>
+              <a:t>Sensu</a:t>
+            </a:r>
+            <a:r>
+              <a:rPr lang="pt-BR" sz="1200" dirty="0" smtClean="0">
+                <a:solidFill>
+                  <a:schemeClr val="tx1"/>
+                </a:solidFill>
+              </a:rPr>
+              <a:t> </a:t>
+            </a:r>
+            <a:r>
+              <a:rPr lang="pt-BR" sz="1200" dirty="0" err="1" smtClean="0">
+                <a:solidFill>
+                  <a:schemeClr val="tx1"/>
+                </a:solidFill>
+              </a:rPr>
+              <a:t>Postgraduate</a:t>
+            </a:r>
+            <a:r>
+              <a:rPr lang="pt-BR" sz="1200" dirty="0" smtClean="0">
+                <a:solidFill>
+                  <a:schemeClr val="tx1"/>
+                </a:solidFill>
+              </a:rPr>
+              <a:t> </a:t>
+            </a:r>
+            <a:r>
+              <a:rPr lang="pt-BR" sz="1200" dirty="0" err="1" smtClean="0">
+                <a:solidFill>
+                  <a:schemeClr val="tx1"/>
+                </a:solidFill>
+              </a:rPr>
+              <a:t>course</a:t>
+            </a:r>
+            <a:r>
+              <a:rPr lang="pt-BR" sz="1200" dirty="0" smtClean="0">
+                <a:solidFill>
+                  <a:schemeClr val="tx1"/>
+                </a:solidFill>
+              </a:rPr>
+              <a:t> in Web Applications </a:t>
+            </a:r>
+            <a:r>
+              <a:rPr lang="pt-BR" sz="1200" dirty="0" err="1" smtClean="0">
+                <a:solidFill>
+                  <a:schemeClr val="tx1"/>
+                </a:solidFill>
+              </a:rPr>
+              <a:t>Development</a:t>
+            </a:r>
+            <a:endParaRPr lang="pt-BR" sz="1200" dirty="0">
+              <a:solidFill>
+                <a:schemeClr val="tx1"/>
+              </a:solidFill>
+            </a:endParaRPr>
+          </a:p>
+        </p:txBody>
+      </p:sp>
+      <p:sp>
+        <p:nvSpPr>
+          <p:cNvPr id="29" name="Texto Explicativo 1 28"/>
+          <p:cNvSpPr/>
+          <p:nvPr/>
+        </p:nvSpPr>
+        <p:spPr>
+          <a:xfrm>
+            <a:off x="5786446" y="2114979"/>
+            <a:ext cx="2286016" cy="857256"/>
+          </a:xfrm>
+          <a:prstGeom prst="borderCallout1">
+            <a:avLst>
+              <a:gd name="adj1" fmla="val 36473"/>
+              <a:gd name="adj2" fmla="val -60"/>
+              <a:gd name="adj3" fmla="val 37342"/>
+              <a:gd name="adj4" fmla="val -33585"/>
+            </a:avLst>
+          </a:prstGeom>
+          <a:noFill/>
+          <a:ln w="57150">
+            <a:solidFill>
+              <a:srgbClr val="FF0000"/>
+            </a:solidFill>
+          </a:ln>
+        </p:spPr>
+        <p:style>
+          <a:lnRef idx="2">
+            <a:schemeClr val="accent1">
+              <a:shade val="50000"/>
+            </a:schemeClr>
+          </a:lnRef>
+          <a:fillRef idx="1">
+            <a:schemeClr val="accent1"/>
+          </a:fillRef>
+          <a:effectRef idx="0">
+            <a:schemeClr val="accent1"/>
+          </a:effectRef>
+          <a:fontRef idx="minor">
+            <a:schemeClr val="lt1"/>
+          </a:fontRef>
+        </p:style>
+        <p:txBody>
+          <a:bodyPr rtlCol="0" anchor="ctr"/>
+          <a:lstStyle/>
+          <a:p>
+            <a:pPr algn="ctr"/>
+            <a:r>
+              <a:rPr lang="pt-BR" sz="1200" dirty="0" smtClean="0">
+                <a:solidFill>
+                  <a:schemeClr val="tx1"/>
+                </a:solidFill>
+              </a:rPr>
+              <a:t>2009-2015</a:t>
+            </a:r>
+          </a:p>
+          <a:p>
+            <a:pPr algn="ctr"/>
+            <a:r>
+              <a:rPr lang="pt-BR" sz="1200" dirty="0" smtClean="0">
+                <a:solidFill>
+                  <a:schemeClr val="tx1"/>
+                </a:solidFill>
+              </a:rPr>
+              <a:t>UFMG – </a:t>
+            </a:r>
+            <a:r>
+              <a:rPr lang="pt-BR" sz="1200" dirty="0" err="1" smtClean="0">
+                <a:solidFill>
+                  <a:schemeClr val="tx1"/>
+                </a:solidFill>
+              </a:rPr>
+              <a:t>Control</a:t>
+            </a:r>
+            <a:r>
+              <a:rPr lang="pt-BR" sz="1200" dirty="0" smtClean="0">
+                <a:solidFill>
+                  <a:schemeClr val="tx1"/>
+                </a:solidFill>
+              </a:rPr>
+              <a:t> </a:t>
+            </a:r>
+            <a:r>
+              <a:rPr lang="pt-BR" sz="1200" dirty="0" err="1" smtClean="0">
+                <a:solidFill>
+                  <a:schemeClr val="tx1"/>
+                </a:solidFill>
+              </a:rPr>
+              <a:t>and</a:t>
+            </a:r>
+            <a:r>
+              <a:rPr lang="pt-BR" sz="1200" dirty="0" smtClean="0">
+                <a:solidFill>
+                  <a:schemeClr val="tx1"/>
+                </a:solidFill>
+              </a:rPr>
+              <a:t> </a:t>
+            </a:r>
+            <a:r>
+              <a:rPr lang="pt-BR" sz="1200" dirty="0" err="1" smtClean="0">
+                <a:solidFill>
+                  <a:schemeClr val="tx1"/>
+                </a:solidFill>
+              </a:rPr>
+              <a:t>Automation</a:t>
+            </a:r>
+            <a:r>
+              <a:rPr lang="pt-BR" sz="1200" dirty="0" smtClean="0">
+                <a:solidFill>
+                  <a:schemeClr val="tx1"/>
+                </a:solidFill>
+              </a:rPr>
+              <a:t> </a:t>
+            </a:r>
+            <a:r>
+              <a:rPr lang="pt-BR" sz="1200" dirty="0" err="1" smtClean="0">
+                <a:solidFill>
+                  <a:schemeClr val="tx1"/>
+                </a:solidFill>
+              </a:rPr>
+              <a:t>Engineering</a:t>
+            </a:r>
+            <a:r>
+              <a:rPr lang="pt-BR" sz="1200" dirty="0" smtClean="0">
+                <a:solidFill>
+                  <a:schemeClr val="tx1"/>
+                </a:solidFill>
+              </a:rPr>
+              <a:t> </a:t>
+            </a:r>
+            <a:r>
+              <a:rPr lang="pt-BR" sz="1200" dirty="0" err="1" smtClean="0">
+                <a:solidFill>
+                  <a:schemeClr val="tx1"/>
+                </a:solidFill>
+              </a:rPr>
+              <a:t>BSc</a:t>
+            </a:r>
+            <a:endParaRPr lang="pt-BR" sz="1200" dirty="0">
+              <a:solidFill>
+                <a:schemeClr val="tx1"/>
+              </a:solidFill>
+            </a:endParaRPr>
+          </a:p>
+        </p:txBody>
+      </p:sp>
+      <p:sp>
+        <p:nvSpPr>
+          <p:cNvPr id="30" name="Texto Explicativo 1 29"/>
+          <p:cNvSpPr/>
+          <p:nvPr/>
+        </p:nvSpPr>
+        <p:spPr>
+          <a:xfrm>
+            <a:off x="5786446" y="3115111"/>
+            <a:ext cx="2286016" cy="857256"/>
+          </a:xfrm>
+          <a:prstGeom prst="borderCallout1">
+            <a:avLst>
+              <a:gd name="adj1" fmla="val 18422"/>
+              <a:gd name="adj2" fmla="val -1906"/>
+              <a:gd name="adj3" fmla="val 17650"/>
+              <a:gd name="adj4" fmla="val -34201"/>
+            </a:avLst>
+          </a:prstGeom>
+          <a:noFill/>
+          <a:ln w="57150">
+            <a:solidFill>
+              <a:schemeClr val="accent1"/>
+            </a:solidFill>
+          </a:ln>
+        </p:spPr>
+        <p:style>
+          <a:lnRef idx="2">
+            <a:schemeClr val="accent1">
+              <a:shade val="50000"/>
+            </a:schemeClr>
+          </a:lnRef>
+          <a:fillRef idx="1">
+            <a:schemeClr val="accent1"/>
+          </a:fillRef>
+          <a:effectRef idx="0">
+            <a:schemeClr val="accent1"/>
+          </a:effectRef>
+          <a:fontRef idx="minor">
+            <a:schemeClr val="lt1"/>
+          </a:fontRef>
+        </p:style>
+        <p:txBody>
+          <a:bodyPr rtlCol="0" anchor="ctr"/>
+          <a:lstStyle/>
+          <a:p>
+            <a:pPr algn="ctr"/>
+            <a:r>
+              <a:rPr lang="pt-BR" sz="1200" dirty="0" smtClean="0">
+                <a:solidFill>
+                  <a:schemeClr val="tx1"/>
+                </a:solidFill>
+              </a:rPr>
+              <a:t>2013-2014</a:t>
+            </a:r>
+          </a:p>
+          <a:p>
+            <a:pPr algn="ctr"/>
+            <a:r>
+              <a:rPr lang="pt-BR" sz="1200" dirty="0" err="1" smtClean="0">
+                <a:solidFill>
+                  <a:schemeClr val="tx1"/>
+                </a:solidFill>
+              </a:rPr>
+              <a:t>Óbuda</a:t>
+            </a:r>
+            <a:r>
+              <a:rPr lang="pt-BR" sz="1200" dirty="0" smtClean="0">
+                <a:solidFill>
+                  <a:schemeClr val="tx1"/>
+                </a:solidFill>
+              </a:rPr>
+              <a:t> </a:t>
+            </a:r>
+            <a:r>
+              <a:rPr lang="pt-BR" sz="1200" dirty="0" err="1" smtClean="0">
+                <a:solidFill>
+                  <a:schemeClr val="tx1"/>
+                </a:solidFill>
+              </a:rPr>
+              <a:t>University</a:t>
+            </a:r>
+            <a:r>
+              <a:rPr lang="pt-BR" sz="1200" dirty="0" smtClean="0">
+                <a:solidFill>
+                  <a:schemeClr val="tx1"/>
+                </a:solidFill>
+              </a:rPr>
+              <a:t> – </a:t>
+            </a:r>
+            <a:r>
+              <a:rPr lang="pt-BR" sz="1200" dirty="0" err="1" smtClean="0">
+                <a:solidFill>
+                  <a:schemeClr val="tx1"/>
+                </a:solidFill>
+              </a:rPr>
+              <a:t>Student</a:t>
+            </a:r>
+            <a:r>
+              <a:rPr lang="pt-BR" sz="1200" dirty="0" smtClean="0">
+                <a:solidFill>
+                  <a:schemeClr val="tx1"/>
+                </a:solidFill>
+              </a:rPr>
+              <a:t> Exchange </a:t>
+            </a:r>
+            <a:r>
+              <a:rPr lang="pt-BR" sz="1200" dirty="0" err="1" smtClean="0">
+                <a:solidFill>
+                  <a:schemeClr val="tx1"/>
+                </a:solidFill>
+              </a:rPr>
+              <a:t>Program</a:t>
+            </a:r>
+            <a:endParaRPr lang="pt-BR" sz="1200" dirty="0">
+              <a:solidFill>
+                <a:schemeClr val="tx1"/>
+              </a:solidFill>
+            </a:endParaRPr>
+          </a:p>
+        </p:txBody>
+      </p:sp>
+      <p:sp>
+        <p:nvSpPr>
+          <p:cNvPr id="32" name="CaixaDeTexto 31"/>
+          <p:cNvSpPr txBox="1"/>
+          <p:nvPr/>
+        </p:nvSpPr>
+        <p:spPr>
+          <a:xfrm>
+            <a:off x="4214810" y="5115375"/>
+            <a:ext cx="571504" cy="430887"/>
+          </a:xfrm>
+          <a:prstGeom prst="rect">
+            <a:avLst/>
+          </a:prstGeom>
+          <a:noFill/>
+        </p:spPr>
+        <p:txBody>
+          <a:bodyPr wrap="square" rtlCol="0">
+            <a:spAutoFit/>
+          </a:bodyPr>
+          <a:lstStyle/>
+          <a:p>
+            <a:pPr algn="ctr"/>
+            <a:r>
+              <a:rPr lang="pt-BR" sz="1100" dirty="0" smtClean="0"/>
+              <a:t>Jan</a:t>
+            </a:r>
+          </a:p>
+          <a:p>
+            <a:pPr algn="ctr"/>
+            <a:r>
+              <a:rPr lang="pt-BR" sz="1100" dirty="0" smtClean="0"/>
+              <a:t>2012</a:t>
+            </a:r>
+            <a:endParaRPr lang="pt-BR" sz="1100" dirty="0"/>
+          </a:p>
+        </p:txBody>
+      </p:sp>
+      <p:sp>
+        <p:nvSpPr>
+          <p:cNvPr id="33" name="CaixaDeTexto 32"/>
+          <p:cNvSpPr txBox="1"/>
+          <p:nvPr/>
+        </p:nvSpPr>
+        <p:spPr>
+          <a:xfrm>
+            <a:off x="4214810" y="4329557"/>
+            <a:ext cx="571504" cy="430887"/>
+          </a:xfrm>
+          <a:prstGeom prst="rect">
+            <a:avLst/>
+          </a:prstGeom>
+          <a:noFill/>
+        </p:spPr>
+        <p:txBody>
+          <a:bodyPr wrap="square" rtlCol="0">
+            <a:spAutoFit/>
+          </a:bodyPr>
+          <a:lstStyle/>
+          <a:p>
+            <a:pPr algn="ctr"/>
+            <a:r>
+              <a:rPr lang="pt-BR" sz="1100" dirty="0" smtClean="0"/>
+              <a:t>Jan</a:t>
+            </a:r>
+          </a:p>
+          <a:p>
+            <a:pPr algn="ctr"/>
+            <a:r>
+              <a:rPr lang="pt-BR" sz="1100" dirty="0" smtClean="0"/>
+              <a:t>2013</a:t>
+            </a:r>
+            <a:endParaRPr lang="pt-BR" sz="1100" dirty="0"/>
+          </a:p>
+        </p:txBody>
+      </p:sp>
+      <p:sp>
+        <p:nvSpPr>
+          <p:cNvPr id="34" name="CaixaDeTexto 33"/>
+          <p:cNvSpPr txBox="1"/>
+          <p:nvPr/>
+        </p:nvSpPr>
+        <p:spPr>
+          <a:xfrm>
+            <a:off x="4214810" y="3684356"/>
+            <a:ext cx="571504" cy="430887"/>
+          </a:xfrm>
+          <a:prstGeom prst="rect">
+            <a:avLst/>
+          </a:prstGeom>
+          <a:noFill/>
+        </p:spPr>
+        <p:txBody>
+          <a:bodyPr wrap="square" rtlCol="0">
+            <a:spAutoFit/>
+          </a:bodyPr>
+          <a:lstStyle/>
+          <a:p>
+            <a:pPr algn="ctr"/>
+            <a:r>
+              <a:rPr lang="pt-BR" sz="1100" dirty="0" err="1" smtClean="0"/>
+              <a:t>Aug</a:t>
+            </a:r>
+            <a:endParaRPr lang="pt-BR" sz="1100" dirty="0" smtClean="0"/>
+          </a:p>
+          <a:p>
+            <a:pPr algn="ctr"/>
+            <a:r>
+              <a:rPr lang="pt-BR" sz="1100" dirty="0" smtClean="0"/>
+              <a:t>2013</a:t>
+            </a:r>
+            <a:endParaRPr lang="pt-BR" sz="1100" dirty="0"/>
+          </a:p>
+        </p:txBody>
+      </p:sp>
+      <p:sp>
+        <p:nvSpPr>
+          <p:cNvPr id="35" name="CaixaDeTexto 34"/>
+          <p:cNvSpPr txBox="1"/>
+          <p:nvPr/>
+        </p:nvSpPr>
+        <p:spPr>
+          <a:xfrm>
+            <a:off x="4214810" y="3043673"/>
+            <a:ext cx="571504" cy="430887"/>
+          </a:xfrm>
+          <a:prstGeom prst="rect">
+            <a:avLst/>
+          </a:prstGeom>
+          <a:noFill/>
+        </p:spPr>
+        <p:txBody>
+          <a:bodyPr wrap="square" rtlCol="0">
+            <a:spAutoFit/>
+          </a:bodyPr>
+          <a:lstStyle/>
+          <a:p>
+            <a:pPr algn="ctr"/>
+            <a:r>
+              <a:rPr lang="pt-BR" sz="1100" dirty="0" err="1" smtClean="0"/>
+              <a:t>Sep</a:t>
+            </a:r>
+            <a:endParaRPr lang="pt-BR" sz="1100" dirty="0" smtClean="0"/>
+          </a:p>
+          <a:p>
+            <a:pPr algn="ctr"/>
+            <a:r>
+              <a:rPr lang="pt-BR" sz="1100" dirty="0" smtClean="0"/>
+              <a:t>2014</a:t>
+            </a:r>
+            <a:endParaRPr lang="pt-BR" sz="1100" dirty="0"/>
+          </a:p>
+        </p:txBody>
+      </p:sp>
+      <p:sp>
+        <p:nvSpPr>
+          <p:cNvPr id="36" name="CaixaDeTexto 35"/>
+          <p:cNvSpPr txBox="1"/>
+          <p:nvPr/>
+        </p:nvSpPr>
+        <p:spPr>
+          <a:xfrm>
+            <a:off x="4214810" y="2255596"/>
+            <a:ext cx="571504" cy="430887"/>
+          </a:xfrm>
+          <a:prstGeom prst="rect">
+            <a:avLst/>
+          </a:prstGeom>
+          <a:noFill/>
+        </p:spPr>
+        <p:txBody>
+          <a:bodyPr wrap="square" rtlCol="0">
+            <a:spAutoFit/>
+          </a:bodyPr>
+          <a:lstStyle/>
+          <a:p>
+            <a:pPr algn="ctr"/>
+            <a:r>
+              <a:rPr lang="pt-BR" sz="1100" dirty="0" err="1" smtClean="0"/>
+              <a:t>Aug</a:t>
+            </a:r>
+            <a:endParaRPr lang="pt-BR" sz="1100" dirty="0" smtClean="0"/>
+          </a:p>
+          <a:p>
+            <a:pPr algn="ctr"/>
+            <a:r>
+              <a:rPr lang="pt-BR" sz="1100" dirty="0" smtClean="0"/>
+              <a:t>2015</a:t>
+            </a:r>
+            <a:endParaRPr lang="pt-BR" sz="1100" dirty="0"/>
+          </a:p>
+        </p:txBody>
+      </p:sp>
+      <p:sp>
+        <p:nvSpPr>
+          <p:cNvPr id="37" name="CaixaDeTexto 36"/>
+          <p:cNvSpPr txBox="1"/>
+          <p:nvPr/>
+        </p:nvSpPr>
+        <p:spPr>
+          <a:xfrm>
+            <a:off x="4214810" y="1614913"/>
+            <a:ext cx="571504" cy="430887"/>
+          </a:xfrm>
+          <a:prstGeom prst="rect">
+            <a:avLst/>
+          </a:prstGeom>
+          <a:noFill/>
+        </p:spPr>
+        <p:txBody>
+          <a:bodyPr wrap="square" rtlCol="0">
+            <a:spAutoFit/>
+          </a:bodyPr>
+          <a:lstStyle/>
+          <a:p>
+            <a:pPr algn="ctr"/>
+            <a:r>
+              <a:rPr lang="pt-BR" sz="1100" dirty="0" smtClean="0"/>
+              <a:t>Mar</a:t>
+            </a:r>
+          </a:p>
+          <a:p>
+            <a:pPr algn="ctr"/>
+            <a:r>
+              <a:rPr lang="pt-BR" sz="1100" dirty="0" smtClean="0"/>
+              <a:t>2016</a:t>
+            </a:r>
+            <a:endParaRPr lang="pt-BR" sz="1100" dirty="0"/>
+          </a:p>
+        </p:txBody>
+      </p:sp>
+      <p:sp>
+        <p:nvSpPr>
+          <p:cNvPr id="38" name="CaixaDeTexto 37"/>
+          <p:cNvSpPr txBox="1"/>
+          <p:nvPr/>
+        </p:nvSpPr>
+        <p:spPr>
+          <a:xfrm>
+            <a:off x="4214810" y="1000108"/>
+            <a:ext cx="571504" cy="430887"/>
+          </a:xfrm>
+          <a:prstGeom prst="rect">
+            <a:avLst/>
+          </a:prstGeom>
+          <a:noFill/>
+        </p:spPr>
+        <p:txBody>
+          <a:bodyPr wrap="square" rtlCol="0">
+            <a:spAutoFit/>
+          </a:bodyPr>
+          <a:lstStyle/>
+          <a:p>
+            <a:pPr algn="ctr"/>
+            <a:r>
+              <a:rPr lang="pt-BR" sz="1100" dirty="0" err="1" smtClean="0"/>
+              <a:t>May</a:t>
+            </a:r>
+            <a:endParaRPr lang="pt-BR" sz="1100" dirty="0" smtClean="0"/>
+          </a:p>
+          <a:p>
+            <a:pPr algn="ctr"/>
+            <a:r>
+              <a:rPr lang="pt-BR" sz="1100" dirty="0" smtClean="0"/>
+              <a:t>2018</a:t>
+            </a:r>
+            <a:endParaRPr lang="pt-BR" sz="1100" dirty="0"/>
+          </a:p>
+        </p:txBody>
+      </p:sp>
+      <p:sp>
+        <p:nvSpPr>
+          <p:cNvPr id="39" name="Texto Explicativo 1 38"/>
+          <p:cNvSpPr/>
+          <p:nvPr/>
+        </p:nvSpPr>
+        <p:spPr>
+          <a:xfrm>
+            <a:off x="1643042" y="4429132"/>
+            <a:ext cx="1857388" cy="714380"/>
+          </a:xfrm>
+          <a:prstGeom prst="borderCallout1">
+            <a:avLst>
+              <a:gd name="adj1" fmla="val 15140"/>
+              <a:gd name="adj2" fmla="val 100863"/>
+              <a:gd name="adj3" fmla="val 14368"/>
+              <a:gd name="adj4" fmla="val 123952"/>
+            </a:avLst>
+          </a:prstGeom>
+          <a:noFill/>
+          <a:ln w="57150">
+            <a:solidFill>
+              <a:srgbClr val="FFFF00"/>
+            </a:solidFill>
+          </a:ln>
+        </p:spPr>
+        <p:style>
+          <a:lnRef idx="2">
+            <a:schemeClr val="accent1">
+              <a:shade val="50000"/>
+            </a:schemeClr>
+          </a:lnRef>
+          <a:fillRef idx="1">
+            <a:schemeClr val="accent1"/>
+          </a:fillRef>
+          <a:effectRef idx="0">
+            <a:schemeClr val="accent1"/>
+          </a:effectRef>
+          <a:fontRef idx="minor">
+            <a:schemeClr val="lt1"/>
+          </a:fontRef>
+        </p:style>
+        <p:txBody>
+          <a:bodyPr rtlCol="0" anchor="ctr"/>
+          <a:lstStyle/>
+          <a:p>
+            <a:pPr algn="ctr"/>
+            <a:r>
+              <a:rPr lang="pt-BR" sz="1200" dirty="0" smtClean="0">
+                <a:solidFill>
+                  <a:schemeClr val="tx1"/>
+                </a:solidFill>
+              </a:rPr>
+              <a:t>2012</a:t>
+            </a:r>
+          </a:p>
+          <a:p>
+            <a:pPr algn="ctr"/>
+            <a:r>
+              <a:rPr lang="pt-BR" sz="1200" dirty="0" smtClean="0">
+                <a:solidFill>
+                  <a:schemeClr val="tx1"/>
+                </a:solidFill>
+              </a:rPr>
+              <a:t>CPE Jr – Project </a:t>
+            </a:r>
+            <a:r>
+              <a:rPr lang="pt-BR" sz="1200" dirty="0" err="1" smtClean="0">
+                <a:solidFill>
+                  <a:schemeClr val="tx1"/>
+                </a:solidFill>
+              </a:rPr>
+              <a:t>Assistant</a:t>
+            </a:r>
+            <a:endParaRPr lang="pt-BR" sz="1200" dirty="0">
+              <a:solidFill>
+                <a:schemeClr val="tx1"/>
+              </a:solidFill>
+            </a:endParaRPr>
+          </a:p>
+        </p:txBody>
+      </p:sp>
+      <p:sp>
+        <p:nvSpPr>
+          <p:cNvPr id="40" name="Texto Explicativo 1 39"/>
+          <p:cNvSpPr/>
+          <p:nvPr/>
+        </p:nvSpPr>
+        <p:spPr>
+          <a:xfrm>
+            <a:off x="1643042" y="3643314"/>
+            <a:ext cx="1857388" cy="714380"/>
+          </a:xfrm>
+          <a:prstGeom prst="borderCallout1">
+            <a:avLst>
+              <a:gd name="adj1" fmla="val 36801"/>
+              <a:gd name="adj2" fmla="val 99348"/>
+              <a:gd name="adj3" fmla="val 37999"/>
+              <a:gd name="adj4" fmla="val 127739"/>
+            </a:avLst>
+          </a:prstGeom>
+          <a:noFill/>
+          <a:ln w="57150">
+            <a:solidFill>
+              <a:srgbClr val="92D050"/>
+            </a:solidFill>
+          </a:ln>
+        </p:spPr>
+        <p:style>
+          <a:lnRef idx="2">
+            <a:schemeClr val="accent1">
+              <a:shade val="50000"/>
+            </a:schemeClr>
+          </a:lnRef>
+          <a:fillRef idx="1">
+            <a:schemeClr val="accent1"/>
+          </a:fillRef>
+          <a:effectRef idx="0">
+            <a:schemeClr val="accent1"/>
+          </a:effectRef>
+          <a:fontRef idx="minor">
+            <a:schemeClr val="lt1"/>
+          </a:fontRef>
+        </p:style>
+        <p:txBody>
+          <a:bodyPr rtlCol="0" anchor="ctr"/>
+          <a:lstStyle/>
+          <a:p>
+            <a:pPr algn="ctr"/>
+            <a:r>
+              <a:rPr lang="pt-BR" sz="1200" dirty="0" smtClean="0">
+                <a:solidFill>
+                  <a:schemeClr val="tx1"/>
+                </a:solidFill>
+              </a:rPr>
+              <a:t>2013</a:t>
+            </a:r>
+          </a:p>
+          <a:p>
+            <a:pPr algn="ctr"/>
+            <a:r>
+              <a:rPr lang="pt-BR" sz="1200" dirty="0" smtClean="0">
+                <a:solidFill>
+                  <a:schemeClr val="tx1"/>
+                </a:solidFill>
+              </a:rPr>
+              <a:t>Siemens – Industrial IT </a:t>
+            </a:r>
+            <a:r>
+              <a:rPr lang="pt-BR" sz="1200" dirty="0" err="1" smtClean="0">
+                <a:solidFill>
+                  <a:schemeClr val="tx1"/>
+                </a:solidFill>
+              </a:rPr>
+              <a:t>Internship</a:t>
+            </a:r>
+            <a:endParaRPr lang="pt-BR" sz="1200" dirty="0">
+              <a:solidFill>
+                <a:schemeClr val="tx1"/>
+              </a:solidFill>
+            </a:endParaRPr>
+          </a:p>
+        </p:txBody>
+      </p:sp>
+      <p:sp>
+        <p:nvSpPr>
+          <p:cNvPr id="41" name="Texto Explicativo 1 40"/>
+          <p:cNvSpPr/>
+          <p:nvPr/>
+        </p:nvSpPr>
+        <p:spPr>
+          <a:xfrm>
+            <a:off x="1643042" y="2357430"/>
+            <a:ext cx="1857388" cy="714380"/>
+          </a:xfrm>
+          <a:prstGeom prst="borderCallout1">
+            <a:avLst>
+              <a:gd name="adj1" fmla="val 15140"/>
+              <a:gd name="adj2" fmla="val 100863"/>
+              <a:gd name="adj3" fmla="val 14368"/>
+              <a:gd name="adj4" fmla="val 123952"/>
+            </a:avLst>
+          </a:prstGeom>
+          <a:noFill/>
+          <a:ln w="57150">
+            <a:solidFill>
+              <a:srgbClr val="FFC000"/>
+            </a:solidFill>
+          </a:ln>
+        </p:spPr>
+        <p:style>
+          <a:lnRef idx="2">
+            <a:schemeClr val="accent1">
+              <a:shade val="50000"/>
+            </a:schemeClr>
+          </a:lnRef>
+          <a:fillRef idx="1">
+            <a:schemeClr val="accent1"/>
+          </a:fillRef>
+          <a:effectRef idx="0">
+            <a:schemeClr val="accent1"/>
+          </a:effectRef>
+          <a:fontRef idx="minor">
+            <a:schemeClr val="lt1"/>
+          </a:fontRef>
+        </p:style>
+        <p:txBody>
+          <a:bodyPr rtlCol="0" anchor="ctr"/>
+          <a:lstStyle/>
+          <a:p>
+            <a:pPr algn="ctr"/>
+            <a:r>
+              <a:rPr lang="pt-BR" sz="1200" dirty="0" smtClean="0">
+                <a:solidFill>
+                  <a:schemeClr val="tx1"/>
+                </a:solidFill>
+              </a:rPr>
+              <a:t>2014-2015</a:t>
+            </a:r>
+          </a:p>
+          <a:p>
+            <a:pPr algn="ctr"/>
+            <a:r>
+              <a:rPr lang="pt-BR" sz="1200" dirty="0" smtClean="0">
+                <a:solidFill>
+                  <a:schemeClr val="tx1"/>
+                </a:solidFill>
+              </a:rPr>
+              <a:t>Siemens/</a:t>
+            </a:r>
+            <a:r>
+              <a:rPr lang="pt-BR" sz="1200" dirty="0" err="1" smtClean="0">
+                <a:solidFill>
+                  <a:schemeClr val="tx1"/>
+                </a:solidFill>
+              </a:rPr>
+              <a:t>Primetals</a:t>
+            </a:r>
+            <a:r>
+              <a:rPr lang="pt-BR" sz="1200" dirty="0" smtClean="0">
+                <a:solidFill>
+                  <a:schemeClr val="tx1"/>
+                </a:solidFill>
+              </a:rPr>
+              <a:t> – Industrial IT </a:t>
+            </a:r>
+            <a:r>
+              <a:rPr lang="pt-BR" sz="1200" dirty="0" err="1" smtClean="0">
+                <a:solidFill>
+                  <a:schemeClr val="tx1"/>
+                </a:solidFill>
+              </a:rPr>
+              <a:t>Internship</a:t>
+            </a:r>
+            <a:endParaRPr lang="pt-BR" sz="1200" dirty="0">
+              <a:solidFill>
+                <a:schemeClr val="tx1"/>
+              </a:solidFill>
+            </a:endParaRPr>
+          </a:p>
+        </p:txBody>
+      </p:sp>
+      <p:sp>
+        <p:nvSpPr>
+          <p:cNvPr id="42" name="Texto Explicativo 1 41"/>
+          <p:cNvSpPr/>
+          <p:nvPr/>
+        </p:nvSpPr>
+        <p:spPr>
+          <a:xfrm>
+            <a:off x="1643042" y="1142984"/>
+            <a:ext cx="1857388" cy="714380"/>
+          </a:xfrm>
+          <a:prstGeom prst="borderCallout1">
+            <a:avLst>
+              <a:gd name="adj1" fmla="val 15140"/>
+              <a:gd name="adj2" fmla="val 100863"/>
+              <a:gd name="adj3" fmla="val 14368"/>
+              <a:gd name="adj4" fmla="val 123952"/>
+            </a:avLst>
+          </a:prstGeom>
+          <a:noFill/>
+          <a:ln w="57150">
+            <a:solidFill>
+              <a:srgbClr val="FFC000"/>
+            </a:solidFill>
+          </a:ln>
+        </p:spPr>
+        <p:style>
+          <a:lnRef idx="2">
+            <a:schemeClr val="accent1">
+              <a:shade val="50000"/>
+            </a:schemeClr>
+          </a:lnRef>
+          <a:fillRef idx="1">
+            <a:schemeClr val="accent1"/>
+          </a:fillRef>
+          <a:effectRef idx="0">
+            <a:schemeClr val="accent1"/>
+          </a:effectRef>
+          <a:fontRef idx="minor">
+            <a:schemeClr val="lt1"/>
+          </a:fontRef>
+        </p:style>
+        <p:txBody>
+          <a:bodyPr rtlCol="0" anchor="ctr"/>
+          <a:lstStyle/>
+          <a:p>
+            <a:pPr algn="ctr"/>
+            <a:r>
+              <a:rPr lang="pt-BR" sz="1200" dirty="0" smtClean="0">
+                <a:solidFill>
+                  <a:schemeClr val="tx1"/>
+                </a:solidFill>
+              </a:rPr>
+              <a:t>2015-2018</a:t>
+            </a:r>
+          </a:p>
+          <a:p>
+            <a:pPr algn="ctr"/>
+            <a:r>
+              <a:rPr lang="pt-BR" sz="1200" dirty="0" err="1" smtClean="0">
+                <a:solidFill>
+                  <a:schemeClr val="tx1"/>
+                </a:solidFill>
+              </a:rPr>
+              <a:t>Primetals</a:t>
+            </a:r>
+            <a:r>
+              <a:rPr lang="pt-BR" sz="1200" dirty="0" smtClean="0">
+                <a:solidFill>
+                  <a:schemeClr val="tx1"/>
+                </a:solidFill>
+              </a:rPr>
+              <a:t> – Software </a:t>
+            </a:r>
+            <a:r>
+              <a:rPr lang="pt-BR" sz="1200" dirty="0" err="1" smtClean="0">
+                <a:solidFill>
+                  <a:schemeClr val="tx1"/>
+                </a:solidFill>
+              </a:rPr>
+              <a:t>Development</a:t>
+            </a:r>
+            <a:r>
+              <a:rPr lang="pt-BR" sz="1200" dirty="0" smtClean="0">
+                <a:solidFill>
+                  <a:schemeClr val="tx1"/>
+                </a:solidFill>
+              </a:rPr>
+              <a:t> </a:t>
+            </a:r>
+            <a:r>
+              <a:rPr lang="pt-BR" sz="1200" dirty="0" err="1" smtClean="0">
+                <a:solidFill>
+                  <a:schemeClr val="tx1"/>
+                </a:solidFill>
+              </a:rPr>
+              <a:t>Engineer</a:t>
+            </a:r>
+            <a:endParaRPr lang="pt-BR" sz="1200" dirty="0">
+              <a:solidFill>
+                <a:schemeClr val="tx1"/>
+              </a:solidFill>
+            </a:endParaRPr>
+          </a:p>
+        </p:txBody>
+      </p:sp>
+    </p:spTree>
+  </p:cSld>
+  <p:clrMapOvr>
+    <a:masterClrMapping/>
+  </p:clrMapOvr>
+</p:sld>
+</file>
+
+<file path=ppt/slides/slide7.xml><?xml version="1.0" encoding="utf-8"?>
+<p:sld xmlns:a="http://schemas.openxmlformats.org/drawingml/2006/main" xmlns:r="http://schemas.openxmlformats.org/officeDocument/2006/relationships" xmlns:p="http://schemas.openxmlformats.org/presentationml/2006/main">
+  <p:cSld>
+    <p:spTree>
+      <p:nvGrpSpPr>
+        <p:cNvPr id="1" name=""/>
+        <p:cNvGrpSpPr/>
+        <p:nvPr/>
+      </p:nvGrpSpPr>
+      <p:grpSpPr>
+        <a:xfrm>
+          <a:off x="0" y="0"/>
+          <a:ext cx="0" cy="0"/>
+          <a:chOff x="0" y="0"/>
+          <a:chExt cx="0" cy="0"/>
+        </a:xfrm>
+      </p:grpSpPr>
+      <p:cxnSp>
+        <p:nvCxnSpPr>
+          <p:cNvPr id="10" name="Conector reto 9"/>
+          <p:cNvCxnSpPr/>
+          <p:nvPr/>
+        </p:nvCxnSpPr>
+        <p:spPr>
+          <a:xfrm rot="5400000" flipH="1" flipV="1">
+            <a:off x="1320777" y="4749809"/>
+            <a:ext cx="642942" cy="1588"/>
+          </a:xfrm>
+          <a:prstGeom prst="line">
+            <a:avLst/>
+          </a:prstGeom>
+          <a:ln w="57150">
+            <a:solidFill>
+              <a:srgbClr val="FF0000"/>
+            </a:solidFill>
+            <a:prstDash val="solid"/>
+          </a:ln>
+        </p:spPr>
+        <p:style>
+          <a:lnRef idx="1">
+            <a:schemeClr val="accent1"/>
+          </a:lnRef>
+          <a:fillRef idx="0">
+            <a:schemeClr val="accent1"/>
+          </a:fillRef>
+          <a:effectRef idx="0">
+            <a:schemeClr val="accent1"/>
+          </a:effectRef>
+          <a:fontRef idx="minor">
+            <a:schemeClr val="tx1"/>
+          </a:fontRef>
+        </p:style>
+      </p:cxnSp>
+      <p:cxnSp>
+        <p:nvCxnSpPr>
+          <p:cNvPr id="11" name="Conector reto 10"/>
+          <p:cNvCxnSpPr/>
+          <p:nvPr/>
+        </p:nvCxnSpPr>
+        <p:spPr>
+          <a:xfrm rot="5400000" flipH="1" flipV="1">
+            <a:off x="1108051" y="4749809"/>
+            <a:ext cx="642942" cy="1588"/>
+          </a:xfrm>
+          <a:prstGeom prst="line">
+            <a:avLst/>
+          </a:prstGeom>
+          <a:ln w="57150">
+            <a:solidFill>
+              <a:schemeClr val="bg1">
+                <a:lumMod val="75000"/>
+              </a:schemeClr>
+            </a:solidFill>
+            <a:prstDash val="sysDot"/>
+          </a:ln>
+        </p:spPr>
+        <p:style>
+          <a:lnRef idx="1">
+            <a:schemeClr val="accent1"/>
+          </a:lnRef>
+          <a:fillRef idx="0">
+            <a:schemeClr val="accent1"/>
+          </a:fillRef>
+          <a:effectRef idx="0">
+            <a:schemeClr val="accent1"/>
+          </a:effectRef>
+          <a:fontRef idx="minor">
+            <a:schemeClr val="tx1"/>
+          </a:fontRef>
+        </p:style>
+      </p:cxnSp>
+      <p:sp>
+        <p:nvSpPr>
+          <p:cNvPr id="5" name="Elipse 4"/>
+          <p:cNvSpPr/>
+          <p:nvPr/>
+        </p:nvSpPr>
+        <p:spPr>
+          <a:xfrm>
+            <a:off x="500034" y="5072074"/>
+            <a:ext cx="613708" cy="571504"/>
+          </a:xfrm>
+          <a:prstGeom prst="ellipse">
+            <a:avLst/>
+          </a:prstGeom>
+          <a:noFill/>
+          <a:ln w="57150">
+            <a:solidFill>
+              <a:schemeClr val="bg1">
+                <a:lumMod val="75000"/>
+              </a:schemeClr>
+            </a:solidFill>
+            <a:prstDash val="sysDot"/>
+          </a:ln>
+        </p:spPr>
+        <p:style>
+          <a:lnRef idx="2">
+            <a:schemeClr val="accent1">
+              <a:shade val="50000"/>
+            </a:schemeClr>
+          </a:lnRef>
+          <a:fillRef idx="1">
+            <a:schemeClr val="accent1"/>
+          </a:fillRef>
+          <a:effectRef idx="0">
+            <a:schemeClr val="accent1"/>
+          </a:effectRef>
+          <a:fontRef idx="minor">
+            <a:schemeClr val="lt1"/>
+          </a:fontRef>
+        </p:style>
+        <p:txBody>
+          <a:bodyPr rtlCol="0" anchor="ctr"/>
+          <a:lstStyle/>
+          <a:p>
+            <a:pPr algn="ctr"/>
+            <a:r>
+              <a:rPr lang="pt-BR" sz="950" b="1" dirty="0" smtClean="0">
+                <a:solidFill>
+                  <a:schemeClr val="tx1"/>
+                </a:solidFill>
+              </a:rPr>
+              <a:t>Mar</a:t>
+            </a:r>
+          </a:p>
+          <a:p>
+            <a:pPr algn="ctr"/>
+            <a:r>
+              <a:rPr lang="pt-BR" sz="950" b="1" dirty="0" smtClean="0">
+                <a:solidFill>
+                  <a:schemeClr val="tx1"/>
+                </a:solidFill>
+              </a:rPr>
+              <a:t>2009</a:t>
+            </a:r>
+            <a:endParaRPr lang="pt-BR" sz="950" b="1" dirty="0">
+              <a:solidFill>
+                <a:schemeClr val="tx1"/>
+              </a:solidFill>
+            </a:endParaRPr>
+          </a:p>
+        </p:txBody>
+      </p:sp>
+      <p:cxnSp>
+        <p:nvCxnSpPr>
+          <p:cNvPr id="6" name="Conector reto 5"/>
+          <p:cNvCxnSpPr/>
+          <p:nvPr/>
+        </p:nvCxnSpPr>
+        <p:spPr>
+          <a:xfrm rot="5400000" flipH="1" flipV="1">
+            <a:off x="606397" y="5964255"/>
+            <a:ext cx="642942" cy="1588"/>
+          </a:xfrm>
+          <a:prstGeom prst="line">
+            <a:avLst/>
+          </a:prstGeom>
+          <a:ln w="57150">
+            <a:solidFill>
+              <a:schemeClr val="bg1">
+                <a:lumMod val="75000"/>
+              </a:schemeClr>
+            </a:solidFill>
+            <a:prstDash val="sysDot"/>
+          </a:ln>
+        </p:spPr>
+        <p:style>
+          <a:lnRef idx="1">
+            <a:schemeClr val="accent1"/>
+          </a:lnRef>
+          <a:fillRef idx="0">
+            <a:schemeClr val="accent1"/>
+          </a:fillRef>
+          <a:effectRef idx="0">
+            <a:schemeClr val="accent1"/>
+          </a:effectRef>
+          <a:fontRef idx="minor">
+            <a:schemeClr val="tx1"/>
+          </a:fontRef>
+        </p:style>
+      </p:cxnSp>
+      <p:cxnSp>
+        <p:nvCxnSpPr>
+          <p:cNvPr id="8" name="Conector reto 7"/>
+          <p:cNvCxnSpPr/>
+          <p:nvPr/>
+        </p:nvCxnSpPr>
+        <p:spPr>
+          <a:xfrm rot="5400000" flipH="1" flipV="1">
+            <a:off x="393671" y="5964255"/>
+            <a:ext cx="642942" cy="1588"/>
+          </a:xfrm>
+          <a:prstGeom prst="line">
+            <a:avLst/>
+          </a:prstGeom>
+          <a:ln w="57150">
+            <a:solidFill>
+              <a:schemeClr val="bg1">
+                <a:lumMod val="75000"/>
+              </a:schemeClr>
+            </a:solidFill>
+            <a:prstDash val="sysDot"/>
+          </a:ln>
+        </p:spPr>
+        <p:style>
+          <a:lnRef idx="1">
+            <a:schemeClr val="accent1"/>
+          </a:lnRef>
+          <a:fillRef idx="0">
+            <a:schemeClr val="accent1"/>
+          </a:fillRef>
+          <a:effectRef idx="0">
+            <a:schemeClr val="accent1"/>
+          </a:effectRef>
+          <a:fontRef idx="minor">
+            <a:schemeClr val="tx1"/>
+          </a:fontRef>
+        </p:style>
+      </p:cxnSp>
+      <p:sp>
+        <p:nvSpPr>
+          <p:cNvPr id="9" name="Elipse 8"/>
+          <p:cNvSpPr/>
+          <p:nvPr/>
+        </p:nvSpPr>
+        <p:spPr>
+          <a:xfrm>
+            <a:off x="1214414" y="5072074"/>
+            <a:ext cx="613708" cy="571504"/>
+          </a:xfrm>
+          <a:prstGeom prst="ellipse">
+            <a:avLst/>
+          </a:prstGeom>
+          <a:noFill/>
+          <a:ln w="57150">
+            <a:solidFill>
+              <a:srgbClr val="FF0000"/>
+            </a:solidFill>
+            <a:prstDash val="solid"/>
+          </a:ln>
+        </p:spPr>
+        <p:style>
+          <a:lnRef idx="2">
+            <a:schemeClr val="accent1">
+              <a:shade val="50000"/>
+            </a:schemeClr>
+          </a:lnRef>
+          <a:fillRef idx="1">
+            <a:schemeClr val="accent1"/>
+          </a:fillRef>
+          <a:effectRef idx="0">
+            <a:schemeClr val="accent1"/>
+          </a:effectRef>
+          <a:fontRef idx="minor">
+            <a:schemeClr val="lt1"/>
+          </a:fontRef>
+        </p:style>
+        <p:txBody>
+          <a:bodyPr rtlCol="0" anchor="ctr"/>
+          <a:lstStyle/>
+          <a:p>
+            <a:pPr algn="ctr"/>
+            <a:r>
+              <a:rPr lang="pt-BR" sz="950" b="1" dirty="0" smtClean="0">
+                <a:solidFill>
+                  <a:schemeClr val="tx1"/>
+                </a:solidFill>
+              </a:rPr>
+              <a:t>Mar</a:t>
+            </a:r>
+          </a:p>
+          <a:p>
+            <a:pPr algn="ctr"/>
+            <a:r>
+              <a:rPr lang="pt-BR" sz="950" b="1" dirty="0" smtClean="0">
+                <a:solidFill>
+                  <a:schemeClr val="tx1"/>
+                </a:solidFill>
+              </a:rPr>
+              <a:t>2009</a:t>
+            </a:r>
+            <a:endParaRPr lang="pt-BR" sz="950" b="1" dirty="0">
+              <a:solidFill>
+                <a:schemeClr val="tx1"/>
+              </a:solidFill>
+            </a:endParaRPr>
+          </a:p>
+        </p:txBody>
+      </p:sp>
+      <p:cxnSp>
+        <p:nvCxnSpPr>
+          <p:cNvPr id="12" name="Conector reto 11"/>
+          <p:cNvCxnSpPr/>
+          <p:nvPr/>
+        </p:nvCxnSpPr>
+        <p:spPr>
+          <a:xfrm rot="5400000" flipH="1" flipV="1">
+            <a:off x="3207399" y="3535363"/>
+            <a:ext cx="642942" cy="1588"/>
+          </a:xfrm>
+          <a:prstGeom prst="line">
+            <a:avLst/>
+          </a:prstGeom>
+          <a:ln w="57150">
+            <a:solidFill>
+              <a:srgbClr val="FF0000"/>
+            </a:solidFill>
+            <a:prstDash val="solid"/>
+          </a:ln>
+        </p:spPr>
+        <p:style>
+          <a:lnRef idx="1">
+            <a:schemeClr val="accent1"/>
+          </a:lnRef>
+          <a:fillRef idx="0">
+            <a:schemeClr val="accent1"/>
+          </a:fillRef>
+          <a:effectRef idx="0">
+            <a:schemeClr val="accent1"/>
+          </a:effectRef>
+          <a:fontRef idx="minor">
+            <a:schemeClr val="tx1"/>
+          </a:fontRef>
+        </p:style>
+      </p:cxnSp>
+      <p:cxnSp>
+        <p:nvCxnSpPr>
+          <p:cNvPr id="13" name="Conector reto 12"/>
+          <p:cNvCxnSpPr/>
+          <p:nvPr/>
+        </p:nvCxnSpPr>
+        <p:spPr>
+          <a:xfrm rot="5400000" flipH="1" flipV="1">
+            <a:off x="2994673" y="3535363"/>
+            <a:ext cx="642942" cy="1588"/>
+          </a:xfrm>
+          <a:prstGeom prst="line">
+            <a:avLst/>
+          </a:prstGeom>
+          <a:ln w="57150">
+            <a:solidFill>
+              <a:schemeClr val="bg1">
+                <a:lumMod val="75000"/>
+              </a:schemeClr>
+            </a:solidFill>
+            <a:prstDash val="sysDot"/>
+          </a:ln>
+        </p:spPr>
+        <p:style>
+          <a:lnRef idx="1">
+            <a:schemeClr val="accent1"/>
+          </a:lnRef>
+          <a:fillRef idx="0">
+            <a:schemeClr val="accent1"/>
+          </a:fillRef>
+          <a:effectRef idx="0">
+            <a:schemeClr val="accent1"/>
+          </a:effectRef>
+          <a:fontRef idx="minor">
+            <a:schemeClr val="tx1"/>
+          </a:fontRef>
+        </p:style>
+      </p:cxnSp>
+      <p:sp>
+        <p:nvSpPr>
+          <p:cNvPr id="14" name="Elipse 13"/>
+          <p:cNvSpPr/>
+          <p:nvPr/>
+        </p:nvSpPr>
+        <p:spPr>
+          <a:xfrm>
+            <a:off x="2386656" y="3857628"/>
+            <a:ext cx="613708" cy="571504"/>
+          </a:xfrm>
+          <a:prstGeom prst="ellipse">
+            <a:avLst/>
+          </a:prstGeom>
+          <a:noFill/>
+          <a:ln w="57150">
+            <a:solidFill>
+              <a:schemeClr val="bg1">
+                <a:lumMod val="75000"/>
+              </a:schemeClr>
+            </a:solidFill>
+            <a:prstDash val="sysDot"/>
+          </a:ln>
+        </p:spPr>
+        <p:style>
+          <a:lnRef idx="2">
+            <a:schemeClr val="accent1">
+              <a:shade val="50000"/>
+            </a:schemeClr>
+          </a:lnRef>
+          <a:fillRef idx="1">
+            <a:schemeClr val="accent1"/>
+          </a:fillRef>
+          <a:effectRef idx="0">
+            <a:schemeClr val="accent1"/>
+          </a:effectRef>
+          <a:fontRef idx="minor">
+            <a:schemeClr val="lt1"/>
+          </a:fontRef>
+        </p:style>
+        <p:txBody>
+          <a:bodyPr rtlCol="0" anchor="ctr"/>
+          <a:lstStyle/>
+          <a:p>
+            <a:pPr algn="ctr"/>
+            <a:r>
+              <a:rPr lang="pt-BR" sz="950" b="1" dirty="0" smtClean="0">
+                <a:solidFill>
+                  <a:schemeClr val="tx1"/>
+                </a:solidFill>
+              </a:rPr>
+              <a:t>Jan</a:t>
+            </a:r>
+          </a:p>
+          <a:p>
+            <a:pPr algn="ctr"/>
+            <a:r>
+              <a:rPr lang="pt-BR" sz="950" b="1" dirty="0" smtClean="0">
+                <a:solidFill>
+                  <a:schemeClr val="tx1"/>
+                </a:solidFill>
+              </a:rPr>
+              <a:t>2012</a:t>
+            </a:r>
+            <a:endParaRPr lang="pt-BR" sz="950" b="1" dirty="0">
+              <a:solidFill>
+                <a:schemeClr val="tx1"/>
+              </a:solidFill>
+            </a:endParaRPr>
+          </a:p>
+        </p:txBody>
+      </p:sp>
+      <p:sp>
+        <p:nvSpPr>
+          <p:cNvPr id="17" name="Elipse 16"/>
+          <p:cNvSpPr/>
+          <p:nvPr/>
+        </p:nvSpPr>
+        <p:spPr>
+          <a:xfrm>
+            <a:off x="3101036" y="3857628"/>
+            <a:ext cx="613708" cy="571504"/>
+          </a:xfrm>
+          <a:prstGeom prst="ellipse">
+            <a:avLst/>
+          </a:prstGeom>
+          <a:noFill/>
+          <a:ln w="57150">
+            <a:solidFill>
+              <a:srgbClr val="FF0000"/>
+            </a:solidFill>
+            <a:prstDash val="solid"/>
+          </a:ln>
+        </p:spPr>
+        <p:style>
+          <a:lnRef idx="2">
+            <a:schemeClr val="accent1">
+              <a:shade val="50000"/>
+            </a:schemeClr>
+          </a:lnRef>
+          <a:fillRef idx="1">
+            <a:schemeClr val="accent1"/>
+          </a:fillRef>
+          <a:effectRef idx="0">
+            <a:schemeClr val="accent1"/>
+          </a:effectRef>
+          <a:fontRef idx="minor">
+            <a:schemeClr val="lt1"/>
+          </a:fontRef>
+        </p:style>
+        <p:txBody>
+          <a:bodyPr rtlCol="0" anchor="ctr"/>
+          <a:lstStyle/>
+          <a:p>
+            <a:pPr algn="ctr"/>
+            <a:r>
+              <a:rPr lang="pt-BR" sz="950" b="1" dirty="0" smtClean="0">
+                <a:solidFill>
+                  <a:schemeClr val="tx1"/>
+                </a:solidFill>
+              </a:rPr>
+              <a:t>Jan</a:t>
+            </a:r>
+          </a:p>
+          <a:p>
+            <a:pPr algn="ctr"/>
+            <a:r>
+              <a:rPr lang="pt-BR" sz="950" b="1" dirty="0" smtClean="0">
+                <a:solidFill>
+                  <a:schemeClr val="tx1"/>
+                </a:solidFill>
+              </a:rPr>
+              <a:t>2012</a:t>
+            </a:r>
+            <a:endParaRPr lang="pt-BR" sz="950" b="1" dirty="0">
+              <a:solidFill>
+                <a:schemeClr val="tx1"/>
+              </a:solidFill>
+            </a:endParaRPr>
+          </a:p>
+        </p:txBody>
+      </p:sp>
+      <p:cxnSp>
+        <p:nvCxnSpPr>
+          <p:cNvPr id="20" name="Conector reto 19"/>
+          <p:cNvCxnSpPr/>
+          <p:nvPr/>
+        </p:nvCxnSpPr>
+        <p:spPr>
+          <a:xfrm rot="5400000" flipH="1" flipV="1">
+            <a:off x="3967159" y="3678239"/>
+            <a:ext cx="642942" cy="1588"/>
+          </a:xfrm>
+          <a:prstGeom prst="line">
+            <a:avLst/>
+          </a:prstGeom>
+          <a:ln w="57150">
+            <a:solidFill>
+              <a:srgbClr val="FFFF00"/>
+            </a:solidFill>
+            <a:prstDash val="solid"/>
+          </a:ln>
+        </p:spPr>
+        <p:style>
+          <a:lnRef idx="1">
+            <a:schemeClr val="accent1"/>
+          </a:lnRef>
+          <a:fillRef idx="0">
+            <a:schemeClr val="accent1"/>
+          </a:fillRef>
+          <a:effectRef idx="0">
+            <a:schemeClr val="accent1"/>
+          </a:effectRef>
+          <a:fontRef idx="minor">
+            <a:schemeClr val="tx1"/>
+          </a:fontRef>
+        </p:style>
+      </p:cxnSp>
+      <p:sp>
+        <p:nvSpPr>
+          <p:cNvPr id="21" name="Elipse 20"/>
+          <p:cNvSpPr/>
+          <p:nvPr/>
+        </p:nvSpPr>
+        <p:spPr>
+          <a:xfrm>
+            <a:off x="4073522" y="4000504"/>
+            <a:ext cx="613708" cy="571504"/>
+          </a:xfrm>
+          <a:prstGeom prst="ellipse">
+            <a:avLst/>
+          </a:prstGeom>
+          <a:noFill/>
+          <a:ln w="57150">
+            <a:solidFill>
+              <a:srgbClr val="FFFF00"/>
+            </a:solidFill>
+            <a:prstDash val="solid"/>
+          </a:ln>
+        </p:spPr>
+        <p:style>
+          <a:lnRef idx="2">
+            <a:schemeClr val="accent1">
+              <a:shade val="50000"/>
+            </a:schemeClr>
+          </a:lnRef>
+          <a:fillRef idx="1">
+            <a:schemeClr val="accent1"/>
+          </a:fillRef>
+          <a:effectRef idx="0">
+            <a:schemeClr val="accent1"/>
+          </a:effectRef>
+          <a:fontRef idx="minor">
+            <a:schemeClr val="lt1"/>
+          </a:fontRef>
+        </p:style>
+        <p:txBody>
+          <a:bodyPr rtlCol="0" anchor="ctr"/>
+          <a:lstStyle/>
+          <a:p>
+            <a:pPr algn="ctr"/>
+            <a:r>
+              <a:rPr lang="pt-BR" sz="950" b="1" dirty="0" smtClean="0">
+                <a:solidFill>
+                  <a:schemeClr val="tx1"/>
+                </a:solidFill>
+              </a:rPr>
+              <a:t>Jan</a:t>
+            </a:r>
+          </a:p>
+          <a:p>
+            <a:pPr algn="ctr"/>
+            <a:r>
+              <a:rPr lang="pt-BR" sz="950" b="1" dirty="0" smtClean="0">
+                <a:solidFill>
+                  <a:schemeClr val="tx1"/>
+                </a:solidFill>
+              </a:rPr>
+              <a:t>2012</a:t>
+            </a:r>
+            <a:endParaRPr lang="pt-BR" sz="950" b="1" dirty="0">
+              <a:solidFill>
+                <a:schemeClr val="tx1"/>
+              </a:solidFill>
+            </a:endParaRPr>
+          </a:p>
+        </p:txBody>
+      </p:sp>
+      <p:cxnSp>
+        <p:nvCxnSpPr>
+          <p:cNvPr id="22" name="Conector reto 21"/>
+          <p:cNvCxnSpPr/>
+          <p:nvPr/>
+        </p:nvCxnSpPr>
+        <p:spPr>
+          <a:xfrm rot="5400000" flipH="1" flipV="1">
+            <a:off x="5822959" y="3463925"/>
+            <a:ext cx="642942" cy="1588"/>
+          </a:xfrm>
+          <a:prstGeom prst="line">
+            <a:avLst/>
+          </a:prstGeom>
+          <a:ln w="57150">
+            <a:solidFill>
+              <a:srgbClr val="FF0000"/>
+            </a:solidFill>
+            <a:prstDash val="solid"/>
+          </a:ln>
+        </p:spPr>
+        <p:style>
+          <a:lnRef idx="1">
+            <a:schemeClr val="accent1"/>
+          </a:lnRef>
+          <a:fillRef idx="0">
+            <a:schemeClr val="accent1"/>
+          </a:fillRef>
+          <a:effectRef idx="0">
+            <a:schemeClr val="accent1"/>
+          </a:effectRef>
+          <a:fontRef idx="minor">
+            <a:schemeClr val="tx1"/>
+          </a:fontRef>
+        </p:style>
+      </p:cxnSp>
+      <p:sp>
+        <p:nvSpPr>
+          <p:cNvPr id="25" name="Elipse 24"/>
+          <p:cNvSpPr/>
+          <p:nvPr/>
+        </p:nvSpPr>
+        <p:spPr>
+          <a:xfrm>
+            <a:off x="5716596" y="2571744"/>
+            <a:ext cx="613708" cy="571504"/>
+          </a:xfrm>
+          <a:prstGeom prst="ellipse">
+            <a:avLst/>
+          </a:prstGeom>
+          <a:noFill/>
+          <a:ln w="57150">
+            <a:solidFill>
+              <a:srgbClr val="FF0000"/>
+            </a:solidFill>
+            <a:prstDash val="solid"/>
+          </a:ln>
+        </p:spPr>
+        <p:style>
+          <a:lnRef idx="2">
+            <a:schemeClr val="accent1">
+              <a:shade val="50000"/>
+            </a:schemeClr>
+          </a:lnRef>
+          <a:fillRef idx="1">
+            <a:schemeClr val="accent1"/>
+          </a:fillRef>
+          <a:effectRef idx="0">
+            <a:schemeClr val="accent1"/>
+          </a:effectRef>
+          <a:fontRef idx="minor">
+            <a:schemeClr val="lt1"/>
+          </a:fontRef>
+        </p:style>
+        <p:txBody>
+          <a:bodyPr rtlCol="0" anchor="ctr"/>
+          <a:lstStyle/>
+          <a:p>
+            <a:pPr algn="ctr"/>
+            <a:r>
+              <a:rPr lang="pt-BR" sz="950" b="1" dirty="0" err="1" smtClean="0">
+                <a:solidFill>
+                  <a:schemeClr val="tx1"/>
+                </a:solidFill>
+              </a:rPr>
+              <a:t>Aug</a:t>
+            </a:r>
+            <a:endParaRPr lang="pt-BR" sz="950" b="1" dirty="0" smtClean="0">
+              <a:solidFill>
+                <a:schemeClr val="tx1"/>
+              </a:solidFill>
+            </a:endParaRPr>
+          </a:p>
+          <a:p>
+            <a:pPr algn="ctr"/>
+            <a:r>
+              <a:rPr lang="pt-BR" sz="950" b="1" dirty="0" smtClean="0">
+                <a:solidFill>
+                  <a:schemeClr val="tx1"/>
+                </a:solidFill>
+              </a:rPr>
+              <a:t>2013</a:t>
+            </a:r>
+            <a:endParaRPr lang="pt-BR" sz="950" b="1" dirty="0">
+              <a:solidFill>
+                <a:schemeClr val="tx1"/>
+              </a:solidFill>
+            </a:endParaRPr>
+          </a:p>
+        </p:txBody>
+      </p:sp>
+      <p:cxnSp>
+        <p:nvCxnSpPr>
+          <p:cNvPr id="26" name="Conector reto 25"/>
+          <p:cNvCxnSpPr/>
+          <p:nvPr/>
+        </p:nvCxnSpPr>
+        <p:spPr>
+          <a:xfrm rot="5400000" flipH="1" flipV="1">
+            <a:off x="6582719" y="2249479"/>
+            <a:ext cx="642942" cy="1588"/>
+          </a:xfrm>
+          <a:prstGeom prst="line">
+            <a:avLst/>
+          </a:prstGeom>
+          <a:ln w="57150">
+            <a:solidFill>
+              <a:schemeClr val="bg1">
+                <a:lumMod val="75000"/>
+              </a:schemeClr>
+            </a:solidFill>
+            <a:prstDash val="sysDot"/>
+          </a:ln>
+        </p:spPr>
+        <p:style>
+          <a:lnRef idx="1">
+            <a:schemeClr val="accent1"/>
+          </a:lnRef>
+          <a:fillRef idx="0">
+            <a:schemeClr val="accent1"/>
+          </a:fillRef>
+          <a:effectRef idx="0">
+            <a:schemeClr val="accent1"/>
+          </a:effectRef>
+          <a:fontRef idx="minor">
+            <a:schemeClr val="tx1"/>
+          </a:fontRef>
+        </p:style>
+      </p:cxnSp>
+      <p:sp>
+        <p:nvSpPr>
+          <p:cNvPr id="27" name="Elipse 26"/>
+          <p:cNvSpPr/>
+          <p:nvPr/>
+        </p:nvSpPr>
+        <p:spPr>
+          <a:xfrm>
+            <a:off x="6689082" y="2571744"/>
+            <a:ext cx="613708" cy="571504"/>
+          </a:xfrm>
+          <a:prstGeom prst="ellipse">
+            <a:avLst/>
+          </a:prstGeom>
+          <a:noFill/>
+          <a:ln w="57150">
+            <a:solidFill>
+              <a:schemeClr val="bg1">
+                <a:lumMod val="75000"/>
+              </a:schemeClr>
+            </a:solidFill>
+            <a:prstDash val="sysDot"/>
+          </a:ln>
+        </p:spPr>
+        <p:style>
+          <a:lnRef idx="2">
+            <a:schemeClr val="accent1">
+              <a:shade val="50000"/>
+            </a:schemeClr>
+          </a:lnRef>
+          <a:fillRef idx="1">
+            <a:schemeClr val="accent1"/>
+          </a:fillRef>
+          <a:effectRef idx="0">
+            <a:schemeClr val="accent1"/>
+          </a:effectRef>
+          <a:fontRef idx="minor">
+            <a:schemeClr val="lt1"/>
+          </a:fontRef>
+        </p:style>
+        <p:txBody>
+          <a:bodyPr rtlCol="0" anchor="ctr"/>
+          <a:lstStyle/>
+          <a:p>
+            <a:pPr algn="ctr"/>
+            <a:r>
+              <a:rPr lang="pt-BR" sz="950" b="1" dirty="0" err="1" smtClean="0">
+                <a:solidFill>
+                  <a:schemeClr val="tx1"/>
+                </a:solidFill>
+              </a:rPr>
+              <a:t>Aug</a:t>
+            </a:r>
+            <a:endParaRPr lang="pt-BR" sz="950" b="1" dirty="0" smtClean="0">
+              <a:solidFill>
+                <a:schemeClr val="tx1"/>
+              </a:solidFill>
+            </a:endParaRPr>
+          </a:p>
+          <a:p>
+            <a:pPr algn="ctr"/>
+            <a:r>
+              <a:rPr lang="pt-BR" sz="950" b="1" dirty="0" smtClean="0">
+                <a:solidFill>
+                  <a:schemeClr val="tx1"/>
+                </a:solidFill>
+              </a:rPr>
+              <a:t>2013</a:t>
+            </a:r>
+            <a:endParaRPr lang="pt-BR" sz="950" b="1" dirty="0">
+              <a:solidFill>
+                <a:schemeClr val="tx1"/>
+              </a:solidFill>
+            </a:endParaRPr>
+          </a:p>
+        </p:txBody>
+      </p:sp>
+      <p:cxnSp>
+        <p:nvCxnSpPr>
+          <p:cNvPr id="28" name="Conector reto 27"/>
+          <p:cNvCxnSpPr/>
+          <p:nvPr/>
+        </p:nvCxnSpPr>
+        <p:spPr>
+          <a:xfrm rot="5400000" flipH="1" flipV="1">
+            <a:off x="392083" y="4749809"/>
+            <a:ext cx="642942" cy="1588"/>
+          </a:xfrm>
+          <a:prstGeom prst="line">
+            <a:avLst/>
+          </a:prstGeom>
+          <a:ln w="57150">
+            <a:solidFill>
+              <a:schemeClr val="bg1">
+                <a:lumMod val="75000"/>
+              </a:schemeClr>
+            </a:solidFill>
+            <a:prstDash val="sysDot"/>
+          </a:ln>
+        </p:spPr>
+        <p:style>
+          <a:lnRef idx="1">
+            <a:schemeClr val="accent1"/>
+          </a:lnRef>
+          <a:fillRef idx="0">
+            <a:schemeClr val="accent1"/>
+          </a:fillRef>
+          <a:effectRef idx="0">
+            <a:schemeClr val="accent1"/>
+          </a:effectRef>
+          <a:fontRef idx="minor">
+            <a:schemeClr val="tx1"/>
+          </a:fontRef>
+        </p:style>
+      </p:cxnSp>
+      <p:cxnSp>
+        <p:nvCxnSpPr>
+          <p:cNvPr id="29" name="Conector reto 28"/>
+          <p:cNvCxnSpPr/>
+          <p:nvPr/>
+        </p:nvCxnSpPr>
+        <p:spPr>
+          <a:xfrm rot="5400000" flipH="1" flipV="1">
+            <a:off x="7608909" y="2249479"/>
+            <a:ext cx="642942" cy="1588"/>
+          </a:xfrm>
+          <a:prstGeom prst="line">
+            <a:avLst/>
+          </a:prstGeom>
+          <a:ln w="57150">
+            <a:solidFill>
+              <a:srgbClr val="0070C0"/>
+            </a:solidFill>
+            <a:prstDash val="solid"/>
+          </a:ln>
+        </p:spPr>
+        <p:style>
+          <a:lnRef idx="1">
+            <a:schemeClr val="accent1"/>
+          </a:lnRef>
+          <a:fillRef idx="0">
+            <a:schemeClr val="accent1"/>
+          </a:fillRef>
+          <a:effectRef idx="0">
+            <a:schemeClr val="accent1"/>
+          </a:effectRef>
+          <a:fontRef idx="minor">
+            <a:schemeClr val="tx1"/>
+          </a:fontRef>
+        </p:style>
+      </p:cxnSp>
+      <p:sp>
+        <p:nvSpPr>
+          <p:cNvPr id="30" name="Elipse 29"/>
+          <p:cNvSpPr/>
+          <p:nvPr/>
+        </p:nvSpPr>
+        <p:spPr>
+          <a:xfrm>
+            <a:off x="7502546" y="2571744"/>
+            <a:ext cx="613708" cy="571504"/>
+          </a:xfrm>
+          <a:prstGeom prst="ellipse">
+            <a:avLst/>
+          </a:prstGeom>
+          <a:noFill/>
+          <a:ln w="57150">
+            <a:solidFill>
+              <a:srgbClr val="0070C0"/>
+            </a:solidFill>
+            <a:prstDash val="solid"/>
+          </a:ln>
+        </p:spPr>
+        <p:style>
+          <a:lnRef idx="2">
+            <a:schemeClr val="accent1">
+              <a:shade val="50000"/>
+            </a:schemeClr>
+          </a:lnRef>
+          <a:fillRef idx="1">
+            <a:schemeClr val="accent1"/>
+          </a:fillRef>
+          <a:effectRef idx="0">
+            <a:schemeClr val="accent1"/>
+          </a:effectRef>
+          <a:fontRef idx="minor">
+            <a:schemeClr val="lt1"/>
+          </a:fontRef>
+        </p:style>
+        <p:txBody>
+          <a:bodyPr rtlCol="0" anchor="ctr"/>
+          <a:lstStyle/>
+          <a:p>
+            <a:pPr algn="ctr"/>
+            <a:r>
+              <a:rPr lang="pt-BR" sz="950" b="1" dirty="0" err="1" smtClean="0">
+                <a:solidFill>
+                  <a:schemeClr val="tx1"/>
+                </a:solidFill>
+              </a:rPr>
+              <a:t>Aug</a:t>
+            </a:r>
+            <a:endParaRPr lang="pt-BR" sz="950" b="1" dirty="0" smtClean="0">
+              <a:solidFill>
+                <a:schemeClr val="tx1"/>
+              </a:solidFill>
+            </a:endParaRPr>
+          </a:p>
+          <a:p>
+            <a:pPr algn="ctr"/>
+            <a:r>
+              <a:rPr lang="pt-BR" sz="950" b="1" dirty="0" smtClean="0">
+                <a:solidFill>
+                  <a:schemeClr val="tx1"/>
+                </a:solidFill>
+              </a:rPr>
+              <a:t>2013</a:t>
+            </a:r>
+            <a:endParaRPr lang="pt-BR" sz="950" b="1" dirty="0">
+              <a:solidFill>
+                <a:schemeClr val="tx1"/>
+              </a:solidFill>
+            </a:endParaRPr>
+          </a:p>
+        </p:txBody>
+      </p:sp>
+      <p:cxnSp>
+        <p:nvCxnSpPr>
+          <p:cNvPr id="31" name="Conector reto 30"/>
+          <p:cNvCxnSpPr/>
+          <p:nvPr/>
+        </p:nvCxnSpPr>
+        <p:spPr>
+          <a:xfrm rot="5400000" flipH="1" flipV="1">
+            <a:off x="4894265" y="3463925"/>
+            <a:ext cx="642942" cy="1588"/>
+          </a:xfrm>
+          <a:prstGeom prst="line">
+            <a:avLst/>
+          </a:prstGeom>
+          <a:ln w="57150">
+            <a:solidFill>
+              <a:srgbClr val="92D050"/>
+            </a:solidFill>
+            <a:prstDash val="solid"/>
+          </a:ln>
+        </p:spPr>
+        <p:style>
+          <a:lnRef idx="1">
+            <a:schemeClr val="accent1"/>
+          </a:lnRef>
+          <a:fillRef idx="0">
+            <a:schemeClr val="accent1"/>
+          </a:fillRef>
+          <a:effectRef idx="0">
+            <a:schemeClr val="accent1"/>
+          </a:effectRef>
+          <a:fontRef idx="minor">
+            <a:schemeClr val="tx1"/>
+          </a:fontRef>
+        </p:style>
+      </p:cxnSp>
+      <p:sp>
+        <p:nvSpPr>
+          <p:cNvPr id="32" name="Elipse 31"/>
+          <p:cNvSpPr/>
+          <p:nvPr/>
+        </p:nvSpPr>
+        <p:spPr>
+          <a:xfrm>
+            <a:off x="4958424" y="2571744"/>
+            <a:ext cx="613708" cy="571504"/>
+          </a:xfrm>
+          <a:prstGeom prst="ellipse">
+            <a:avLst/>
+          </a:prstGeom>
+          <a:noFill/>
+          <a:ln w="57150">
+            <a:solidFill>
+              <a:srgbClr val="92D050"/>
+            </a:solidFill>
+            <a:prstDash val="solid"/>
+          </a:ln>
+        </p:spPr>
+        <p:style>
+          <a:lnRef idx="2">
+            <a:schemeClr val="accent1">
+              <a:shade val="50000"/>
+            </a:schemeClr>
+          </a:lnRef>
+          <a:fillRef idx="1">
+            <a:schemeClr val="accent1"/>
+          </a:fillRef>
+          <a:effectRef idx="0">
+            <a:schemeClr val="accent1"/>
+          </a:effectRef>
+          <a:fontRef idx="minor">
+            <a:schemeClr val="lt1"/>
+          </a:fontRef>
+        </p:style>
+        <p:txBody>
+          <a:bodyPr rtlCol="0" anchor="ctr"/>
+          <a:lstStyle/>
+          <a:p>
+            <a:pPr algn="ctr"/>
+            <a:r>
+              <a:rPr lang="pt-BR" sz="950" b="1" dirty="0" err="1" smtClean="0">
+                <a:solidFill>
+                  <a:schemeClr val="tx1"/>
+                </a:solidFill>
+              </a:rPr>
+              <a:t>Aug</a:t>
+            </a:r>
+            <a:endParaRPr lang="pt-BR" sz="950" b="1" dirty="0" smtClean="0">
+              <a:solidFill>
+                <a:schemeClr val="tx1"/>
+              </a:solidFill>
+            </a:endParaRPr>
+          </a:p>
+          <a:p>
+            <a:pPr algn="ctr"/>
+            <a:r>
+              <a:rPr lang="pt-BR" sz="950" b="1" dirty="0" smtClean="0">
+                <a:solidFill>
+                  <a:schemeClr val="tx1"/>
+                </a:solidFill>
+              </a:rPr>
+              <a:t>2013</a:t>
+            </a:r>
+            <a:endParaRPr lang="pt-BR" sz="950" b="1" dirty="0">
+              <a:solidFill>
+                <a:schemeClr val="tx1"/>
+              </a:solidFill>
+            </a:endParaRPr>
+          </a:p>
+        </p:txBody>
+      </p:sp>
+    </p:spTree>
+  </p:cSld>
+  <p:clrMapOvr>
+    <a:masterClrMapping/>
+  </p:clrMapOvr>
+</p:sld>
+</file>
+
 <file path=ppt/theme/theme1.xml><?xml version="1.0" encoding="utf-8"?>
 <a:theme xmlns:a="http://schemas.openxmlformats.org/drawingml/2006/main" name="Tema do Office">
   <a:themeElements>

--- a/timeline.pptx
+++ b/timeline.pptx
@@ -12,6 +12,10 @@
     <p:sldId id="259" r:id="rId6"/>
     <p:sldId id="261" r:id="rId7"/>
     <p:sldId id="262" r:id="rId8"/>
+    <p:sldId id="263" r:id="rId9"/>
+    <p:sldId id="264" r:id="rId10"/>
+    <p:sldId id="265" r:id="rId11"/>
+    <p:sldId id="266" r:id="rId12"/>
   </p:sldIdLst>
   <p:sldSz cx="9144000" cy="6858000" type="screen4x3"/>
   <p:notesSz cx="6858000" cy="9144000"/>
@@ -142,7 +146,7 @@
         </p:nvSpPr>
         <p:spPr>
           <a:xfrm>
-            <a:off x="685800" y="2130425"/>
+            <a:off x="685800" y="2130426"/>
             <a:ext cx="7772400" cy="1470025"/>
           </a:xfrm>
         </p:spPr>
@@ -295,7 +299,7 @@
             <a:fld id="{A1D45BB3-0D69-448F-9C27-A48A4C388CFE}" type="datetimeFigureOut">
               <a:rPr lang="pt-BR" smtClean="0"/>
               <a:pPr/>
-              <a:t>25/05/2018</a:t>
+              <a:t>28/05/2018</a:t>
             </a:fld>
             <a:endParaRPr lang="pt-BR"/>
           </a:p>
@@ -462,7 +466,7 @@
             <a:fld id="{A1D45BB3-0D69-448F-9C27-A48A4C388CFE}" type="datetimeFigureOut">
               <a:rPr lang="pt-BR" smtClean="0"/>
               <a:pPr/>
-              <a:t>25/05/2018</a:t>
+              <a:t>28/05/2018</a:t>
             </a:fld>
             <a:endParaRPr lang="pt-BR"/>
           </a:p>
@@ -548,7 +552,7 @@
         </p:nvSpPr>
         <p:spPr>
           <a:xfrm>
-            <a:off x="6629400" y="274638"/>
+            <a:off x="6629400" y="274639"/>
             <a:ext cx="2057400" cy="5851525"/>
           </a:xfrm>
         </p:spPr>
@@ -576,7 +580,7 @@
         </p:nvSpPr>
         <p:spPr>
           <a:xfrm>
-            <a:off x="457200" y="274638"/>
+            <a:off x="457200" y="274639"/>
             <a:ext cx="6019800" cy="5851525"/>
           </a:xfrm>
         </p:spPr>
@@ -639,7 +643,7 @@
             <a:fld id="{A1D45BB3-0D69-448F-9C27-A48A4C388CFE}" type="datetimeFigureOut">
               <a:rPr lang="pt-BR" smtClean="0"/>
               <a:pPr/>
-              <a:t>25/05/2018</a:t>
+              <a:t>28/05/2018</a:t>
             </a:fld>
             <a:endParaRPr lang="pt-BR"/>
           </a:p>
@@ -806,7 +810,7 @@
             <a:fld id="{A1D45BB3-0D69-448F-9C27-A48A4C388CFE}" type="datetimeFigureOut">
               <a:rPr lang="pt-BR" smtClean="0"/>
               <a:pPr/>
-              <a:t>25/05/2018</a:t>
+              <a:t>28/05/2018</a:t>
             </a:fld>
             <a:endParaRPr lang="pt-BR"/>
           </a:p>
@@ -924,7 +928,7 @@
         </p:nvSpPr>
         <p:spPr>
           <a:xfrm>
-            <a:off x="722313" y="2906713"/>
+            <a:off x="722313" y="2906714"/>
             <a:ext cx="7772400" cy="1500187"/>
           </a:xfrm>
         </p:spPr>
@@ -1049,7 +1053,7 @@
             <a:fld id="{A1D45BB3-0D69-448F-9C27-A48A4C388CFE}" type="datetimeFigureOut">
               <a:rPr lang="pt-BR" smtClean="0"/>
               <a:pPr/>
-              <a:t>25/05/2018</a:t>
+              <a:t>28/05/2018</a:t>
             </a:fld>
             <a:endParaRPr lang="pt-BR"/>
           </a:p>
@@ -1158,7 +1162,7 @@
         </p:nvSpPr>
         <p:spPr>
           <a:xfrm>
-            <a:off x="457200" y="1600200"/>
+            <a:off x="457200" y="1600201"/>
             <a:ext cx="4038600" cy="4525963"/>
           </a:xfrm>
         </p:spPr>
@@ -1243,7 +1247,7 @@
         </p:nvSpPr>
         <p:spPr>
           <a:xfrm>
-            <a:off x="4648200" y="1600200"/>
+            <a:off x="4648200" y="1600201"/>
             <a:ext cx="4038600" cy="4525963"/>
           </a:xfrm>
         </p:spPr>
@@ -1334,7 +1338,7 @@
             <a:fld id="{A1D45BB3-0D69-448F-9C27-A48A4C388CFE}" type="datetimeFigureOut">
               <a:rPr lang="pt-BR" smtClean="0"/>
               <a:pPr/>
-              <a:t>25/05/2018</a:t>
+              <a:t>28/05/2018</a:t>
             </a:fld>
             <a:endParaRPr lang="pt-BR"/>
           </a:p>
@@ -1597,7 +1601,7 @@
         </p:nvSpPr>
         <p:spPr>
           <a:xfrm>
-            <a:off x="4645025" y="1535113"/>
+            <a:off x="4645027" y="1535113"/>
             <a:ext cx="4041775" cy="639762"/>
           </a:xfrm>
         </p:spPr>
@@ -1662,7 +1666,7 @@
         </p:nvSpPr>
         <p:spPr>
           <a:xfrm>
-            <a:off x="4645025" y="2174875"/>
+            <a:off x="4645027" y="2174875"/>
             <a:ext cx="4041775" cy="3951288"/>
           </a:xfrm>
         </p:spPr>
@@ -1753,7 +1757,7 @@
             <a:fld id="{A1D45BB3-0D69-448F-9C27-A48A4C388CFE}" type="datetimeFigureOut">
               <a:rPr lang="pt-BR" smtClean="0"/>
               <a:pPr/>
-              <a:t>25/05/2018</a:t>
+              <a:t>28/05/2018</a:t>
             </a:fld>
             <a:endParaRPr lang="pt-BR"/>
           </a:p>
@@ -1868,7 +1872,7 @@
             <a:fld id="{A1D45BB3-0D69-448F-9C27-A48A4C388CFE}" type="datetimeFigureOut">
               <a:rPr lang="pt-BR" smtClean="0"/>
               <a:pPr/>
-              <a:t>25/05/2018</a:t>
+              <a:t>28/05/2018</a:t>
             </a:fld>
             <a:endParaRPr lang="pt-BR"/>
           </a:p>
@@ -1960,7 +1964,7 @@
             <a:fld id="{A1D45BB3-0D69-448F-9C27-A48A4C388CFE}" type="datetimeFigureOut">
               <a:rPr lang="pt-BR" smtClean="0"/>
               <a:pPr/>
-              <a:t>25/05/2018</a:t>
+              <a:t>28/05/2018</a:t>
             </a:fld>
             <a:endParaRPr lang="pt-BR"/>
           </a:p>
@@ -2046,7 +2050,7 @@
         </p:nvSpPr>
         <p:spPr>
           <a:xfrm>
-            <a:off x="457200" y="273050"/>
+            <a:off x="457202" y="273051"/>
             <a:ext cx="3008313" cy="1162050"/>
           </a:xfrm>
         </p:spPr>
@@ -2078,7 +2082,7 @@
         </p:nvSpPr>
         <p:spPr>
           <a:xfrm>
-            <a:off x="3575050" y="273050"/>
+            <a:off x="3575050" y="273051"/>
             <a:ext cx="5111750" cy="5853113"/>
           </a:xfrm>
         </p:spPr>
@@ -2163,7 +2167,7 @@
         </p:nvSpPr>
         <p:spPr>
           <a:xfrm>
-            <a:off x="457200" y="1435100"/>
+            <a:off x="457202" y="1435100"/>
             <a:ext cx="3008313" cy="4691063"/>
           </a:xfrm>
         </p:spPr>
@@ -2234,7 +2238,7 @@
             <a:fld id="{A1D45BB3-0D69-448F-9C27-A48A4C388CFE}" type="datetimeFigureOut">
               <a:rPr lang="pt-BR" smtClean="0"/>
               <a:pPr/>
-              <a:t>25/05/2018</a:t>
+              <a:t>28/05/2018</a:t>
             </a:fld>
             <a:endParaRPr lang="pt-BR"/>
           </a:p>
@@ -2484,7 +2488,7 @@
             <a:fld id="{A1D45BB3-0D69-448F-9C27-A48A4C388CFE}" type="datetimeFigureOut">
               <a:rPr lang="pt-BR" smtClean="0"/>
               <a:pPr/>
-              <a:t>25/05/2018</a:t>
+              <a:t>28/05/2018</a:t>
             </a:fld>
             <a:endParaRPr lang="pt-BR"/>
           </a:p>
@@ -2608,7 +2612,7 @@
         </p:nvSpPr>
         <p:spPr>
           <a:xfrm>
-            <a:off x="457200" y="1600200"/>
+            <a:off x="457200" y="1600201"/>
             <a:ext cx="8229600" cy="4525963"/>
           </a:xfrm>
           <a:prstGeom prst="rect">
@@ -2670,7 +2674,7 @@
         </p:nvSpPr>
         <p:spPr>
           <a:xfrm>
-            <a:off x="457200" y="6356350"/>
+            <a:off x="457200" y="6356351"/>
             <a:ext cx="2133600" cy="365125"/>
           </a:xfrm>
           <a:prstGeom prst="rect">
@@ -2694,7 +2698,7 @@
             <a:fld id="{A1D45BB3-0D69-448F-9C27-A48A4C388CFE}" type="datetimeFigureOut">
               <a:rPr lang="pt-BR" smtClean="0"/>
               <a:pPr/>
-              <a:t>25/05/2018</a:t>
+              <a:t>28/05/2018</a:t>
             </a:fld>
             <a:endParaRPr lang="pt-BR"/>
           </a:p>
@@ -2712,7 +2716,7 @@
         </p:nvSpPr>
         <p:spPr>
           <a:xfrm>
-            <a:off x="3124200" y="6356350"/>
+            <a:off x="3124200" y="6356351"/>
             <a:ext cx="2895600" cy="365125"/>
           </a:xfrm>
           <a:prstGeom prst="rect">
@@ -2749,7 +2753,7 @@
         </p:nvSpPr>
         <p:spPr>
           <a:xfrm>
-            <a:off x="6553200" y="6356350"/>
+            <a:off x="6553200" y="6356351"/>
             <a:ext cx="2133600" cy="365125"/>
           </a:xfrm>
           <a:prstGeom prst="rect">
@@ -3423,7 +3427,7 @@
         </p:nvCxnSpPr>
         <p:spPr>
           <a:xfrm rot="5400000" flipH="1" flipV="1">
-            <a:off x="3439269" y="5818382"/>
+            <a:off x="3439269" y="5818383"/>
             <a:ext cx="1357322" cy="7581"/>
           </a:xfrm>
           <a:prstGeom prst="line">
@@ -3499,7 +3503,7 @@
         </p:nvSpPr>
         <p:spPr>
           <a:xfrm>
-            <a:off x="7715272" y="4258118"/>
+            <a:off x="7715272" y="4258119"/>
             <a:ext cx="214314" cy="214314"/>
           </a:xfrm>
           <a:prstGeom prst="ellipse">
@@ -3643,7 +3647,7 @@
         </p:nvSpPr>
         <p:spPr>
           <a:xfrm>
-            <a:off x="4013466" y="4143379"/>
+            <a:off x="4013466" y="4143380"/>
             <a:ext cx="214314" cy="214314"/>
           </a:xfrm>
           <a:prstGeom prst="ellipse">
@@ -4124,7 +4128,7 @@
         </p:nvCxnSpPr>
         <p:spPr>
           <a:xfrm rot="16200000" flipV="1">
-            <a:off x="3575111" y="1575950"/>
+            <a:off x="3575112" y="1575951"/>
             <a:ext cx="1071570" cy="6485"/>
           </a:xfrm>
           <a:prstGeom prst="line">
@@ -4652,7 +4656,7 @@
         </p:nvSpPr>
         <p:spPr>
           <a:xfrm>
-            <a:off x="4214810" y="5686879"/>
+            <a:off x="4214810" y="5686880"/>
             <a:ext cx="571504" cy="430887"/>
           </a:xfrm>
           <a:prstGeom prst="rect">
@@ -4690,7 +4694,7 @@
         </p:nvSpPr>
         <p:spPr>
           <a:xfrm>
-            <a:off x="4214810" y="4829623"/>
+            <a:off x="4214810" y="4829624"/>
             <a:ext cx="571504" cy="430887"/>
           </a:xfrm>
           <a:prstGeom prst="rect">
@@ -4728,7 +4732,7 @@
         </p:nvSpPr>
         <p:spPr>
           <a:xfrm>
-            <a:off x="4214810" y="4043805"/>
+            <a:off x="4214810" y="4043806"/>
             <a:ext cx="571504" cy="430887"/>
           </a:xfrm>
           <a:prstGeom prst="rect">
@@ -4766,7 +4770,7 @@
         </p:nvSpPr>
         <p:spPr>
           <a:xfrm>
-            <a:off x="4214810" y="3398604"/>
+            <a:off x="4214810" y="3398605"/>
             <a:ext cx="571504" cy="430887"/>
           </a:xfrm>
           <a:prstGeom prst="rect">
@@ -4805,7 +4809,7 @@
         </p:nvSpPr>
         <p:spPr>
           <a:xfrm>
-            <a:off x="4214810" y="2757921"/>
+            <a:off x="4214810" y="2757922"/>
             <a:ext cx="571504" cy="430887"/>
           </a:xfrm>
           <a:prstGeom prst="rect">
@@ -4843,7 +4847,7 @@
         </p:nvSpPr>
         <p:spPr>
           <a:xfrm>
-            <a:off x="4214810" y="1969844"/>
+            <a:off x="4214810" y="1969845"/>
             <a:ext cx="571504" cy="430887"/>
           </a:xfrm>
           <a:prstGeom prst="rect">
@@ -4882,7 +4886,7 @@
         </p:nvSpPr>
         <p:spPr>
           <a:xfrm>
-            <a:off x="4214810" y="1329161"/>
+            <a:off x="4214810" y="1329162"/>
             <a:ext cx="571504" cy="430887"/>
           </a:xfrm>
           <a:prstGeom prst="rect">
@@ -4920,7 +4924,7 @@
         </p:nvSpPr>
         <p:spPr>
           <a:xfrm>
-            <a:off x="4214810" y="714356"/>
+            <a:off x="4214810" y="714357"/>
             <a:ext cx="571504" cy="430887"/>
           </a:xfrm>
           <a:prstGeom prst="rect">
@@ -5123,7 +5127,7 @@
         </p:nvSpPr>
         <p:spPr>
           <a:xfrm>
-            <a:off x="1643042" y="2071678"/>
+            <a:off x="1643042" y="2071679"/>
             <a:ext cx="1857388" cy="714380"/>
           </a:xfrm>
           <a:prstGeom prst="borderCallout1">
@@ -5319,6 +5323,3666 @@
           </a:p>
         </p:txBody>
       </p:sp>
+    </p:spTree>
+  </p:cSld>
+  <p:clrMapOvr>
+    <a:masterClrMapping/>
+  </p:clrMapOvr>
+  <p:timing>
+    <p:tnLst>
+      <p:par>
+        <p:cTn id="1" dur="indefinite" restart="never" nodeType="tmRoot"/>
+      </p:par>
+    </p:tnLst>
+  </p:timing>
+</p:sld>
+</file>
+
+<file path=ppt/slides/slide10.xml><?xml version="1.0" encoding="utf-8"?>
+<p:sld xmlns:a="http://schemas.openxmlformats.org/drawingml/2006/main" xmlns:r="http://schemas.openxmlformats.org/officeDocument/2006/relationships" xmlns:p="http://schemas.openxmlformats.org/presentationml/2006/main">
+  <p:cSld>
+    <p:spTree>
+      <p:nvGrpSpPr>
+        <p:cNvPr id="1" name=""/>
+        <p:cNvGrpSpPr/>
+        <p:nvPr/>
+      </p:nvGrpSpPr>
+      <p:grpSpPr>
+        <a:xfrm>
+          <a:off x="0" y="0"/>
+          <a:ext cx="0" cy="0"/>
+          <a:chOff x="0" y="0"/>
+          <a:chExt cx="0" cy="0"/>
+        </a:xfrm>
+      </p:grpSpPr>
+      <p:cxnSp>
+        <p:nvCxnSpPr>
+          <p:cNvPr id="4" name="Conector reto 3"/>
+          <p:cNvCxnSpPr>
+            <a:stCxn id="11" idx="0"/>
+            <a:endCxn id="5" idx="4"/>
+          </p:cNvCxnSpPr>
+          <p:nvPr/>
+        </p:nvCxnSpPr>
+        <p:spPr>
+          <a:xfrm rot="5400000" flipH="1" flipV="1">
+            <a:off x="3329330" y="1631358"/>
+            <a:ext cx="1723277" cy="1588"/>
+          </a:xfrm>
+          <a:prstGeom prst="line">
+            <a:avLst/>
+          </a:prstGeom>
+          <a:ln w="38100">
+            <a:solidFill>
+              <a:srgbClr val="EA7F4F"/>
+            </a:solidFill>
+          </a:ln>
+        </p:spPr>
+        <p:style>
+          <a:lnRef idx="1">
+            <a:schemeClr val="accent1"/>
+          </a:lnRef>
+          <a:fillRef idx="0">
+            <a:schemeClr val="accent1"/>
+          </a:fillRef>
+          <a:effectRef idx="0">
+            <a:schemeClr val="accent1"/>
+          </a:effectRef>
+          <a:fontRef idx="minor">
+            <a:schemeClr val="tx1"/>
+          </a:fontRef>
+        </p:style>
+      </p:cxnSp>
+      <p:sp>
+        <p:nvSpPr>
+          <p:cNvPr id="5" name="Elipse 4"/>
+          <p:cNvSpPr/>
+          <p:nvPr/>
+        </p:nvSpPr>
+        <p:spPr>
+          <a:xfrm>
+            <a:off x="4083809" y="555406"/>
+            <a:ext cx="214314" cy="214314"/>
+          </a:xfrm>
+          <a:prstGeom prst="ellipse">
+            <a:avLst/>
+          </a:prstGeom>
+          <a:solidFill>
+            <a:srgbClr val="EA7F4F"/>
+          </a:solidFill>
+          <a:ln>
+            <a:solidFill>
+              <a:srgbClr val="EA7F4F"/>
+            </a:solidFill>
+          </a:ln>
+        </p:spPr>
+        <p:style>
+          <a:lnRef idx="2">
+            <a:schemeClr val="accent1">
+              <a:shade val="50000"/>
+            </a:schemeClr>
+          </a:lnRef>
+          <a:fillRef idx="1">
+            <a:schemeClr val="accent1"/>
+          </a:fillRef>
+          <a:effectRef idx="0">
+            <a:schemeClr val="accent1"/>
+          </a:effectRef>
+          <a:fontRef idx="minor">
+            <a:schemeClr val="lt1"/>
+          </a:fontRef>
+        </p:style>
+        <p:txBody>
+          <a:bodyPr rtlCol="0" anchor="ctr"/>
+          <a:lstStyle/>
+          <a:p>
+            <a:pPr algn="ctr"/>
+            <a:endParaRPr lang="pt-BR">
+              <a:latin typeface="Oswald Light" pitchFamily="2" charset="0"/>
+            </a:endParaRPr>
+          </a:p>
+        </p:txBody>
+      </p:sp>
+      <p:cxnSp>
+        <p:nvCxnSpPr>
+          <p:cNvPr id="7" name="Conector reto 6"/>
+          <p:cNvCxnSpPr>
+            <a:endCxn id="5" idx="2"/>
+          </p:cNvCxnSpPr>
+          <p:nvPr/>
+        </p:nvCxnSpPr>
+        <p:spPr>
+          <a:xfrm>
+            <a:off x="1726355" y="654982"/>
+            <a:ext cx="2357454" cy="7581"/>
+          </a:xfrm>
+          <a:prstGeom prst="line">
+            <a:avLst/>
+          </a:prstGeom>
+          <a:ln w="38100">
+            <a:solidFill>
+              <a:srgbClr val="EA7F4F"/>
+            </a:solidFill>
+          </a:ln>
+        </p:spPr>
+        <p:style>
+          <a:lnRef idx="1">
+            <a:schemeClr val="accent1"/>
+          </a:lnRef>
+          <a:fillRef idx="0">
+            <a:schemeClr val="accent1"/>
+          </a:fillRef>
+          <a:effectRef idx="0">
+            <a:schemeClr val="accent1"/>
+          </a:effectRef>
+          <a:fontRef idx="minor">
+            <a:schemeClr val="tx1"/>
+          </a:fontRef>
+        </p:style>
+      </p:cxnSp>
+      <p:sp>
+        <p:nvSpPr>
+          <p:cNvPr id="10" name="CaixaDeTexto 9"/>
+          <p:cNvSpPr txBox="1"/>
+          <p:nvPr/>
+        </p:nvSpPr>
+        <p:spPr>
+          <a:xfrm>
+            <a:off x="1726355" y="369041"/>
+            <a:ext cx="2357454" cy="246221"/>
+          </a:xfrm>
+          <a:prstGeom prst="rect">
+            <a:avLst/>
+          </a:prstGeom>
+          <a:noFill/>
+        </p:spPr>
+        <p:txBody>
+          <a:bodyPr wrap="square" rtlCol="0">
+            <a:spAutoFit/>
+          </a:bodyPr>
+          <a:lstStyle/>
+          <a:p>
+            <a:r>
+              <a:rPr lang="pt-BR" sz="1000" b="1" dirty="0" err="1" smtClean="0">
+                <a:latin typeface="Roboto" pitchFamily="2" charset="0"/>
+                <a:ea typeface="Roboto" pitchFamily="2" charset="0"/>
+              </a:rPr>
+              <a:t>Aug</a:t>
+            </a:r>
+            <a:r>
+              <a:rPr lang="pt-BR" sz="1000" b="1" dirty="0" smtClean="0">
+                <a:latin typeface="Roboto" pitchFamily="2" charset="0"/>
+                <a:ea typeface="Roboto" pitchFamily="2" charset="0"/>
+              </a:rPr>
+              <a:t>/2015 – </a:t>
+            </a:r>
+            <a:r>
+              <a:rPr lang="pt-BR" sz="1000" b="1" dirty="0" err="1" smtClean="0">
+                <a:latin typeface="Roboto" pitchFamily="2" charset="0"/>
+                <a:ea typeface="Roboto" pitchFamily="2" charset="0"/>
+              </a:rPr>
+              <a:t>May</a:t>
+            </a:r>
+            <a:r>
+              <a:rPr lang="pt-BR" sz="1000" b="1" dirty="0" smtClean="0">
+                <a:latin typeface="Roboto" pitchFamily="2" charset="0"/>
+                <a:ea typeface="Roboto" pitchFamily="2" charset="0"/>
+              </a:rPr>
+              <a:t>/2018</a:t>
+            </a:r>
+            <a:endParaRPr lang="pt-BR" sz="1000" b="1" dirty="0">
+              <a:latin typeface="Roboto" pitchFamily="2" charset="0"/>
+              <a:ea typeface="Roboto" pitchFamily="2" charset="0"/>
+            </a:endParaRPr>
+          </a:p>
+        </p:txBody>
+      </p:sp>
+      <p:sp>
+        <p:nvSpPr>
+          <p:cNvPr id="8" name="CaixaDeTexto 7"/>
+          <p:cNvSpPr txBox="1"/>
+          <p:nvPr/>
+        </p:nvSpPr>
+        <p:spPr>
+          <a:xfrm>
+            <a:off x="1726355" y="714278"/>
+            <a:ext cx="2357454" cy="507831"/>
+          </a:xfrm>
+          <a:prstGeom prst="rect">
+            <a:avLst/>
+          </a:prstGeom>
+          <a:noFill/>
+        </p:spPr>
+        <p:txBody>
+          <a:bodyPr wrap="square" rtlCol="0">
+            <a:spAutoFit/>
+          </a:bodyPr>
+          <a:lstStyle/>
+          <a:p>
+            <a:r>
+              <a:rPr lang="pt-BR" sz="1600" b="1" dirty="0" err="1" smtClean="0">
+                <a:latin typeface="Oswald" pitchFamily="2" charset="0"/>
+                <a:ea typeface="Roboto" pitchFamily="2" charset="0"/>
+              </a:rPr>
+              <a:t>Primetals</a:t>
+            </a:r>
+            <a:r>
+              <a:rPr lang="pt-BR" sz="1600" b="1" dirty="0" smtClean="0">
+                <a:latin typeface="Oswald" pitchFamily="2" charset="0"/>
+                <a:ea typeface="Roboto" pitchFamily="2" charset="0"/>
+              </a:rPr>
+              <a:t> Technologies</a:t>
+            </a:r>
+          </a:p>
+          <a:p>
+            <a:r>
+              <a:rPr lang="pt-BR" sz="1100" dirty="0" smtClean="0">
+                <a:latin typeface="Roboto" pitchFamily="2" charset="0"/>
+                <a:ea typeface="Roboto" pitchFamily="2" charset="0"/>
+              </a:rPr>
+              <a:t>Software </a:t>
+            </a:r>
+            <a:r>
+              <a:rPr lang="pt-BR" sz="1100" dirty="0" err="1" smtClean="0">
+                <a:latin typeface="Roboto" pitchFamily="2" charset="0"/>
+                <a:ea typeface="Roboto" pitchFamily="2" charset="0"/>
+              </a:rPr>
+              <a:t>Development</a:t>
+            </a:r>
+            <a:r>
+              <a:rPr lang="pt-BR" sz="1100" dirty="0" smtClean="0">
+                <a:latin typeface="Roboto" pitchFamily="2" charset="0"/>
+                <a:ea typeface="Roboto" pitchFamily="2" charset="0"/>
+              </a:rPr>
+              <a:t> </a:t>
+            </a:r>
+            <a:r>
+              <a:rPr lang="pt-BR" sz="1100" dirty="0" err="1" smtClean="0">
+                <a:latin typeface="Roboto" pitchFamily="2" charset="0"/>
+                <a:ea typeface="Roboto" pitchFamily="2" charset="0"/>
+              </a:rPr>
+              <a:t>Engineer</a:t>
+            </a:r>
+            <a:endParaRPr lang="pt-BR" sz="1100" dirty="0">
+              <a:latin typeface="Roboto" pitchFamily="2" charset="0"/>
+              <a:ea typeface="Roboto" pitchFamily="2" charset="0"/>
+            </a:endParaRPr>
+          </a:p>
+        </p:txBody>
+      </p:sp>
+      <p:cxnSp>
+        <p:nvCxnSpPr>
+          <p:cNvPr id="9" name="Conector reto 8"/>
+          <p:cNvCxnSpPr/>
+          <p:nvPr/>
+        </p:nvCxnSpPr>
+        <p:spPr>
+          <a:xfrm rot="5400000" flipH="1" flipV="1">
+            <a:off x="3669998" y="3216216"/>
+            <a:ext cx="1043432" cy="1494"/>
+          </a:xfrm>
+          <a:prstGeom prst="line">
+            <a:avLst/>
+          </a:prstGeom>
+          <a:ln w="38100">
+            <a:solidFill>
+              <a:srgbClr val="EA7F4F"/>
+            </a:solidFill>
+          </a:ln>
+        </p:spPr>
+        <p:style>
+          <a:lnRef idx="1">
+            <a:schemeClr val="accent1"/>
+          </a:lnRef>
+          <a:fillRef idx="0">
+            <a:schemeClr val="accent1"/>
+          </a:fillRef>
+          <a:effectRef idx="0">
+            <a:schemeClr val="accent1"/>
+          </a:effectRef>
+          <a:fontRef idx="minor">
+            <a:schemeClr val="tx1"/>
+          </a:fontRef>
+        </p:style>
+      </p:cxnSp>
+      <p:sp>
+        <p:nvSpPr>
+          <p:cNvPr id="11" name="Elipse 10"/>
+          <p:cNvSpPr/>
+          <p:nvPr/>
+        </p:nvSpPr>
+        <p:spPr>
+          <a:xfrm>
+            <a:off x="4083809" y="2492996"/>
+            <a:ext cx="214314" cy="214314"/>
+          </a:xfrm>
+          <a:prstGeom prst="ellipse">
+            <a:avLst/>
+          </a:prstGeom>
+          <a:solidFill>
+            <a:srgbClr val="EA7F4F"/>
+          </a:solidFill>
+          <a:ln>
+            <a:solidFill>
+              <a:srgbClr val="EA7F4F"/>
+            </a:solidFill>
+          </a:ln>
+        </p:spPr>
+        <p:style>
+          <a:lnRef idx="2">
+            <a:schemeClr val="accent1">
+              <a:shade val="50000"/>
+            </a:schemeClr>
+          </a:lnRef>
+          <a:fillRef idx="1">
+            <a:schemeClr val="accent1"/>
+          </a:fillRef>
+          <a:effectRef idx="0">
+            <a:schemeClr val="accent1"/>
+          </a:effectRef>
+          <a:fontRef idx="minor">
+            <a:schemeClr val="lt1"/>
+          </a:fontRef>
+        </p:style>
+        <p:txBody>
+          <a:bodyPr rtlCol="0" anchor="ctr"/>
+          <a:lstStyle/>
+          <a:p>
+            <a:pPr algn="ctr"/>
+            <a:endParaRPr lang="pt-BR">
+              <a:latin typeface="Oswald Light" pitchFamily="2" charset="0"/>
+            </a:endParaRPr>
+          </a:p>
+        </p:txBody>
+      </p:sp>
+      <p:cxnSp>
+        <p:nvCxnSpPr>
+          <p:cNvPr id="12" name="Conector reto 11"/>
+          <p:cNvCxnSpPr>
+            <a:endCxn id="11" idx="2"/>
+          </p:cNvCxnSpPr>
+          <p:nvPr/>
+        </p:nvCxnSpPr>
+        <p:spPr>
+          <a:xfrm>
+            <a:off x="1726355" y="2592573"/>
+            <a:ext cx="2357454" cy="7581"/>
+          </a:xfrm>
+          <a:prstGeom prst="line">
+            <a:avLst/>
+          </a:prstGeom>
+          <a:ln w="38100">
+            <a:solidFill>
+              <a:srgbClr val="EA7F4F"/>
+            </a:solidFill>
+          </a:ln>
+        </p:spPr>
+        <p:style>
+          <a:lnRef idx="1">
+            <a:schemeClr val="accent1"/>
+          </a:lnRef>
+          <a:fillRef idx="0">
+            <a:schemeClr val="accent1"/>
+          </a:fillRef>
+          <a:effectRef idx="0">
+            <a:schemeClr val="accent1"/>
+          </a:effectRef>
+          <a:fontRef idx="minor">
+            <a:schemeClr val="tx1"/>
+          </a:fontRef>
+        </p:style>
+      </p:cxnSp>
+      <p:sp>
+        <p:nvSpPr>
+          <p:cNvPr id="13" name="CaixaDeTexto 12"/>
+          <p:cNvSpPr txBox="1"/>
+          <p:nvPr/>
+        </p:nvSpPr>
+        <p:spPr>
+          <a:xfrm>
+            <a:off x="1726355" y="2326575"/>
+            <a:ext cx="2357454" cy="246221"/>
+          </a:xfrm>
+          <a:prstGeom prst="rect">
+            <a:avLst/>
+          </a:prstGeom>
+          <a:noFill/>
+        </p:spPr>
+        <p:txBody>
+          <a:bodyPr wrap="square" rtlCol="0">
+            <a:spAutoFit/>
+          </a:bodyPr>
+          <a:lstStyle/>
+          <a:p>
+            <a:r>
+              <a:rPr lang="pt-BR" sz="1000" b="1" dirty="0" err="1" smtClean="0">
+                <a:latin typeface="Roboto" pitchFamily="2" charset="0"/>
+                <a:ea typeface="Roboto" pitchFamily="2" charset="0"/>
+              </a:rPr>
+              <a:t>Sep</a:t>
+            </a:r>
+            <a:r>
+              <a:rPr lang="pt-BR" sz="1000" b="1" dirty="0" smtClean="0">
+                <a:latin typeface="Roboto" pitchFamily="2" charset="0"/>
+                <a:ea typeface="Roboto" pitchFamily="2" charset="0"/>
+              </a:rPr>
+              <a:t>/2014 – Jul/2015</a:t>
+            </a:r>
+            <a:endParaRPr lang="pt-BR" sz="1000" b="1" dirty="0">
+              <a:latin typeface="Roboto" pitchFamily="2" charset="0"/>
+              <a:ea typeface="Roboto" pitchFamily="2" charset="0"/>
+            </a:endParaRPr>
+          </a:p>
+        </p:txBody>
+      </p:sp>
+      <p:sp>
+        <p:nvSpPr>
+          <p:cNvPr id="14" name="CaixaDeTexto 13"/>
+          <p:cNvSpPr txBox="1"/>
+          <p:nvPr/>
+        </p:nvSpPr>
+        <p:spPr>
+          <a:xfrm>
+            <a:off x="1726355" y="2651869"/>
+            <a:ext cx="2357454" cy="754053"/>
+          </a:xfrm>
+          <a:prstGeom prst="rect">
+            <a:avLst/>
+          </a:prstGeom>
+          <a:noFill/>
+        </p:spPr>
+        <p:txBody>
+          <a:bodyPr wrap="square" rtlCol="0">
+            <a:spAutoFit/>
+          </a:bodyPr>
+          <a:lstStyle/>
+          <a:p>
+            <a:r>
+              <a:rPr lang="pt-BR" sz="1600" b="1" dirty="0" smtClean="0">
+                <a:latin typeface="Oswald" pitchFamily="2" charset="0"/>
+                <a:ea typeface="Roboto" pitchFamily="2" charset="0"/>
+              </a:rPr>
+              <a:t>Siemens / </a:t>
+            </a:r>
+            <a:r>
+              <a:rPr lang="pt-BR" sz="1600" b="1" dirty="0" err="1" smtClean="0">
+                <a:latin typeface="Oswald" pitchFamily="2" charset="0"/>
+                <a:ea typeface="Roboto" pitchFamily="2" charset="0"/>
+              </a:rPr>
+              <a:t>Primetals</a:t>
+            </a:r>
+            <a:r>
+              <a:rPr lang="pt-BR" sz="1600" b="1" dirty="0" smtClean="0">
+                <a:latin typeface="Oswald" pitchFamily="2" charset="0"/>
+                <a:ea typeface="Roboto" pitchFamily="2" charset="0"/>
+              </a:rPr>
+              <a:t> Technologies</a:t>
+            </a:r>
+          </a:p>
+          <a:p>
+            <a:r>
+              <a:rPr lang="pt-BR" sz="1100" dirty="0" smtClean="0">
+                <a:latin typeface="Roboto" pitchFamily="2" charset="0"/>
+                <a:ea typeface="Roboto" pitchFamily="2" charset="0"/>
+              </a:rPr>
+              <a:t>Industrial IT </a:t>
+            </a:r>
+            <a:r>
+              <a:rPr lang="pt-BR" sz="1100" dirty="0" err="1" smtClean="0">
+                <a:latin typeface="Roboto" pitchFamily="2" charset="0"/>
+                <a:ea typeface="Roboto" pitchFamily="2" charset="0"/>
+              </a:rPr>
+              <a:t>Internship</a:t>
+            </a:r>
+            <a:endParaRPr lang="pt-BR" sz="1100" dirty="0">
+              <a:latin typeface="Roboto" pitchFamily="2" charset="0"/>
+              <a:ea typeface="Roboto" pitchFamily="2" charset="0"/>
+            </a:endParaRPr>
+          </a:p>
+        </p:txBody>
+      </p:sp>
+      <p:sp>
+        <p:nvSpPr>
+          <p:cNvPr id="16" name="Elipse 15"/>
+          <p:cNvSpPr/>
+          <p:nvPr/>
+        </p:nvSpPr>
+        <p:spPr>
+          <a:xfrm>
+            <a:off x="4083809" y="4726748"/>
+            <a:ext cx="214314" cy="214314"/>
+          </a:xfrm>
+          <a:prstGeom prst="ellipse">
+            <a:avLst/>
+          </a:prstGeom>
+          <a:solidFill>
+            <a:srgbClr val="048082"/>
+          </a:solidFill>
+          <a:ln>
+            <a:solidFill>
+              <a:srgbClr val="048082"/>
+            </a:solidFill>
+          </a:ln>
+        </p:spPr>
+        <p:style>
+          <a:lnRef idx="2">
+            <a:schemeClr val="accent1">
+              <a:shade val="50000"/>
+            </a:schemeClr>
+          </a:lnRef>
+          <a:fillRef idx="1">
+            <a:schemeClr val="accent1"/>
+          </a:fillRef>
+          <a:effectRef idx="0">
+            <a:schemeClr val="accent1"/>
+          </a:effectRef>
+          <a:fontRef idx="minor">
+            <a:schemeClr val="lt1"/>
+          </a:fontRef>
+        </p:style>
+        <p:txBody>
+          <a:bodyPr rtlCol="0" anchor="ctr"/>
+          <a:lstStyle/>
+          <a:p>
+            <a:pPr algn="ctr"/>
+            <a:endParaRPr lang="pt-BR">
+              <a:latin typeface="Oswald Light" pitchFamily="2" charset="0"/>
+            </a:endParaRPr>
+          </a:p>
+        </p:txBody>
+      </p:sp>
+      <p:cxnSp>
+        <p:nvCxnSpPr>
+          <p:cNvPr id="17" name="Conector reto 16"/>
+          <p:cNvCxnSpPr>
+            <a:endCxn id="16" idx="2"/>
+          </p:cNvCxnSpPr>
+          <p:nvPr/>
+        </p:nvCxnSpPr>
+        <p:spPr>
+          <a:xfrm>
+            <a:off x="1726355" y="4826324"/>
+            <a:ext cx="2357454" cy="7581"/>
+          </a:xfrm>
+          <a:prstGeom prst="line">
+            <a:avLst/>
+          </a:prstGeom>
+          <a:ln w="38100">
+            <a:solidFill>
+              <a:srgbClr val="048082"/>
+            </a:solidFill>
+          </a:ln>
+        </p:spPr>
+        <p:style>
+          <a:lnRef idx="1">
+            <a:schemeClr val="accent1"/>
+          </a:lnRef>
+          <a:fillRef idx="0">
+            <a:schemeClr val="accent1"/>
+          </a:fillRef>
+          <a:effectRef idx="0">
+            <a:schemeClr val="accent1"/>
+          </a:effectRef>
+          <a:fontRef idx="minor">
+            <a:schemeClr val="tx1"/>
+          </a:fontRef>
+        </p:style>
+      </p:cxnSp>
+      <p:sp>
+        <p:nvSpPr>
+          <p:cNvPr id="18" name="CaixaDeTexto 17"/>
+          <p:cNvSpPr txBox="1"/>
+          <p:nvPr/>
+        </p:nvSpPr>
+        <p:spPr>
+          <a:xfrm>
+            <a:off x="1726355" y="4564715"/>
+            <a:ext cx="2357454" cy="246221"/>
+          </a:xfrm>
+          <a:prstGeom prst="rect">
+            <a:avLst/>
+          </a:prstGeom>
+          <a:noFill/>
+        </p:spPr>
+        <p:txBody>
+          <a:bodyPr wrap="square" rtlCol="0">
+            <a:spAutoFit/>
+          </a:bodyPr>
+          <a:lstStyle/>
+          <a:p>
+            <a:r>
+              <a:rPr lang="pt-BR" sz="1000" b="1" dirty="0" smtClean="0">
+                <a:latin typeface="Roboto" pitchFamily="2" charset="0"/>
+                <a:ea typeface="Roboto" pitchFamily="2" charset="0"/>
+              </a:rPr>
+              <a:t>Jan</a:t>
+            </a:r>
+            <a:r>
+              <a:rPr lang="pt-BR" sz="1000" b="1" dirty="0" smtClean="0">
+                <a:latin typeface="Roboto" pitchFamily="2" charset="0"/>
+                <a:ea typeface="Roboto" pitchFamily="2" charset="0"/>
+              </a:rPr>
+              <a:t>/2013 </a:t>
+            </a:r>
+            <a:r>
+              <a:rPr lang="pt-BR" sz="1000" b="1" dirty="0" smtClean="0">
+                <a:latin typeface="Roboto" pitchFamily="2" charset="0"/>
+                <a:ea typeface="Roboto" pitchFamily="2" charset="0"/>
+              </a:rPr>
+              <a:t>– </a:t>
+            </a:r>
+            <a:r>
+              <a:rPr lang="pt-BR" sz="1000" b="1" dirty="0" err="1" smtClean="0">
+                <a:latin typeface="Roboto" pitchFamily="2" charset="0"/>
+                <a:ea typeface="Roboto" pitchFamily="2" charset="0"/>
+              </a:rPr>
+              <a:t>Aug</a:t>
+            </a:r>
+            <a:r>
+              <a:rPr lang="pt-BR" sz="1000" b="1" dirty="0" smtClean="0">
+                <a:latin typeface="Roboto" pitchFamily="2" charset="0"/>
+                <a:ea typeface="Roboto" pitchFamily="2" charset="0"/>
+              </a:rPr>
+              <a:t>/2013</a:t>
+            </a:r>
+            <a:endParaRPr lang="pt-BR" sz="1000" b="1" dirty="0">
+              <a:latin typeface="Roboto" pitchFamily="2" charset="0"/>
+              <a:ea typeface="Roboto" pitchFamily="2" charset="0"/>
+            </a:endParaRPr>
+          </a:p>
+        </p:txBody>
+      </p:sp>
+      <p:sp>
+        <p:nvSpPr>
+          <p:cNvPr id="19" name="CaixaDeTexto 18"/>
+          <p:cNvSpPr txBox="1"/>
+          <p:nvPr/>
+        </p:nvSpPr>
+        <p:spPr>
+          <a:xfrm>
+            <a:off x="1726355" y="4885621"/>
+            <a:ext cx="2357454" cy="507831"/>
+          </a:xfrm>
+          <a:prstGeom prst="rect">
+            <a:avLst/>
+          </a:prstGeom>
+          <a:noFill/>
+        </p:spPr>
+        <p:txBody>
+          <a:bodyPr wrap="square" rtlCol="0">
+            <a:spAutoFit/>
+          </a:bodyPr>
+          <a:lstStyle/>
+          <a:p>
+            <a:r>
+              <a:rPr lang="pt-BR" sz="1600" b="1" dirty="0" smtClean="0">
+                <a:latin typeface="Oswald" pitchFamily="2" charset="0"/>
+                <a:ea typeface="Roboto" pitchFamily="2" charset="0"/>
+              </a:rPr>
+              <a:t>Siemens</a:t>
+            </a:r>
+          </a:p>
+          <a:p>
+            <a:r>
+              <a:rPr lang="pt-BR" sz="1100" dirty="0" smtClean="0">
+                <a:latin typeface="Roboto" pitchFamily="2" charset="0"/>
+                <a:ea typeface="Roboto" pitchFamily="2" charset="0"/>
+              </a:rPr>
+              <a:t>Industrial </a:t>
+            </a:r>
+            <a:r>
+              <a:rPr lang="pt-BR" sz="1100" dirty="0" smtClean="0">
+                <a:latin typeface="Roboto" pitchFamily="2" charset="0"/>
+                <a:ea typeface="Roboto" pitchFamily="2" charset="0"/>
+              </a:rPr>
+              <a:t>IT </a:t>
+            </a:r>
+            <a:r>
+              <a:rPr lang="pt-BR" sz="1100" dirty="0" err="1" smtClean="0">
+                <a:latin typeface="Roboto" pitchFamily="2" charset="0"/>
+                <a:ea typeface="Roboto" pitchFamily="2" charset="0"/>
+              </a:rPr>
+              <a:t>Internship</a:t>
+            </a:r>
+            <a:endParaRPr lang="pt-BR" sz="1100" dirty="0">
+              <a:latin typeface="Roboto" pitchFamily="2" charset="0"/>
+              <a:ea typeface="Roboto" pitchFamily="2" charset="0"/>
+            </a:endParaRPr>
+          </a:p>
+        </p:txBody>
+      </p:sp>
+      <p:cxnSp>
+        <p:nvCxnSpPr>
+          <p:cNvPr id="24" name="Conector reto 23"/>
+          <p:cNvCxnSpPr>
+            <a:stCxn id="27" idx="0"/>
+            <a:endCxn id="16" idx="4"/>
+          </p:cNvCxnSpPr>
+          <p:nvPr/>
+        </p:nvCxnSpPr>
+        <p:spPr>
+          <a:xfrm rot="5400000" flipH="1" flipV="1">
+            <a:off x="3649151" y="5482879"/>
+            <a:ext cx="1083633" cy="1588"/>
+          </a:xfrm>
+          <a:prstGeom prst="line">
+            <a:avLst/>
+          </a:prstGeom>
+          <a:ln w="38100">
+            <a:solidFill>
+              <a:srgbClr val="048082"/>
+            </a:solidFill>
+          </a:ln>
+        </p:spPr>
+        <p:style>
+          <a:lnRef idx="1">
+            <a:schemeClr val="accent1"/>
+          </a:lnRef>
+          <a:fillRef idx="0">
+            <a:schemeClr val="accent1"/>
+          </a:fillRef>
+          <a:effectRef idx="0">
+            <a:schemeClr val="accent1"/>
+          </a:effectRef>
+          <a:fontRef idx="minor">
+            <a:schemeClr val="tx1"/>
+          </a:fontRef>
+        </p:style>
+      </p:cxnSp>
+      <p:cxnSp>
+        <p:nvCxnSpPr>
+          <p:cNvPr id="25" name="Conector reto 24"/>
+          <p:cNvCxnSpPr>
+            <a:stCxn id="16" idx="0"/>
+            <a:endCxn id="26" idx="4"/>
+          </p:cNvCxnSpPr>
+          <p:nvPr/>
+        </p:nvCxnSpPr>
+        <p:spPr>
+          <a:xfrm rot="5400000" flipH="1" flipV="1">
+            <a:off x="3794314" y="4318222"/>
+            <a:ext cx="805180" cy="11875"/>
+          </a:xfrm>
+          <a:prstGeom prst="line">
+            <a:avLst/>
+          </a:prstGeom>
+          <a:ln w="38100">
+            <a:solidFill>
+              <a:schemeClr val="bg1">
+                <a:lumMod val="75000"/>
+              </a:schemeClr>
+            </a:solidFill>
+            <a:prstDash val="sysDot"/>
+          </a:ln>
+        </p:spPr>
+        <p:style>
+          <a:lnRef idx="1">
+            <a:schemeClr val="accent1"/>
+          </a:lnRef>
+          <a:fillRef idx="0">
+            <a:schemeClr val="accent1"/>
+          </a:fillRef>
+          <a:effectRef idx="0">
+            <a:schemeClr val="accent1"/>
+          </a:effectRef>
+          <a:fontRef idx="minor">
+            <a:schemeClr val="tx1"/>
+          </a:fontRef>
+        </p:style>
+      </p:cxnSp>
+      <p:sp>
+        <p:nvSpPr>
+          <p:cNvPr id="26" name="Elipse 25"/>
+          <p:cNvSpPr/>
+          <p:nvPr/>
+        </p:nvSpPr>
+        <p:spPr>
+          <a:xfrm>
+            <a:off x="4095684" y="3707254"/>
+            <a:ext cx="214314" cy="214314"/>
+          </a:xfrm>
+          <a:prstGeom prst="ellipse">
+            <a:avLst/>
+          </a:prstGeom>
+          <a:solidFill>
+            <a:schemeClr val="bg1">
+              <a:lumMod val="75000"/>
+            </a:schemeClr>
+          </a:solidFill>
+          <a:ln>
+            <a:solidFill>
+              <a:schemeClr val="bg1">
+                <a:lumMod val="75000"/>
+              </a:schemeClr>
+            </a:solidFill>
+          </a:ln>
+        </p:spPr>
+        <p:style>
+          <a:lnRef idx="2">
+            <a:schemeClr val="accent1">
+              <a:shade val="50000"/>
+            </a:schemeClr>
+          </a:lnRef>
+          <a:fillRef idx="1">
+            <a:schemeClr val="accent1"/>
+          </a:fillRef>
+          <a:effectRef idx="0">
+            <a:schemeClr val="accent1"/>
+          </a:effectRef>
+          <a:fontRef idx="minor">
+            <a:schemeClr val="lt1"/>
+          </a:fontRef>
+        </p:style>
+        <p:txBody>
+          <a:bodyPr rtlCol="0" anchor="ctr"/>
+          <a:lstStyle/>
+          <a:p>
+            <a:pPr algn="ctr"/>
+            <a:endParaRPr lang="pt-BR">
+              <a:latin typeface="Oswald Light" pitchFamily="2" charset="0"/>
+            </a:endParaRPr>
+          </a:p>
+        </p:txBody>
+      </p:sp>
+      <p:sp>
+        <p:nvSpPr>
+          <p:cNvPr id="27" name="Elipse 26"/>
+          <p:cNvSpPr/>
+          <p:nvPr/>
+        </p:nvSpPr>
+        <p:spPr>
+          <a:xfrm>
+            <a:off x="4083809" y="6024695"/>
+            <a:ext cx="214314" cy="214314"/>
+          </a:xfrm>
+          <a:prstGeom prst="ellipse">
+            <a:avLst/>
+          </a:prstGeom>
+          <a:solidFill>
+            <a:srgbClr val="ECA223"/>
+          </a:solidFill>
+          <a:ln>
+            <a:solidFill>
+              <a:srgbClr val="ECA223"/>
+            </a:solidFill>
+          </a:ln>
+        </p:spPr>
+        <p:style>
+          <a:lnRef idx="2">
+            <a:schemeClr val="accent1">
+              <a:shade val="50000"/>
+            </a:schemeClr>
+          </a:lnRef>
+          <a:fillRef idx="1">
+            <a:schemeClr val="accent1"/>
+          </a:fillRef>
+          <a:effectRef idx="0">
+            <a:schemeClr val="accent1"/>
+          </a:effectRef>
+          <a:fontRef idx="minor">
+            <a:schemeClr val="lt1"/>
+          </a:fontRef>
+        </p:style>
+        <p:txBody>
+          <a:bodyPr rtlCol="0" anchor="ctr"/>
+          <a:lstStyle/>
+          <a:p>
+            <a:pPr algn="ctr"/>
+            <a:endParaRPr lang="pt-BR">
+              <a:latin typeface="Oswald Light" pitchFamily="2" charset="0"/>
+            </a:endParaRPr>
+          </a:p>
+        </p:txBody>
+      </p:sp>
+      <p:cxnSp>
+        <p:nvCxnSpPr>
+          <p:cNvPr id="28" name="Conector reto 27"/>
+          <p:cNvCxnSpPr>
+            <a:endCxn id="27" idx="2"/>
+          </p:cNvCxnSpPr>
+          <p:nvPr/>
+        </p:nvCxnSpPr>
+        <p:spPr>
+          <a:xfrm>
+            <a:off x="1726355" y="6124272"/>
+            <a:ext cx="2357454" cy="7581"/>
+          </a:xfrm>
+          <a:prstGeom prst="line">
+            <a:avLst/>
+          </a:prstGeom>
+          <a:ln w="38100">
+            <a:solidFill>
+              <a:srgbClr val="ECA223"/>
+            </a:solidFill>
+          </a:ln>
+        </p:spPr>
+        <p:style>
+          <a:lnRef idx="1">
+            <a:schemeClr val="accent1"/>
+          </a:lnRef>
+          <a:fillRef idx="0">
+            <a:schemeClr val="accent1"/>
+          </a:fillRef>
+          <a:effectRef idx="0">
+            <a:schemeClr val="accent1"/>
+          </a:effectRef>
+          <a:fontRef idx="minor">
+            <a:schemeClr val="tx1"/>
+          </a:fontRef>
+        </p:style>
+      </p:cxnSp>
+      <p:sp>
+        <p:nvSpPr>
+          <p:cNvPr id="29" name="CaixaDeTexto 28"/>
+          <p:cNvSpPr txBox="1"/>
+          <p:nvPr/>
+        </p:nvSpPr>
+        <p:spPr>
+          <a:xfrm>
+            <a:off x="1726355" y="5862662"/>
+            <a:ext cx="2357454" cy="246221"/>
+          </a:xfrm>
+          <a:prstGeom prst="rect">
+            <a:avLst/>
+          </a:prstGeom>
+          <a:noFill/>
+        </p:spPr>
+        <p:txBody>
+          <a:bodyPr wrap="square" rtlCol="0">
+            <a:spAutoFit/>
+          </a:bodyPr>
+          <a:lstStyle/>
+          <a:p>
+            <a:r>
+              <a:rPr lang="pt-BR" sz="1000" b="1" dirty="0" smtClean="0">
+                <a:latin typeface="Roboto" pitchFamily="2" charset="0"/>
+                <a:ea typeface="Roboto" pitchFamily="2" charset="0"/>
+              </a:rPr>
+              <a:t>Jan</a:t>
+            </a:r>
+            <a:r>
+              <a:rPr lang="pt-BR" sz="1000" b="1" dirty="0" smtClean="0">
+                <a:latin typeface="Roboto" pitchFamily="2" charset="0"/>
+                <a:ea typeface="Roboto" pitchFamily="2" charset="0"/>
+              </a:rPr>
+              <a:t>/2012 </a:t>
+            </a:r>
+            <a:r>
+              <a:rPr lang="pt-BR" sz="1000" b="1" dirty="0" smtClean="0">
+                <a:latin typeface="Roboto" pitchFamily="2" charset="0"/>
+                <a:ea typeface="Roboto" pitchFamily="2" charset="0"/>
+              </a:rPr>
+              <a:t>– </a:t>
+            </a:r>
+            <a:r>
+              <a:rPr lang="pt-BR" sz="1000" b="1" dirty="0" err="1" smtClean="0">
+                <a:latin typeface="Roboto" pitchFamily="2" charset="0"/>
+                <a:ea typeface="Roboto" pitchFamily="2" charset="0"/>
+              </a:rPr>
+              <a:t>Dec</a:t>
+            </a:r>
+            <a:r>
+              <a:rPr lang="pt-BR" sz="1000" b="1" dirty="0" smtClean="0">
+                <a:latin typeface="Roboto" pitchFamily="2" charset="0"/>
+                <a:ea typeface="Roboto" pitchFamily="2" charset="0"/>
+              </a:rPr>
+              <a:t>/2012</a:t>
+            </a:r>
+            <a:endParaRPr lang="pt-BR" sz="1000" b="1" dirty="0">
+              <a:latin typeface="Roboto" pitchFamily="2" charset="0"/>
+              <a:ea typeface="Roboto" pitchFamily="2" charset="0"/>
+            </a:endParaRPr>
+          </a:p>
+        </p:txBody>
+      </p:sp>
+      <p:sp>
+        <p:nvSpPr>
+          <p:cNvPr id="30" name="CaixaDeTexto 29"/>
+          <p:cNvSpPr txBox="1"/>
+          <p:nvPr/>
+        </p:nvSpPr>
+        <p:spPr>
+          <a:xfrm>
+            <a:off x="1726355" y="6183568"/>
+            <a:ext cx="2357454" cy="507831"/>
+          </a:xfrm>
+          <a:prstGeom prst="rect">
+            <a:avLst/>
+          </a:prstGeom>
+          <a:noFill/>
+        </p:spPr>
+        <p:txBody>
+          <a:bodyPr wrap="square" rtlCol="0">
+            <a:spAutoFit/>
+          </a:bodyPr>
+          <a:lstStyle/>
+          <a:p>
+            <a:r>
+              <a:rPr lang="pt-BR" sz="1600" b="1" dirty="0" smtClean="0">
+                <a:latin typeface="Oswald" pitchFamily="2" charset="0"/>
+                <a:ea typeface="Roboto" pitchFamily="2" charset="0"/>
+              </a:rPr>
+              <a:t>CPE Jr</a:t>
+            </a:r>
+          </a:p>
+          <a:p>
+            <a:r>
+              <a:rPr lang="pt-BR" sz="1100" dirty="0" smtClean="0">
+                <a:latin typeface="Roboto" pitchFamily="2" charset="0"/>
+                <a:ea typeface="Roboto" pitchFamily="2" charset="0"/>
+              </a:rPr>
+              <a:t>Project </a:t>
+            </a:r>
+            <a:r>
+              <a:rPr lang="pt-BR" sz="1100" dirty="0" err="1" smtClean="0">
+                <a:latin typeface="Roboto" pitchFamily="2" charset="0"/>
+                <a:ea typeface="Roboto" pitchFamily="2" charset="0"/>
+              </a:rPr>
+              <a:t>Assistant</a:t>
+            </a:r>
+            <a:endParaRPr lang="pt-BR" sz="1100" dirty="0">
+              <a:latin typeface="Roboto" pitchFamily="2" charset="0"/>
+              <a:ea typeface="Roboto" pitchFamily="2" charset="0"/>
+            </a:endParaRPr>
+          </a:p>
+        </p:txBody>
+      </p:sp>
+      <p:cxnSp>
+        <p:nvCxnSpPr>
+          <p:cNvPr id="31" name="Conector reto 30"/>
+          <p:cNvCxnSpPr>
+            <a:endCxn id="27" idx="4"/>
+          </p:cNvCxnSpPr>
+          <p:nvPr/>
+        </p:nvCxnSpPr>
+        <p:spPr>
+          <a:xfrm rot="5400000" flipH="1" flipV="1">
+            <a:off x="3917132" y="6512751"/>
+            <a:ext cx="547577" cy="94"/>
+          </a:xfrm>
+          <a:prstGeom prst="line">
+            <a:avLst/>
+          </a:prstGeom>
+          <a:ln w="38100">
+            <a:solidFill>
+              <a:srgbClr val="ECA223"/>
+            </a:solidFill>
+          </a:ln>
+        </p:spPr>
+        <p:style>
+          <a:lnRef idx="1">
+            <a:schemeClr val="accent1"/>
+          </a:lnRef>
+          <a:fillRef idx="0">
+            <a:schemeClr val="accent1"/>
+          </a:fillRef>
+          <a:effectRef idx="0">
+            <a:schemeClr val="accent1"/>
+          </a:effectRef>
+          <a:fontRef idx="minor">
+            <a:schemeClr val="tx1"/>
+          </a:fontRef>
+        </p:style>
+      </p:cxnSp>
+      <p:cxnSp>
+        <p:nvCxnSpPr>
+          <p:cNvPr id="32" name="Conector reto 31"/>
+          <p:cNvCxnSpPr>
+            <a:stCxn id="48" idx="0"/>
+            <a:endCxn id="33" idx="4"/>
+          </p:cNvCxnSpPr>
+          <p:nvPr/>
+        </p:nvCxnSpPr>
+        <p:spPr>
+          <a:xfrm rot="16200000" flipV="1">
+            <a:off x="4123469" y="1241908"/>
+            <a:ext cx="956252" cy="11875"/>
+          </a:xfrm>
+          <a:prstGeom prst="line">
+            <a:avLst/>
+          </a:prstGeom>
+          <a:ln w="38100">
+            <a:solidFill>
+              <a:srgbClr val="59AC87"/>
+            </a:solidFill>
+          </a:ln>
+        </p:spPr>
+        <p:style>
+          <a:lnRef idx="1">
+            <a:schemeClr val="accent1"/>
+          </a:lnRef>
+          <a:fillRef idx="0">
+            <a:schemeClr val="accent1"/>
+          </a:fillRef>
+          <a:effectRef idx="0">
+            <a:schemeClr val="accent1"/>
+          </a:effectRef>
+          <a:fontRef idx="minor">
+            <a:schemeClr val="tx1"/>
+          </a:fontRef>
+        </p:style>
+      </p:cxnSp>
+      <p:sp>
+        <p:nvSpPr>
+          <p:cNvPr id="33" name="Elipse 32"/>
+          <p:cNvSpPr/>
+          <p:nvPr/>
+        </p:nvSpPr>
+        <p:spPr>
+          <a:xfrm>
+            <a:off x="4488499" y="555406"/>
+            <a:ext cx="214314" cy="214314"/>
+          </a:xfrm>
+          <a:prstGeom prst="ellipse">
+            <a:avLst/>
+          </a:prstGeom>
+          <a:solidFill>
+            <a:srgbClr val="59AC87"/>
+          </a:solidFill>
+          <a:ln>
+            <a:solidFill>
+              <a:srgbClr val="59AC87"/>
+            </a:solidFill>
+          </a:ln>
+        </p:spPr>
+        <p:style>
+          <a:lnRef idx="2">
+            <a:schemeClr val="accent1">
+              <a:shade val="50000"/>
+            </a:schemeClr>
+          </a:lnRef>
+          <a:fillRef idx="1">
+            <a:schemeClr val="accent1"/>
+          </a:fillRef>
+          <a:effectRef idx="0">
+            <a:schemeClr val="accent1"/>
+          </a:effectRef>
+          <a:fontRef idx="minor">
+            <a:schemeClr val="lt1"/>
+          </a:fontRef>
+        </p:style>
+        <p:txBody>
+          <a:bodyPr rtlCol="0" anchor="ctr"/>
+          <a:lstStyle/>
+          <a:p>
+            <a:pPr algn="ctr"/>
+            <a:endParaRPr lang="pt-BR">
+              <a:latin typeface="Oswald Light" pitchFamily="2" charset="0"/>
+            </a:endParaRPr>
+          </a:p>
+        </p:txBody>
+      </p:sp>
+      <p:cxnSp>
+        <p:nvCxnSpPr>
+          <p:cNvPr id="34" name="Conector reto 33"/>
+          <p:cNvCxnSpPr/>
+          <p:nvPr/>
+        </p:nvCxnSpPr>
+        <p:spPr>
+          <a:xfrm>
+            <a:off x="4655313" y="654982"/>
+            <a:ext cx="2357454" cy="7581"/>
+          </a:xfrm>
+          <a:prstGeom prst="line">
+            <a:avLst/>
+          </a:prstGeom>
+          <a:ln w="38100">
+            <a:solidFill>
+              <a:srgbClr val="59AC87"/>
+            </a:solidFill>
+          </a:ln>
+        </p:spPr>
+        <p:style>
+          <a:lnRef idx="1">
+            <a:schemeClr val="accent1"/>
+          </a:lnRef>
+          <a:fillRef idx="0">
+            <a:schemeClr val="accent1"/>
+          </a:fillRef>
+          <a:effectRef idx="0">
+            <a:schemeClr val="accent1"/>
+          </a:effectRef>
+          <a:fontRef idx="minor">
+            <a:schemeClr val="tx1"/>
+          </a:fontRef>
+        </p:style>
+      </p:cxnSp>
+      <p:sp>
+        <p:nvSpPr>
+          <p:cNvPr id="35" name="CaixaDeTexto 34"/>
+          <p:cNvSpPr txBox="1"/>
+          <p:nvPr/>
+        </p:nvSpPr>
+        <p:spPr>
+          <a:xfrm>
+            <a:off x="4714876" y="393372"/>
+            <a:ext cx="2357454" cy="246221"/>
+          </a:xfrm>
+          <a:prstGeom prst="rect">
+            <a:avLst/>
+          </a:prstGeom>
+          <a:noFill/>
+        </p:spPr>
+        <p:txBody>
+          <a:bodyPr wrap="square" rtlCol="0">
+            <a:spAutoFit/>
+          </a:bodyPr>
+          <a:lstStyle/>
+          <a:p>
+            <a:pPr algn="r"/>
+            <a:r>
+              <a:rPr lang="pt-BR" sz="1000" b="1" dirty="0" err="1" smtClean="0">
+                <a:latin typeface="Roboto" pitchFamily="2" charset="0"/>
+                <a:ea typeface="Roboto" pitchFamily="2" charset="0"/>
+              </a:rPr>
+              <a:t>Apr</a:t>
+            </a:r>
+            <a:r>
+              <a:rPr lang="pt-BR" sz="1000" b="1" dirty="0" smtClean="0">
+                <a:latin typeface="Roboto" pitchFamily="2" charset="0"/>
+                <a:ea typeface="Roboto" pitchFamily="2" charset="0"/>
+              </a:rPr>
+              <a:t>/2016 – </a:t>
+            </a:r>
+            <a:r>
+              <a:rPr lang="pt-BR" sz="1000" b="1" dirty="0" err="1" smtClean="0">
+                <a:latin typeface="Roboto" pitchFamily="2" charset="0"/>
+                <a:ea typeface="Roboto" pitchFamily="2" charset="0"/>
+              </a:rPr>
+              <a:t>May</a:t>
+            </a:r>
+            <a:r>
+              <a:rPr lang="pt-BR" sz="1000" b="1" dirty="0" smtClean="0">
+                <a:latin typeface="Roboto" pitchFamily="2" charset="0"/>
+                <a:ea typeface="Roboto" pitchFamily="2" charset="0"/>
+              </a:rPr>
+              <a:t>/2018</a:t>
+            </a:r>
+            <a:endParaRPr lang="pt-BR" sz="1000" b="1" dirty="0">
+              <a:latin typeface="Roboto" pitchFamily="2" charset="0"/>
+              <a:ea typeface="Roboto" pitchFamily="2" charset="0"/>
+            </a:endParaRPr>
+          </a:p>
+        </p:txBody>
+      </p:sp>
+      <p:sp>
+        <p:nvSpPr>
+          <p:cNvPr id="36" name="CaixaDeTexto 35"/>
+          <p:cNvSpPr txBox="1"/>
+          <p:nvPr/>
+        </p:nvSpPr>
+        <p:spPr>
+          <a:xfrm>
+            <a:off x="4714876" y="714277"/>
+            <a:ext cx="2357454" cy="677108"/>
+          </a:xfrm>
+          <a:prstGeom prst="rect">
+            <a:avLst/>
+          </a:prstGeom>
+          <a:noFill/>
+        </p:spPr>
+        <p:txBody>
+          <a:bodyPr wrap="square" rtlCol="0">
+            <a:spAutoFit/>
+          </a:bodyPr>
+          <a:lstStyle/>
+          <a:p>
+            <a:pPr algn="r"/>
+            <a:r>
+              <a:rPr lang="pt-BR" sz="1600" b="1" dirty="0" smtClean="0">
+                <a:latin typeface="Oswald" pitchFamily="2" charset="0"/>
+                <a:ea typeface="Roboto" pitchFamily="2" charset="0"/>
+              </a:rPr>
+              <a:t>PUC-MG</a:t>
+            </a:r>
+          </a:p>
+          <a:p>
+            <a:pPr algn="r"/>
+            <a:r>
+              <a:rPr lang="pt-BR" sz="1100" dirty="0" smtClean="0">
+                <a:latin typeface="Roboto" pitchFamily="2" charset="0"/>
+                <a:ea typeface="Roboto" pitchFamily="2" charset="0"/>
+              </a:rPr>
+              <a:t>Lato </a:t>
+            </a:r>
+            <a:r>
+              <a:rPr lang="pt-BR" sz="1100" dirty="0" err="1" smtClean="0">
+                <a:latin typeface="Roboto" pitchFamily="2" charset="0"/>
+                <a:ea typeface="Roboto" pitchFamily="2" charset="0"/>
+              </a:rPr>
+              <a:t>Sensu</a:t>
+            </a:r>
+            <a:r>
+              <a:rPr lang="pt-BR" sz="1100" dirty="0" smtClean="0">
+                <a:latin typeface="Roboto" pitchFamily="2" charset="0"/>
+                <a:ea typeface="Roboto" pitchFamily="2" charset="0"/>
+              </a:rPr>
+              <a:t> </a:t>
+            </a:r>
+            <a:r>
+              <a:rPr lang="pt-BR" sz="1100" dirty="0" err="1" smtClean="0">
+                <a:latin typeface="Roboto" pitchFamily="2" charset="0"/>
+                <a:ea typeface="Roboto" pitchFamily="2" charset="0"/>
+              </a:rPr>
+              <a:t>Postgraduate</a:t>
+            </a:r>
+            <a:r>
+              <a:rPr lang="pt-BR" sz="1100" dirty="0" smtClean="0">
+                <a:latin typeface="Roboto" pitchFamily="2" charset="0"/>
+                <a:ea typeface="Roboto" pitchFamily="2" charset="0"/>
+              </a:rPr>
+              <a:t> </a:t>
+            </a:r>
+            <a:r>
+              <a:rPr lang="pt-BR" sz="1100" dirty="0" err="1" smtClean="0">
+                <a:latin typeface="Roboto" pitchFamily="2" charset="0"/>
+                <a:ea typeface="Roboto" pitchFamily="2" charset="0"/>
+              </a:rPr>
+              <a:t>course</a:t>
+            </a:r>
+            <a:r>
+              <a:rPr lang="pt-BR" sz="1100" dirty="0" smtClean="0">
+                <a:latin typeface="Roboto" pitchFamily="2" charset="0"/>
+                <a:ea typeface="Roboto" pitchFamily="2" charset="0"/>
+              </a:rPr>
+              <a:t> in Web Applications </a:t>
+            </a:r>
+            <a:r>
+              <a:rPr lang="pt-BR" sz="1100" dirty="0" err="1" smtClean="0">
+                <a:latin typeface="Roboto" pitchFamily="2" charset="0"/>
+                <a:ea typeface="Roboto" pitchFamily="2" charset="0"/>
+              </a:rPr>
+              <a:t>Development</a:t>
+            </a:r>
+            <a:endParaRPr lang="pt-BR" sz="1100" dirty="0">
+              <a:latin typeface="Roboto" pitchFamily="2" charset="0"/>
+              <a:ea typeface="Roboto" pitchFamily="2" charset="0"/>
+            </a:endParaRPr>
+          </a:p>
+        </p:txBody>
+      </p:sp>
+      <p:cxnSp>
+        <p:nvCxnSpPr>
+          <p:cNvPr id="37" name="Conector reto 36"/>
+          <p:cNvCxnSpPr>
+            <a:stCxn id="42" idx="0"/>
+            <a:endCxn id="38" idx="4"/>
+          </p:cNvCxnSpPr>
+          <p:nvPr/>
+        </p:nvCxnSpPr>
+        <p:spPr>
+          <a:xfrm rot="5400000" flipH="1" flipV="1">
+            <a:off x="4107559" y="3198125"/>
+            <a:ext cx="976194" cy="1588"/>
+          </a:xfrm>
+          <a:prstGeom prst="line">
+            <a:avLst/>
+          </a:prstGeom>
+          <a:ln w="38100">
+            <a:solidFill>
+              <a:srgbClr val="E05B55"/>
+            </a:solidFill>
+          </a:ln>
+        </p:spPr>
+        <p:style>
+          <a:lnRef idx="1">
+            <a:schemeClr val="accent1"/>
+          </a:lnRef>
+          <a:fillRef idx="0">
+            <a:schemeClr val="accent1"/>
+          </a:fillRef>
+          <a:effectRef idx="0">
+            <a:schemeClr val="accent1"/>
+          </a:effectRef>
+          <a:fontRef idx="minor">
+            <a:schemeClr val="tx1"/>
+          </a:fontRef>
+        </p:style>
+      </p:cxnSp>
+      <p:sp>
+        <p:nvSpPr>
+          <p:cNvPr id="38" name="Elipse 37"/>
+          <p:cNvSpPr/>
+          <p:nvPr/>
+        </p:nvSpPr>
+        <p:spPr>
+          <a:xfrm>
+            <a:off x="4488499" y="2495714"/>
+            <a:ext cx="214314" cy="214314"/>
+          </a:xfrm>
+          <a:prstGeom prst="ellipse">
+            <a:avLst/>
+          </a:prstGeom>
+          <a:solidFill>
+            <a:srgbClr val="E05B55"/>
+          </a:solidFill>
+          <a:ln>
+            <a:solidFill>
+              <a:srgbClr val="E05B55"/>
+            </a:solidFill>
+          </a:ln>
+        </p:spPr>
+        <p:style>
+          <a:lnRef idx="2">
+            <a:schemeClr val="accent1">
+              <a:shade val="50000"/>
+            </a:schemeClr>
+          </a:lnRef>
+          <a:fillRef idx="1">
+            <a:schemeClr val="accent1"/>
+          </a:fillRef>
+          <a:effectRef idx="0">
+            <a:schemeClr val="accent1"/>
+          </a:effectRef>
+          <a:fontRef idx="minor">
+            <a:schemeClr val="lt1"/>
+          </a:fontRef>
+        </p:style>
+        <p:txBody>
+          <a:bodyPr rtlCol="0" anchor="ctr"/>
+          <a:lstStyle/>
+          <a:p>
+            <a:pPr algn="ctr"/>
+            <a:endParaRPr lang="pt-BR">
+              <a:latin typeface="Oswald Light" pitchFamily="2" charset="0"/>
+            </a:endParaRPr>
+          </a:p>
+        </p:txBody>
+      </p:sp>
+      <p:cxnSp>
+        <p:nvCxnSpPr>
+          <p:cNvPr id="39" name="Conector reto 38"/>
+          <p:cNvCxnSpPr/>
+          <p:nvPr/>
+        </p:nvCxnSpPr>
+        <p:spPr>
+          <a:xfrm>
+            <a:off x="4655313" y="2595291"/>
+            <a:ext cx="2357454" cy="7581"/>
+          </a:xfrm>
+          <a:prstGeom prst="line">
+            <a:avLst/>
+          </a:prstGeom>
+          <a:ln w="38100">
+            <a:solidFill>
+              <a:srgbClr val="E05B55"/>
+            </a:solidFill>
+          </a:ln>
+        </p:spPr>
+        <p:style>
+          <a:lnRef idx="1">
+            <a:schemeClr val="accent1"/>
+          </a:lnRef>
+          <a:fillRef idx="0">
+            <a:schemeClr val="accent1"/>
+          </a:fillRef>
+          <a:effectRef idx="0">
+            <a:schemeClr val="accent1"/>
+          </a:effectRef>
+          <a:fontRef idx="minor">
+            <a:schemeClr val="tx1"/>
+          </a:fontRef>
+        </p:style>
+      </p:cxnSp>
+      <p:sp>
+        <p:nvSpPr>
+          <p:cNvPr id="40" name="CaixaDeTexto 39"/>
+          <p:cNvSpPr txBox="1"/>
+          <p:nvPr/>
+        </p:nvSpPr>
+        <p:spPr>
+          <a:xfrm>
+            <a:off x="4714876" y="2333681"/>
+            <a:ext cx="2357454" cy="246221"/>
+          </a:xfrm>
+          <a:prstGeom prst="rect">
+            <a:avLst/>
+          </a:prstGeom>
+          <a:noFill/>
+        </p:spPr>
+        <p:txBody>
+          <a:bodyPr wrap="square" rtlCol="0">
+            <a:spAutoFit/>
+          </a:bodyPr>
+          <a:lstStyle/>
+          <a:p>
+            <a:pPr algn="r"/>
+            <a:r>
+              <a:rPr lang="pt-BR" sz="1000" b="1" dirty="0" smtClean="0">
+                <a:latin typeface="Roboto" pitchFamily="2" charset="0"/>
+                <a:ea typeface="Roboto" pitchFamily="2" charset="0"/>
+              </a:rPr>
+              <a:t>Mar/2009 </a:t>
+            </a:r>
+            <a:r>
+              <a:rPr lang="pt-BR" sz="1000" b="1" dirty="0" smtClean="0">
+                <a:latin typeface="Roboto" pitchFamily="2" charset="0"/>
+                <a:ea typeface="Roboto" pitchFamily="2" charset="0"/>
+              </a:rPr>
+              <a:t>– Jul/2015</a:t>
+            </a:r>
+            <a:endParaRPr lang="pt-BR" sz="1000" b="1" dirty="0">
+              <a:latin typeface="Roboto" pitchFamily="2" charset="0"/>
+              <a:ea typeface="Roboto" pitchFamily="2" charset="0"/>
+            </a:endParaRPr>
+          </a:p>
+        </p:txBody>
+      </p:sp>
+      <p:sp>
+        <p:nvSpPr>
+          <p:cNvPr id="41" name="CaixaDeTexto 40"/>
+          <p:cNvSpPr txBox="1"/>
+          <p:nvPr/>
+        </p:nvSpPr>
+        <p:spPr>
+          <a:xfrm>
+            <a:off x="4714876" y="2654586"/>
+            <a:ext cx="2357454" cy="677108"/>
+          </a:xfrm>
+          <a:prstGeom prst="rect">
+            <a:avLst/>
+          </a:prstGeom>
+          <a:noFill/>
+        </p:spPr>
+        <p:txBody>
+          <a:bodyPr wrap="square" rtlCol="0">
+            <a:spAutoFit/>
+          </a:bodyPr>
+          <a:lstStyle/>
+          <a:p>
+            <a:pPr algn="r"/>
+            <a:r>
+              <a:rPr lang="pt-BR" sz="1600" b="1" dirty="0" smtClean="0">
+                <a:latin typeface="Oswald" pitchFamily="2" charset="0"/>
+                <a:ea typeface="Roboto" pitchFamily="2" charset="0"/>
+              </a:rPr>
+              <a:t>UFMG</a:t>
+            </a:r>
+          </a:p>
+          <a:p>
+            <a:pPr algn="r"/>
+            <a:r>
+              <a:rPr lang="pt-BR" sz="1100" dirty="0" err="1" smtClean="0">
+                <a:latin typeface="Roboto" pitchFamily="2" charset="0"/>
+                <a:ea typeface="Roboto" pitchFamily="2" charset="0"/>
+              </a:rPr>
+              <a:t>Control</a:t>
+            </a:r>
+            <a:r>
+              <a:rPr lang="pt-BR" sz="1100" dirty="0" smtClean="0">
+                <a:latin typeface="Roboto" pitchFamily="2" charset="0"/>
+                <a:ea typeface="Roboto" pitchFamily="2" charset="0"/>
+              </a:rPr>
+              <a:t> </a:t>
+            </a:r>
+            <a:r>
+              <a:rPr lang="pt-BR" sz="1100" dirty="0" err="1" smtClean="0">
+                <a:latin typeface="Roboto" pitchFamily="2" charset="0"/>
+                <a:ea typeface="Roboto" pitchFamily="2" charset="0"/>
+              </a:rPr>
+              <a:t>and</a:t>
+            </a:r>
+            <a:r>
+              <a:rPr lang="pt-BR" sz="1100" dirty="0" smtClean="0">
+                <a:latin typeface="Roboto" pitchFamily="2" charset="0"/>
+                <a:ea typeface="Roboto" pitchFamily="2" charset="0"/>
+              </a:rPr>
+              <a:t> </a:t>
+            </a:r>
+            <a:r>
+              <a:rPr lang="pt-BR" sz="1100" dirty="0" err="1" smtClean="0">
+                <a:latin typeface="Roboto" pitchFamily="2" charset="0"/>
+                <a:ea typeface="Roboto" pitchFamily="2" charset="0"/>
+              </a:rPr>
+              <a:t>Automation</a:t>
+            </a:r>
+            <a:r>
+              <a:rPr lang="pt-BR" sz="1100" dirty="0" smtClean="0">
+                <a:latin typeface="Roboto" pitchFamily="2" charset="0"/>
+                <a:ea typeface="Roboto" pitchFamily="2" charset="0"/>
+              </a:rPr>
+              <a:t> </a:t>
+            </a:r>
+            <a:r>
+              <a:rPr lang="pt-BR" sz="1100" dirty="0" err="1" smtClean="0">
+                <a:latin typeface="Roboto" pitchFamily="2" charset="0"/>
+                <a:ea typeface="Roboto" pitchFamily="2" charset="0"/>
+              </a:rPr>
+              <a:t>Engineering</a:t>
+            </a:r>
+            <a:r>
+              <a:rPr lang="pt-BR" sz="1100" dirty="0" smtClean="0">
+                <a:latin typeface="Roboto" pitchFamily="2" charset="0"/>
+                <a:ea typeface="Roboto" pitchFamily="2" charset="0"/>
+              </a:rPr>
+              <a:t> </a:t>
+            </a:r>
+            <a:r>
+              <a:rPr lang="pt-BR" sz="1100" dirty="0" err="1" smtClean="0">
+                <a:latin typeface="Roboto" pitchFamily="2" charset="0"/>
+                <a:ea typeface="Roboto" pitchFamily="2" charset="0"/>
+              </a:rPr>
+              <a:t>BSc</a:t>
+            </a:r>
+            <a:endParaRPr lang="pt-BR" sz="1100" dirty="0">
+              <a:latin typeface="Roboto" pitchFamily="2" charset="0"/>
+              <a:ea typeface="Roboto" pitchFamily="2" charset="0"/>
+            </a:endParaRPr>
+          </a:p>
+        </p:txBody>
+      </p:sp>
+      <p:sp>
+        <p:nvSpPr>
+          <p:cNvPr id="42" name="Elipse 41"/>
+          <p:cNvSpPr/>
+          <p:nvPr/>
+        </p:nvSpPr>
+        <p:spPr>
+          <a:xfrm>
+            <a:off x="4488499" y="3686222"/>
+            <a:ext cx="214314" cy="214314"/>
+          </a:xfrm>
+          <a:prstGeom prst="ellipse">
+            <a:avLst/>
+          </a:prstGeom>
+          <a:solidFill>
+            <a:srgbClr val="048082"/>
+          </a:solidFill>
+          <a:ln>
+            <a:solidFill>
+              <a:srgbClr val="048082"/>
+            </a:solidFill>
+          </a:ln>
+        </p:spPr>
+        <p:style>
+          <a:lnRef idx="2">
+            <a:schemeClr val="accent1">
+              <a:shade val="50000"/>
+            </a:schemeClr>
+          </a:lnRef>
+          <a:fillRef idx="1">
+            <a:schemeClr val="accent1"/>
+          </a:fillRef>
+          <a:effectRef idx="0">
+            <a:schemeClr val="accent1"/>
+          </a:effectRef>
+          <a:fontRef idx="minor">
+            <a:schemeClr val="lt1"/>
+          </a:fontRef>
+        </p:style>
+        <p:txBody>
+          <a:bodyPr rtlCol="0" anchor="ctr"/>
+          <a:lstStyle/>
+          <a:p>
+            <a:pPr algn="ctr"/>
+            <a:endParaRPr lang="pt-BR">
+              <a:latin typeface="Oswald Light" pitchFamily="2" charset="0"/>
+            </a:endParaRPr>
+          </a:p>
+        </p:txBody>
+      </p:sp>
+      <p:cxnSp>
+        <p:nvCxnSpPr>
+          <p:cNvPr id="43" name="Conector reto 42"/>
+          <p:cNvCxnSpPr/>
+          <p:nvPr/>
+        </p:nvCxnSpPr>
+        <p:spPr>
+          <a:xfrm>
+            <a:off x="4655313" y="3785799"/>
+            <a:ext cx="2357454" cy="7581"/>
+          </a:xfrm>
+          <a:prstGeom prst="line">
+            <a:avLst/>
+          </a:prstGeom>
+          <a:ln w="38100">
+            <a:solidFill>
+              <a:srgbClr val="048082"/>
+            </a:solidFill>
+          </a:ln>
+        </p:spPr>
+        <p:style>
+          <a:lnRef idx="1">
+            <a:schemeClr val="accent1"/>
+          </a:lnRef>
+          <a:fillRef idx="0">
+            <a:schemeClr val="accent1"/>
+          </a:fillRef>
+          <a:effectRef idx="0">
+            <a:schemeClr val="accent1"/>
+          </a:effectRef>
+          <a:fontRef idx="minor">
+            <a:schemeClr val="tx1"/>
+          </a:fontRef>
+        </p:style>
+      </p:cxnSp>
+      <p:sp>
+        <p:nvSpPr>
+          <p:cNvPr id="44" name="CaixaDeTexto 43"/>
+          <p:cNvSpPr txBox="1"/>
+          <p:nvPr/>
+        </p:nvSpPr>
+        <p:spPr>
+          <a:xfrm>
+            <a:off x="4714876" y="3524189"/>
+            <a:ext cx="2357454" cy="246221"/>
+          </a:xfrm>
+          <a:prstGeom prst="rect">
+            <a:avLst/>
+          </a:prstGeom>
+          <a:noFill/>
+        </p:spPr>
+        <p:txBody>
+          <a:bodyPr wrap="square" rtlCol="0">
+            <a:spAutoFit/>
+          </a:bodyPr>
+          <a:lstStyle/>
+          <a:p>
+            <a:pPr algn="r"/>
+            <a:r>
+              <a:rPr lang="pt-BR" sz="1000" b="1" dirty="0" err="1" smtClean="0">
+                <a:latin typeface="Roboto" pitchFamily="2" charset="0"/>
+                <a:ea typeface="Roboto" pitchFamily="2" charset="0"/>
+              </a:rPr>
+              <a:t>Sep</a:t>
+            </a:r>
+            <a:r>
+              <a:rPr lang="pt-BR" sz="1000" b="1" dirty="0" smtClean="0">
+                <a:latin typeface="Roboto" pitchFamily="2" charset="0"/>
+                <a:ea typeface="Roboto" pitchFamily="2" charset="0"/>
+              </a:rPr>
+              <a:t>/2013 – </a:t>
+            </a:r>
+            <a:r>
+              <a:rPr lang="pt-BR" sz="1000" b="1" dirty="0" err="1" smtClean="0">
+                <a:latin typeface="Roboto" pitchFamily="2" charset="0"/>
+                <a:ea typeface="Roboto" pitchFamily="2" charset="0"/>
+              </a:rPr>
+              <a:t>Aug</a:t>
+            </a:r>
+            <a:r>
+              <a:rPr lang="pt-BR" sz="1000" b="1" dirty="0" smtClean="0">
+                <a:latin typeface="Roboto" pitchFamily="2" charset="0"/>
+                <a:ea typeface="Roboto" pitchFamily="2" charset="0"/>
+              </a:rPr>
+              <a:t>/2014</a:t>
+            </a:r>
+            <a:endParaRPr lang="pt-BR" sz="1000" b="1" dirty="0">
+              <a:latin typeface="Roboto" pitchFamily="2" charset="0"/>
+              <a:ea typeface="Roboto" pitchFamily="2" charset="0"/>
+            </a:endParaRPr>
+          </a:p>
+        </p:txBody>
+      </p:sp>
+      <p:sp>
+        <p:nvSpPr>
+          <p:cNvPr id="45" name="CaixaDeTexto 44"/>
+          <p:cNvSpPr txBox="1"/>
+          <p:nvPr/>
+        </p:nvSpPr>
+        <p:spPr>
+          <a:xfrm>
+            <a:off x="4714876" y="3845095"/>
+            <a:ext cx="2357454" cy="507831"/>
+          </a:xfrm>
+          <a:prstGeom prst="rect">
+            <a:avLst/>
+          </a:prstGeom>
+          <a:noFill/>
+        </p:spPr>
+        <p:txBody>
+          <a:bodyPr wrap="square" rtlCol="0">
+            <a:spAutoFit/>
+          </a:bodyPr>
+          <a:lstStyle/>
+          <a:p>
+            <a:pPr algn="r"/>
+            <a:r>
+              <a:rPr lang="pt-BR" sz="1600" b="1" dirty="0" err="1" smtClean="0">
+                <a:latin typeface="Oswald" pitchFamily="2" charset="0"/>
+                <a:ea typeface="Roboto" pitchFamily="2" charset="0"/>
+              </a:rPr>
+              <a:t>Óbuda</a:t>
+            </a:r>
+            <a:r>
+              <a:rPr lang="pt-BR" sz="1600" b="1" dirty="0" smtClean="0">
+                <a:latin typeface="Oswald" pitchFamily="2" charset="0"/>
+                <a:ea typeface="Roboto" pitchFamily="2" charset="0"/>
+              </a:rPr>
+              <a:t> </a:t>
+            </a:r>
+            <a:r>
+              <a:rPr lang="pt-BR" sz="1600" b="1" dirty="0" err="1" smtClean="0">
+                <a:latin typeface="Oswald" pitchFamily="2" charset="0"/>
+                <a:ea typeface="Roboto" pitchFamily="2" charset="0"/>
+              </a:rPr>
+              <a:t>University</a:t>
+            </a:r>
+            <a:endParaRPr lang="pt-BR" sz="1600" b="1" dirty="0" smtClean="0">
+              <a:latin typeface="Oswald" pitchFamily="2" charset="0"/>
+              <a:ea typeface="Roboto" pitchFamily="2" charset="0"/>
+            </a:endParaRPr>
+          </a:p>
+          <a:p>
+            <a:pPr algn="r"/>
+            <a:r>
+              <a:rPr lang="pt-BR" sz="1100" dirty="0" err="1" smtClean="0">
+                <a:latin typeface="Roboto" pitchFamily="2" charset="0"/>
+                <a:ea typeface="Roboto" pitchFamily="2" charset="0"/>
+              </a:rPr>
+              <a:t>Student</a:t>
+            </a:r>
+            <a:r>
+              <a:rPr lang="pt-BR" sz="1100" dirty="0" smtClean="0">
+                <a:latin typeface="Roboto" pitchFamily="2" charset="0"/>
+                <a:ea typeface="Roboto" pitchFamily="2" charset="0"/>
+              </a:rPr>
+              <a:t> Exchange </a:t>
+            </a:r>
+            <a:r>
+              <a:rPr lang="pt-BR" sz="1100" dirty="0" err="1" smtClean="0">
+                <a:latin typeface="Roboto" pitchFamily="2" charset="0"/>
+                <a:ea typeface="Roboto" pitchFamily="2" charset="0"/>
+              </a:rPr>
+              <a:t>Program</a:t>
+            </a:r>
+            <a:endParaRPr lang="pt-BR" sz="1100" dirty="0">
+              <a:latin typeface="Roboto" pitchFamily="2" charset="0"/>
+              <a:ea typeface="Roboto" pitchFamily="2" charset="0"/>
+            </a:endParaRPr>
+          </a:p>
+        </p:txBody>
+      </p:sp>
+      <p:cxnSp>
+        <p:nvCxnSpPr>
+          <p:cNvPr id="46" name="Conector reto 45"/>
+          <p:cNvCxnSpPr>
+            <a:stCxn id="49" idx="0"/>
+            <a:endCxn id="42" idx="4"/>
+          </p:cNvCxnSpPr>
+          <p:nvPr/>
+        </p:nvCxnSpPr>
+        <p:spPr>
+          <a:xfrm rot="5400000" flipH="1" flipV="1">
+            <a:off x="4182547" y="4313648"/>
+            <a:ext cx="826223" cy="1588"/>
+          </a:xfrm>
+          <a:prstGeom prst="line">
+            <a:avLst/>
+          </a:prstGeom>
+          <a:ln w="38100">
+            <a:solidFill>
+              <a:srgbClr val="048082"/>
+            </a:solidFill>
+          </a:ln>
+        </p:spPr>
+        <p:style>
+          <a:lnRef idx="1">
+            <a:schemeClr val="accent1"/>
+          </a:lnRef>
+          <a:fillRef idx="0">
+            <a:schemeClr val="accent1"/>
+          </a:fillRef>
+          <a:effectRef idx="0">
+            <a:schemeClr val="accent1"/>
+          </a:effectRef>
+          <a:fontRef idx="minor">
+            <a:schemeClr val="tx1"/>
+          </a:fontRef>
+        </p:style>
+      </p:cxnSp>
+      <p:cxnSp>
+        <p:nvCxnSpPr>
+          <p:cNvPr id="47" name="Conector reto 46"/>
+          <p:cNvCxnSpPr>
+            <a:stCxn id="38" idx="0"/>
+            <a:endCxn id="48" idx="4"/>
+          </p:cNvCxnSpPr>
+          <p:nvPr/>
+        </p:nvCxnSpPr>
+        <p:spPr>
+          <a:xfrm rot="5400000" flipH="1" flipV="1">
+            <a:off x="4323881" y="2212064"/>
+            <a:ext cx="555429" cy="11875"/>
+          </a:xfrm>
+          <a:prstGeom prst="line">
+            <a:avLst/>
+          </a:prstGeom>
+          <a:ln w="38100">
+            <a:solidFill>
+              <a:schemeClr val="bg1">
+                <a:lumMod val="75000"/>
+              </a:schemeClr>
+            </a:solidFill>
+            <a:prstDash val="sysDot"/>
+          </a:ln>
+        </p:spPr>
+        <p:style>
+          <a:lnRef idx="1">
+            <a:schemeClr val="accent1"/>
+          </a:lnRef>
+          <a:fillRef idx="0">
+            <a:schemeClr val="accent1"/>
+          </a:fillRef>
+          <a:effectRef idx="0">
+            <a:schemeClr val="accent1"/>
+          </a:effectRef>
+          <a:fontRef idx="minor">
+            <a:schemeClr val="tx1"/>
+          </a:fontRef>
+        </p:style>
+      </p:cxnSp>
+      <p:sp>
+        <p:nvSpPr>
+          <p:cNvPr id="48" name="Elipse 47"/>
+          <p:cNvSpPr/>
+          <p:nvPr/>
+        </p:nvSpPr>
+        <p:spPr>
+          <a:xfrm>
+            <a:off x="4500374" y="1725971"/>
+            <a:ext cx="214314" cy="214314"/>
+          </a:xfrm>
+          <a:prstGeom prst="ellipse">
+            <a:avLst/>
+          </a:prstGeom>
+          <a:solidFill>
+            <a:schemeClr val="bg1">
+              <a:lumMod val="75000"/>
+            </a:schemeClr>
+          </a:solidFill>
+          <a:ln>
+            <a:solidFill>
+              <a:schemeClr val="bg1">
+                <a:lumMod val="75000"/>
+              </a:schemeClr>
+            </a:solidFill>
+          </a:ln>
+        </p:spPr>
+        <p:style>
+          <a:lnRef idx="2">
+            <a:schemeClr val="accent1">
+              <a:shade val="50000"/>
+            </a:schemeClr>
+          </a:lnRef>
+          <a:fillRef idx="1">
+            <a:schemeClr val="accent1"/>
+          </a:fillRef>
+          <a:effectRef idx="0">
+            <a:schemeClr val="accent1"/>
+          </a:effectRef>
+          <a:fontRef idx="minor">
+            <a:schemeClr val="lt1"/>
+          </a:fontRef>
+        </p:style>
+        <p:txBody>
+          <a:bodyPr rtlCol="0" anchor="ctr"/>
+          <a:lstStyle/>
+          <a:p>
+            <a:pPr algn="ctr"/>
+            <a:endParaRPr lang="pt-BR">
+              <a:latin typeface="Oswald Light" pitchFamily="2" charset="0"/>
+            </a:endParaRPr>
+          </a:p>
+        </p:txBody>
+      </p:sp>
+      <p:sp>
+        <p:nvSpPr>
+          <p:cNvPr id="49" name="Elipse 48"/>
+          <p:cNvSpPr/>
+          <p:nvPr/>
+        </p:nvSpPr>
+        <p:spPr>
+          <a:xfrm>
+            <a:off x="4488499" y="4726759"/>
+            <a:ext cx="214314" cy="214314"/>
+          </a:xfrm>
+          <a:prstGeom prst="ellipse">
+            <a:avLst/>
+          </a:prstGeom>
+          <a:solidFill>
+            <a:srgbClr val="E05B55"/>
+          </a:solidFill>
+          <a:ln>
+            <a:solidFill>
+              <a:srgbClr val="E05B55"/>
+            </a:solidFill>
+          </a:ln>
+        </p:spPr>
+        <p:style>
+          <a:lnRef idx="2">
+            <a:schemeClr val="accent1">
+              <a:shade val="50000"/>
+            </a:schemeClr>
+          </a:lnRef>
+          <a:fillRef idx="1">
+            <a:schemeClr val="accent1"/>
+          </a:fillRef>
+          <a:effectRef idx="0">
+            <a:schemeClr val="accent1"/>
+          </a:effectRef>
+          <a:fontRef idx="minor">
+            <a:schemeClr val="lt1"/>
+          </a:fontRef>
+        </p:style>
+        <p:txBody>
+          <a:bodyPr rtlCol="0" anchor="ctr"/>
+          <a:lstStyle/>
+          <a:p>
+            <a:pPr algn="ctr"/>
+            <a:endParaRPr lang="pt-BR">
+              <a:latin typeface="Oswald Light" pitchFamily="2" charset="0"/>
+            </a:endParaRPr>
+          </a:p>
+        </p:txBody>
+      </p:sp>
+      <p:cxnSp>
+        <p:nvCxnSpPr>
+          <p:cNvPr id="53" name="Conector reto 52"/>
+          <p:cNvCxnSpPr/>
+          <p:nvPr/>
+        </p:nvCxnSpPr>
+        <p:spPr>
+          <a:xfrm rot="5400000" flipH="1" flipV="1">
+            <a:off x="3696795" y="5816286"/>
+            <a:ext cx="1774073" cy="23655"/>
+          </a:xfrm>
+          <a:prstGeom prst="line">
+            <a:avLst/>
+          </a:prstGeom>
+          <a:ln w="38100">
+            <a:solidFill>
+              <a:srgbClr val="E05B55"/>
+            </a:solidFill>
+          </a:ln>
+        </p:spPr>
+        <p:style>
+          <a:lnRef idx="1">
+            <a:schemeClr val="accent1"/>
+          </a:lnRef>
+          <a:fillRef idx="0">
+            <a:schemeClr val="accent1"/>
+          </a:fillRef>
+          <a:effectRef idx="0">
+            <a:schemeClr val="accent1"/>
+          </a:effectRef>
+          <a:fontRef idx="minor">
+            <a:schemeClr val="tx1"/>
+          </a:fontRef>
+        </p:style>
+      </p:cxnSp>
+    </p:spTree>
+  </p:cSld>
+  <p:clrMapOvr>
+    <a:masterClrMapping/>
+  </p:clrMapOvr>
+  <p:timing>
+    <p:tnLst>
+      <p:par>
+        <p:cTn id="1" dur="indefinite" restart="never" nodeType="tmRoot"/>
+      </p:par>
+    </p:tnLst>
+  </p:timing>
+</p:sld>
+</file>
+
+<file path=ppt/slides/slide11.xml><?xml version="1.0" encoding="utf-8"?>
+<p:sld xmlns:a="http://schemas.openxmlformats.org/drawingml/2006/main" xmlns:r="http://schemas.openxmlformats.org/officeDocument/2006/relationships" xmlns:p="http://schemas.openxmlformats.org/presentationml/2006/main">
+  <p:cSld>
+    <p:spTree>
+      <p:nvGrpSpPr>
+        <p:cNvPr id="1" name=""/>
+        <p:cNvGrpSpPr/>
+        <p:nvPr/>
+      </p:nvGrpSpPr>
+      <p:grpSpPr>
+        <a:xfrm>
+          <a:off x="0" y="0"/>
+          <a:ext cx="0" cy="0"/>
+          <a:chOff x="0" y="0"/>
+          <a:chExt cx="0" cy="0"/>
+        </a:xfrm>
+      </p:grpSpPr>
+      <p:cxnSp>
+        <p:nvCxnSpPr>
+          <p:cNvPr id="4" name="Conector reto 3"/>
+          <p:cNvCxnSpPr/>
+          <p:nvPr/>
+        </p:nvCxnSpPr>
+        <p:spPr>
+          <a:xfrm rot="5400000" flipH="1" flipV="1">
+            <a:off x="3329330" y="1631358"/>
+            <a:ext cx="1723277" cy="1588"/>
+          </a:xfrm>
+          <a:prstGeom prst="line">
+            <a:avLst/>
+          </a:prstGeom>
+          <a:ln w="38100">
+            <a:solidFill>
+              <a:srgbClr val="EA7F4F"/>
+            </a:solidFill>
+          </a:ln>
+        </p:spPr>
+        <p:style>
+          <a:lnRef idx="1">
+            <a:schemeClr val="accent1"/>
+          </a:lnRef>
+          <a:fillRef idx="0">
+            <a:schemeClr val="accent1"/>
+          </a:fillRef>
+          <a:effectRef idx="0">
+            <a:schemeClr val="accent1"/>
+          </a:effectRef>
+          <a:fontRef idx="minor">
+            <a:schemeClr val="tx1"/>
+          </a:fontRef>
+        </p:style>
+      </p:cxnSp>
+      <p:sp>
+        <p:nvSpPr>
+          <p:cNvPr id="10" name="CaixaDeTexto 9"/>
+          <p:cNvSpPr txBox="1"/>
+          <p:nvPr/>
+        </p:nvSpPr>
+        <p:spPr>
+          <a:xfrm>
+            <a:off x="1761980" y="551447"/>
+            <a:ext cx="2357454" cy="246221"/>
+          </a:xfrm>
+          <a:prstGeom prst="rect">
+            <a:avLst/>
+          </a:prstGeom>
+          <a:noFill/>
+        </p:spPr>
+        <p:txBody>
+          <a:bodyPr wrap="square" rtlCol="0">
+            <a:spAutoFit/>
+          </a:bodyPr>
+          <a:lstStyle/>
+          <a:p>
+            <a:r>
+              <a:rPr lang="pt-BR" sz="1000" b="1" dirty="0" err="1" smtClean="0">
+                <a:solidFill>
+                  <a:srgbClr val="EA7F4F"/>
+                </a:solidFill>
+                <a:latin typeface="Roboto" pitchFamily="2" charset="0"/>
+                <a:ea typeface="Roboto" pitchFamily="2" charset="0"/>
+              </a:rPr>
+              <a:t>Aug</a:t>
+            </a:r>
+            <a:r>
+              <a:rPr lang="pt-BR" sz="1000" b="1" dirty="0" smtClean="0">
+                <a:solidFill>
+                  <a:srgbClr val="EA7F4F"/>
+                </a:solidFill>
+                <a:latin typeface="Roboto" pitchFamily="2" charset="0"/>
+                <a:ea typeface="Roboto" pitchFamily="2" charset="0"/>
+              </a:rPr>
+              <a:t>/2015 – </a:t>
+            </a:r>
+            <a:r>
+              <a:rPr lang="pt-BR" sz="1000" b="1" dirty="0" err="1" smtClean="0">
+                <a:solidFill>
+                  <a:srgbClr val="EA7F4F"/>
+                </a:solidFill>
+                <a:latin typeface="Roboto" pitchFamily="2" charset="0"/>
+                <a:ea typeface="Roboto" pitchFamily="2" charset="0"/>
+              </a:rPr>
+              <a:t>May</a:t>
+            </a:r>
+            <a:r>
+              <a:rPr lang="pt-BR" sz="1000" b="1" dirty="0" smtClean="0">
+                <a:solidFill>
+                  <a:srgbClr val="EA7F4F"/>
+                </a:solidFill>
+                <a:latin typeface="Roboto" pitchFamily="2" charset="0"/>
+                <a:ea typeface="Roboto" pitchFamily="2" charset="0"/>
+              </a:rPr>
+              <a:t>/2018</a:t>
+            </a:r>
+            <a:endParaRPr lang="pt-BR" sz="1000" b="1" dirty="0">
+              <a:solidFill>
+                <a:srgbClr val="EA7F4F"/>
+              </a:solidFill>
+              <a:latin typeface="Roboto" pitchFamily="2" charset="0"/>
+              <a:ea typeface="Roboto" pitchFamily="2" charset="0"/>
+            </a:endParaRPr>
+          </a:p>
+        </p:txBody>
+      </p:sp>
+      <p:sp>
+        <p:nvSpPr>
+          <p:cNvPr id="8" name="CaixaDeTexto 7"/>
+          <p:cNvSpPr txBox="1"/>
+          <p:nvPr/>
+        </p:nvSpPr>
+        <p:spPr>
+          <a:xfrm>
+            <a:off x="1857356" y="773920"/>
+            <a:ext cx="2357454" cy="507831"/>
+          </a:xfrm>
+          <a:prstGeom prst="rect">
+            <a:avLst/>
+          </a:prstGeom>
+          <a:solidFill>
+            <a:srgbClr val="EA7F4F"/>
+          </a:solidFill>
+        </p:spPr>
+        <p:txBody>
+          <a:bodyPr wrap="square" rtlCol="0">
+            <a:spAutoFit/>
+          </a:bodyPr>
+          <a:lstStyle/>
+          <a:p>
+            <a:r>
+              <a:rPr lang="pt-BR" sz="1600" b="1" dirty="0" err="1" smtClean="0">
+                <a:solidFill>
+                  <a:schemeClr val="bg1"/>
+                </a:solidFill>
+                <a:latin typeface="Oswald" pitchFamily="2" charset="0"/>
+                <a:ea typeface="Roboto" pitchFamily="2" charset="0"/>
+              </a:rPr>
+              <a:t>Primetals</a:t>
+            </a:r>
+            <a:r>
+              <a:rPr lang="pt-BR" sz="1600" b="1" dirty="0" smtClean="0">
+                <a:solidFill>
+                  <a:schemeClr val="bg1"/>
+                </a:solidFill>
+                <a:latin typeface="Oswald" pitchFamily="2" charset="0"/>
+                <a:ea typeface="Roboto" pitchFamily="2" charset="0"/>
+              </a:rPr>
+              <a:t> Technologies</a:t>
+            </a:r>
+          </a:p>
+          <a:p>
+            <a:r>
+              <a:rPr lang="pt-BR" sz="1100" dirty="0" smtClean="0">
+                <a:solidFill>
+                  <a:schemeClr val="bg1"/>
+                </a:solidFill>
+                <a:latin typeface="Roboto" pitchFamily="2" charset="0"/>
+                <a:ea typeface="Roboto" pitchFamily="2" charset="0"/>
+              </a:rPr>
+              <a:t>Software </a:t>
+            </a:r>
+            <a:r>
+              <a:rPr lang="pt-BR" sz="1100" dirty="0" err="1" smtClean="0">
+                <a:solidFill>
+                  <a:schemeClr val="bg1"/>
+                </a:solidFill>
+                <a:latin typeface="Roboto" pitchFamily="2" charset="0"/>
+                <a:ea typeface="Roboto" pitchFamily="2" charset="0"/>
+              </a:rPr>
+              <a:t>Development</a:t>
+            </a:r>
+            <a:r>
+              <a:rPr lang="pt-BR" sz="1100" dirty="0" smtClean="0">
+                <a:solidFill>
+                  <a:schemeClr val="bg1"/>
+                </a:solidFill>
+                <a:latin typeface="Roboto" pitchFamily="2" charset="0"/>
+                <a:ea typeface="Roboto" pitchFamily="2" charset="0"/>
+              </a:rPr>
+              <a:t> </a:t>
+            </a:r>
+            <a:r>
+              <a:rPr lang="pt-BR" sz="1100" dirty="0" err="1" smtClean="0">
+                <a:solidFill>
+                  <a:schemeClr val="bg1"/>
+                </a:solidFill>
+                <a:latin typeface="Roboto" pitchFamily="2" charset="0"/>
+                <a:ea typeface="Roboto" pitchFamily="2" charset="0"/>
+              </a:rPr>
+              <a:t>Engineer</a:t>
+            </a:r>
+            <a:endParaRPr lang="pt-BR" sz="1100" dirty="0">
+              <a:solidFill>
+                <a:schemeClr val="bg1"/>
+              </a:solidFill>
+              <a:latin typeface="Roboto" pitchFamily="2" charset="0"/>
+              <a:ea typeface="Roboto" pitchFamily="2" charset="0"/>
+            </a:endParaRPr>
+          </a:p>
+        </p:txBody>
+      </p:sp>
+      <p:cxnSp>
+        <p:nvCxnSpPr>
+          <p:cNvPr id="9" name="Conector reto 8"/>
+          <p:cNvCxnSpPr/>
+          <p:nvPr/>
+        </p:nvCxnSpPr>
+        <p:spPr>
+          <a:xfrm rot="5400000" flipH="1" flipV="1">
+            <a:off x="3669998" y="3216216"/>
+            <a:ext cx="1043432" cy="1494"/>
+          </a:xfrm>
+          <a:prstGeom prst="line">
+            <a:avLst/>
+          </a:prstGeom>
+          <a:ln w="38100">
+            <a:solidFill>
+              <a:srgbClr val="EA7F4F"/>
+            </a:solidFill>
+          </a:ln>
+        </p:spPr>
+        <p:style>
+          <a:lnRef idx="1">
+            <a:schemeClr val="accent1"/>
+          </a:lnRef>
+          <a:fillRef idx="0">
+            <a:schemeClr val="accent1"/>
+          </a:fillRef>
+          <a:effectRef idx="0">
+            <a:schemeClr val="accent1"/>
+          </a:effectRef>
+          <a:fontRef idx="minor">
+            <a:schemeClr val="tx1"/>
+          </a:fontRef>
+        </p:style>
+      </p:cxnSp>
+      <p:sp>
+        <p:nvSpPr>
+          <p:cNvPr id="13" name="CaixaDeTexto 12"/>
+          <p:cNvSpPr txBox="1"/>
+          <p:nvPr/>
+        </p:nvSpPr>
+        <p:spPr>
+          <a:xfrm>
+            <a:off x="1738230" y="2468399"/>
+            <a:ext cx="2357454" cy="246221"/>
+          </a:xfrm>
+          <a:prstGeom prst="rect">
+            <a:avLst/>
+          </a:prstGeom>
+          <a:noFill/>
+        </p:spPr>
+        <p:txBody>
+          <a:bodyPr wrap="square" rtlCol="0">
+            <a:spAutoFit/>
+          </a:bodyPr>
+          <a:lstStyle/>
+          <a:p>
+            <a:r>
+              <a:rPr lang="pt-BR" sz="1000" b="1" dirty="0" err="1" smtClean="0">
+                <a:solidFill>
+                  <a:srgbClr val="EA7F4F"/>
+                </a:solidFill>
+                <a:latin typeface="Roboto" pitchFamily="2" charset="0"/>
+                <a:ea typeface="Roboto" pitchFamily="2" charset="0"/>
+              </a:rPr>
+              <a:t>Sep</a:t>
+            </a:r>
+            <a:r>
+              <a:rPr lang="pt-BR" sz="1000" b="1" dirty="0" smtClean="0">
+                <a:solidFill>
+                  <a:srgbClr val="EA7F4F"/>
+                </a:solidFill>
+                <a:latin typeface="Roboto" pitchFamily="2" charset="0"/>
+                <a:ea typeface="Roboto" pitchFamily="2" charset="0"/>
+              </a:rPr>
+              <a:t>/2014 – Jul/2015</a:t>
+            </a:r>
+            <a:endParaRPr lang="pt-BR" sz="1000" b="1" dirty="0">
+              <a:solidFill>
+                <a:srgbClr val="EA7F4F"/>
+              </a:solidFill>
+              <a:latin typeface="Roboto" pitchFamily="2" charset="0"/>
+              <a:ea typeface="Roboto" pitchFamily="2" charset="0"/>
+            </a:endParaRPr>
+          </a:p>
+        </p:txBody>
+      </p:sp>
+      <p:sp>
+        <p:nvSpPr>
+          <p:cNvPr id="14" name="CaixaDeTexto 13"/>
+          <p:cNvSpPr txBox="1"/>
+          <p:nvPr/>
+        </p:nvSpPr>
+        <p:spPr>
+          <a:xfrm>
+            <a:off x="1833606" y="2690871"/>
+            <a:ext cx="2357454" cy="754053"/>
+          </a:xfrm>
+          <a:prstGeom prst="rect">
+            <a:avLst/>
+          </a:prstGeom>
+          <a:solidFill>
+            <a:srgbClr val="EA7F4F"/>
+          </a:solidFill>
+        </p:spPr>
+        <p:txBody>
+          <a:bodyPr wrap="square" rtlCol="0">
+            <a:spAutoFit/>
+          </a:bodyPr>
+          <a:lstStyle/>
+          <a:p>
+            <a:r>
+              <a:rPr lang="pt-BR" sz="1600" b="1" dirty="0" smtClean="0">
+                <a:solidFill>
+                  <a:schemeClr val="bg1"/>
+                </a:solidFill>
+                <a:latin typeface="Oswald" pitchFamily="2" charset="0"/>
+                <a:ea typeface="Roboto" pitchFamily="2" charset="0"/>
+              </a:rPr>
+              <a:t>Siemens / </a:t>
+            </a:r>
+            <a:r>
+              <a:rPr lang="pt-BR" sz="1600" b="1" dirty="0" err="1" smtClean="0">
+                <a:solidFill>
+                  <a:schemeClr val="bg1"/>
+                </a:solidFill>
+                <a:latin typeface="Oswald" pitchFamily="2" charset="0"/>
+                <a:ea typeface="Roboto" pitchFamily="2" charset="0"/>
+              </a:rPr>
+              <a:t>Primetals</a:t>
+            </a:r>
+            <a:r>
+              <a:rPr lang="pt-BR" sz="1600" b="1" dirty="0" smtClean="0">
+                <a:solidFill>
+                  <a:schemeClr val="bg1"/>
+                </a:solidFill>
+                <a:latin typeface="Oswald" pitchFamily="2" charset="0"/>
+                <a:ea typeface="Roboto" pitchFamily="2" charset="0"/>
+              </a:rPr>
+              <a:t> Technologies</a:t>
+            </a:r>
+          </a:p>
+          <a:p>
+            <a:r>
+              <a:rPr lang="pt-BR" sz="1100" dirty="0" smtClean="0">
+                <a:solidFill>
+                  <a:schemeClr val="bg1"/>
+                </a:solidFill>
+                <a:latin typeface="Roboto" pitchFamily="2" charset="0"/>
+                <a:ea typeface="Roboto" pitchFamily="2" charset="0"/>
+              </a:rPr>
+              <a:t>Industrial IT </a:t>
+            </a:r>
+            <a:r>
+              <a:rPr lang="pt-BR" sz="1100" dirty="0" err="1" smtClean="0">
+                <a:solidFill>
+                  <a:schemeClr val="bg1"/>
+                </a:solidFill>
+                <a:latin typeface="Roboto" pitchFamily="2" charset="0"/>
+                <a:ea typeface="Roboto" pitchFamily="2" charset="0"/>
+              </a:rPr>
+              <a:t>Internship</a:t>
+            </a:r>
+            <a:endParaRPr lang="pt-BR" sz="1100" dirty="0">
+              <a:solidFill>
+                <a:schemeClr val="bg1"/>
+              </a:solidFill>
+              <a:latin typeface="Roboto" pitchFamily="2" charset="0"/>
+              <a:ea typeface="Roboto" pitchFamily="2" charset="0"/>
+            </a:endParaRPr>
+          </a:p>
+        </p:txBody>
+      </p:sp>
+      <p:sp>
+        <p:nvSpPr>
+          <p:cNvPr id="18" name="CaixaDeTexto 17"/>
+          <p:cNvSpPr txBox="1"/>
+          <p:nvPr/>
+        </p:nvSpPr>
+        <p:spPr>
+          <a:xfrm>
+            <a:off x="1761980" y="4706727"/>
+            <a:ext cx="2357454" cy="246221"/>
+          </a:xfrm>
+          <a:prstGeom prst="rect">
+            <a:avLst/>
+          </a:prstGeom>
+          <a:noFill/>
+        </p:spPr>
+        <p:txBody>
+          <a:bodyPr wrap="square" rtlCol="0">
+            <a:spAutoFit/>
+          </a:bodyPr>
+          <a:lstStyle/>
+          <a:p>
+            <a:r>
+              <a:rPr lang="pt-BR" sz="1000" b="1" dirty="0" smtClean="0">
+                <a:solidFill>
+                  <a:srgbClr val="048082"/>
+                </a:solidFill>
+                <a:latin typeface="Roboto" pitchFamily="2" charset="0"/>
+                <a:ea typeface="Roboto" pitchFamily="2" charset="0"/>
+              </a:rPr>
+              <a:t>Jan</a:t>
+            </a:r>
+            <a:r>
+              <a:rPr lang="pt-BR" sz="1000" b="1" dirty="0" smtClean="0">
+                <a:solidFill>
+                  <a:srgbClr val="048082"/>
+                </a:solidFill>
+                <a:latin typeface="Roboto" pitchFamily="2" charset="0"/>
+                <a:ea typeface="Roboto" pitchFamily="2" charset="0"/>
+              </a:rPr>
+              <a:t>/2013 </a:t>
+            </a:r>
+            <a:r>
+              <a:rPr lang="pt-BR" sz="1000" b="1" dirty="0" smtClean="0">
+                <a:solidFill>
+                  <a:srgbClr val="048082"/>
+                </a:solidFill>
+                <a:latin typeface="Roboto" pitchFamily="2" charset="0"/>
+                <a:ea typeface="Roboto" pitchFamily="2" charset="0"/>
+              </a:rPr>
+              <a:t>– </a:t>
+            </a:r>
+            <a:r>
+              <a:rPr lang="pt-BR" sz="1000" b="1" dirty="0" err="1" smtClean="0">
+                <a:solidFill>
+                  <a:srgbClr val="048082"/>
+                </a:solidFill>
+                <a:latin typeface="Roboto" pitchFamily="2" charset="0"/>
+                <a:ea typeface="Roboto" pitchFamily="2" charset="0"/>
+              </a:rPr>
+              <a:t>Aug</a:t>
+            </a:r>
+            <a:r>
+              <a:rPr lang="pt-BR" sz="1000" b="1" dirty="0" smtClean="0">
+                <a:solidFill>
+                  <a:srgbClr val="048082"/>
+                </a:solidFill>
+                <a:latin typeface="Roboto" pitchFamily="2" charset="0"/>
+                <a:ea typeface="Roboto" pitchFamily="2" charset="0"/>
+              </a:rPr>
+              <a:t>/2013</a:t>
+            </a:r>
+            <a:endParaRPr lang="pt-BR" sz="1000" b="1" dirty="0">
+              <a:solidFill>
+                <a:srgbClr val="048082"/>
+              </a:solidFill>
+              <a:latin typeface="Roboto" pitchFamily="2" charset="0"/>
+              <a:ea typeface="Roboto" pitchFamily="2" charset="0"/>
+            </a:endParaRPr>
+          </a:p>
+        </p:txBody>
+      </p:sp>
+      <p:sp>
+        <p:nvSpPr>
+          <p:cNvPr id="19" name="CaixaDeTexto 18"/>
+          <p:cNvSpPr txBox="1"/>
+          <p:nvPr/>
+        </p:nvSpPr>
+        <p:spPr>
+          <a:xfrm>
+            <a:off x="1857356" y="4921434"/>
+            <a:ext cx="2357454" cy="507831"/>
+          </a:xfrm>
+          <a:prstGeom prst="rect">
+            <a:avLst/>
+          </a:prstGeom>
+          <a:solidFill>
+            <a:srgbClr val="048082"/>
+          </a:solidFill>
+        </p:spPr>
+        <p:txBody>
+          <a:bodyPr wrap="square" rtlCol="0">
+            <a:spAutoFit/>
+          </a:bodyPr>
+          <a:lstStyle/>
+          <a:p>
+            <a:r>
+              <a:rPr lang="pt-BR" sz="1600" b="1" dirty="0" smtClean="0">
+                <a:solidFill>
+                  <a:schemeClr val="bg1"/>
+                </a:solidFill>
+                <a:latin typeface="Oswald" pitchFamily="2" charset="0"/>
+                <a:ea typeface="Roboto" pitchFamily="2" charset="0"/>
+              </a:rPr>
+              <a:t>Siemens</a:t>
+            </a:r>
+          </a:p>
+          <a:p>
+            <a:r>
+              <a:rPr lang="pt-BR" sz="1100" dirty="0" smtClean="0">
+                <a:solidFill>
+                  <a:schemeClr val="bg1"/>
+                </a:solidFill>
+                <a:latin typeface="Roboto" pitchFamily="2" charset="0"/>
+                <a:ea typeface="Roboto" pitchFamily="2" charset="0"/>
+              </a:rPr>
+              <a:t>Industrial </a:t>
+            </a:r>
+            <a:r>
+              <a:rPr lang="pt-BR" sz="1100" dirty="0" smtClean="0">
+                <a:solidFill>
+                  <a:schemeClr val="bg1"/>
+                </a:solidFill>
+                <a:latin typeface="Roboto" pitchFamily="2" charset="0"/>
+                <a:ea typeface="Roboto" pitchFamily="2" charset="0"/>
+              </a:rPr>
+              <a:t>IT </a:t>
+            </a:r>
+            <a:r>
+              <a:rPr lang="pt-BR" sz="1100" dirty="0" err="1" smtClean="0">
+                <a:solidFill>
+                  <a:schemeClr val="bg1"/>
+                </a:solidFill>
+                <a:latin typeface="Roboto" pitchFamily="2" charset="0"/>
+                <a:ea typeface="Roboto" pitchFamily="2" charset="0"/>
+              </a:rPr>
+              <a:t>Internship</a:t>
+            </a:r>
+            <a:endParaRPr lang="pt-BR" sz="1100" dirty="0">
+              <a:solidFill>
+                <a:schemeClr val="bg1"/>
+              </a:solidFill>
+              <a:latin typeface="Roboto" pitchFamily="2" charset="0"/>
+              <a:ea typeface="Roboto" pitchFamily="2" charset="0"/>
+            </a:endParaRPr>
+          </a:p>
+        </p:txBody>
+      </p:sp>
+      <p:cxnSp>
+        <p:nvCxnSpPr>
+          <p:cNvPr id="24" name="Conector reto 23"/>
+          <p:cNvCxnSpPr/>
+          <p:nvPr/>
+        </p:nvCxnSpPr>
+        <p:spPr>
+          <a:xfrm rot="5400000" flipH="1" flipV="1">
+            <a:off x="3649151" y="5482879"/>
+            <a:ext cx="1083633" cy="1588"/>
+          </a:xfrm>
+          <a:prstGeom prst="line">
+            <a:avLst/>
+          </a:prstGeom>
+          <a:ln w="38100">
+            <a:solidFill>
+              <a:srgbClr val="048082"/>
+            </a:solidFill>
+          </a:ln>
+        </p:spPr>
+        <p:style>
+          <a:lnRef idx="1">
+            <a:schemeClr val="accent1"/>
+          </a:lnRef>
+          <a:fillRef idx="0">
+            <a:schemeClr val="accent1"/>
+          </a:fillRef>
+          <a:effectRef idx="0">
+            <a:schemeClr val="accent1"/>
+          </a:effectRef>
+          <a:fontRef idx="minor">
+            <a:schemeClr val="tx1"/>
+          </a:fontRef>
+        </p:style>
+      </p:cxnSp>
+      <p:cxnSp>
+        <p:nvCxnSpPr>
+          <p:cNvPr id="25" name="Conector reto 24"/>
+          <p:cNvCxnSpPr/>
+          <p:nvPr/>
+        </p:nvCxnSpPr>
+        <p:spPr>
+          <a:xfrm rot="5400000" flipH="1" flipV="1">
+            <a:off x="3794314" y="4318222"/>
+            <a:ext cx="805180" cy="11875"/>
+          </a:xfrm>
+          <a:prstGeom prst="line">
+            <a:avLst/>
+          </a:prstGeom>
+          <a:ln w="38100">
+            <a:solidFill>
+              <a:schemeClr val="bg1">
+                <a:lumMod val="75000"/>
+              </a:schemeClr>
+            </a:solidFill>
+            <a:prstDash val="sysDot"/>
+          </a:ln>
+        </p:spPr>
+        <p:style>
+          <a:lnRef idx="1">
+            <a:schemeClr val="accent1"/>
+          </a:lnRef>
+          <a:fillRef idx="0">
+            <a:schemeClr val="accent1"/>
+          </a:fillRef>
+          <a:effectRef idx="0">
+            <a:schemeClr val="accent1"/>
+          </a:effectRef>
+          <a:fontRef idx="minor">
+            <a:schemeClr val="tx1"/>
+          </a:fontRef>
+        </p:style>
+      </p:cxnSp>
+      <p:sp>
+        <p:nvSpPr>
+          <p:cNvPr id="29" name="CaixaDeTexto 28"/>
+          <p:cNvSpPr txBox="1"/>
+          <p:nvPr/>
+        </p:nvSpPr>
+        <p:spPr>
+          <a:xfrm>
+            <a:off x="1785918" y="5961166"/>
+            <a:ext cx="2357454" cy="253916"/>
+          </a:xfrm>
+          <a:prstGeom prst="rect">
+            <a:avLst/>
+          </a:prstGeom>
+          <a:noFill/>
+        </p:spPr>
+        <p:txBody>
+          <a:bodyPr wrap="square" rtlCol="0">
+            <a:spAutoFit/>
+          </a:bodyPr>
+          <a:lstStyle/>
+          <a:p>
+            <a:r>
+              <a:rPr lang="pt-BR" sz="1050" b="1" dirty="0" smtClean="0">
+                <a:solidFill>
+                  <a:srgbClr val="ECA223"/>
+                </a:solidFill>
+                <a:latin typeface="Roboto" pitchFamily="2" charset="0"/>
+                <a:ea typeface="Roboto" pitchFamily="2" charset="0"/>
+              </a:rPr>
+              <a:t>Jan</a:t>
+            </a:r>
+            <a:r>
+              <a:rPr lang="pt-BR" sz="1050" b="1" dirty="0" smtClean="0">
+                <a:solidFill>
+                  <a:srgbClr val="ECA223"/>
+                </a:solidFill>
+                <a:latin typeface="Roboto" pitchFamily="2" charset="0"/>
+                <a:ea typeface="Roboto" pitchFamily="2" charset="0"/>
+              </a:rPr>
+              <a:t>/2012 </a:t>
+            </a:r>
+            <a:r>
+              <a:rPr lang="pt-BR" sz="1050" b="1" dirty="0" smtClean="0">
+                <a:solidFill>
+                  <a:srgbClr val="ECA223"/>
+                </a:solidFill>
+                <a:latin typeface="Roboto" pitchFamily="2" charset="0"/>
+                <a:ea typeface="Roboto" pitchFamily="2" charset="0"/>
+              </a:rPr>
+              <a:t>– </a:t>
+            </a:r>
+            <a:r>
+              <a:rPr lang="pt-BR" sz="1050" b="1" dirty="0" err="1" smtClean="0">
+                <a:solidFill>
+                  <a:srgbClr val="ECA223"/>
+                </a:solidFill>
+                <a:latin typeface="Roboto" pitchFamily="2" charset="0"/>
+                <a:ea typeface="Roboto" pitchFamily="2" charset="0"/>
+              </a:rPr>
+              <a:t>Dec</a:t>
+            </a:r>
+            <a:r>
+              <a:rPr lang="pt-BR" sz="1050" b="1" dirty="0" smtClean="0">
+                <a:solidFill>
+                  <a:srgbClr val="ECA223"/>
+                </a:solidFill>
+                <a:latin typeface="Roboto" pitchFamily="2" charset="0"/>
+                <a:ea typeface="Roboto" pitchFamily="2" charset="0"/>
+              </a:rPr>
+              <a:t>/2012</a:t>
+            </a:r>
+            <a:endParaRPr lang="pt-BR" sz="1050" b="1" dirty="0">
+              <a:solidFill>
+                <a:srgbClr val="ECA223"/>
+              </a:solidFill>
+              <a:latin typeface="Roboto" pitchFamily="2" charset="0"/>
+              <a:ea typeface="Roboto" pitchFamily="2" charset="0"/>
+            </a:endParaRPr>
+          </a:p>
+        </p:txBody>
+      </p:sp>
+      <p:sp>
+        <p:nvSpPr>
+          <p:cNvPr id="30" name="CaixaDeTexto 29"/>
+          <p:cNvSpPr txBox="1"/>
+          <p:nvPr/>
+        </p:nvSpPr>
+        <p:spPr>
+          <a:xfrm>
+            <a:off x="1857356" y="6195443"/>
+            <a:ext cx="2357454" cy="507831"/>
+          </a:xfrm>
+          <a:prstGeom prst="rect">
+            <a:avLst/>
+          </a:prstGeom>
+          <a:solidFill>
+            <a:srgbClr val="ECA223"/>
+          </a:solidFill>
+        </p:spPr>
+        <p:txBody>
+          <a:bodyPr wrap="square" rtlCol="0">
+            <a:spAutoFit/>
+          </a:bodyPr>
+          <a:lstStyle/>
+          <a:p>
+            <a:r>
+              <a:rPr lang="pt-BR" sz="1600" b="1" dirty="0" smtClean="0">
+                <a:solidFill>
+                  <a:schemeClr val="bg1"/>
+                </a:solidFill>
+                <a:latin typeface="Oswald" pitchFamily="2" charset="0"/>
+                <a:ea typeface="Roboto" pitchFamily="2" charset="0"/>
+              </a:rPr>
+              <a:t>CPE Jr</a:t>
+            </a:r>
+          </a:p>
+          <a:p>
+            <a:r>
+              <a:rPr lang="pt-BR" sz="1100" dirty="0" smtClean="0">
+                <a:solidFill>
+                  <a:schemeClr val="bg1"/>
+                </a:solidFill>
+                <a:latin typeface="Roboto" pitchFamily="2" charset="0"/>
+                <a:ea typeface="Roboto" pitchFamily="2" charset="0"/>
+              </a:rPr>
+              <a:t>Project </a:t>
+            </a:r>
+            <a:r>
+              <a:rPr lang="pt-BR" sz="1100" dirty="0" err="1" smtClean="0">
+                <a:solidFill>
+                  <a:schemeClr val="bg1"/>
+                </a:solidFill>
+                <a:latin typeface="Roboto" pitchFamily="2" charset="0"/>
+                <a:ea typeface="Roboto" pitchFamily="2" charset="0"/>
+              </a:rPr>
+              <a:t>Assistant</a:t>
+            </a:r>
+            <a:endParaRPr lang="pt-BR" sz="1100" dirty="0">
+              <a:solidFill>
+                <a:schemeClr val="bg1"/>
+              </a:solidFill>
+              <a:latin typeface="Roboto" pitchFamily="2" charset="0"/>
+              <a:ea typeface="Roboto" pitchFamily="2" charset="0"/>
+            </a:endParaRPr>
+          </a:p>
+        </p:txBody>
+      </p:sp>
+      <p:cxnSp>
+        <p:nvCxnSpPr>
+          <p:cNvPr id="31" name="Conector reto 30"/>
+          <p:cNvCxnSpPr/>
+          <p:nvPr/>
+        </p:nvCxnSpPr>
+        <p:spPr>
+          <a:xfrm rot="5400000" flipH="1" flipV="1">
+            <a:off x="3917132" y="6512751"/>
+            <a:ext cx="547577" cy="94"/>
+          </a:xfrm>
+          <a:prstGeom prst="line">
+            <a:avLst/>
+          </a:prstGeom>
+          <a:ln w="38100">
+            <a:solidFill>
+              <a:srgbClr val="ECA223"/>
+            </a:solidFill>
+          </a:ln>
+        </p:spPr>
+        <p:style>
+          <a:lnRef idx="1">
+            <a:schemeClr val="accent1"/>
+          </a:lnRef>
+          <a:fillRef idx="0">
+            <a:schemeClr val="accent1"/>
+          </a:fillRef>
+          <a:effectRef idx="0">
+            <a:schemeClr val="accent1"/>
+          </a:effectRef>
+          <a:fontRef idx="minor">
+            <a:schemeClr val="tx1"/>
+          </a:fontRef>
+        </p:style>
+      </p:cxnSp>
+      <p:cxnSp>
+        <p:nvCxnSpPr>
+          <p:cNvPr id="32" name="Conector reto 31"/>
+          <p:cNvCxnSpPr/>
+          <p:nvPr/>
+        </p:nvCxnSpPr>
+        <p:spPr>
+          <a:xfrm rot="16200000" flipV="1">
+            <a:off x="4123469" y="1241908"/>
+            <a:ext cx="956252" cy="11875"/>
+          </a:xfrm>
+          <a:prstGeom prst="line">
+            <a:avLst/>
+          </a:prstGeom>
+          <a:ln w="38100">
+            <a:solidFill>
+              <a:srgbClr val="59AC87"/>
+            </a:solidFill>
+          </a:ln>
+        </p:spPr>
+        <p:style>
+          <a:lnRef idx="1">
+            <a:schemeClr val="accent1"/>
+          </a:lnRef>
+          <a:fillRef idx="0">
+            <a:schemeClr val="accent1"/>
+          </a:fillRef>
+          <a:effectRef idx="0">
+            <a:schemeClr val="accent1"/>
+          </a:effectRef>
+          <a:fontRef idx="minor">
+            <a:schemeClr val="tx1"/>
+          </a:fontRef>
+        </p:style>
+      </p:cxnSp>
+      <p:sp>
+        <p:nvSpPr>
+          <p:cNvPr id="35" name="CaixaDeTexto 34"/>
+          <p:cNvSpPr txBox="1"/>
+          <p:nvPr/>
+        </p:nvSpPr>
+        <p:spPr>
+          <a:xfrm>
+            <a:off x="4679251" y="527698"/>
+            <a:ext cx="2357454" cy="246221"/>
+          </a:xfrm>
+          <a:prstGeom prst="rect">
+            <a:avLst/>
+          </a:prstGeom>
+          <a:noFill/>
+        </p:spPr>
+        <p:txBody>
+          <a:bodyPr wrap="square" rtlCol="0">
+            <a:spAutoFit/>
+          </a:bodyPr>
+          <a:lstStyle/>
+          <a:p>
+            <a:pPr algn="r"/>
+            <a:r>
+              <a:rPr lang="pt-BR" sz="1000" b="1" dirty="0" err="1" smtClean="0">
+                <a:solidFill>
+                  <a:srgbClr val="59AC87"/>
+                </a:solidFill>
+                <a:latin typeface="Roboto" pitchFamily="2" charset="0"/>
+                <a:ea typeface="Roboto" pitchFamily="2" charset="0"/>
+              </a:rPr>
+              <a:t>Apr</a:t>
+            </a:r>
+            <a:r>
+              <a:rPr lang="pt-BR" sz="1000" b="1" dirty="0" smtClean="0">
+                <a:solidFill>
+                  <a:srgbClr val="59AC87"/>
+                </a:solidFill>
+                <a:latin typeface="Roboto" pitchFamily="2" charset="0"/>
+                <a:ea typeface="Roboto" pitchFamily="2" charset="0"/>
+              </a:rPr>
+              <a:t>/2016 – </a:t>
+            </a:r>
+            <a:r>
+              <a:rPr lang="pt-BR" sz="1000" b="1" dirty="0" err="1" smtClean="0">
+                <a:solidFill>
+                  <a:srgbClr val="59AC87"/>
+                </a:solidFill>
+                <a:latin typeface="Roboto" pitchFamily="2" charset="0"/>
+                <a:ea typeface="Roboto" pitchFamily="2" charset="0"/>
+              </a:rPr>
+              <a:t>May</a:t>
+            </a:r>
+            <a:r>
+              <a:rPr lang="pt-BR" sz="1000" b="1" dirty="0" smtClean="0">
+                <a:solidFill>
+                  <a:srgbClr val="59AC87"/>
+                </a:solidFill>
+                <a:latin typeface="Roboto" pitchFamily="2" charset="0"/>
+                <a:ea typeface="Roboto" pitchFamily="2" charset="0"/>
+              </a:rPr>
+              <a:t>/2018</a:t>
+            </a:r>
+            <a:endParaRPr lang="pt-BR" sz="1000" b="1" dirty="0">
+              <a:solidFill>
+                <a:srgbClr val="59AC87"/>
+              </a:solidFill>
+              <a:latin typeface="Roboto" pitchFamily="2" charset="0"/>
+              <a:ea typeface="Roboto" pitchFamily="2" charset="0"/>
+            </a:endParaRPr>
+          </a:p>
+        </p:txBody>
+      </p:sp>
+      <p:sp>
+        <p:nvSpPr>
+          <p:cNvPr id="36" name="CaixaDeTexto 35"/>
+          <p:cNvSpPr txBox="1"/>
+          <p:nvPr/>
+        </p:nvSpPr>
+        <p:spPr>
+          <a:xfrm>
+            <a:off x="4595750" y="773652"/>
+            <a:ext cx="2357454" cy="677108"/>
+          </a:xfrm>
+          <a:prstGeom prst="rect">
+            <a:avLst/>
+          </a:prstGeom>
+          <a:solidFill>
+            <a:srgbClr val="59AC87"/>
+          </a:solidFill>
+        </p:spPr>
+        <p:txBody>
+          <a:bodyPr wrap="square" rtlCol="0">
+            <a:spAutoFit/>
+          </a:bodyPr>
+          <a:lstStyle/>
+          <a:p>
+            <a:pPr algn="r"/>
+            <a:r>
+              <a:rPr lang="pt-BR" sz="1600" b="1" dirty="0" smtClean="0">
+                <a:solidFill>
+                  <a:schemeClr val="bg1"/>
+                </a:solidFill>
+                <a:latin typeface="Oswald" pitchFamily="2" charset="0"/>
+                <a:ea typeface="Roboto" pitchFamily="2" charset="0"/>
+              </a:rPr>
+              <a:t>PUC-MG</a:t>
+            </a:r>
+          </a:p>
+          <a:p>
+            <a:pPr algn="r"/>
+            <a:r>
+              <a:rPr lang="pt-BR" sz="1100" dirty="0" smtClean="0">
+                <a:solidFill>
+                  <a:schemeClr val="bg1"/>
+                </a:solidFill>
+                <a:latin typeface="Roboto" pitchFamily="2" charset="0"/>
+                <a:ea typeface="Roboto" pitchFamily="2" charset="0"/>
+              </a:rPr>
+              <a:t>Lato </a:t>
+            </a:r>
+            <a:r>
+              <a:rPr lang="pt-BR" sz="1100" dirty="0" err="1" smtClean="0">
+                <a:solidFill>
+                  <a:schemeClr val="bg1"/>
+                </a:solidFill>
+                <a:latin typeface="Roboto" pitchFamily="2" charset="0"/>
+                <a:ea typeface="Roboto" pitchFamily="2" charset="0"/>
+              </a:rPr>
+              <a:t>Sensu</a:t>
+            </a:r>
+            <a:r>
+              <a:rPr lang="pt-BR" sz="1100" dirty="0" smtClean="0">
+                <a:solidFill>
+                  <a:schemeClr val="bg1"/>
+                </a:solidFill>
+                <a:latin typeface="Roboto" pitchFamily="2" charset="0"/>
+                <a:ea typeface="Roboto" pitchFamily="2" charset="0"/>
+              </a:rPr>
+              <a:t> </a:t>
+            </a:r>
+            <a:r>
+              <a:rPr lang="pt-BR" sz="1100" dirty="0" err="1" smtClean="0">
+                <a:solidFill>
+                  <a:schemeClr val="bg1"/>
+                </a:solidFill>
+                <a:latin typeface="Roboto" pitchFamily="2" charset="0"/>
+                <a:ea typeface="Roboto" pitchFamily="2" charset="0"/>
+              </a:rPr>
+              <a:t>Postgraduate</a:t>
+            </a:r>
+            <a:r>
+              <a:rPr lang="pt-BR" sz="1100" dirty="0" smtClean="0">
+                <a:solidFill>
+                  <a:schemeClr val="bg1"/>
+                </a:solidFill>
+                <a:latin typeface="Roboto" pitchFamily="2" charset="0"/>
+                <a:ea typeface="Roboto" pitchFamily="2" charset="0"/>
+              </a:rPr>
+              <a:t> </a:t>
+            </a:r>
+            <a:r>
+              <a:rPr lang="pt-BR" sz="1100" dirty="0" err="1" smtClean="0">
+                <a:solidFill>
+                  <a:schemeClr val="bg1"/>
+                </a:solidFill>
+                <a:latin typeface="Roboto" pitchFamily="2" charset="0"/>
+                <a:ea typeface="Roboto" pitchFamily="2" charset="0"/>
+              </a:rPr>
+              <a:t>course</a:t>
+            </a:r>
+            <a:r>
+              <a:rPr lang="pt-BR" sz="1100" dirty="0" smtClean="0">
+                <a:solidFill>
+                  <a:schemeClr val="bg1"/>
+                </a:solidFill>
+                <a:latin typeface="Roboto" pitchFamily="2" charset="0"/>
+                <a:ea typeface="Roboto" pitchFamily="2" charset="0"/>
+              </a:rPr>
+              <a:t> in Web Applications </a:t>
+            </a:r>
+            <a:r>
+              <a:rPr lang="pt-BR" sz="1100" dirty="0" err="1" smtClean="0">
+                <a:solidFill>
+                  <a:schemeClr val="bg1"/>
+                </a:solidFill>
+                <a:latin typeface="Roboto" pitchFamily="2" charset="0"/>
+                <a:ea typeface="Roboto" pitchFamily="2" charset="0"/>
+              </a:rPr>
+              <a:t>Development</a:t>
+            </a:r>
+            <a:endParaRPr lang="pt-BR" sz="1100" dirty="0">
+              <a:solidFill>
+                <a:schemeClr val="bg1"/>
+              </a:solidFill>
+              <a:latin typeface="Roboto" pitchFamily="2" charset="0"/>
+              <a:ea typeface="Roboto" pitchFamily="2" charset="0"/>
+            </a:endParaRPr>
+          </a:p>
+        </p:txBody>
+      </p:sp>
+      <p:cxnSp>
+        <p:nvCxnSpPr>
+          <p:cNvPr id="37" name="Conector reto 36"/>
+          <p:cNvCxnSpPr>
+            <a:endCxn id="41" idx="1"/>
+          </p:cNvCxnSpPr>
+          <p:nvPr/>
+        </p:nvCxnSpPr>
+        <p:spPr>
+          <a:xfrm rot="16200000" flipV="1">
+            <a:off x="4048753" y="3599513"/>
+            <a:ext cx="1105871" cy="11876"/>
+          </a:xfrm>
+          <a:prstGeom prst="line">
+            <a:avLst/>
+          </a:prstGeom>
+          <a:ln w="38100">
+            <a:solidFill>
+              <a:srgbClr val="E05B55"/>
+            </a:solidFill>
+          </a:ln>
+        </p:spPr>
+        <p:style>
+          <a:lnRef idx="1">
+            <a:schemeClr val="accent1"/>
+          </a:lnRef>
+          <a:fillRef idx="0">
+            <a:schemeClr val="accent1"/>
+          </a:fillRef>
+          <a:effectRef idx="0">
+            <a:schemeClr val="accent1"/>
+          </a:effectRef>
+          <a:fontRef idx="minor">
+            <a:schemeClr val="tx1"/>
+          </a:fontRef>
+        </p:style>
+      </p:cxnSp>
+      <p:sp>
+        <p:nvSpPr>
+          <p:cNvPr id="40" name="CaixaDeTexto 39"/>
+          <p:cNvSpPr txBox="1"/>
+          <p:nvPr/>
+        </p:nvSpPr>
+        <p:spPr>
+          <a:xfrm>
+            <a:off x="4691126" y="2492338"/>
+            <a:ext cx="2357454" cy="246221"/>
+          </a:xfrm>
+          <a:prstGeom prst="rect">
+            <a:avLst/>
+          </a:prstGeom>
+          <a:noFill/>
+        </p:spPr>
+        <p:txBody>
+          <a:bodyPr wrap="square" rtlCol="0">
+            <a:spAutoFit/>
+          </a:bodyPr>
+          <a:lstStyle/>
+          <a:p>
+            <a:pPr algn="r"/>
+            <a:r>
+              <a:rPr lang="pt-BR" sz="1000" b="1" dirty="0" smtClean="0">
+                <a:solidFill>
+                  <a:srgbClr val="E05B55"/>
+                </a:solidFill>
+                <a:latin typeface="Roboto" pitchFamily="2" charset="0"/>
+                <a:ea typeface="Roboto" pitchFamily="2" charset="0"/>
+              </a:rPr>
+              <a:t>Mar/2009 </a:t>
+            </a:r>
+            <a:r>
+              <a:rPr lang="pt-BR" sz="1000" b="1" dirty="0" smtClean="0">
+                <a:solidFill>
+                  <a:srgbClr val="E05B55"/>
+                </a:solidFill>
+                <a:latin typeface="Roboto" pitchFamily="2" charset="0"/>
+                <a:ea typeface="Roboto" pitchFamily="2" charset="0"/>
+              </a:rPr>
+              <a:t>– Jul/2015</a:t>
+            </a:r>
+            <a:endParaRPr lang="pt-BR" sz="1000" b="1" dirty="0">
+              <a:solidFill>
+                <a:srgbClr val="E05B55"/>
+              </a:solidFill>
+              <a:latin typeface="Roboto" pitchFamily="2" charset="0"/>
+              <a:ea typeface="Roboto" pitchFamily="2" charset="0"/>
+            </a:endParaRPr>
+          </a:p>
+        </p:txBody>
+      </p:sp>
+      <p:sp>
+        <p:nvSpPr>
+          <p:cNvPr id="41" name="CaixaDeTexto 40"/>
+          <p:cNvSpPr txBox="1"/>
+          <p:nvPr/>
+        </p:nvSpPr>
+        <p:spPr>
+          <a:xfrm>
+            <a:off x="4595750" y="2713961"/>
+            <a:ext cx="2357454" cy="677108"/>
+          </a:xfrm>
+          <a:prstGeom prst="rect">
+            <a:avLst/>
+          </a:prstGeom>
+          <a:solidFill>
+            <a:srgbClr val="E05B55"/>
+          </a:solidFill>
+        </p:spPr>
+        <p:txBody>
+          <a:bodyPr wrap="square" rtlCol="0">
+            <a:spAutoFit/>
+          </a:bodyPr>
+          <a:lstStyle/>
+          <a:p>
+            <a:pPr algn="r"/>
+            <a:r>
+              <a:rPr lang="pt-BR" sz="1600" b="1" dirty="0" smtClean="0">
+                <a:solidFill>
+                  <a:schemeClr val="bg1"/>
+                </a:solidFill>
+                <a:latin typeface="Oswald" pitchFamily="2" charset="0"/>
+                <a:ea typeface="Roboto" pitchFamily="2" charset="0"/>
+              </a:rPr>
+              <a:t>UFMG</a:t>
+            </a:r>
+          </a:p>
+          <a:p>
+            <a:pPr algn="r"/>
+            <a:r>
+              <a:rPr lang="pt-BR" sz="1100" dirty="0" err="1" smtClean="0">
+                <a:solidFill>
+                  <a:schemeClr val="bg1"/>
+                </a:solidFill>
+                <a:latin typeface="Roboto" pitchFamily="2" charset="0"/>
+                <a:ea typeface="Roboto" pitchFamily="2" charset="0"/>
+              </a:rPr>
+              <a:t>Control</a:t>
+            </a:r>
+            <a:r>
+              <a:rPr lang="pt-BR" sz="1100" dirty="0" smtClean="0">
+                <a:solidFill>
+                  <a:schemeClr val="bg1"/>
+                </a:solidFill>
+                <a:latin typeface="Roboto" pitchFamily="2" charset="0"/>
+                <a:ea typeface="Roboto" pitchFamily="2" charset="0"/>
+              </a:rPr>
+              <a:t> </a:t>
+            </a:r>
+            <a:r>
+              <a:rPr lang="pt-BR" sz="1100" dirty="0" err="1" smtClean="0">
+                <a:solidFill>
+                  <a:schemeClr val="bg1"/>
+                </a:solidFill>
+                <a:latin typeface="Roboto" pitchFamily="2" charset="0"/>
+                <a:ea typeface="Roboto" pitchFamily="2" charset="0"/>
+              </a:rPr>
+              <a:t>and</a:t>
+            </a:r>
+            <a:r>
+              <a:rPr lang="pt-BR" sz="1100" dirty="0" smtClean="0">
+                <a:solidFill>
+                  <a:schemeClr val="bg1"/>
+                </a:solidFill>
+                <a:latin typeface="Roboto" pitchFamily="2" charset="0"/>
+                <a:ea typeface="Roboto" pitchFamily="2" charset="0"/>
+              </a:rPr>
+              <a:t> </a:t>
+            </a:r>
+            <a:r>
+              <a:rPr lang="pt-BR" sz="1100" dirty="0" err="1" smtClean="0">
+                <a:solidFill>
+                  <a:schemeClr val="bg1"/>
+                </a:solidFill>
+                <a:latin typeface="Roboto" pitchFamily="2" charset="0"/>
+                <a:ea typeface="Roboto" pitchFamily="2" charset="0"/>
+              </a:rPr>
+              <a:t>Automation</a:t>
+            </a:r>
+            <a:r>
+              <a:rPr lang="pt-BR" sz="1100" dirty="0" smtClean="0">
+                <a:solidFill>
+                  <a:schemeClr val="bg1"/>
+                </a:solidFill>
+                <a:latin typeface="Roboto" pitchFamily="2" charset="0"/>
+                <a:ea typeface="Roboto" pitchFamily="2" charset="0"/>
+              </a:rPr>
+              <a:t> </a:t>
+            </a:r>
+            <a:r>
+              <a:rPr lang="pt-BR" sz="1100" dirty="0" err="1" smtClean="0">
+                <a:solidFill>
+                  <a:schemeClr val="bg1"/>
+                </a:solidFill>
+                <a:latin typeface="Roboto" pitchFamily="2" charset="0"/>
+                <a:ea typeface="Roboto" pitchFamily="2" charset="0"/>
+              </a:rPr>
+              <a:t>Engineering</a:t>
+            </a:r>
+            <a:r>
+              <a:rPr lang="pt-BR" sz="1100" dirty="0" smtClean="0">
+                <a:solidFill>
+                  <a:schemeClr val="bg1"/>
+                </a:solidFill>
+                <a:latin typeface="Roboto" pitchFamily="2" charset="0"/>
+                <a:ea typeface="Roboto" pitchFamily="2" charset="0"/>
+              </a:rPr>
+              <a:t> </a:t>
+            </a:r>
+            <a:r>
+              <a:rPr lang="pt-BR" sz="1100" dirty="0" err="1" smtClean="0">
+                <a:solidFill>
+                  <a:schemeClr val="bg1"/>
+                </a:solidFill>
+                <a:latin typeface="Roboto" pitchFamily="2" charset="0"/>
+                <a:ea typeface="Roboto" pitchFamily="2" charset="0"/>
+              </a:rPr>
+              <a:t>BSc</a:t>
+            </a:r>
+            <a:endParaRPr lang="pt-BR" sz="1100" dirty="0">
+              <a:solidFill>
+                <a:schemeClr val="bg1"/>
+              </a:solidFill>
+              <a:latin typeface="Roboto" pitchFamily="2" charset="0"/>
+              <a:ea typeface="Roboto" pitchFamily="2" charset="0"/>
+            </a:endParaRPr>
+          </a:p>
+        </p:txBody>
+      </p:sp>
+      <p:sp>
+        <p:nvSpPr>
+          <p:cNvPr id="44" name="CaixaDeTexto 43"/>
+          <p:cNvSpPr txBox="1"/>
+          <p:nvPr/>
+        </p:nvSpPr>
+        <p:spPr>
+          <a:xfrm>
+            <a:off x="4667188" y="3682846"/>
+            <a:ext cx="2357454" cy="246221"/>
+          </a:xfrm>
+          <a:prstGeom prst="rect">
+            <a:avLst/>
+          </a:prstGeom>
+          <a:noFill/>
+        </p:spPr>
+        <p:txBody>
+          <a:bodyPr wrap="square" rtlCol="0">
+            <a:spAutoFit/>
+          </a:bodyPr>
+          <a:lstStyle/>
+          <a:p>
+            <a:pPr algn="r"/>
+            <a:r>
+              <a:rPr lang="pt-BR" sz="1000" b="1" dirty="0" err="1" smtClean="0">
+                <a:solidFill>
+                  <a:srgbClr val="048082"/>
+                </a:solidFill>
+                <a:latin typeface="Roboto" pitchFamily="2" charset="0"/>
+                <a:ea typeface="Roboto" pitchFamily="2" charset="0"/>
+              </a:rPr>
+              <a:t>Sep</a:t>
+            </a:r>
+            <a:r>
+              <a:rPr lang="pt-BR" sz="1000" b="1" dirty="0" smtClean="0">
+                <a:solidFill>
+                  <a:srgbClr val="048082"/>
+                </a:solidFill>
+                <a:latin typeface="Roboto" pitchFamily="2" charset="0"/>
+                <a:ea typeface="Roboto" pitchFamily="2" charset="0"/>
+              </a:rPr>
+              <a:t>/2013 – </a:t>
+            </a:r>
+            <a:r>
+              <a:rPr lang="pt-BR" sz="1000" b="1" dirty="0" err="1" smtClean="0">
+                <a:solidFill>
+                  <a:srgbClr val="048082"/>
+                </a:solidFill>
+                <a:latin typeface="Roboto" pitchFamily="2" charset="0"/>
+                <a:ea typeface="Roboto" pitchFamily="2" charset="0"/>
+              </a:rPr>
+              <a:t>Aug</a:t>
+            </a:r>
+            <a:r>
+              <a:rPr lang="pt-BR" sz="1000" b="1" dirty="0" smtClean="0">
+                <a:solidFill>
+                  <a:srgbClr val="048082"/>
+                </a:solidFill>
+                <a:latin typeface="Roboto" pitchFamily="2" charset="0"/>
+                <a:ea typeface="Roboto" pitchFamily="2" charset="0"/>
+              </a:rPr>
+              <a:t>/2014</a:t>
+            </a:r>
+            <a:endParaRPr lang="pt-BR" sz="1000" b="1" dirty="0">
+              <a:solidFill>
+                <a:srgbClr val="048082"/>
+              </a:solidFill>
+              <a:latin typeface="Roboto" pitchFamily="2" charset="0"/>
+              <a:ea typeface="Roboto" pitchFamily="2" charset="0"/>
+            </a:endParaRPr>
+          </a:p>
+        </p:txBody>
+      </p:sp>
+      <p:sp>
+        <p:nvSpPr>
+          <p:cNvPr id="45" name="CaixaDeTexto 44"/>
+          <p:cNvSpPr txBox="1"/>
+          <p:nvPr/>
+        </p:nvSpPr>
+        <p:spPr>
+          <a:xfrm>
+            <a:off x="4595750" y="3904470"/>
+            <a:ext cx="2357454" cy="507831"/>
+          </a:xfrm>
+          <a:prstGeom prst="rect">
+            <a:avLst/>
+          </a:prstGeom>
+          <a:solidFill>
+            <a:srgbClr val="048082"/>
+          </a:solidFill>
+        </p:spPr>
+        <p:txBody>
+          <a:bodyPr wrap="square" rtlCol="0">
+            <a:spAutoFit/>
+          </a:bodyPr>
+          <a:lstStyle/>
+          <a:p>
+            <a:pPr algn="r"/>
+            <a:r>
+              <a:rPr lang="pt-BR" sz="1600" b="1" dirty="0" err="1" smtClean="0">
+                <a:solidFill>
+                  <a:schemeClr val="bg1"/>
+                </a:solidFill>
+                <a:latin typeface="Oswald" pitchFamily="2" charset="0"/>
+                <a:ea typeface="Roboto" pitchFamily="2" charset="0"/>
+              </a:rPr>
+              <a:t>Óbuda</a:t>
+            </a:r>
+            <a:r>
+              <a:rPr lang="pt-BR" sz="1600" b="1" dirty="0" smtClean="0">
+                <a:solidFill>
+                  <a:schemeClr val="bg1"/>
+                </a:solidFill>
+                <a:latin typeface="Oswald" pitchFamily="2" charset="0"/>
+                <a:ea typeface="Roboto" pitchFamily="2" charset="0"/>
+              </a:rPr>
+              <a:t> </a:t>
+            </a:r>
+            <a:r>
+              <a:rPr lang="pt-BR" sz="1600" b="1" dirty="0" err="1" smtClean="0">
+                <a:solidFill>
+                  <a:schemeClr val="bg1"/>
+                </a:solidFill>
+                <a:latin typeface="Oswald" pitchFamily="2" charset="0"/>
+                <a:ea typeface="Roboto" pitchFamily="2" charset="0"/>
+              </a:rPr>
+              <a:t>University</a:t>
+            </a:r>
+            <a:endParaRPr lang="pt-BR" sz="1600" b="1" dirty="0" smtClean="0">
+              <a:solidFill>
+                <a:schemeClr val="bg1"/>
+              </a:solidFill>
+              <a:latin typeface="Oswald" pitchFamily="2" charset="0"/>
+              <a:ea typeface="Roboto" pitchFamily="2" charset="0"/>
+            </a:endParaRPr>
+          </a:p>
+          <a:p>
+            <a:pPr algn="r"/>
+            <a:r>
+              <a:rPr lang="pt-BR" sz="1100" dirty="0" err="1" smtClean="0">
+                <a:solidFill>
+                  <a:schemeClr val="bg1"/>
+                </a:solidFill>
+                <a:latin typeface="Roboto" pitchFamily="2" charset="0"/>
+                <a:ea typeface="Roboto" pitchFamily="2" charset="0"/>
+              </a:rPr>
+              <a:t>Student</a:t>
+            </a:r>
+            <a:r>
+              <a:rPr lang="pt-BR" sz="1100" dirty="0" smtClean="0">
+                <a:solidFill>
+                  <a:schemeClr val="bg1"/>
+                </a:solidFill>
+                <a:latin typeface="Roboto" pitchFamily="2" charset="0"/>
+                <a:ea typeface="Roboto" pitchFamily="2" charset="0"/>
+              </a:rPr>
+              <a:t> Exchange </a:t>
+            </a:r>
+            <a:r>
+              <a:rPr lang="pt-BR" sz="1100" dirty="0" err="1" smtClean="0">
+                <a:solidFill>
+                  <a:schemeClr val="bg1"/>
+                </a:solidFill>
+                <a:latin typeface="Roboto" pitchFamily="2" charset="0"/>
+                <a:ea typeface="Roboto" pitchFamily="2" charset="0"/>
+              </a:rPr>
+              <a:t>Program</a:t>
+            </a:r>
+            <a:endParaRPr lang="pt-BR" sz="1100" dirty="0">
+              <a:solidFill>
+                <a:schemeClr val="bg1"/>
+              </a:solidFill>
+              <a:latin typeface="Roboto" pitchFamily="2" charset="0"/>
+              <a:ea typeface="Roboto" pitchFamily="2" charset="0"/>
+            </a:endParaRPr>
+          </a:p>
+        </p:txBody>
+      </p:sp>
+      <p:cxnSp>
+        <p:nvCxnSpPr>
+          <p:cNvPr id="46" name="Conector reto 45"/>
+          <p:cNvCxnSpPr/>
+          <p:nvPr/>
+        </p:nvCxnSpPr>
+        <p:spPr>
+          <a:xfrm rot="5400000" flipH="1" flipV="1">
+            <a:off x="4194422" y="4516087"/>
+            <a:ext cx="826223" cy="1588"/>
+          </a:xfrm>
+          <a:prstGeom prst="line">
+            <a:avLst/>
+          </a:prstGeom>
+          <a:ln w="38100">
+            <a:solidFill>
+              <a:srgbClr val="048082"/>
+            </a:solidFill>
+          </a:ln>
+        </p:spPr>
+        <p:style>
+          <a:lnRef idx="1">
+            <a:schemeClr val="accent1"/>
+          </a:lnRef>
+          <a:fillRef idx="0">
+            <a:schemeClr val="accent1"/>
+          </a:fillRef>
+          <a:effectRef idx="0">
+            <a:schemeClr val="accent1"/>
+          </a:effectRef>
+          <a:fontRef idx="minor">
+            <a:schemeClr val="tx1"/>
+          </a:fontRef>
+        </p:style>
+      </p:cxnSp>
+      <p:cxnSp>
+        <p:nvCxnSpPr>
+          <p:cNvPr id="47" name="Conector reto 46"/>
+          <p:cNvCxnSpPr/>
+          <p:nvPr/>
+        </p:nvCxnSpPr>
+        <p:spPr>
+          <a:xfrm rot="5400000" flipH="1" flipV="1">
+            <a:off x="4323881" y="2057704"/>
+            <a:ext cx="555429" cy="11875"/>
+          </a:xfrm>
+          <a:prstGeom prst="line">
+            <a:avLst/>
+          </a:prstGeom>
+          <a:ln w="38100">
+            <a:solidFill>
+              <a:schemeClr val="bg1">
+                <a:lumMod val="75000"/>
+              </a:schemeClr>
+            </a:solidFill>
+            <a:prstDash val="sysDot"/>
+          </a:ln>
+        </p:spPr>
+        <p:style>
+          <a:lnRef idx="1">
+            <a:schemeClr val="accent1"/>
+          </a:lnRef>
+          <a:fillRef idx="0">
+            <a:schemeClr val="accent1"/>
+          </a:fillRef>
+          <a:effectRef idx="0">
+            <a:schemeClr val="accent1"/>
+          </a:effectRef>
+          <a:fontRef idx="minor">
+            <a:schemeClr val="tx1"/>
+          </a:fontRef>
+        </p:style>
+      </p:cxnSp>
+      <p:cxnSp>
+        <p:nvCxnSpPr>
+          <p:cNvPr id="53" name="Conector reto 52"/>
+          <p:cNvCxnSpPr/>
+          <p:nvPr/>
+        </p:nvCxnSpPr>
+        <p:spPr>
+          <a:xfrm rot="5400000" flipH="1" flipV="1">
+            <a:off x="3708670" y="5816286"/>
+            <a:ext cx="1774073" cy="23655"/>
+          </a:xfrm>
+          <a:prstGeom prst="line">
+            <a:avLst/>
+          </a:prstGeom>
+          <a:ln w="38100">
+            <a:solidFill>
+              <a:srgbClr val="E05B55"/>
+            </a:solidFill>
+          </a:ln>
+        </p:spPr>
+        <p:style>
+          <a:lnRef idx="1">
+            <a:schemeClr val="accent1"/>
+          </a:lnRef>
+          <a:fillRef idx="0">
+            <a:schemeClr val="accent1"/>
+          </a:fillRef>
+          <a:effectRef idx="0">
+            <a:schemeClr val="accent1"/>
+          </a:effectRef>
+          <a:fontRef idx="minor">
+            <a:schemeClr val="tx1"/>
+          </a:fontRef>
+        </p:style>
+      </p:cxnSp>
     </p:spTree>
   </p:cSld>
   <p:clrMapOvr>
@@ -5645,7 +9309,7 @@
         </p:nvCxnSpPr>
         <p:spPr>
           <a:xfrm rot="5400000" flipH="1" flipV="1">
-            <a:off x="3439269" y="6104134"/>
+            <a:off x="3439269" y="6104135"/>
             <a:ext cx="1357322" cy="7581"/>
           </a:xfrm>
           <a:prstGeom prst="line">
@@ -5721,7 +9385,7 @@
         </p:nvSpPr>
         <p:spPr>
           <a:xfrm>
-            <a:off x="4815548" y="6072205"/>
+            <a:off x="4815548" y="6072206"/>
             <a:ext cx="214314" cy="214314"/>
           </a:xfrm>
           <a:prstGeom prst="ellipse">
@@ -6052,7 +9716,7 @@
         </p:nvSpPr>
         <p:spPr>
           <a:xfrm>
-            <a:off x="4815548" y="2329292"/>
+            <a:off x="4815548" y="2329293"/>
             <a:ext cx="214314" cy="214314"/>
           </a:xfrm>
           <a:prstGeom prst="ellipse">
@@ -6256,7 +9920,7 @@
         </p:nvSpPr>
         <p:spPr>
           <a:xfrm>
-            <a:off x="4000496" y="2329292"/>
+            <a:off x="4000496" y="2329293"/>
             <a:ext cx="214314" cy="214314"/>
           </a:xfrm>
           <a:prstGeom prst="ellipse">
@@ -6306,7 +9970,7 @@
         </p:nvCxnSpPr>
         <p:spPr>
           <a:xfrm rot="16200000" flipV="1">
-            <a:off x="3575111" y="1861702"/>
+            <a:off x="3575112" y="1861703"/>
             <a:ext cx="1071570" cy="6485"/>
           </a:xfrm>
           <a:prstGeom prst="line">
@@ -6389,7 +10053,7 @@
         </p:nvSpPr>
         <p:spPr>
           <a:xfrm>
-            <a:off x="5786446" y="1043408"/>
+            <a:off x="5786446" y="1043409"/>
             <a:ext cx="2286016" cy="928694"/>
           </a:xfrm>
           <a:prstGeom prst="borderCallout1">
@@ -6789,7 +10453,7 @@
         </p:nvSpPr>
         <p:spPr>
           <a:xfrm>
-            <a:off x="4214810" y="5972631"/>
+            <a:off x="4214810" y="5972632"/>
             <a:ext cx="571504" cy="430887"/>
           </a:xfrm>
           <a:prstGeom prst="rect">
@@ -6827,7 +10491,7 @@
         </p:nvSpPr>
         <p:spPr>
           <a:xfrm>
-            <a:off x="4214810" y="5115375"/>
+            <a:off x="4214810" y="5115376"/>
             <a:ext cx="571504" cy="430887"/>
           </a:xfrm>
           <a:prstGeom prst="rect">
@@ -6865,7 +10529,7 @@
         </p:nvSpPr>
         <p:spPr>
           <a:xfrm>
-            <a:off x="4214810" y="4329557"/>
+            <a:off x="4214810" y="4329558"/>
             <a:ext cx="571504" cy="430887"/>
           </a:xfrm>
           <a:prstGeom prst="rect">
@@ -6903,7 +10567,7 @@
         </p:nvSpPr>
         <p:spPr>
           <a:xfrm>
-            <a:off x="4214810" y="3684356"/>
+            <a:off x="4214810" y="3684357"/>
             <a:ext cx="571504" cy="430887"/>
           </a:xfrm>
           <a:prstGeom prst="rect">
@@ -6942,7 +10606,7 @@
         </p:nvSpPr>
         <p:spPr>
           <a:xfrm>
-            <a:off x="4214810" y="3043673"/>
+            <a:off x="4214810" y="3043674"/>
             <a:ext cx="571504" cy="430887"/>
           </a:xfrm>
           <a:prstGeom prst="rect">
@@ -6981,7 +10645,7 @@
         </p:nvSpPr>
         <p:spPr>
           <a:xfrm>
-            <a:off x="4214810" y="2255596"/>
+            <a:off x="4214810" y="2255597"/>
             <a:ext cx="571504" cy="430887"/>
           </a:xfrm>
           <a:prstGeom prst="rect">
@@ -7020,7 +10684,7 @@
         </p:nvSpPr>
         <p:spPr>
           <a:xfrm>
-            <a:off x="4214810" y="1614913"/>
+            <a:off x="4214810" y="1614914"/>
             <a:ext cx="571504" cy="430887"/>
           </a:xfrm>
           <a:prstGeom prst="rect">
@@ -7058,7 +10722,7 @@
         </p:nvSpPr>
         <p:spPr>
           <a:xfrm>
-            <a:off x="4214810" y="1000108"/>
+            <a:off x="4214810" y="1000109"/>
             <a:ext cx="571504" cy="430887"/>
           </a:xfrm>
           <a:prstGeom prst="rect">
@@ -7097,7 +10761,7 @@
         </p:nvSpPr>
         <p:spPr>
           <a:xfrm>
-            <a:off x="1643042" y="4429132"/>
+            <a:off x="1643042" y="4429133"/>
             <a:ext cx="1857388" cy="714380"/>
           </a:xfrm>
           <a:prstGeom prst="borderCallout1">
@@ -7359,7 +11023,7 @@
         </p:nvSpPr>
         <p:spPr>
           <a:xfrm>
-            <a:off x="1643042" y="1142984"/>
+            <a:off x="1643042" y="1142985"/>
             <a:ext cx="1857388" cy="714380"/>
           </a:xfrm>
           <a:prstGeom prst="borderCallout1">
@@ -7783,7 +11447,7 @@
         </p:nvCxnSpPr>
         <p:spPr>
           <a:xfrm rot="5400000" flipH="1" flipV="1">
-            <a:off x="3439269" y="7175704"/>
+            <a:off x="3439269" y="7175705"/>
             <a:ext cx="1357322" cy="7581"/>
           </a:xfrm>
           <a:prstGeom prst="line">
@@ -8142,7 +11806,7 @@
         </p:nvSpPr>
         <p:spPr>
           <a:xfrm>
-            <a:off x="4815548" y="4214817"/>
+            <a:off x="4815548" y="4214818"/>
             <a:ext cx="214314" cy="214314"/>
           </a:xfrm>
           <a:prstGeom prst="ellipse">
@@ -8238,7 +11902,7 @@
         </p:nvSpPr>
         <p:spPr>
           <a:xfrm>
-            <a:off x="4815548" y="2829358"/>
+            <a:off x="4815548" y="2829359"/>
             <a:ext cx="214314" cy="214314"/>
           </a:xfrm>
           <a:prstGeom prst="ellipse">
@@ -8342,7 +12006,7 @@
         </p:nvSpPr>
         <p:spPr>
           <a:xfrm>
-            <a:off x="4000496" y="4214817"/>
+            <a:off x="4000496" y="4214818"/>
             <a:ext cx="214314" cy="214314"/>
           </a:xfrm>
           <a:prstGeom prst="ellipse">
@@ -8444,7 +12108,7 @@
         </p:nvCxnSpPr>
         <p:spPr>
           <a:xfrm rot="16200000" flipV="1">
-            <a:off x="3575111" y="2933272"/>
+            <a:off x="3575112" y="2933273"/>
             <a:ext cx="1071570" cy="6485"/>
           </a:xfrm>
           <a:prstGeom prst="line">
@@ -8927,7 +12591,7 @@
         </p:nvSpPr>
         <p:spPr>
           <a:xfrm>
-            <a:off x="4214810" y="7044201"/>
+            <a:off x="4214810" y="7044202"/>
             <a:ext cx="571504" cy="430887"/>
           </a:xfrm>
           <a:prstGeom prst="rect">
@@ -8965,7 +12629,7 @@
         </p:nvSpPr>
         <p:spPr>
           <a:xfrm>
-            <a:off x="4214810" y="6186945"/>
+            <a:off x="4214810" y="6186946"/>
             <a:ext cx="571504" cy="430887"/>
           </a:xfrm>
           <a:prstGeom prst="rect">
@@ -9003,7 +12667,7 @@
         </p:nvSpPr>
         <p:spPr>
           <a:xfrm>
-            <a:off x="4214810" y="5401127"/>
+            <a:off x="4214810" y="5401128"/>
             <a:ext cx="571504" cy="430887"/>
           </a:xfrm>
           <a:prstGeom prst="rect">
@@ -9041,7 +12705,7 @@
         </p:nvSpPr>
         <p:spPr>
           <a:xfrm>
-            <a:off x="4214810" y="4755926"/>
+            <a:off x="4214810" y="4755927"/>
             <a:ext cx="571504" cy="430887"/>
           </a:xfrm>
           <a:prstGeom prst="rect">
@@ -9080,7 +12744,7 @@
         </p:nvSpPr>
         <p:spPr>
           <a:xfrm>
-            <a:off x="4214810" y="4115243"/>
+            <a:off x="4214810" y="4115244"/>
             <a:ext cx="571504" cy="430887"/>
           </a:xfrm>
           <a:prstGeom prst="rect">
@@ -9118,7 +12782,7 @@
         </p:nvSpPr>
         <p:spPr>
           <a:xfrm>
-            <a:off x="4214810" y="3327166"/>
+            <a:off x="4214810" y="3327167"/>
             <a:ext cx="571504" cy="430887"/>
           </a:xfrm>
           <a:prstGeom prst="rect">
@@ -9157,7 +12821,7 @@
         </p:nvSpPr>
         <p:spPr>
           <a:xfrm>
-            <a:off x="4214810" y="2686483"/>
+            <a:off x="4214810" y="2686484"/>
             <a:ext cx="571504" cy="430887"/>
           </a:xfrm>
           <a:prstGeom prst="rect">
@@ -9195,7 +12859,7 @@
         </p:nvSpPr>
         <p:spPr>
           <a:xfrm>
-            <a:off x="4214810" y="2071678"/>
+            <a:off x="4214810" y="2071679"/>
             <a:ext cx="571504" cy="430887"/>
           </a:xfrm>
           <a:prstGeom prst="rect">
@@ -9940,7 +13604,7 @@
         </p:nvCxnSpPr>
         <p:spPr>
           <a:xfrm rot="5400000" flipH="1" flipV="1">
-            <a:off x="3461468" y="1540234"/>
+            <a:off x="3461469" y="1540235"/>
             <a:ext cx="1285884" cy="6485"/>
           </a:xfrm>
           <a:prstGeom prst="line">
@@ -10030,7 +13694,7 @@
         </p:nvSpPr>
         <p:spPr>
           <a:xfrm>
-            <a:off x="4214810" y="1355039"/>
+            <a:off x="4214810" y="1355040"/>
             <a:ext cx="571504" cy="430887"/>
           </a:xfrm>
           <a:prstGeom prst="rect">
@@ -10450,7 +14114,7 @@
         </p:nvCxnSpPr>
         <p:spPr>
           <a:xfrm rot="5400000" flipH="1" flipV="1">
-            <a:off x="3439269" y="7175704"/>
+            <a:off x="3439269" y="7175705"/>
             <a:ext cx="1357322" cy="7581"/>
           </a:xfrm>
           <a:prstGeom prst="line">
@@ -10809,7 +14473,7 @@
         </p:nvSpPr>
         <p:spPr>
           <a:xfrm>
-            <a:off x="4815548" y="4214817"/>
+            <a:off x="4815548" y="4214818"/>
             <a:ext cx="214314" cy="214314"/>
           </a:xfrm>
           <a:prstGeom prst="ellipse">
@@ -10905,7 +14569,7 @@
         </p:nvSpPr>
         <p:spPr>
           <a:xfrm>
-            <a:off x="4815548" y="2829358"/>
+            <a:off x="4815548" y="2829359"/>
             <a:ext cx="214314" cy="214314"/>
           </a:xfrm>
           <a:prstGeom prst="ellipse">
@@ -11009,7 +14673,7 @@
         </p:nvSpPr>
         <p:spPr>
           <a:xfrm>
-            <a:off x="4000496" y="4214817"/>
+            <a:off x="4000496" y="4214818"/>
             <a:ext cx="214314" cy="214314"/>
           </a:xfrm>
           <a:prstGeom prst="ellipse">
@@ -11111,7 +14775,7 @@
         </p:nvCxnSpPr>
         <p:spPr>
           <a:xfrm rot="16200000" flipV="1">
-            <a:off x="3575111" y="2933272"/>
+            <a:off x="3575112" y="2933273"/>
             <a:ext cx="1071570" cy="6485"/>
           </a:xfrm>
           <a:prstGeom prst="line">
@@ -11594,7 +15258,7 @@
         </p:nvSpPr>
         <p:spPr>
           <a:xfrm>
-            <a:off x="4214810" y="7044201"/>
+            <a:off x="4214810" y="7044202"/>
             <a:ext cx="571504" cy="430887"/>
           </a:xfrm>
           <a:prstGeom prst="rect">
@@ -11632,7 +15296,7 @@
         </p:nvSpPr>
         <p:spPr>
           <a:xfrm>
-            <a:off x="4214810" y="6186945"/>
+            <a:off x="4214810" y="6186946"/>
             <a:ext cx="571504" cy="430887"/>
           </a:xfrm>
           <a:prstGeom prst="rect">
@@ -11670,7 +15334,7 @@
         </p:nvSpPr>
         <p:spPr>
           <a:xfrm>
-            <a:off x="4214810" y="5401127"/>
+            <a:off x="4214810" y="5401128"/>
             <a:ext cx="571504" cy="430887"/>
           </a:xfrm>
           <a:prstGeom prst="rect">
@@ -11708,7 +15372,7 @@
         </p:nvSpPr>
         <p:spPr>
           <a:xfrm>
-            <a:off x="4214810" y="4755926"/>
+            <a:off x="4214810" y="4755927"/>
             <a:ext cx="571504" cy="430887"/>
           </a:xfrm>
           <a:prstGeom prst="rect">
@@ -11747,7 +15411,7 @@
         </p:nvSpPr>
         <p:spPr>
           <a:xfrm>
-            <a:off x="4214810" y="4115243"/>
+            <a:off x="4214810" y="4115244"/>
             <a:ext cx="571504" cy="430887"/>
           </a:xfrm>
           <a:prstGeom prst="rect">
@@ -11785,7 +15449,7 @@
         </p:nvSpPr>
         <p:spPr>
           <a:xfrm>
-            <a:off x="4214810" y="3327166"/>
+            <a:off x="4214810" y="3327167"/>
             <a:ext cx="571504" cy="430887"/>
           </a:xfrm>
           <a:prstGeom prst="rect">
@@ -11824,7 +15488,7 @@
         </p:nvSpPr>
         <p:spPr>
           <a:xfrm>
-            <a:off x="4214810" y="2686483"/>
+            <a:off x="4214810" y="2686484"/>
             <a:ext cx="571504" cy="430887"/>
           </a:xfrm>
           <a:prstGeom prst="rect">
@@ -11862,7 +15526,7 @@
         </p:nvSpPr>
         <p:spPr>
           <a:xfrm>
-            <a:off x="4214810" y="2071678"/>
+            <a:off x="4214810" y="2071679"/>
             <a:ext cx="571504" cy="430887"/>
           </a:xfrm>
           <a:prstGeom prst="rect">
@@ -12607,7 +16271,7 @@
         </p:nvCxnSpPr>
         <p:spPr>
           <a:xfrm rot="5400000" flipH="1" flipV="1">
-            <a:off x="3461468" y="1540234"/>
+            <a:off x="3461469" y="1540235"/>
             <a:ext cx="1285884" cy="6485"/>
           </a:xfrm>
           <a:prstGeom prst="line">
@@ -12697,7 +16361,7 @@
         </p:nvSpPr>
         <p:spPr>
           <a:xfrm>
-            <a:off x="4214810" y="1355039"/>
+            <a:off x="4214810" y="1355040"/>
             <a:ext cx="571504" cy="430887"/>
           </a:xfrm>
           <a:prstGeom prst="rect">
@@ -13054,7 +16718,7 @@
         </p:nvCxnSpPr>
         <p:spPr>
           <a:xfrm rot="5400000" flipH="1" flipV="1">
-            <a:off x="3439269" y="6104134"/>
+            <a:off x="3439269" y="6104135"/>
             <a:ext cx="1357322" cy="7581"/>
           </a:xfrm>
           <a:prstGeom prst="line">
@@ -13481,7 +17145,7 @@
         </p:nvSpPr>
         <p:spPr>
           <a:xfrm>
-            <a:off x="4815548" y="2329292"/>
+            <a:off x="4815548" y="2329293"/>
             <a:ext cx="214314" cy="214314"/>
           </a:xfrm>
           <a:prstGeom prst="ellipse">
@@ -13685,7 +17349,7 @@
         </p:nvSpPr>
         <p:spPr>
           <a:xfrm>
-            <a:off x="4000496" y="2329292"/>
+            <a:off x="4000496" y="2329293"/>
             <a:ext cx="214314" cy="214314"/>
           </a:xfrm>
           <a:prstGeom prst="ellipse">
@@ -13735,7 +17399,7 @@
         </p:nvCxnSpPr>
         <p:spPr>
           <a:xfrm rot="16200000" flipV="1">
-            <a:off x="3575111" y="1861702"/>
+            <a:off x="3575112" y="1861703"/>
             <a:ext cx="1071570" cy="6485"/>
           </a:xfrm>
           <a:prstGeom prst="line">
@@ -13818,7 +17482,7 @@
         </p:nvSpPr>
         <p:spPr>
           <a:xfrm>
-            <a:off x="5786446" y="1043408"/>
+            <a:off x="5786446" y="1043409"/>
             <a:ext cx="2286016" cy="928694"/>
           </a:xfrm>
           <a:prstGeom prst="borderCallout1">
@@ -14218,7 +17882,7 @@
         </p:nvSpPr>
         <p:spPr>
           <a:xfrm>
-            <a:off x="4214810" y="5115375"/>
+            <a:off x="4214810" y="5115376"/>
             <a:ext cx="571504" cy="430887"/>
           </a:xfrm>
           <a:prstGeom prst="rect">
@@ -14256,7 +17920,7 @@
         </p:nvSpPr>
         <p:spPr>
           <a:xfrm>
-            <a:off x="4214810" y="4329557"/>
+            <a:off x="4214810" y="4329558"/>
             <a:ext cx="571504" cy="430887"/>
           </a:xfrm>
           <a:prstGeom prst="rect">
@@ -14294,7 +17958,7 @@
         </p:nvSpPr>
         <p:spPr>
           <a:xfrm>
-            <a:off x="4214810" y="3684356"/>
+            <a:off x="4214810" y="3684357"/>
             <a:ext cx="571504" cy="430887"/>
           </a:xfrm>
           <a:prstGeom prst="rect">
@@ -14333,7 +17997,7 @@
         </p:nvSpPr>
         <p:spPr>
           <a:xfrm>
-            <a:off x="4214810" y="3043673"/>
+            <a:off x="4214810" y="3043674"/>
             <a:ext cx="571504" cy="430887"/>
           </a:xfrm>
           <a:prstGeom prst="rect">
@@ -14372,7 +18036,7 @@
         </p:nvSpPr>
         <p:spPr>
           <a:xfrm>
-            <a:off x="4214810" y="2255596"/>
+            <a:off x="4214810" y="2255597"/>
             <a:ext cx="571504" cy="430887"/>
           </a:xfrm>
           <a:prstGeom prst="rect">
@@ -14411,7 +18075,7 @@
         </p:nvSpPr>
         <p:spPr>
           <a:xfrm>
-            <a:off x="4214810" y="1614913"/>
+            <a:off x="4214810" y="1614914"/>
             <a:ext cx="571504" cy="430887"/>
           </a:xfrm>
           <a:prstGeom prst="rect">
@@ -14449,7 +18113,7 @@
         </p:nvSpPr>
         <p:spPr>
           <a:xfrm>
-            <a:off x="4214810" y="1000108"/>
+            <a:off x="4214810" y="1000109"/>
             <a:ext cx="571504" cy="430887"/>
           </a:xfrm>
           <a:prstGeom prst="rect">
@@ -14488,7 +18152,7 @@
         </p:nvSpPr>
         <p:spPr>
           <a:xfrm>
-            <a:off x="1643042" y="4429132"/>
+            <a:off x="1643042" y="4429133"/>
             <a:ext cx="1857388" cy="714380"/>
           </a:xfrm>
           <a:prstGeom prst="borderCallout1">
@@ -14750,7 +18414,7 @@
         </p:nvSpPr>
         <p:spPr>
           <a:xfrm>
-            <a:off x="1643042" y="1142984"/>
+            <a:off x="1643042" y="1142985"/>
             <a:ext cx="1857388" cy="714380"/>
           </a:xfrm>
           <a:prstGeom prst="borderCallout1">
@@ -15425,7 +19089,7 @@
         </p:nvSpPr>
         <p:spPr>
           <a:xfrm>
-            <a:off x="4073522" y="4000504"/>
+            <a:off x="4073522" y="4000505"/>
             <a:ext cx="613708" cy="571504"/>
           </a:xfrm>
           <a:prstGeom prst="ellipse">
@@ -15531,7 +19195,7 @@
         </p:nvSpPr>
         <p:spPr>
           <a:xfrm>
-            <a:off x="5716596" y="2571744"/>
+            <a:off x="5716596" y="2571745"/>
             <a:ext cx="613708" cy="571504"/>
           </a:xfrm>
           <a:prstGeom prst="ellipse">
@@ -15644,7 +19308,7 @@
         </p:nvSpPr>
         <p:spPr>
           <a:xfrm>
-            <a:off x="6689082" y="2571744"/>
+            <a:off x="6689082" y="2571745"/>
             <a:ext cx="613708" cy="571504"/>
           </a:xfrm>
           <a:prstGeom prst="ellipse">
@@ -15795,7 +19459,7 @@
         </p:nvSpPr>
         <p:spPr>
           <a:xfrm>
-            <a:off x="7502546" y="2571744"/>
+            <a:off x="7502546" y="2571745"/>
             <a:ext cx="613708" cy="571504"/>
           </a:xfrm>
           <a:prstGeom prst="ellipse">
@@ -15906,7 +19570,7 @@
         </p:nvSpPr>
         <p:spPr>
           <a:xfrm>
-            <a:off x="4958424" y="2571744"/>
+            <a:off x="4958424" y="2571745"/>
             <a:ext cx="613708" cy="571504"/>
           </a:xfrm>
           <a:prstGeom prst="ellipse">
@@ -15978,6 +19642,2154 @@
   <p:clrMapOvr>
     <a:masterClrMapping/>
   </p:clrMapOvr>
+</p:sld>
+</file>
+
+<file path=ppt/slides/slide8.xml><?xml version="1.0" encoding="utf-8"?>
+<p:sld xmlns:a="http://schemas.openxmlformats.org/drawingml/2006/main" xmlns:r="http://schemas.openxmlformats.org/officeDocument/2006/relationships" xmlns:p="http://schemas.openxmlformats.org/presentationml/2006/main">
+  <p:cSld>
+    <p:spTree>
+      <p:nvGrpSpPr>
+        <p:cNvPr id="1" name=""/>
+        <p:cNvGrpSpPr/>
+        <p:nvPr/>
+      </p:nvGrpSpPr>
+      <p:grpSpPr>
+        <a:xfrm>
+          <a:off x="0" y="0"/>
+          <a:ext cx="0" cy="0"/>
+          <a:chOff x="0" y="0"/>
+          <a:chExt cx="0" cy="0"/>
+        </a:xfrm>
+      </p:grpSpPr>
+      <p:sp>
+        <p:nvSpPr>
+          <p:cNvPr id="2" name="Título 1"/>
+          <p:cNvSpPr>
+            <a:spLocks noGrp="1"/>
+          </p:cNvSpPr>
+          <p:nvPr>
+            <p:ph type="title"/>
+          </p:nvPr>
+        </p:nvSpPr>
+        <p:spPr/>
+        <p:txBody>
+          <a:bodyPr/>
+          <a:lstStyle/>
+          <a:p>
+            <a:endParaRPr lang="pt-BR"/>
+          </a:p>
+        </p:txBody>
+      </p:sp>
+      <p:sp>
+        <p:nvSpPr>
+          <p:cNvPr id="3" name="Espaço Reservado para Conteúdo 2"/>
+          <p:cNvSpPr>
+            <a:spLocks noGrp="1"/>
+          </p:cNvSpPr>
+          <p:nvPr>
+            <p:ph idx="1"/>
+          </p:nvPr>
+        </p:nvSpPr>
+        <p:spPr/>
+        <p:txBody>
+          <a:bodyPr/>
+          <a:lstStyle/>
+          <a:p>
+            <a:endParaRPr lang="pt-BR"/>
+          </a:p>
+        </p:txBody>
+      </p:sp>
+    </p:spTree>
+  </p:cSld>
+  <p:clrMapOvr>
+    <a:masterClrMapping/>
+  </p:clrMapOvr>
+</p:sld>
+</file>
+
+<file path=ppt/slides/slide9.xml><?xml version="1.0" encoding="utf-8"?>
+<p:sld xmlns:a="http://schemas.openxmlformats.org/drawingml/2006/main" xmlns:r="http://schemas.openxmlformats.org/officeDocument/2006/relationships" xmlns:p="http://schemas.openxmlformats.org/presentationml/2006/main">
+  <p:cSld>
+    <p:spTree>
+      <p:nvGrpSpPr>
+        <p:cNvPr id="1" name=""/>
+        <p:cNvGrpSpPr/>
+        <p:nvPr/>
+      </p:nvGrpSpPr>
+      <p:grpSpPr>
+        <a:xfrm>
+          <a:off x="0" y="0"/>
+          <a:ext cx="0" cy="0"/>
+          <a:chOff x="0" y="0"/>
+          <a:chExt cx="0" cy="0"/>
+        </a:xfrm>
+      </p:grpSpPr>
+      <p:cxnSp>
+        <p:nvCxnSpPr>
+          <p:cNvPr id="4" name="Conector reto 3"/>
+          <p:cNvCxnSpPr>
+            <a:stCxn id="11" idx="0"/>
+            <a:endCxn id="5" idx="4"/>
+          </p:cNvCxnSpPr>
+          <p:nvPr/>
+        </p:nvCxnSpPr>
+        <p:spPr>
+          <a:xfrm rot="5400000" flipH="1" flipV="1">
+            <a:off x="3533956" y="1426730"/>
+            <a:ext cx="1314022" cy="1588"/>
+          </a:xfrm>
+          <a:prstGeom prst="line">
+            <a:avLst/>
+          </a:prstGeom>
+          <a:ln w="38100">
+            <a:solidFill>
+              <a:srgbClr val="EA7F4F"/>
+            </a:solidFill>
+          </a:ln>
+        </p:spPr>
+        <p:style>
+          <a:lnRef idx="1">
+            <a:schemeClr val="accent1"/>
+          </a:lnRef>
+          <a:fillRef idx="0">
+            <a:schemeClr val="accent1"/>
+          </a:fillRef>
+          <a:effectRef idx="0">
+            <a:schemeClr val="accent1"/>
+          </a:effectRef>
+          <a:fontRef idx="minor">
+            <a:schemeClr val="tx1"/>
+          </a:fontRef>
+        </p:style>
+      </p:cxnSp>
+      <p:sp>
+        <p:nvSpPr>
+          <p:cNvPr id="5" name="Elipse 4"/>
+          <p:cNvSpPr/>
+          <p:nvPr/>
+        </p:nvSpPr>
+        <p:spPr>
+          <a:xfrm>
+            <a:off x="4083809" y="555406"/>
+            <a:ext cx="214314" cy="214314"/>
+          </a:xfrm>
+          <a:prstGeom prst="ellipse">
+            <a:avLst/>
+          </a:prstGeom>
+          <a:solidFill>
+            <a:srgbClr val="EA7F4F"/>
+          </a:solidFill>
+          <a:ln>
+            <a:solidFill>
+              <a:srgbClr val="EA7F4F"/>
+            </a:solidFill>
+          </a:ln>
+        </p:spPr>
+        <p:style>
+          <a:lnRef idx="2">
+            <a:schemeClr val="accent1">
+              <a:shade val="50000"/>
+            </a:schemeClr>
+          </a:lnRef>
+          <a:fillRef idx="1">
+            <a:schemeClr val="accent1"/>
+          </a:fillRef>
+          <a:effectRef idx="0">
+            <a:schemeClr val="accent1"/>
+          </a:effectRef>
+          <a:fontRef idx="minor">
+            <a:schemeClr val="lt1"/>
+          </a:fontRef>
+        </p:style>
+        <p:txBody>
+          <a:bodyPr rtlCol="0" anchor="ctr"/>
+          <a:lstStyle/>
+          <a:p>
+            <a:pPr algn="ctr"/>
+            <a:endParaRPr lang="pt-BR">
+              <a:latin typeface="Oswald Light" pitchFamily="2" charset="0"/>
+            </a:endParaRPr>
+          </a:p>
+        </p:txBody>
+      </p:sp>
+      <p:cxnSp>
+        <p:nvCxnSpPr>
+          <p:cNvPr id="7" name="Conector reto 6"/>
+          <p:cNvCxnSpPr>
+            <a:endCxn id="5" idx="2"/>
+          </p:cNvCxnSpPr>
+          <p:nvPr/>
+        </p:nvCxnSpPr>
+        <p:spPr>
+          <a:xfrm>
+            <a:off x="1726355" y="654982"/>
+            <a:ext cx="2357454" cy="7581"/>
+          </a:xfrm>
+          <a:prstGeom prst="line">
+            <a:avLst/>
+          </a:prstGeom>
+          <a:ln w="38100">
+            <a:solidFill>
+              <a:srgbClr val="EA7F4F"/>
+            </a:solidFill>
+          </a:ln>
+        </p:spPr>
+        <p:style>
+          <a:lnRef idx="1">
+            <a:schemeClr val="accent1"/>
+          </a:lnRef>
+          <a:fillRef idx="0">
+            <a:schemeClr val="accent1"/>
+          </a:fillRef>
+          <a:effectRef idx="0">
+            <a:schemeClr val="accent1"/>
+          </a:effectRef>
+          <a:fontRef idx="minor">
+            <a:schemeClr val="tx1"/>
+          </a:fontRef>
+        </p:style>
+      </p:cxnSp>
+      <p:sp>
+        <p:nvSpPr>
+          <p:cNvPr id="10" name="CaixaDeTexto 9"/>
+          <p:cNvSpPr txBox="1"/>
+          <p:nvPr/>
+        </p:nvSpPr>
+        <p:spPr>
+          <a:xfrm>
+            <a:off x="1726355" y="285728"/>
+            <a:ext cx="2357454" cy="346249"/>
+          </a:xfrm>
+          <a:prstGeom prst="rect">
+            <a:avLst/>
+          </a:prstGeom>
+          <a:noFill/>
+        </p:spPr>
+        <p:txBody>
+          <a:bodyPr wrap="square" rtlCol="0">
+            <a:spAutoFit/>
+          </a:bodyPr>
+          <a:lstStyle/>
+          <a:p>
+            <a:r>
+              <a:rPr lang="pt-BR" sz="1650" dirty="0" err="1" smtClean="0">
+                <a:latin typeface="Oswald" pitchFamily="2" charset="0"/>
+                <a:ea typeface="Roboto" pitchFamily="2" charset="0"/>
+              </a:rPr>
+              <a:t>Aug</a:t>
+            </a:r>
+            <a:r>
+              <a:rPr lang="pt-BR" sz="1650" dirty="0" smtClean="0">
+                <a:latin typeface="Oswald" pitchFamily="2" charset="0"/>
+                <a:ea typeface="Roboto" pitchFamily="2" charset="0"/>
+              </a:rPr>
+              <a:t>/2015 – </a:t>
+            </a:r>
+            <a:r>
+              <a:rPr lang="pt-BR" sz="1650" dirty="0" err="1" smtClean="0">
+                <a:latin typeface="Oswald" pitchFamily="2" charset="0"/>
+                <a:ea typeface="Roboto" pitchFamily="2" charset="0"/>
+              </a:rPr>
+              <a:t>May</a:t>
+            </a:r>
+            <a:r>
+              <a:rPr lang="pt-BR" sz="1650" dirty="0" smtClean="0">
+                <a:latin typeface="Oswald" pitchFamily="2" charset="0"/>
+                <a:ea typeface="Roboto" pitchFamily="2" charset="0"/>
+              </a:rPr>
+              <a:t>/2018</a:t>
+            </a:r>
+            <a:endParaRPr lang="pt-BR" sz="1650" dirty="0">
+              <a:latin typeface="Oswald" pitchFamily="2" charset="0"/>
+              <a:ea typeface="Roboto" pitchFamily="2" charset="0"/>
+            </a:endParaRPr>
+          </a:p>
+        </p:txBody>
+      </p:sp>
+      <p:sp>
+        <p:nvSpPr>
+          <p:cNvPr id="8" name="CaixaDeTexto 7"/>
+          <p:cNvSpPr txBox="1"/>
+          <p:nvPr/>
+        </p:nvSpPr>
+        <p:spPr>
+          <a:xfrm>
+            <a:off x="1726355" y="714278"/>
+            <a:ext cx="2357454" cy="430887"/>
+          </a:xfrm>
+          <a:prstGeom prst="rect">
+            <a:avLst/>
+          </a:prstGeom>
+          <a:noFill/>
+        </p:spPr>
+        <p:txBody>
+          <a:bodyPr wrap="square" rtlCol="0">
+            <a:spAutoFit/>
+          </a:bodyPr>
+          <a:lstStyle/>
+          <a:p>
+            <a:r>
+              <a:rPr lang="pt-BR" sz="1100" b="1" dirty="0" err="1" smtClean="0">
+                <a:latin typeface="Roboto" pitchFamily="2" charset="0"/>
+                <a:ea typeface="Roboto" pitchFamily="2" charset="0"/>
+              </a:rPr>
+              <a:t>Primetals</a:t>
+            </a:r>
+            <a:r>
+              <a:rPr lang="pt-BR" sz="1100" b="1" dirty="0" smtClean="0">
+                <a:latin typeface="Roboto" pitchFamily="2" charset="0"/>
+                <a:ea typeface="Roboto" pitchFamily="2" charset="0"/>
+              </a:rPr>
+              <a:t> Technologies</a:t>
+            </a:r>
+          </a:p>
+          <a:p>
+            <a:r>
+              <a:rPr lang="pt-BR" sz="1100" dirty="0" smtClean="0">
+                <a:latin typeface="Roboto" pitchFamily="2" charset="0"/>
+                <a:ea typeface="Roboto" pitchFamily="2" charset="0"/>
+              </a:rPr>
+              <a:t>Software </a:t>
+            </a:r>
+            <a:r>
+              <a:rPr lang="pt-BR" sz="1100" dirty="0" err="1" smtClean="0">
+                <a:latin typeface="Roboto" pitchFamily="2" charset="0"/>
+                <a:ea typeface="Roboto" pitchFamily="2" charset="0"/>
+              </a:rPr>
+              <a:t>Development</a:t>
+            </a:r>
+            <a:r>
+              <a:rPr lang="pt-BR" sz="1100" dirty="0" smtClean="0">
+                <a:latin typeface="Roboto" pitchFamily="2" charset="0"/>
+                <a:ea typeface="Roboto" pitchFamily="2" charset="0"/>
+              </a:rPr>
+              <a:t> </a:t>
+            </a:r>
+            <a:r>
+              <a:rPr lang="pt-BR" sz="1100" dirty="0" err="1" smtClean="0">
+                <a:latin typeface="Roboto" pitchFamily="2" charset="0"/>
+                <a:ea typeface="Roboto" pitchFamily="2" charset="0"/>
+              </a:rPr>
+              <a:t>Engineer</a:t>
+            </a:r>
+            <a:endParaRPr lang="pt-BR" sz="1100" dirty="0">
+              <a:latin typeface="Roboto" pitchFamily="2" charset="0"/>
+              <a:ea typeface="Roboto" pitchFamily="2" charset="0"/>
+            </a:endParaRPr>
+          </a:p>
+        </p:txBody>
+      </p:sp>
+      <p:cxnSp>
+        <p:nvCxnSpPr>
+          <p:cNvPr id="9" name="Conector reto 8"/>
+          <p:cNvCxnSpPr/>
+          <p:nvPr/>
+        </p:nvCxnSpPr>
+        <p:spPr>
+          <a:xfrm rot="5400000" flipH="1" flipV="1">
+            <a:off x="3669998" y="2806961"/>
+            <a:ext cx="1043432" cy="1494"/>
+          </a:xfrm>
+          <a:prstGeom prst="line">
+            <a:avLst/>
+          </a:prstGeom>
+          <a:ln w="38100">
+            <a:solidFill>
+              <a:srgbClr val="EA7F4F"/>
+            </a:solidFill>
+          </a:ln>
+        </p:spPr>
+        <p:style>
+          <a:lnRef idx="1">
+            <a:schemeClr val="accent1"/>
+          </a:lnRef>
+          <a:fillRef idx="0">
+            <a:schemeClr val="accent1"/>
+          </a:fillRef>
+          <a:effectRef idx="0">
+            <a:schemeClr val="accent1"/>
+          </a:effectRef>
+          <a:fontRef idx="minor">
+            <a:schemeClr val="tx1"/>
+          </a:fontRef>
+        </p:style>
+      </p:cxnSp>
+      <p:sp>
+        <p:nvSpPr>
+          <p:cNvPr id="11" name="Elipse 10"/>
+          <p:cNvSpPr/>
+          <p:nvPr/>
+        </p:nvSpPr>
+        <p:spPr>
+          <a:xfrm>
+            <a:off x="4083809" y="2083741"/>
+            <a:ext cx="214314" cy="214314"/>
+          </a:xfrm>
+          <a:prstGeom prst="ellipse">
+            <a:avLst/>
+          </a:prstGeom>
+          <a:solidFill>
+            <a:srgbClr val="EA7F4F"/>
+          </a:solidFill>
+          <a:ln>
+            <a:solidFill>
+              <a:srgbClr val="EA7F4F"/>
+            </a:solidFill>
+          </a:ln>
+        </p:spPr>
+        <p:style>
+          <a:lnRef idx="2">
+            <a:schemeClr val="accent1">
+              <a:shade val="50000"/>
+            </a:schemeClr>
+          </a:lnRef>
+          <a:fillRef idx="1">
+            <a:schemeClr val="accent1"/>
+          </a:fillRef>
+          <a:effectRef idx="0">
+            <a:schemeClr val="accent1"/>
+          </a:effectRef>
+          <a:fontRef idx="minor">
+            <a:schemeClr val="lt1"/>
+          </a:fontRef>
+        </p:style>
+        <p:txBody>
+          <a:bodyPr rtlCol="0" anchor="ctr"/>
+          <a:lstStyle/>
+          <a:p>
+            <a:pPr algn="ctr"/>
+            <a:endParaRPr lang="pt-BR">
+              <a:latin typeface="Oswald Light" pitchFamily="2" charset="0"/>
+            </a:endParaRPr>
+          </a:p>
+        </p:txBody>
+      </p:sp>
+      <p:cxnSp>
+        <p:nvCxnSpPr>
+          <p:cNvPr id="12" name="Conector reto 11"/>
+          <p:cNvCxnSpPr>
+            <a:endCxn id="11" idx="2"/>
+          </p:cNvCxnSpPr>
+          <p:nvPr/>
+        </p:nvCxnSpPr>
+        <p:spPr>
+          <a:xfrm>
+            <a:off x="1726355" y="2183317"/>
+            <a:ext cx="2357454" cy="7581"/>
+          </a:xfrm>
+          <a:prstGeom prst="line">
+            <a:avLst/>
+          </a:prstGeom>
+          <a:ln w="38100">
+            <a:solidFill>
+              <a:srgbClr val="EA7F4F"/>
+            </a:solidFill>
+          </a:ln>
+        </p:spPr>
+        <p:style>
+          <a:lnRef idx="1">
+            <a:schemeClr val="accent1"/>
+          </a:lnRef>
+          <a:fillRef idx="0">
+            <a:schemeClr val="accent1"/>
+          </a:fillRef>
+          <a:effectRef idx="0">
+            <a:schemeClr val="accent1"/>
+          </a:effectRef>
+          <a:fontRef idx="minor">
+            <a:schemeClr val="tx1"/>
+          </a:fontRef>
+        </p:style>
+      </p:cxnSp>
+      <p:sp>
+        <p:nvSpPr>
+          <p:cNvPr id="13" name="CaixaDeTexto 12"/>
+          <p:cNvSpPr txBox="1"/>
+          <p:nvPr/>
+        </p:nvSpPr>
+        <p:spPr>
+          <a:xfrm>
+            <a:off x="1726355" y="1809677"/>
+            <a:ext cx="2357454" cy="346249"/>
+          </a:xfrm>
+          <a:prstGeom prst="rect">
+            <a:avLst/>
+          </a:prstGeom>
+          <a:noFill/>
+        </p:spPr>
+        <p:txBody>
+          <a:bodyPr wrap="square" rtlCol="0">
+            <a:spAutoFit/>
+          </a:bodyPr>
+          <a:lstStyle/>
+          <a:p>
+            <a:r>
+              <a:rPr lang="pt-BR" sz="1650" dirty="0" err="1" smtClean="0">
+                <a:latin typeface="Oswald" pitchFamily="2" charset="0"/>
+                <a:ea typeface="Roboto" pitchFamily="2" charset="0"/>
+              </a:rPr>
+              <a:t>Sep</a:t>
+            </a:r>
+            <a:r>
+              <a:rPr lang="pt-BR" sz="1650" dirty="0" smtClean="0">
+                <a:latin typeface="Oswald" pitchFamily="2" charset="0"/>
+                <a:ea typeface="Roboto" pitchFamily="2" charset="0"/>
+              </a:rPr>
+              <a:t>/2014 – Jul/2015</a:t>
+            </a:r>
+            <a:endParaRPr lang="pt-BR" sz="1650" dirty="0">
+              <a:latin typeface="Oswald" pitchFamily="2" charset="0"/>
+              <a:ea typeface="Roboto" pitchFamily="2" charset="0"/>
+            </a:endParaRPr>
+          </a:p>
+        </p:txBody>
+      </p:sp>
+      <p:sp>
+        <p:nvSpPr>
+          <p:cNvPr id="14" name="CaixaDeTexto 13"/>
+          <p:cNvSpPr txBox="1"/>
+          <p:nvPr/>
+        </p:nvSpPr>
+        <p:spPr>
+          <a:xfrm>
+            <a:off x="1726355" y="2242614"/>
+            <a:ext cx="2357454" cy="430887"/>
+          </a:xfrm>
+          <a:prstGeom prst="rect">
+            <a:avLst/>
+          </a:prstGeom>
+          <a:noFill/>
+        </p:spPr>
+        <p:txBody>
+          <a:bodyPr wrap="square" rtlCol="0">
+            <a:spAutoFit/>
+          </a:bodyPr>
+          <a:lstStyle/>
+          <a:p>
+            <a:r>
+              <a:rPr lang="pt-BR" sz="1100" b="1" dirty="0" smtClean="0">
+                <a:latin typeface="Roboto" pitchFamily="2" charset="0"/>
+                <a:ea typeface="Roboto" pitchFamily="2" charset="0"/>
+              </a:rPr>
+              <a:t>Siemens / </a:t>
+            </a:r>
+            <a:r>
+              <a:rPr lang="pt-BR" sz="1100" b="1" dirty="0" err="1" smtClean="0">
+                <a:latin typeface="Roboto" pitchFamily="2" charset="0"/>
+                <a:ea typeface="Roboto" pitchFamily="2" charset="0"/>
+              </a:rPr>
+              <a:t>Primetals</a:t>
+            </a:r>
+            <a:r>
+              <a:rPr lang="pt-BR" sz="1100" b="1" dirty="0" smtClean="0">
+                <a:latin typeface="Roboto" pitchFamily="2" charset="0"/>
+                <a:ea typeface="Roboto" pitchFamily="2" charset="0"/>
+              </a:rPr>
+              <a:t> Technologies</a:t>
+            </a:r>
+          </a:p>
+          <a:p>
+            <a:r>
+              <a:rPr lang="pt-BR" sz="1100" dirty="0" smtClean="0">
+                <a:latin typeface="Roboto" pitchFamily="2" charset="0"/>
+                <a:ea typeface="Roboto" pitchFamily="2" charset="0"/>
+              </a:rPr>
+              <a:t>Industrial IT </a:t>
+            </a:r>
+            <a:r>
+              <a:rPr lang="pt-BR" sz="1100" dirty="0" err="1" smtClean="0">
+                <a:latin typeface="Roboto" pitchFamily="2" charset="0"/>
+                <a:ea typeface="Roboto" pitchFamily="2" charset="0"/>
+              </a:rPr>
+              <a:t>Internship</a:t>
+            </a:r>
+            <a:endParaRPr lang="pt-BR" sz="1100" dirty="0">
+              <a:latin typeface="Roboto" pitchFamily="2" charset="0"/>
+              <a:ea typeface="Roboto" pitchFamily="2" charset="0"/>
+            </a:endParaRPr>
+          </a:p>
+        </p:txBody>
+      </p:sp>
+      <p:sp>
+        <p:nvSpPr>
+          <p:cNvPr id="16" name="Elipse 15"/>
+          <p:cNvSpPr/>
+          <p:nvPr/>
+        </p:nvSpPr>
+        <p:spPr>
+          <a:xfrm>
+            <a:off x="4083809" y="4317493"/>
+            <a:ext cx="214314" cy="214314"/>
+          </a:xfrm>
+          <a:prstGeom prst="ellipse">
+            <a:avLst/>
+          </a:prstGeom>
+          <a:solidFill>
+            <a:srgbClr val="048082"/>
+          </a:solidFill>
+          <a:ln>
+            <a:solidFill>
+              <a:srgbClr val="048082"/>
+            </a:solidFill>
+          </a:ln>
+        </p:spPr>
+        <p:style>
+          <a:lnRef idx="2">
+            <a:schemeClr val="accent1">
+              <a:shade val="50000"/>
+            </a:schemeClr>
+          </a:lnRef>
+          <a:fillRef idx="1">
+            <a:schemeClr val="accent1"/>
+          </a:fillRef>
+          <a:effectRef idx="0">
+            <a:schemeClr val="accent1"/>
+          </a:effectRef>
+          <a:fontRef idx="minor">
+            <a:schemeClr val="lt1"/>
+          </a:fontRef>
+        </p:style>
+        <p:txBody>
+          <a:bodyPr rtlCol="0" anchor="ctr"/>
+          <a:lstStyle/>
+          <a:p>
+            <a:pPr algn="ctr"/>
+            <a:endParaRPr lang="pt-BR">
+              <a:latin typeface="Oswald Light" pitchFamily="2" charset="0"/>
+            </a:endParaRPr>
+          </a:p>
+        </p:txBody>
+      </p:sp>
+      <p:cxnSp>
+        <p:nvCxnSpPr>
+          <p:cNvPr id="17" name="Conector reto 16"/>
+          <p:cNvCxnSpPr>
+            <a:endCxn id="16" idx="2"/>
+          </p:cNvCxnSpPr>
+          <p:nvPr/>
+        </p:nvCxnSpPr>
+        <p:spPr>
+          <a:xfrm>
+            <a:off x="1726355" y="4417070"/>
+            <a:ext cx="2357454" cy="7581"/>
+          </a:xfrm>
+          <a:prstGeom prst="line">
+            <a:avLst/>
+          </a:prstGeom>
+          <a:ln w="38100">
+            <a:solidFill>
+              <a:srgbClr val="048082"/>
+            </a:solidFill>
+          </a:ln>
+        </p:spPr>
+        <p:style>
+          <a:lnRef idx="1">
+            <a:schemeClr val="accent1"/>
+          </a:lnRef>
+          <a:fillRef idx="0">
+            <a:schemeClr val="accent1"/>
+          </a:fillRef>
+          <a:effectRef idx="0">
+            <a:schemeClr val="accent1"/>
+          </a:effectRef>
+          <a:fontRef idx="minor">
+            <a:schemeClr val="tx1"/>
+          </a:fontRef>
+        </p:style>
+      </p:cxnSp>
+      <p:sp>
+        <p:nvSpPr>
+          <p:cNvPr id="18" name="CaixaDeTexto 17"/>
+          <p:cNvSpPr txBox="1"/>
+          <p:nvPr/>
+        </p:nvSpPr>
+        <p:spPr>
+          <a:xfrm>
+            <a:off x="1726355" y="4047817"/>
+            <a:ext cx="2357454" cy="346249"/>
+          </a:xfrm>
+          <a:prstGeom prst="rect">
+            <a:avLst/>
+          </a:prstGeom>
+          <a:noFill/>
+        </p:spPr>
+        <p:txBody>
+          <a:bodyPr wrap="square" rtlCol="0">
+            <a:spAutoFit/>
+          </a:bodyPr>
+          <a:lstStyle/>
+          <a:p>
+            <a:r>
+              <a:rPr lang="pt-BR" sz="1650" dirty="0" smtClean="0">
+                <a:latin typeface="Oswald" pitchFamily="2" charset="0"/>
+                <a:ea typeface="Roboto" pitchFamily="2" charset="0"/>
+              </a:rPr>
+              <a:t>Jan</a:t>
+            </a:r>
+            <a:r>
+              <a:rPr lang="pt-BR" sz="1650" dirty="0" smtClean="0">
+                <a:latin typeface="Oswald" pitchFamily="2" charset="0"/>
+                <a:ea typeface="Roboto" pitchFamily="2" charset="0"/>
+              </a:rPr>
+              <a:t>/2013 </a:t>
+            </a:r>
+            <a:r>
+              <a:rPr lang="pt-BR" sz="1650" dirty="0" smtClean="0">
+                <a:latin typeface="Oswald" pitchFamily="2" charset="0"/>
+                <a:ea typeface="Roboto" pitchFamily="2" charset="0"/>
+              </a:rPr>
+              <a:t>– </a:t>
+            </a:r>
+            <a:r>
+              <a:rPr lang="pt-BR" sz="1650" dirty="0" err="1" smtClean="0">
+                <a:latin typeface="Oswald" pitchFamily="2" charset="0"/>
+                <a:ea typeface="Roboto" pitchFamily="2" charset="0"/>
+              </a:rPr>
+              <a:t>Aug</a:t>
+            </a:r>
+            <a:r>
+              <a:rPr lang="pt-BR" sz="1650" dirty="0" smtClean="0">
+                <a:latin typeface="Oswald" pitchFamily="2" charset="0"/>
+                <a:ea typeface="Roboto" pitchFamily="2" charset="0"/>
+              </a:rPr>
+              <a:t>/2013</a:t>
+            </a:r>
+            <a:endParaRPr lang="pt-BR" sz="1650" dirty="0">
+              <a:latin typeface="Oswald" pitchFamily="2" charset="0"/>
+              <a:ea typeface="Roboto" pitchFamily="2" charset="0"/>
+            </a:endParaRPr>
+          </a:p>
+        </p:txBody>
+      </p:sp>
+      <p:sp>
+        <p:nvSpPr>
+          <p:cNvPr id="19" name="CaixaDeTexto 18"/>
+          <p:cNvSpPr txBox="1"/>
+          <p:nvPr/>
+        </p:nvSpPr>
+        <p:spPr>
+          <a:xfrm>
+            <a:off x="1726355" y="4476366"/>
+            <a:ext cx="2357454" cy="430887"/>
+          </a:xfrm>
+          <a:prstGeom prst="rect">
+            <a:avLst/>
+          </a:prstGeom>
+          <a:noFill/>
+        </p:spPr>
+        <p:txBody>
+          <a:bodyPr wrap="square" rtlCol="0">
+            <a:spAutoFit/>
+          </a:bodyPr>
+          <a:lstStyle/>
+          <a:p>
+            <a:r>
+              <a:rPr lang="pt-BR" sz="1100" b="1" dirty="0" smtClean="0">
+                <a:latin typeface="Roboto" pitchFamily="2" charset="0"/>
+                <a:ea typeface="Roboto" pitchFamily="2" charset="0"/>
+              </a:rPr>
+              <a:t>Siemens</a:t>
+            </a:r>
+          </a:p>
+          <a:p>
+            <a:r>
+              <a:rPr lang="pt-BR" sz="1100" dirty="0" smtClean="0">
+                <a:latin typeface="Roboto" pitchFamily="2" charset="0"/>
+                <a:ea typeface="Roboto" pitchFamily="2" charset="0"/>
+              </a:rPr>
+              <a:t>Industrial </a:t>
+            </a:r>
+            <a:r>
+              <a:rPr lang="pt-BR" sz="1100" dirty="0" smtClean="0">
+                <a:latin typeface="Roboto" pitchFamily="2" charset="0"/>
+                <a:ea typeface="Roboto" pitchFamily="2" charset="0"/>
+              </a:rPr>
+              <a:t>IT </a:t>
+            </a:r>
+            <a:r>
+              <a:rPr lang="pt-BR" sz="1100" dirty="0" err="1" smtClean="0">
+                <a:latin typeface="Roboto" pitchFamily="2" charset="0"/>
+                <a:ea typeface="Roboto" pitchFamily="2" charset="0"/>
+              </a:rPr>
+              <a:t>Internship</a:t>
+            </a:r>
+            <a:endParaRPr lang="pt-BR" sz="1100" dirty="0">
+              <a:latin typeface="Roboto" pitchFamily="2" charset="0"/>
+              <a:ea typeface="Roboto" pitchFamily="2" charset="0"/>
+            </a:endParaRPr>
+          </a:p>
+        </p:txBody>
+      </p:sp>
+      <p:cxnSp>
+        <p:nvCxnSpPr>
+          <p:cNvPr id="24" name="Conector reto 23"/>
+          <p:cNvCxnSpPr>
+            <a:stCxn id="27" idx="0"/>
+            <a:endCxn id="16" idx="4"/>
+          </p:cNvCxnSpPr>
+          <p:nvPr/>
+        </p:nvCxnSpPr>
+        <p:spPr>
+          <a:xfrm rot="5400000" flipH="1" flipV="1">
+            <a:off x="3649151" y="5073624"/>
+            <a:ext cx="1083633" cy="1588"/>
+          </a:xfrm>
+          <a:prstGeom prst="line">
+            <a:avLst/>
+          </a:prstGeom>
+          <a:ln w="38100">
+            <a:solidFill>
+              <a:srgbClr val="048082"/>
+            </a:solidFill>
+          </a:ln>
+        </p:spPr>
+        <p:style>
+          <a:lnRef idx="1">
+            <a:schemeClr val="accent1"/>
+          </a:lnRef>
+          <a:fillRef idx="0">
+            <a:schemeClr val="accent1"/>
+          </a:fillRef>
+          <a:effectRef idx="0">
+            <a:schemeClr val="accent1"/>
+          </a:effectRef>
+          <a:fontRef idx="minor">
+            <a:schemeClr val="tx1"/>
+          </a:fontRef>
+        </p:style>
+      </p:cxnSp>
+      <p:cxnSp>
+        <p:nvCxnSpPr>
+          <p:cNvPr id="25" name="Conector reto 24"/>
+          <p:cNvCxnSpPr>
+            <a:stCxn id="16" idx="0"/>
+          </p:cNvCxnSpPr>
+          <p:nvPr/>
+        </p:nvCxnSpPr>
+        <p:spPr>
+          <a:xfrm rot="5400000" flipH="1" flipV="1">
+            <a:off x="3715039" y="3833493"/>
+            <a:ext cx="959931" cy="8073"/>
+          </a:xfrm>
+          <a:prstGeom prst="line">
+            <a:avLst/>
+          </a:prstGeom>
+          <a:ln w="38100">
+            <a:solidFill>
+              <a:schemeClr val="bg1">
+                <a:lumMod val="75000"/>
+              </a:schemeClr>
+            </a:solidFill>
+            <a:prstDash val="sysDot"/>
+          </a:ln>
+        </p:spPr>
+        <p:style>
+          <a:lnRef idx="1">
+            <a:schemeClr val="accent1"/>
+          </a:lnRef>
+          <a:fillRef idx="0">
+            <a:schemeClr val="accent1"/>
+          </a:fillRef>
+          <a:effectRef idx="0">
+            <a:schemeClr val="accent1"/>
+          </a:effectRef>
+          <a:fontRef idx="minor">
+            <a:schemeClr val="tx1"/>
+          </a:fontRef>
+        </p:style>
+      </p:cxnSp>
+      <p:sp>
+        <p:nvSpPr>
+          <p:cNvPr id="26" name="Elipse 25"/>
+          <p:cNvSpPr/>
+          <p:nvPr/>
+        </p:nvSpPr>
+        <p:spPr>
+          <a:xfrm>
+            <a:off x="4095684" y="3286124"/>
+            <a:ext cx="214314" cy="214314"/>
+          </a:xfrm>
+          <a:prstGeom prst="ellipse">
+            <a:avLst/>
+          </a:prstGeom>
+          <a:solidFill>
+            <a:schemeClr val="bg1">
+              <a:lumMod val="75000"/>
+            </a:schemeClr>
+          </a:solidFill>
+          <a:ln>
+            <a:solidFill>
+              <a:schemeClr val="bg1">
+                <a:lumMod val="75000"/>
+              </a:schemeClr>
+            </a:solidFill>
+          </a:ln>
+        </p:spPr>
+        <p:style>
+          <a:lnRef idx="2">
+            <a:schemeClr val="accent1">
+              <a:shade val="50000"/>
+            </a:schemeClr>
+          </a:lnRef>
+          <a:fillRef idx="1">
+            <a:schemeClr val="accent1"/>
+          </a:fillRef>
+          <a:effectRef idx="0">
+            <a:schemeClr val="accent1"/>
+          </a:effectRef>
+          <a:fontRef idx="minor">
+            <a:schemeClr val="lt1"/>
+          </a:fontRef>
+        </p:style>
+        <p:txBody>
+          <a:bodyPr rtlCol="0" anchor="ctr"/>
+          <a:lstStyle/>
+          <a:p>
+            <a:pPr algn="ctr"/>
+            <a:endParaRPr lang="pt-BR">
+              <a:latin typeface="Oswald Light" pitchFamily="2" charset="0"/>
+            </a:endParaRPr>
+          </a:p>
+        </p:txBody>
+      </p:sp>
+      <p:sp>
+        <p:nvSpPr>
+          <p:cNvPr id="27" name="Elipse 26"/>
+          <p:cNvSpPr/>
+          <p:nvPr/>
+        </p:nvSpPr>
+        <p:spPr>
+          <a:xfrm>
+            <a:off x="4083809" y="5615440"/>
+            <a:ext cx="214314" cy="214314"/>
+          </a:xfrm>
+          <a:prstGeom prst="ellipse">
+            <a:avLst/>
+          </a:prstGeom>
+          <a:solidFill>
+            <a:srgbClr val="ECA223"/>
+          </a:solidFill>
+          <a:ln>
+            <a:solidFill>
+              <a:srgbClr val="ECA223"/>
+            </a:solidFill>
+          </a:ln>
+        </p:spPr>
+        <p:style>
+          <a:lnRef idx="2">
+            <a:schemeClr val="accent1">
+              <a:shade val="50000"/>
+            </a:schemeClr>
+          </a:lnRef>
+          <a:fillRef idx="1">
+            <a:schemeClr val="accent1"/>
+          </a:fillRef>
+          <a:effectRef idx="0">
+            <a:schemeClr val="accent1"/>
+          </a:effectRef>
+          <a:fontRef idx="minor">
+            <a:schemeClr val="lt1"/>
+          </a:fontRef>
+        </p:style>
+        <p:txBody>
+          <a:bodyPr rtlCol="0" anchor="ctr"/>
+          <a:lstStyle/>
+          <a:p>
+            <a:pPr algn="ctr"/>
+            <a:endParaRPr lang="pt-BR">
+              <a:latin typeface="Oswald Light" pitchFamily="2" charset="0"/>
+            </a:endParaRPr>
+          </a:p>
+        </p:txBody>
+      </p:sp>
+      <p:cxnSp>
+        <p:nvCxnSpPr>
+          <p:cNvPr id="28" name="Conector reto 27"/>
+          <p:cNvCxnSpPr>
+            <a:endCxn id="27" idx="2"/>
+          </p:cNvCxnSpPr>
+          <p:nvPr/>
+        </p:nvCxnSpPr>
+        <p:spPr>
+          <a:xfrm>
+            <a:off x="1726355" y="5715016"/>
+            <a:ext cx="2357454" cy="7581"/>
+          </a:xfrm>
+          <a:prstGeom prst="line">
+            <a:avLst/>
+          </a:prstGeom>
+          <a:ln w="38100">
+            <a:solidFill>
+              <a:srgbClr val="ECA223"/>
+            </a:solidFill>
+          </a:ln>
+        </p:spPr>
+        <p:style>
+          <a:lnRef idx="1">
+            <a:schemeClr val="accent1"/>
+          </a:lnRef>
+          <a:fillRef idx="0">
+            <a:schemeClr val="accent1"/>
+          </a:fillRef>
+          <a:effectRef idx="0">
+            <a:schemeClr val="accent1"/>
+          </a:effectRef>
+          <a:fontRef idx="minor">
+            <a:schemeClr val="tx1"/>
+          </a:fontRef>
+        </p:style>
+      </p:cxnSp>
+      <p:sp>
+        <p:nvSpPr>
+          <p:cNvPr id="29" name="CaixaDeTexto 28"/>
+          <p:cNvSpPr txBox="1"/>
+          <p:nvPr/>
+        </p:nvSpPr>
+        <p:spPr>
+          <a:xfrm>
+            <a:off x="1726355" y="5345764"/>
+            <a:ext cx="2357454" cy="346249"/>
+          </a:xfrm>
+          <a:prstGeom prst="rect">
+            <a:avLst/>
+          </a:prstGeom>
+          <a:noFill/>
+        </p:spPr>
+        <p:txBody>
+          <a:bodyPr wrap="square" rtlCol="0">
+            <a:spAutoFit/>
+          </a:bodyPr>
+          <a:lstStyle/>
+          <a:p>
+            <a:r>
+              <a:rPr lang="pt-BR" sz="1650" dirty="0" smtClean="0">
+                <a:latin typeface="Oswald" pitchFamily="2" charset="0"/>
+                <a:ea typeface="Roboto" pitchFamily="2" charset="0"/>
+              </a:rPr>
+              <a:t>Jan</a:t>
+            </a:r>
+            <a:r>
+              <a:rPr lang="pt-BR" sz="1650" dirty="0" smtClean="0">
+                <a:latin typeface="Oswald" pitchFamily="2" charset="0"/>
+                <a:ea typeface="Roboto" pitchFamily="2" charset="0"/>
+              </a:rPr>
+              <a:t>/2012 </a:t>
+            </a:r>
+            <a:r>
+              <a:rPr lang="pt-BR" sz="1650" dirty="0" smtClean="0">
+                <a:latin typeface="Oswald" pitchFamily="2" charset="0"/>
+                <a:ea typeface="Roboto" pitchFamily="2" charset="0"/>
+              </a:rPr>
+              <a:t>– </a:t>
+            </a:r>
+            <a:r>
+              <a:rPr lang="pt-BR" sz="1650" dirty="0" err="1" smtClean="0">
+                <a:latin typeface="Oswald" pitchFamily="2" charset="0"/>
+                <a:ea typeface="Roboto" pitchFamily="2" charset="0"/>
+              </a:rPr>
+              <a:t>Dec</a:t>
+            </a:r>
+            <a:r>
+              <a:rPr lang="pt-BR" sz="1650" dirty="0" smtClean="0">
+                <a:latin typeface="Oswald" pitchFamily="2" charset="0"/>
+                <a:ea typeface="Roboto" pitchFamily="2" charset="0"/>
+              </a:rPr>
+              <a:t>/2012</a:t>
+            </a:r>
+            <a:endParaRPr lang="pt-BR" sz="1650" dirty="0">
+              <a:latin typeface="Oswald" pitchFamily="2" charset="0"/>
+              <a:ea typeface="Roboto" pitchFamily="2" charset="0"/>
+            </a:endParaRPr>
+          </a:p>
+        </p:txBody>
+      </p:sp>
+      <p:sp>
+        <p:nvSpPr>
+          <p:cNvPr id="30" name="CaixaDeTexto 29"/>
+          <p:cNvSpPr txBox="1"/>
+          <p:nvPr/>
+        </p:nvSpPr>
+        <p:spPr>
+          <a:xfrm>
+            <a:off x="1726355" y="5774313"/>
+            <a:ext cx="2357454" cy="430887"/>
+          </a:xfrm>
+          <a:prstGeom prst="rect">
+            <a:avLst/>
+          </a:prstGeom>
+          <a:noFill/>
+        </p:spPr>
+        <p:txBody>
+          <a:bodyPr wrap="square" rtlCol="0">
+            <a:spAutoFit/>
+          </a:bodyPr>
+          <a:lstStyle/>
+          <a:p>
+            <a:r>
+              <a:rPr lang="pt-BR" sz="1100" b="1" dirty="0" smtClean="0">
+                <a:latin typeface="Roboto" pitchFamily="2" charset="0"/>
+                <a:ea typeface="Roboto" pitchFamily="2" charset="0"/>
+              </a:rPr>
+              <a:t>CPE Jr</a:t>
+            </a:r>
+          </a:p>
+          <a:p>
+            <a:r>
+              <a:rPr lang="pt-BR" sz="1100" dirty="0" smtClean="0">
+                <a:latin typeface="Roboto" pitchFamily="2" charset="0"/>
+                <a:ea typeface="Roboto" pitchFamily="2" charset="0"/>
+              </a:rPr>
+              <a:t>Project </a:t>
+            </a:r>
+            <a:r>
+              <a:rPr lang="pt-BR" sz="1100" dirty="0" err="1" smtClean="0">
+                <a:latin typeface="Roboto" pitchFamily="2" charset="0"/>
+                <a:ea typeface="Roboto" pitchFamily="2" charset="0"/>
+              </a:rPr>
+              <a:t>Assistant</a:t>
+            </a:r>
+            <a:endParaRPr lang="pt-BR" sz="1100" dirty="0">
+              <a:latin typeface="Roboto" pitchFamily="2" charset="0"/>
+              <a:ea typeface="Roboto" pitchFamily="2" charset="0"/>
+            </a:endParaRPr>
+          </a:p>
+        </p:txBody>
+      </p:sp>
+      <p:cxnSp>
+        <p:nvCxnSpPr>
+          <p:cNvPr id="31" name="Conector reto 30"/>
+          <p:cNvCxnSpPr/>
+          <p:nvPr/>
+        </p:nvCxnSpPr>
+        <p:spPr>
+          <a:xfrm rot="5400000" flipH="1" flipV="1">
+            <a:off x="3669904" y="6264123"/>
+            <a:ext cx="1043432" cy="1494"/>
+          </a:xfrm>
+          <a:prstGeom prst="line">
+            <a:avLst/>
+          </a:prstGeom>
+          <a:ln w="38100">
+            <a:solidFill>
+              <a:srgbClr val="ECA223"/>
+            </a:solidFill>
+          </a:ln>
+        </p:spPr>
+        <p:style>
+          <a:lnRef idx="1">
+            <a:schemeClr val="accent1"/>
+          </a:lnRef>
+          <a:fillRef idx="0">
+            <a:schemeClr val="accent1"/>
+          </a:fillRef>
+          <a:effectRef idx="0">
+            <a:schemeClr val="accent1"/>
+          </a:effectRef>
+          <a:fontRef idx="minor">
+            <a:schemeClr val="tx1"/>
+          </a:fontRef>
+        </p:style>
+      </p:cxnSp>
+      <p:cxnSp>
+        <p:nvCxnSpPr>
+          <p:cNvPr id="32" name="Conector reto 31"/>
+          <p:cNvCxnSpPr>
+            <a:stCxn id="48" idx="0"/>
+            <a:endCxn id="33" idx="4"/>
+          </p:cNvCxnSpPr>
+          <p:nvPr/>
+        </p:nvCxnSpPr>
+        <p:spPr>
+          <a:xfrm rot="16200000" flipV="1">
+            <a:off x="3950617" y="1414762"/>
+            <a:ext cx="1301959" cy="11875"/>
+          </a:xfrm>
+          <a:prstGeom prst="line">
+            <a:avLst/>
+          </a:prstGeom>
+          <a:ln w="38100">
+            <a:solidFill>
+              <a:srgbClr val="59AC87"/>
+            </a:solidFill>
+          </a:ln>
+        </p:spPr>
+        <p:style>
+          <a:lnRef idx="1">
+            <a:schemeClr val="accent1"/>
+          </a:lnRef>
+          <a:fillRef idx="0">
+            <a:schemeClr val="accent1"/>
+          </a:fillRef>
+          <a:effectRef idx="0">
+            <a:schemeClr val="accent1"/>
+          </a:effectRef>
+          <a:fontRef idx="minor">
+            <a:schemeClr val="tx1"/>
+          </a:fontRef>
+        </p:style>
+      </p:cxnSp>
+      <p:sp>
+        <p:nvSpPr>
+          <p:cNvPr id="33" name="Elipse 32"/>
+          <p:cNvSpPr/>
+          <p:nvPr/>
+        </p:nvSpPr>
+        <p:spPr>
+          <a:xfrm>
+            <a:off x="4488499" y="555406"/>
+            <a:ext cx="214314" cy="214314"/>
+          </a:xfrm>
+          <a:prstGeom prst="ellipse">
+            <a:avLst/>
+          </a:prstGeom>
+          <a:solidFill>
+            <a:srgbClr val="59AC87"/>
+          </a:solidFill>
+          <a:ln>
+            <a:solidFill>
+              <a:srgbClr val="59AC87"/>
+            </a:solidFill>
+          </a:ln>
+        </p:spPr>
+        <p:style>
+          <a:lnRef idx="2">
+            <a:schemeClr val="accent1">
+              <a:shade val="50000"/>
+            </a:schemeClr>
+          </a:lnRef>
+          <a:fillRef idx="1">
+            <a:schemeClr val="accent1"/>
+          </a:fillRef>
+          <a:effectRef idx="0">
+            <a:schemeClr val="accent1"/>
+          </a:effectRef>
+          <a:fontRef idx="minor">
+            <a:schemeClr val="lt1"/>
+          </a:fontRef>
+        </p:style>
+        <p:txBody>
+          <a:bodyPr rtlCol="0" anchor="ctr"/>
+          <a:lstStyle/>
+          <a:p>
+            <a:pPr algn="ctr"/>
+            <a:endParaRPr lang="pt-BR">
+              <a:latin typeface="Oswald Light" pitchFamily="2" charset="0"/>
+            </a:endParaRPr>
+          </a:p>
+        </p:txBody>
+      </p:sp>
+      <p:cxnSp>
+        <p:nvCxnSpPr>
+          <p:cNvPr id="34" name="Conector reto 33"/>
+          <p:cNvCxnSpPr/>
+          <p:nvPr/>
+        </p:nvCxnSpPr>
+        <p:spPr>
+          <a:xfrm>
+            <a:off x="4655313" y="654982"/>
+            <a:ext cx="2357454" cy="7581"/>
+          </a:xfrm>
+          <a:prstGeom prst="line">
+            <a:avLst/>
+          </a:prstGeom>
+          <a:ln w="38100">
+            <a:solidFill>
+              <a:srgbClr val="59AC87"/>
+            </a:solidFill>
+          </a:ln>
+        </p:spPr>
+        <p:style>
+          <a:lnRef idx="1">
+            <a:schemeClr val="accent1"/>
+          </a:lnRef>
+          <a:fillRef idx="0">
+            <a:schemeClr val="accent1"/>
+          </a:fillRef>
+          <a:effectRef idx="0">
+            <a:schemeClr val="accent1"/>
+          </a:effectRef>
+          <a:fontRef idx="minor">
+            <a:schemeClr val="tx1"/>
+          </a:fontRef>
+        </p:style>
+      </p:cxnSp>
+      <p:sp>
+        <p:nvSpPr>
+          <p:cNvPr id="35" name="CaixaDeTexto 34"/>
+          <p:cNvSpPr txBox="1"/>
+          <p:nvPr/>
+        </p:nvSpPr>
+        <p:spPr>
+          <a:xfrm>
+            <a:off x="4714876" y="285728"/>
+            <a:ext cx="2357454" cy="346249"/>
+          </a:xfrm>
+          <a:prstGeom prst="rect">
+            <a:avLst/>
+          </a:prstGeom>
+          <a:noFill/>
+        </p:spPr>
+        <p:txBody>
+          <a:bodyPr wrap="square" rtlCol="0">
+            <a:spAutoFit/>
+          </a:bodyPr>
+          <a:lstStyle/>
+          <a:p>
+            <a:pPr algn="r"/>
+            <a:r>
+              <a:rPr lang="pt-BR" sz="1650" dirty="0" err="1" smtClean="0">
+                <a:latin typeface="Oswald" pitchFamily="2" charset="0"/>
+                <a:ea typeface="Roboto" pitchFamily="2" charset="0"/>
+              </a:rPr>
+              <a:t>Apr</a:t>
+            </a:r>
+            <a:r>
+              <a:rPr lang="pt-BR" sz="1650" dirty="0" smtClean="0">
+                <a:latin typeface="Oswald" pitchFamily="2" charset="0"/>
+                <a:ea typeface="Roboto" pitchFamily="2" charset="0"/>
+              </a:rPr>
+              <a:t>/2016 – </a:t>
+            </a:r>
+            <a:r>
+              <a:rPr lang="pt-BR" sz="1650" dirty="0" err="1" smtClean="0">
+                <a:latin typeface="Oswald" pitchFamily="2" charset="0"/>
+                <a:ea typeface="Roboto" pitchFamily="2" charset="0"/>
+              </a:rPr>
+              <a:t>May</a:t>
+            </a:r>
+            <a:r>
+              <a:rPr lang="pt-BR" sz="1650" dirty="0" smtClean="0">
+                <a:latin typeface="Oswald" pitchFamily="2" charset="0"/>
+                <a:ea typeface="Roboto" pitchFamily="2" charset="0"/>
+              </a:rPr>
+              <a:t>/2018</a:t>
+            </a:r>
+            <a:endParaRPr lang="pt-BR" sz="1650" dirty="0">
+              <a:latin typeface="Oswald" pitchFamily="2" charset="0"/>
+              <a:ea typeface="Roboto" pitchFamily="2" charset="0"/>
+            </a:endParaRPr>
+          </a:p>
+        </p:txBody>
+      </p:sp>
+      <p:sp>
+        <p:nvSpPr>
+          <p:cNvPr id="36" name="CaixaDeTexto 35"/>
+          <p:cNvSpPr txBox="1"/>
+          <p:nvPr/>
+        </p:nvSpPr>
+        <p:spPr>
+          <a:xfrm>
+            <a:off x="4714876" y="714277"/>
+            <a:ext cx="2357454" cy="600164"/>
+          </a:xfrm>
+          <a:prstGeom prst="rect">
+            <a:avLst/>
+          </a:prstGeom>
+          <a:noFill/>
+        </p:spPr>
+        <p:txBody>
+          <a:bodyPr wrap="square" rtlCol="0">
+            <a:spAutoFit/>
+          </a:bodyPr>
+          <a:lstStyle/>
+          <a:p>
+            <a:pPr algn="r"/>
+            <a:r>
+              <a:rPr lang="pt-BR" sz="1100" b="1" dirty="0" smtClean="0">
+                <a:latin typeface="Roboto" pitchFamily="2" charset="0"/>
+                <a:ea typeface="Roboto" pitchFamily="2" charset="0"/>
+              </a:rPr>
+              <a:t>PUC-MG</a:t>
+            </a:r>
+          </a:p>
+          <a:p>
+            <a:pPr algn="r"/>
+            <a:r>
+              <a:rPr lang="pt-BR" sz="1100" dirty="0" smtClean="0">
+                <a:latin typeface="Roboto" pitchFamily="2" charset="0"/>
+                <a:ea typeface="Roboto" pitchFamily="2" charset="0"/>
+              </a:rPr>
+              <a:t>Lato </a:t>
+            </a:r>
+            <a:r>
+              <a:rPr lang="pt-BR" sz="1100" dirty="0" err="1" smtClean="0">
+                <a:latin typeface="Roboto" pitchFamily="2" charset="0"/>
+                <a:ea typeface="Roboto" pitchFamily="2" charset="0"/>
+              </a:rPr>
+              <a:t>Sensu</a:t>
+            </a:r>
+            <a:r>
+              <a:rPr lang="pt-BR" sz="1100" dirty="0" smtClean="0">
+                <a:latin typeface="Roboto" pitchFamily="2" charset="0"/>
+                <a:ea typeface="Roboto" pitchFamily="2" charset="0"/>
+              </a:rPr>
+              <a:t> </a:t>
+            </a:r>
+            <a:r>
+              <a:rPr lang="pt-BR" sz="1100" dirty="0" err="1" smtClean="0">
+                <a:latin typeface="Roboto" pitchFamily="2" charset="0"/>
+                <a:ea typeface="Roboto" pitchFamily="2" charset="0"/>
+              </a:rPr>
+              <a:t>Postgraduate</a:t>
+            </a:r>
+            <a:r>
+              <a:rPr lang="pt-BR" sz="1100" dirty="0" smtClean="0">
+                <a:latin typeface="Roboto" pitchFamily="2" charset="0"/>
+                <a:ea typeface="Roboto" pitchFamily="2" charset="0"/>
+              </a:rPr>
+              <a:t> </a:t>
+            </a:r>
+            <a:r>
+              <a:rPr lang="pt-BR" sz="1100" dirty="0" err="1" smtClean="0">
+                <a:latin typeface="Roboto" pitchFamily="2" charset="0"/>
+                <a:ea typeface="Roboto" pitchFamily="2" charset="0"/>
+              </a:rPr>
+              <a:t>course</a:t>
+            </a:r>
+            <a:r>
+              <a:rPr lang="pt-BR" sz="1100" dirty="0" smtClean="0">
+                <a:latin typeface="Roboto" pitchFamily="2" charset="0"/>
+                <a:ea typeface="Roboto" pitchFamily="2" charset="0"/>
+              </a:rPr>
+              <a:t> in Web Applications </a:t>
+            </a:r>
+            <a:r>
+              <a:rPr lang="pt-BR" sz="1100" dirty="0" err="1" smtClean="0">
+                <a:latin typeface="Roboto" pitchFamily="2" charset="0"/>
+                <a:ea typeface="Roboto" pitchFamily="2" charset="0"/>
+              </a:rPr>
+              <a:t>Development</a:t>
+            </a:r>
+            <a:endParaRPr lang="pt-BR" sz="1100" dirty="0">
+              <a:latin typeface="Roboto" pitchFamily="2" charset="0"/>
+              <a:ea typeface="Roboto" pitchFamily="2" charset="0"/>
+            </a:endParaRPr>
+          </a:p>
+        </p:txBody>
+      </p:sp>
+      <p:cxnSp>
+        <p:nvCxnSpPr>
+          <p:cNvPr id="37" name="Conector reto 36"/>
+          <p:cNvCxnSpPr>
+            <a:stCxn id="42" idx="0"/>
+          </p:cNvCxnSpPr>
+          <p:nvPr/>
+        </p:nvCxnSpPr>
+        <p:spPr>
+          <a:xfrm rot="16200000" flipV="1">
+            <a:off x="3953651" y="3675487"/>
+            <a:ext cx="1273821" cy="10193"/>
+          </a:xfrm>
+          <a:prstGeom prst="line">
+            <a:avLst/>
+          </a:prstGeom>
+          <a:ln w="38100">
+            <a:solidFill>
+              <a:srgbClr val="E05B55"/>
+            </a:solidFill>
+          </a:ln>
+        </p:spPr>
+        <p:style>
+          <a:lnRef idx="1">
+            <a:schemeClr val="accent1"/>
+          </a:lnRef>
+          <a:fillRef idx="0">
+            <a:schemeClr val="accent1"/>
+          </a:fillRef>
+          <a:effectRef idx="0">
+            <a:schemeClr val="accent1"/>
+          </a:effectRef>
+          <a:fontRef idx="minor">
+            <a:schemeClr val="tx1"/>
+          </a:fontRef>
+        </p:style>
+      </p:cxnSp>
+      <p:sp>
+        <p:nvSpPr>
+          <p:cNvPr id="38" name="Elipse 37"/>
+          <p:cNvSpPr/>
+          <p:nvPr/>
+        </p:nvSpPr>
+        <p:spPr>
+          <a:xfrm>
+            <a:off x="4488499" y="2841421"/>
+            <a:ext cx="214314" cy="214314"/>
+          </a:xfrm>
+          <a:prstGeom prst="ellipse">
+            <a:avLst/>
+          </a:prstGeom>
+          <a:solidFill>
+            <a:srgbClr val="E05B55"/>
+          </a:solidFill>
+          <a:ln>
+            <a:solidFill>
+              <a:srgbClr val="E05B55"/>
+            </a:solidFill>
+          </a:ln>
+        </p:spPr>
+        <p:style>
+          <a:lnRef idx="2">
+            <a:schemeClr val="accent1">
+              <a:shade val="50000"/>
+            </a:schemeClr>
+          </a:lnRef>
+          <a:fillRef idx="1">
+            <a:schemeClr val="accent1"/>
+          </a:fillRef>
+          <a:effectRef idx="0">
+            <a:schemeClr val="accent1"/>
+          </a:effectRef>
+          <a:fontRef idx="minor">
+            <a:schemeClr val="lt1"/>
+          </a:fontRef>
+        </p:style>
+        <p:txBody>
+          <a:bodyPr rtlCol="0" anchor="ctr"/>
+          <a:lstStyle/>
+          <a:p>
+            <a:pPr algn="ctr"/>
+            <a:endParaRPr lang="pt-BR">
+              <a:latin typeface="Oswald Light" pitchFamily="2" charset="0"/>
+            </a:endParaRPr>
+          </a:p>
+        </p:txBody>
+      </p:sp>
+      <p:cxnSp>
+        <p:nvCxnSpPr>
+          <p:cNvPr id="39" name="Conector reto 38"/>
+          <p:cNvCxnSpPr/>
+          <p:nvPr/>
+        </p:nvCxnSpPr>
+        <p:spPr>
+          <a:xfrm>
+            <a:off x="4655313" y="2940997"/>
+            <a:ext cx="2357454" cy="7581"/>
+          </a:xfrm>
+          <a:prstGeom prst="line">
+            <a:avLst/>
+          </a:prstGeom>
+          <a:ln w="38100">
+            <a:solidFill>
+              <a:srgbClr val="E05B55"/>
+            </a:solidFill>
+          </a:ln>
+        </p:spPr>
+        <p:style>
+          <a:lnRef idx="1">
+            <a:schemeClr val="accent1"/>
+          </a:lnRef>
+          <a:fillRef idx="0">
+            <a:schemeClr val="accent1"/>
+          </a:fillRef>
+          <a:effectRef idx="0">
+            <a:schemeClr val="accent1"/>
+          </a:effectRef>
+          <a:fontRef idx="minor">
+            <a:schemeClr val="tx1"/>
+          </a:fontRef>
+        </p:style>
+      </p:cxnSp>
+      <p:sp>
+        <p:nvSpPr>
+          <p:cNvPr id="40" name="CaixaDeTexto 39"/>
+          <p:cNvSpPr txBox="1"/>
+          <p:nvPr/>
+        </p:nvSpPr>
+        <p:spPr>
+          <a:xfrm>
+            <a:off x="4714876" y="2571745"/>
+            <a:ext cx="2357454" cy="346249"/>
+          </a:xfrm>
+          <a:prstGeom prst="rect">
+            <a:avLst/>
+          </a:prstGeom>
+          <a:noFill/>
+        </p:spPr>
+        <p:txBody>
+          <a:bodyPr wrap="square" rtlCol="0">
+            <a:spAutoFit/>
+          </a:bodyPr>
+          <a:lstStyle/>
+          <a:p>
+            <a:pPr algn="r"/>
+            <a:r>
+              <a:rPr lang="pt-BR" sz="1650" dirty="0" smtClean="0">
+                <a:latin typeface="Oswald" pitchFamily="2" charset="0"/>
+                <a:ea typeface="Roboto" pitchFamily="2" charset="0"/>
+              </a:rPr>
+              <a:t>Mar/2009 </a:t>
+            </a:r>
+            <a:r>
+              <a:rPr lang="pt-BR" sz="1650" dirty="0" smtClean="0">
+                <a:latin typeface="Oswald" pitchFamily="2" charset="0"/>
+                <a:ea typeface="Roboto" pitchFamily="2" charset="0"/>
+              </a:rPr>
+              <a:t>– Jul/2015</a:t>
+            </a:r>
+            <a:endParaRPr lang="pt-BR" sz="1650" dirty="0">
+              <a:latin typeface="Oswald" pitchFamily="2" charset="0"/>
+              <a:ea typeface="Roboto" pitchFamily="2" charset="0"/>
+            </a:endParaRPr>
+          </a:p>
+        </p:txBody>
+      </p:sp>
+      <p:sp>
+        <p:nvSpPr>
+          <p:cNvPr id="41" name="CaixaDeTexto 40"/>
+          <p:cNvSpPr txBox="1"/>
+          <p:nvPr/>
+        </p:nvSpPr>
+        <p:spPr>
+          <a:xfrm>
+            <a:off x="4714876" y="3000293"/>
+            <a:ext cx="2357454" cy="600164"/>
+          </a:xfrm>
+          <a:prstGeom prst="rect">
+            <a:avLst/>
+          </a:prstGeom>
+          <a:noFill/>
+        </p:spPr>
+        <p:txBody>
+          <a:bodyPr wrap="square" rtlCol="0">
+            <a:spAutoFit/>
+          </a:bodyPr>
+          <a:lstStyle/>
+          <a:p>
+            <a:pPr algn="r"/>
+            <a:r>
+              <a:rPr lang="pt-BR" sz="1100" b="1" dirty="0" smtClean="0">
+                <a:latin typeface="Roboto" pitchFamily="2" charset="0"/>
+                <a:ea typeface="Roboto" pitchFamily="2" charset="0"/>
+              </a:rPr>
+              <a:t>UFMG</a:t>
+            </a:r>
+            <a:endParaRPr lang="pt-BR" sz="1200" b="1" dirty="0" smtClean="0">
+              <a:latin typeface="Roboto" pitchFamily="2" charset="0"/>
+              <a:ea typeface="Roboto" pitchFamily="2" charset="0"/>
+            </a:endParaRPr>
+          </a:p>
+          <a:p>
+            <a:pPr algn="r"/>
+            <a:r>
+              <a:rPr lang="pt-BR" sz="1100" dirty="0" err="1" smtClean="0">
+                <a:latin typeface="Roboto" pitchFamily="2" charset="0"/>
+                <a:ea typeface="Roboto" pitchFamily="2" charset="0"/>
+              </a:rPr>
+              <a:t>Control</a:t>
+            </a:r>
+            <a:r>
+              <a:rPr lang="pt-BR" sz="1100" dirty="0" smtClean="0">
+                <a:latin typeface="Roboto" pitchFamily="2" charset="0"/>
+                <a:ea typeface="Roboto" pitchFamily="2" charset="0"/>
+              </a:rPr>
+              <a:t> </a:t>
+            </a:r>
+            <a:r>
+              <a:rPr lang="pt-BR" sz="1100" dirty="0" err="1" smtClean="0">
+                <a:latin typeface="Roboto" pitchFamily="2" charset="0"/>
+                <a:ea typeface="Roboto" pitchFamily="2" charset="0"/>
+              </a:rPr>
+              <a:t>and</a:t>
+            </a:r>
+            <a:r>
+              <a:rPr lang="pt-BR" sz="1100" dirty="0" smtClean="0">
+                <a:latin typeface="Roboto" pitchFamily="2" charset="0"/>
+                <a:ea typeface="Roboto" pitchFamily="2" charset="0"/>
+              </a:rPr>
+              <a:t> </a:t>
+            </a:r>
+            <a:r>
+              <a:rPr lang="pt-BR" sz="1100" dirty="0" err="1" smtClean="0">
+                <a:latin typeface="Roboto" pitchFamily="2" charset="0"/>
+                <a:ea typeface="Roboto" pitchFamily="2" charset="0"/>
+              </a:rPr>
+              <a:t>Automation</a:t>
+            </a:r>
+            <a:r>
+              <a:rPr lang="pt-BR" sz="1100" dirty="0" smtClean="0">
+                <a:latin typeface="Roboto" pitchFamily="2" charset="0"/>
+                <a:ea typeface="Roboto" pitchFamily="2" charset="0"/>
+              </a:rPr>
+              <a:t> </a:t>
+            </a:r>
+            <a:r>
+              <a:rPr lang="pt-BR" sz="1100" dirty="0" err="1" smtClean="0">
+                <a:latin typeface="Roboto" pitchFamily="2" charset="0"/>
+                <a:ea typeface="Roboto" pitchFamily="2" charset="0"/>
+              </a:rPr>
+              <a:t>Engineering</a:t>
+            </a:r>
+            <a:r>
+              <a:rPr lang="pt-BR" sz="1100" dirty="0" smtClean="0">
+                <a:latin typeface="Roboto" pitchFamily="2" charset="0"/>
+                <a:ea typeface="Roboto" pitchFamily="2" charset="0"/>
+              </a:rPr>
+              <a:t> </a:t>
+            </a:r>
+            <a:r>
+              <a:rPr lang="pt-BR" sz="1100" dirty="0" err="1" smtClean="0">
+                <a:latin typeface="Roboto" pitchFamily="2" charset="0"/>
+                <a:ea typeface="Roboto" pitchFamily="2" charset="0"/>
+              </a:rPr>
+              <a:t>BSc</a:t>
+            </a:r>
+            <a:endParaRPr lang="pt-BR" sz="1100" dirty="0">
+              <a:latin typeface="Roboto" pitchFamily="2" charset="0"/>
+              <a:ea typeface="Roboto" pitchFamily="2" charset="0"/>
+            </a:endParaRPr>
+          </a:p>
+        </p:txBody>
+      </p:sp>
+      <p:sp>
+        <p:nvSpPr>
+          <p:cNvPr id="42" name="Elipse 41"/>
+          <p:cNvSpPr/>
+          <p:nvPr/>
+        </p:nvSpPr>
+        <p:spPr>
+          <a:xfrm>
+            <a:off x="4488499" y="4317493"/>
+            <a:ext cx="214314" cy="214314"/>
+          </a:xfrm>
+          <a:prstGeom prst="ellipse">
+            <a:avLst/>
+          </a:prstGeom>
+          <a:solidFill>
+            <a:srgbClr val="048082"/>
+          </a:solidFill>
+          <a:ln>
+            <a:solidFill>
+              <a:srgbClr val="048082"/>
+            </a:solidFill>
+          </a:ln>
+        </p:spPr>
+        <p:style>
+          <a:lnRef idx="2">
+            <a:schemeClr val="accent1">
+              <a:shade val="50000"/>
+            </a:schemeClr>
+          </a:lnRef>
+          <a:fillRef idx="1">
+            <a:schemeClr val="accent1"/>
+          </a:fillRef>
+          <a:effectRef idx="0">
+            <a:schemeClr val="accent1"/>
+          </a:effectRef>
+          <a:fontRef idx="minor">
+            <a:schemeClr val="lt1"/>
+          </a:fontRef>
+        </p:style>
+        <p:txBody>
+          <a:bodyPr rtlCol="0" anchor="ctr"/>
+          <a:lstStyle/>
+          <a:p>
+            <a:pPr algn="ctr"/>
+            <a:endParaRPr lang="pt-BR">
+              <a:latin typeface="Oswald Light" pitchFamily="2" charset="0"/>
+            </a:endParaRPr>
+          </a:p>
+        </p:txBody>
+      </p:sp>
+      <p:cxnSp>
+        <p:nvCxnSpPr>
+          <p:cNvPr id="43" name="Conector reto 42"/>
+          <p:cNvCxnSpPr/>
+          <p:nvPr/>
+        </p:nvCxnSpPr>
+        <p:spPr>
+          <a:xfrm>
+            <a:off x="4655313" y="4417070"/>
+            <a:ext cx="2357454" cy="7581"/>
+          </a:xfrm>
+          <a:prstGeom prst="line">
+            <a:avLst/>
+          </a:prstGeom>
+          <a:ln w="38100">
+            <a:solidFill>
+              <a:srgbClr val="048082"/>
+            </a:solidFill>
+          </a:ln>
+        </p:spPr>
+        <p:style>
+          <a:lnRef idx="1">
+            <a:schemeClr val="accent1"/>
+          </a:lnRef>
+          <a:fillRef idx="0">
+            <a:schemeClr val="accent1"/>
+          </a:fillRef>
+          <a:effectRef idx="0">
+            <a:schemeClr val="accent1"/>
+          </a:effectRef>
+          <a:fontRef idx="minor">
+            <a:schemeClr val="tx1"/>
+          </a:fontRef>
+        </p:style>
+      </p:cxnSp>
+      <p:sp>
+        <p:nvSpPr>
+          <p:cNvPr id="44" name="CaixaDeTexto 43"/>
+          <p:cNvSpPr txBox="1"/>
+          <p:nvPr/>
+        </p:nvSpPr>
+        <p:spPr>
+          <a:xfrm>
+            <a:off x="4714876" y="4047817"/>
+            <a:ext cx="2357454" cy="346249"/>
+          </a:xfrm>
+          <a:prstGeom prst="rect">
+            <a:avLst/>
+          </a:prstGeom>
+          <a:noFill/>
+        </p:spPr>
+        <p:txBody>
+          <a:bodyPr wrap="square" rtlCol="0">
+            <a:spAutoFit/>
+          </a:bodyPr>
+          <a:lstStyle/>
+          <a:p>
+            <a:pPr algn="r"/>
+            <a:r>
+              <a:rPr lang="pt-BR" sz="1650" dirty="0" err="1" smtClean="0">
+                <a:latin typeface="Oswald" pitchFamily="2" charset="0"/>
+                <a:ea typeface="Roboto" pitchFamily="2" charset="0"/>
+              </a:rPr>
+              <a:t>Sep</a:t>
+            </a:r>
+            <a:r>
+              <a:rPr lang="pt-BR" sz="1650" dirty="0" smtClean="0">
+                <a:latin typeface="Oswald" pitchFamily="2" charset="0"/>
+                <a:ea typeface="Roboto" pitchFamily="2" charset="0"/>
+              </a:rPr>
+              <a:t>/2013 – </a:t>
+            </a:r>
+            <a:r>
+              <a:rPr lang="pt-BR" sz="1650" dirty="0" err="1" smtClean="0">
+                <a:latin typeface="Oswald" pitchFamily="2" charset="0"/>
+                <a:ea typeface="Roboto" pitchFamily="2" charset="0"/>
+              </a:rPr>
+              <a:t>Aug</a:t>
+            </a:r>
+            <a:r>
+              <a:rPr lang="pt-BR" sz="1650" dirty="0" smtClean="0">
+                <a:latin typeface="Oswald" pitchFamily="2" charset="0"/>
+                <a:ea typeface="Roboto" pitchFamily="2" charset="0"/>
+              </a:rPr>
+              <a:t>/2014</a:t>
+            </a:r>
+            <a:endParaRPr lang="pt-BR" sz="1650" dirty="0">
+              <a:latin typeface="Oswald" pitchFamily="2" charset="0"/>
+              <a:ea typeface="Roboto" pitchFamily="2" charset="0"/>
+            </a:endParaRPr>
+          </a:p>
+        </p:txBody>
+      </p:sp>
+      <p:sp>
+        <p:nvSpPr>
+          <p:cNvPr id="45" name="CaixaDeTexto 44"/>
+          <p:cNvSpPr txBox="1"/>
+          <p:nvPr/>
+        </p:nvSpPr>
+        <p:spPr>
+          <a:xfrm>
+            <a:off x="4714876" y="4476366"/>
+            <a:ext cx="2357454" cy="430887"/>
+          </a:xfrm>
+          <a:prstGeom prst="rect">
+            <a:avLst/>
+          </a:prstGeom>
+          <a:noFill/>
+        </p:spPr>
+        <p:txBody>
+          <a:bodyPr wrap="square" rtlCol="0">
+            <a:spAutoFit/>
+          </a:bodyPr>
+          <a:lstStyle/>
+          <a:p>
+            <a:pPr algn="r"/>
+            <a:r>
+              <a:rPr lang="pt-BR" sz="1100" b="1" dirty="0" err="1" smtClean="0">
+                <a:latin typeface="Roboto" pitchFamily="2" charset="0"/>
+                <a:ea typeface="Roboto" pitchFamily="2" charset="0"/>
+              </a:rPr>
+              <a:t>Óbuda</a:t>
+            </a:r>
+            <a:r>
+              <a:rPr lang="pt-BR" sz="1100" b="1" dirty="0" smtClean="0">
+                <a:latin typeface="Roboto" pitchFamily="2" charset="0"/>
+                <a:ea typeface="Roboto" pitchFamily="2" charset="0"/>
+              </a:rPr>
+              <a:t> </a:t>
+            </a:r>
+            <a:r>
+              <a:rPr lang="pt-BR" sz="1100" b="1" dirty="0" err="1" smtClean="0">
+                <a:latin typeface="Roboto" pitchFamily="2" charset="0"/>
+                <a:ea typeface="Roboto" pitchFamily="2" charset="0"/>
+              </a:rPr>
+              <a:t>University</a:t>
+            </a:r>
+            <a:endParaRPr lang="pt-BR" sz="1100" b="1" dirty="0" smtClean="0">
+              <a:latin typeface="Roboto" pitchFamily="2" charset="0"/>
+              <a:ea typeface="Roboto" pitchFamily="2" charset="0"/>
+            </a:endParaRPr>
+          </a:p>
+          <a:p>
+            <a:pPr algn="r"/>
+            <a:r>
+              <a:rPr lang="pt-BR" sz="1100" dirty="0" err="1" smtClean="0">
+                <a:latin typeface="Roboto" pitchFamily="2" charset="0"/>
+                <a:ea typeface="Roboto" pitchFamily="2" charset="0"/>
+              </a:rPr>
+              <a:t>Student</a:t>
+            </a:r>
+            <a:r>
+              <a:rPr lang="pt-BR" sz="1100" dirty="0" smtClean="0">
+                <a:latin typeface="Roboto" pitchFamily="2" charset="0"/>
+                <a:ea typeface="Roboto" pitchFamily="2" charset="0"/>
+              </a:rPr>
+              <a:t> Exchange </a:t>
+            </a:r>
+            <a:r>
+              <a:rPr lang="pt-BR" sz="1100" dirty="0" err="1" smtClean="0">
+                <a:latin typeface="Roboto" pitchFamily="2" charset="0"/>
+                <a:ea typeface="Roboto" pitchFamily="2" charset="0"/>
+              </a:rPr>
+              <a:t>Program</a:t>
+            </a:r>
+            <a:endParaRPr lang="pt-BR" sz="1100" dirty="0">
+              <a:latin typeface="Roboto" pitchFamily="2" charset="0"/>
+              <a:ea typeface="Roboto" pitchFamily="2" charset="0"/>
+            </a:endParaRPr>
+          </a:p>
+        </p:txBody>
+      </p:sp>
+      <p:cxnSp>
+        <p:nvCxnSpPr>
+          <p:cNvPr id="46" name="Conector reto 45"/>
+          <p:cNvCxnSpPr>
+            <a:stCxn id="49" idx="0"/>
+            <a:endCxn id="42" idx="4"/>
+          </p:cNvCxnSpPr>
+          <p:nvPr/>
+        </p:nvCxnSpPr>
+        <p:spPr>
+          <a:xfrm rot="5400000" flipH="1" flipV="1">
+            <a:off x="4053841" y="5073624"/>
+            <a:ext cx="1083633" cy="1588"/>
+          </a:xfrm>
+          <a:prstGeom prst="line">
+            <a:avLst/>
+          </a:prstGeom>
+          <a:ln w="38100">
+            <a:solidFill>
+              <a:srgbClr val="048082"/>
+            </a:solidFill>
+          </a:ln>
+        </p:spPr>
+        <p:style>
+          <a:lnRef idx="1">
+            <a:schemeClr val="accent1"/>
+          </a:lnRef>
+          <a:fillRef idx="0">
+            <a:schemeClr val="accent1"/>
+          </a:fillRef>
+          <a:effectRef idx="0">
+            <a:schemeClr val="accent1"/>
+          </a:effectRef>
+          <a:fontRef idx="minor">
+            <a:schemeClr val="tx1"/>
+          </a:fontRef>
+        </p:style>
+      </p:cxnSp>
+      <p:cxnSp>
+        <p:nvCxnSpPr>
+          <p:cNvPr id="47" name="Conector reto 46"/>
+          <p:cNvCxnSpPr/>
+          <p:nvPr/>
+        </p:nvCxnSpPr>
+        <p:spPr>
+          <a:xfrm rot="5400000" flipH="1" flipV="1">
+            <a:off x="4285548" y="2463793"/>
+            <a:ext cx="642942" cy="1588"/>
+          </a:xfrm>
+          <a:prstGeom prst="line">
+            <a:avLst/>
+          </a:prstGeom>
+          <a:ln w="38100">
+            <a:solidFill>
+              <a:schemeClr val="bg1">
+                <a:lumMod val="75000"/>
+              </a:schemeClr>
+            </a:solidFill>
+            <a:prstDash val="sysDot"/>
+          </a:ln>
+        </p:spPr>
+        <p:style>
+          <a:lnRef idx="1">
+            <a:schemeClr val="accent1"/>
+          </a:lnRef>
+          <a:fillRef idx="0">
+            <a:schemeClr val="accent1"/>
+          </a:fillRef>
+          <a:effectRef idx="0">
+            <a:schemeClr val="accent1"/>
+          </a:effectRef>
+          <a:fontRef idx="minor">
+            <a:schemeClr val="tx1"/>
+          </a:fontRef>
+        </p:style>
+      </p:cxnSp>
+      <p:sp>
+        <p:nvSpPr>
+          <p:cNvPr id="48" name="Elipse 47"/>
+          <p:cNvSpPr/>
+          <p:nvPr/>
+        </p:nvSpPr>
+        <p:spPr>
+          <a:xfrm>
+            <a:off x="4500374" y="2071679"/>
+            <a:ext cx="214314" cy="214314"/>
+          </a:xfrm>
+          <a:prstGeom prst="ellipse">
+            <a:avLst/>
+          </a:prstGeom>
+          <a:solidFill>
+            <a:schemeClr val="bg1">
+              <a:lumMod val="75000"/>
+            </a:schemeClr>
+          </a:solidFill>
+          <a:ln>
+            <a:solidFill>
+              <a:schemeClr val="bg1">
+                <a:lumMod val="75000"/>
+              </a:schemeClr>
+            </a:solidFill>
+          </a:ln>
+        </p:spPr>
+        <p:style>
+          <a:lnRef idx="2">
+            <a:schemeClr val="accent1">
+              <a:shade val="50000"/>
+            </a:schemeClr>
+          </a:lnRef>
+          <a:fillRef idx="1">
+            <a:schemeClr val="accent1"/>
+          </a:fillRef>
+          <a:effectRef idx="0">
+            <a:schemeClr val="accent1"/>
+          </a:effectRef>
+          <a:fontRef idx="minor">
+            <a:schemeClr val="lt1"/>
+          </a:fontRef>
+        </p:style>
+        <p:txBody>
+          <a:bodyPr rtlCol="0" anchor="ctr"/>
+          <a:lstStyle/>
+          <a:p>
+            <a:pPr algn="ctr"/>
+            <a:endParaRPr lang="pt-BR">
+              <a:latin typeface="Oswald Light" pitchFamily="2" charset="0"/>
+            </a:endParaRPr>
+          </a:p>
+        </p:txBody>
+      </p:sp>
+      <p:sp>
+        <p:nvSpPr>
+          <p:cNvPr id="49" name="Elipse 48"/>
+          <p:cNvSpPr/>
+          <p:nvPr/>
+        </p:nvSpPr>
+        <p:spPr>
+          <a:xfrm>
+            <a:off x="4488499" y="5615440"/>
+            <a:ext cx="214314" cy="214314"/>
+          </a:xfrm>
+          <a:prstGeom prst="ellipse">
+            <a:avLst/>
+          </a:prstGeom>
+          <a:solidFill>
+            <a:srgbClr val="E05B55"/>
+          </a:solidFill>
+          <a:ln>
+            <a:solidFill>
+              <a:srgbClr val="E05B55"/>
+            </a:solidFill>
+          </a:ln>
+        </p:spPr>
+        <p:style>
+          <a:lnRef idx="2">
+            <a:schemeClr val="accent1">
+              <a:shade val="50000"/>
+            </a:schemeClr>
+          </a:lnRef>
+          <a:fillRef idx="1">
+            <a:schemeClr val="accent1"/>
+          </a:fillRef>
+          <a:effectRef idx="0">
+            <a:schemeClr val="accent1"/>
+          </a:effectRef>
+          <a:fontRef idx="minor">
+            <a:schemeClr val="lt1"/>
+          </a:fontRef>
+        </p:style>
+        <p:txBody>
+          <a:bodyPr rtlCol="0" anchor="ctr"/>
+          <a:lstStyle/>
+          <a:p>
+            <a:pPr algn="ctr"/>
+            <a:endParaRPr lang="pt-BR">
+              <a:latin typeface="Oswald Light" pitchFamily="2" charset="0"/>
+            </a:endParaRPr>
+          </a:p>
+        </p:txBody>
+      </p:sp>
+      <p:cxnSp>
+        <p:nvCxnSpPr>
+          <p:cNvPr id="53" name="Conector reto 52"/>
+          <p:cNvCxnSpPr/>
+          <p:nvPr/>
+        </p:nvCxnSpPr>
+        <p:spPr>
+          <a:xfrm rot="5400000" flipH="1" flipV="1">
+            <a:off x="4062907" y="6264123"/>
+            <a:ext cx="1043432" cy="1494"/>
+          </a:xfrm>
+          <a:prstGeom prst="line">
+            <a:avLst/>
+          </a:prstGeom>
+          <a:ln w="38100">
+            <a:solidFill>
+              <a:srgbClr val="E05B55"/>
+            </a:solidFill>
+          </a:ln>
+        </p:spPr>
+        <p:style>
+          <a:lnRef idx="1">
+            <a:schemeClr val="accent1"/>
+          </a:lnRef>
+          <a:fillRef idx="0">
+            <a:schemeClr val="accent1"/>
+          </a:fillRef>
+          <a:effectRef idx="0">
+            <a:schemeClr val="accent1"/>
+          </a:effectRef>
+          <a:fontRef idx="minor">
+            <a:schemeClr val="tx1"/>
+          </a:fontRef>
+        </p:style>
+      </p:cxnSp>
+    </p:spTree>
+  </p:cSld>
+  <p:clrMapOvr>
+    <a:masterClrMapping/>
+  </p:clrMapOvr>
+  <p:timing>
+    <p:tnLst>
+      <p:par>
+        <p:cTn id="1" dur="indefinite" restart="never" nodeType="tmRoot"/>
+      </p:par>
+    </p:tnLst>
+  </p:timing>
 </p:sld>
 </file>
 
